--- a/meeting/Serverless数据分析应用特征的定性分析.pptx
+++ b/meeting/Serverless数据分析应用特征的定性分析.pptx
@@ -792,7 +792,148 @@
         <p:txBody>
           <a:bodyPr/>
           <a:p>
-            <a:endParaRPr>
+            <a:r>
+              <a:rPr lang="en-US">
+                <a:sym typeface="+mn-ea"/>
+              </a:rPr>
+              <a:t>* </a:t>
+            </a:r>
+            <a:r>
+              <a:rPr lang="zh-CN" altLang="en-US">
+                <a:sym typeface="+mn-ea"/>
+              </a:rPr>
+              <a:t>问题：调研的数据分析应用一个任务只由一个函数构成（至少应用感知的那篇</a:t>
+            </a:r>
+            <a:r>
+              <a:rPr lang="en-US" altLang="zh-CN">
+                <a:sym typeface="+mn-ea"/>
+              </a:rPr>
+              <a:t>paper</a:t>
+            </a:r>
+            <a:r>
+              <a:rPr lang="zh-CN" altLang="en-US">
+                <a:sym typeface="+mn-ea"/>
+              </a:rPr>
+              <a:t>中的三个应用都是这样的），而且一个</a:t>
+            </a:r>
+            <a:r>
+              <a:rPr lang="en-US" altLang="zh-CN">
+                <a:sym typeface="+mn-ea"/>
+              </a:rPr>
+              <a:t>stage</a:t>
+            </a:r>
+            <a:r>
+              <a:rPr lang="zh-CN" altLang="en-US">
+                <a:sym typeface="+mn-ea"/>
+              </a:rPr>
+              <a:t>内的任务都是并行的，这样一个</a:t>
+            </a:r>
+            <a:r>
+              <a:rPr lang="en-US" altLang="zh-CN">
+                <a:sym typeface="+mn-ea"/>
+              </a:rPr>
+              <a:t>stage</a:t>
+            </a:r>
+            <a:r>
+              <a:rPr lang="zh-CN" altLang="en-US">
+                <a:sym typeface="+mn-ea"/>
+              </a:rPr>
+              <a:t>内就不存在函数之间的通信。这样</a:t>
+            </a:r>
+            <a:r>
+              <a:rPr lang="en-US" altLang="zh-CN">
+                <a:sym typeface="+mn-ea"/>
+              </a:rPr>
+              <a:t>Sonic</a:t>
+            </a:r>
+            <a:r>
+              <a:rPr lang="zh-CN" altLang="en-US">
+                <a:sym typeface="+mn-ea"/>
+              </a:rPr>
+              <a:t>的应用感知方案虽然是以函数为粒度，但也可以理解为</a:t>
+            </a:r>
+            <a:r>
+              <a:rPr lang="en-US" altLang="zh-CN">
+                <a:sym typeface="+mn-ea"/>
+              </a:rPr>
+              <a:t>stage-</a:t>
+            </a:r>
+            <a:r>
+              <a:rPr lang="en-US" altLang="zh-CN">
+                <a:sym typeface="+mn-ea"/>
+              </a:rPr>
+              <a:t>aware</a:t>
+            </a:r>
+            <a:endParaRPr lang="en-US" altLang="zh-CN">
+              <a:sym typeface="+mn-ea"/>
+            </a:endParaRPr>
+          </a:p>
+          <a:p>
+            <a:r>
+              <a:rPr lang="en-US" altLang="zh-CN">
+                <a:sym typeface="+mn-ea"/>
+              </a:rPr>
+              <a:t>* </a:t>
+            </a:r>
+            <a:r>
+              <a:rPr lang="zh-CN" altLang="en-US">
+                <a:sym typeface="+mn-ea"/>
+              </a:rPr>
+              <a:t>想法：一种可能就是调研的任务太简单，复杂的应用可能会将一个任务解耦成多个函数；还有一种可能就是</a:t>
+            </a:r>
+            <a:r>
+              <a:rPr lang="en-US" altLang="zh-CN">
+                <a:sym typeface="+mn-ea"/>
+              </a:rPr>
+              <a:t> one function per task</a:t>
+            </a:r>
+            <a:r>
+              <a:rPr lang="zh-CN" altLang="en-US">
+                <a:sym typeface="+mn-ea"/>
+              </a:rPr>
+              <a:t>是通用的范式，但是这样</a:t>
+            </a:r>
+            <a:r>
+              <a:rPr lang="en-US" altLang="zh-CN">
+                <a:uFillTx/>
+                <a:ea typeface="+mn-lt"/>
+                <a:sym typeface="+mn-ea"/>
+              </a:rPr>
+              <a:t>过于笨重，削弱了弹性，不便于调度 </a:t>
+            </a:r>
+            <a:r>
+              <a:rPr lang="zh-CN" altLang="en-US">
+                <a:uFillTx/>
+                <a:ea typeface="宋体" panose="02010600030101010101" pitchFamily="2" charset="-122"/>
+                <a:sym typeface="+mn-ea"/>
+              </a:rPr>
+              <a:t>，可以把它</a:t>
+            </a:r>
+            <a:r>
+              <a:rPr lang="en-US" altLang="zh-CN">
+                <a:uFillTx/>
+                <a:ea typeface="+mn-lt"/>
+                <a:sym typeface="+mn-ea"/>
+              </a:rPr>
+              <a:t> 解耦成函数链(通信开销和扩展性的trade-off) </a:t>
+            </a:r>
+            <a:r>
+              <a:rPr lang="zh-CN" altLang="en-US">
+                <a:uFillTx/>
+                <a:ea typeface="宋体" panose="02010600030101010101" pitchFamily="2" charset="-122"/>
+                <a:sym typeface="+mn-ea"/>
+              </a:rPr>
+              <a:t>，从而可以去做</a:t>
+            </a:r>
+            <a:r>
+              <a:rPr lang="en-US" altLang="zh-CN">
+                <a:uFillTx/>
+                <a:ea typeface="+mn-lt"/>
+                <a:sym typeface="+mn-ea"/>
+              </a:rPr>
+              <a:t>stage-aware</a:t>
+            </a:r>
+            <a:endParaRPr lang="zh-CN" altLang="en-US">
               <a:sym typeface="+mn-ea"/>
             </a:endParaRPr>
           </a:p>
@@ -912,7 +1053,7 @@
               </a:rPr>
               <a:t>  * 可以看出S3的请求速率是受限的，尤其是对于小文件的读写无法提供较高的吞吐率，可以看到对于10KB大小的文件S3的吞吐量比Redis低了两个数量级</a:t>
             </a:r>
-            <a:endParaRPr>
+            <a:endParaRPr lang="zh-CN">
               <a:sym typeface="+mn-ea"/>
             </a:endParaRPr>
           </a:p>
@@ -1180,34 +1321,6 @@
         <p:txBody>
           <a:bodyPr/>
           <a:p>
-            <a:r>
-              <a:rPr>
-                <a:sym typeface="+mn-ea"/>
-              </a:rPr>
-              <a:t>* 接下来是请求吞吐率</a:t>
-            </a:r>
-            <a:endParaRPr>
-              <a:sym typeface="+mn-ea"/>
-            </a:endParaRPr>
-          </a:p>
-          <a:p>
-            <a:r>
-              <a:rPr>
-                <a:sym typeface="+mn-ea"/>
-              </a:rPr>
-              <a:t>  * 下面这张表格展示了随数据对象大小变化时，S3和redis的请求吞吐量限制</a:t>
-            </a:r>
-            <a:endParaRPr>
-              <a:sym typeface="+mn-ea"/>
-            </a:endParaRPr>
-          </a:p>
-          <a:p>
-            <a:r>
-              <a:rPr>
-                <a:sym typeface="+mn-ea"/>
-              </a:rPr>
-              <a:t>  * 可以看出S3的请求速率是受限的，尤其是对于小文件的读写无法提供较高的吞吐率，可以看到对于10KB大小的文件S3的吞吐量比Redis低了两个数量级</a:t>
-            </a:r>
             <a:endParaRPr>
               <a:sym typeface="+mn-ea"/>
             </a:endParaRPr>
@@ -15568,17 +15681,17 @@
                 <a:uFillTx/>
                 <a:latin typeface="等线" panose="02010600030101010101" charset="-122"/>
               </a:rPr>
-              <a:t> Py</a:t>
-            </a:r>
-            <a:r>
-              <a:rPr lang="en-US" altLang="zh-CN">
+              <a:t> Pywren</a:t>
+            </a:r>
+            <a:r>
+              <a:rPr lang="en-US" altLang="zh-CN" baseline="30000">
                 <a:solidFill>
                   <a:schemeClr val="tx1"/>
                 </a:solidFill>
                 <a:uFillTx/>
                 <a:latin typeface="等线" panose="02010600030101010101" charset="-122"/>
               </a:rPr>
-              <a:t>wren</a:t>
+              <a:t>[1]</a:t>
             </a:r>
             <a:endParaRPr lang="en-US" altLang="zh-CN">
               <a:solidFill>
@@ -15589,7 +15702,7 @@
             </a:endParaRPr>
           </a:p>
           <a:p>
-            <a:pPr lvl="0"/>
+            <a:pPr lvl="1"/>
             <a:r>
               <a:rPr lang="en-US" altLang="zh-CN">
                 <a:solidFill>
@@ -15598,7 +15711,7 @@
                 <a:uFillTx/>
                 <a:latin typeface="等线" panose="02010600030101010101" charset="-122"/>
               </a:rPr>
-              <a:t> Mapreduce </a:t>
+              <a:t> Map-reduce style </a:t>
             </a:r>
             <a:r>
               <a:rPr lang="en-US" altLang="zh-CN">
@@ -15608,7 +15721,7 @@
                 <a:uFillTx/>
                 <a:latin typeface="等线" panose="02010600030101010101" charset="-122"/>
               </a:rPr>
-              <a:t>sort</a:t>
+              <a:t>serverless framework for highly parallel analytics workloads</a:t>
             </a:r>
             <a:endParaRPr lang="en-US" altLang="zh-CN">
               <a:solidFill>
@@ -15619,7 +15732,57 @@
             </a:endParaRPr>
           </a:p>
           <a:p>
-            <a:pPr marL="914400" lvl="2" indent="0">
+            <a:pPr lvl="0"/>
+            <a:r>
+              <a:rPr lang="en-US" altLang="zh-CN">
+                <a:solidFill>
+                  <a:schemeClr val="tx1"/>
+                </a:solidFill>
+                <a:uFillTx/>
+                <a:latin typeface="等线" panose="02010600030101010101" charset="-122"/>
+              </a:rPr>
+              <a:t> Mapreduce </a:t>
+            </a:r>
+            <a:r>
+              <a:rPr lang="en-US" altLang="zh-CN">
+                <a:solidFill>
+                  <a:schemeClr val="tx1"/>
+                </a:solidFill>
+                <a:uFillTx/>
+                <a:latin typeface="等线" panose="02010600030101010101" charset="-122"/>
+              </a:rPr>
+              <a:t>sort</a:t>
+            </a:r>
+            <a:endParaRPr lang="en-US" altLang="zh-CN">
+              <a:solidFill>
+                <a:schemeClr val="tx1"/>
+              </a:solidFill>
+              <a:uFillTx/>
+              <a:latin typeface="等线" panose="02010600030101010101" charset="-122"/>
+            </a:endParaRPr>
+          </a:p>
+          <a:p>
+            <a:pPr lvl="1"/>
+            <a:r>
+              <a:rPr lang="en-US" altLang="zh-CN">
+                <a:solidFill>
+                  <a:schemeClr val="tx1"/>
+                </a:solidFill>
+                <a:uFillTx/>
+                <a:latin typeface="等线" panose="02010600030101010101" charset="-122"/>
+              </a:rPr>
+              <a:t> </a:t>
+            </a:r>
+            <a:endParaRPr lang="en-US" altLang="zh-CN">
+              <a:solidFill>
+                <a:schemeClr val="tx1"/>
+              </a:solidFill>
+              <a:uFillTx/>
+              <a:latin typeface="等线" panose="02010600030101010101" charset="-122"/>
+            </a:endParaRPr>
+          </a:p>
+          <a:p>
+            <a:pPr marL="1371600" lvl="3" indent="0">
               <a:buNone/>
             </a:pPr>
             <a:endParaRPr lang="en-US" altLang="zh-CN">
@@ -15628,6 +15791,4934 @@
               </a:solidFill>
               <a:uFillTx/>
               <a:latin typeface="等线" panose="02010600030101010101" charset="-122"/>
+            </a:endParaRPr>
+          </a:p>
+        </p:txBody>
+      </p:sp>
+      <p:sp>
+        <p:nvSpPr>
+          <p:cNvPr id="4" name="矩形 3"/>
+          <p:cNvSpPr/>
+          <p:nvPr/>
+        </p:nvSpPr>
+        <p:spPr>
+          <a:xfrm>
+            <a:off x="1945005" y="2894330"/>
+            <a:ext cx="1003935" cy="3166110"/>
+          </a:xfrm>
+          <a:prstGeom prst="rect">
+            <a:avLst/>
+          </a:prstGeom>
+          <a:solidFill>
+            <a:schemeClr val="bg2"/>
+          </a:solidFill>
+          <a:ln w="31750" cmpd="sng">
+            <a:solidFill>
+              <a:schemeClr val="bg2">
+                <a:lumMod val="75000"/>
+              </a:schemeClr>
+            </a:solidFill>
+            <a:prstDash val="sysDash"/>
+          </a:ln>
+        </p:spPr>
+        <p:style>
+          <a:lnRef idx="2">
+            <a:schemeClr val="accent1">
+              <a:shade val="50000"/>
+            </a:schemeClr>
+          </a:lnRef>
+          <a:fillRef idx="1">
+            <a:schemeClr val="accent1"/>
+          </a:fillRef>
+          <a:effectRef idx="0">
+            <a:schemeClr val="accent1"/>
+          </a:effectRef>
+          <a:fontRef idx="minor">
+            <a:schemeClr val="lt1"/>
+          </a:fontRef>
+        </p:style>
+        <p:txBody>
+          <a:bodyPr rtlCol="0" anchor="ctr"/>
+          <a:p>
+            <a:pPr algn="ctr"/>
+            <a:endParaRPr lang="zh-CN" altLang="en-US" dirty="0">
+              <a:solidFill>
+                <a:schemeClr val="tx1"/>
+              </a:solidFill>
+            </a:endParaRPr>
+          </a:p>
+        </p:txBody>
+      </p:sp>
+      <p:sp>
+        <p:nvSpPr>
+          <p:cNvPr id="5" name="矩形 4"/>
+          <p:cNvSpPr/>
+          <p:nvPr/>
+        </p:nvSpPr>
+        <p:spPr>
+          <a:xfrm>
+            <a:off x="2056130" y="2997200"/>
+            <a:ext cx="781050" cy="294005"/>
+          </a:xfrm>
+          <a:prstGeom prst="rect">
+            <a:avLst/>
+          </a:prstGeom>
+          <a:noFill/>
+          <a:ln w="19050">
+            <a:solidFill>
+              <a:schemeClr val="tx1"/>
+            </a:solidFill>
+          </a:ln>
+        </p:spPr>
+        <p:style>
+          <a:lnRef idx="2">
+            <a:schemeClr val="accent1">
+              <a:shade val="50000"/>
+            </a:schemeClr>
+          </a:lnRef>
+          <a:fillRef idx="1">
+            <a:schemeClr val="accent1"/>
+          </a:fillRef>
+          <a:effectRef idx="0">
+            <a:schemeClr val="accent1"/>
+          </a:effectRef>
+          <a:fontRef idx="minor">
+            <a:schemeClr val="lt1"/>
+          </a:fontRef>
+        </p:style>
+        <p:txBody>
+          <a:bodyPr rtlCol="0" anchor="ctr"/>
+          <a:p>
+            <a:pPr algn="ctr"/>
+            <a:endParaRPr lang="zh-CN" altLang="en-US" dirty="0">
+              <a:solidFill>
+                <a:schemeClr val="tx1"/>
+              </a:solidFill>
+            </a:endParaRPr>
+          </a:p>
+        </p:txBody>
+      </p:sp>
+      <p:sp>
+        <p:nvSpPr>
+          <p:cNvPr id="7" name="文本框 6"/>
+          <p:cNvSpPr txBox="1"/>
+          <p:nvPr/>
+        </p:nvSpPr>
+        <p:spPr>
+          <a:xfrm>
+            <a:off x="2045970" y="2959735"/>
+            <a:ext cx="791210" cy="368300"/>
+          </a:xfrm>
+          <a:prstGeom prst="rect">
+            <a:avLst/>
+          </a:prstGeom>
+          <a:noFill/>
+        </p:spPr>
+        <p:txBody>
+          <a:bodyPr wrap="square" rtlCol="0">
+            <a:spAutoFit/>
+          </a:bodyPr>
+          <a:p>
+            <a:r>
+              <a:rPr lang="en-US" altLang="zh-CN"/>
+              <a:t>S</a:t>
+            </a:r>
+            <a:r>
+              <a:rPr lang="en-US" altLang="zh-CN"/>
+              <a:t>plit 0</a:t>
+            </a:r>
+            <a:endParaRPr lang="en-US" altLang="zh-CN"/>
+          </a:p>
+        </p:txBody>
+      </p:sp>
+      <p:sp>
+        <p:nvSpPr>
+          <p:cNvPr id="8" name="矩形 7"/>
+          <p:cNvSpPr/>
+          <p:nvPr/>
+        </p:nvSpPr>
+        <p:spPr>
+          <a:xfrm>
+            <a:off x="2056765" y="3291205"/>
+            <a:ext cx="781050" cy="294005"/>
+          </a:xfrm>
+          <a:prstGeom prst="rect">
+            <a:avLst/>
+          </a:prstGeom>
+          <a:noFill/>
+          <a:ln w="19050">
+            <a:solidFill>
+              <a:schemeClr val="tx1"/>
+            </a:solidFill>
+          </a:ln>
+        </p:spPr>
+        <p:style>
+          <a:lnRef idx="2">
+            <a:schemeClr val="accent1">
+              <a:shade val="50000"/>
+            </a:schemeClr>
+          </a:lnRef>
+          <a:fillRef idx="1">
+            <a:schemeClr val="accent1"/>
+          </a:fillRef>
+          <a:effectRef idx="0">
+            <a:schemeClr val="accent1"/>
+          </a:effectRef>
+          <a:fontRef idx="minor">
+            <a:schemeClr val="lt1"/>
+          </a:fontRef>
+        </p:style>
+        <p:txBody>
+          <a:bodyPr rtlCol="0" anchor="ctr"/>
+          <a:p>
+            <a:pPr algn="ctr"/>
+            <a:endParaRPr lang="zh-CN" altLang="en-US" dirty="0">
+              <a:solidFill>
+                <a:schemeClr val="tx1"/>
+              </a:solidFill>
+            </a:endParaRPr>
+          </a:p>
+        </p:txBody>
+      </p:sp>
+      <p:sp>
+        <p:nvSpPr>
+          <p:cNvPr id="9" name="文本框 8"/>
+          <p:cNvSpPr txBox="1"/>
+          <p:nvPr/>
+        </p:nvSpPr>
+        <p:spPr>
+          <a:xfrm>
+            <a:off x="2046605" y="3253740"/>
+            <a:ext cx="791210" cy="368300"/>
+          </a:xfrm>
+          <a:prstGeom prst="rect">
+            <a:avLst/>
+          </a:prstGeom>
+          <a:noFill/>
+        </p:spPr>
+        <p:txBody>
+          <a:bodyPr wrap="square" rtlCol="0">
+            <a:spAutoFit/>
+          </a:bodyPr>
+          <a:p>
+            <a:r>
+              <a:rPr lang="en-US" altLang="zh-CN"/>
+              <a:t>S</a:t>
+            </a:r>
+            <a:r>
+              <a:rPr lang="en-US" altLang="zh-CN"/>
+              <a:t>plit 1</a:t>
+            </a:r>
+            <a:endParaRPr lang="en-US" altLang="zh-CN"/>
+          </a:p>
+        </p:txBody>
+      </p:sp>
+      <p:sp>
+        <p:nvSpPr>
+          <p:cNvPr id="10" name="矩形 9"/>
+          <p:cNvSpPr/>
+          <p:nvPr/>
+        </p:nvSpPr>
+        <p:spPr>
+          <a:xfrm>
+            <a:off x="2056765" y="3585210"/>
+            <a:ext cx="781050" cy="294005"/>
+          </a:xfrm>
+          <a:prstGeom prst="rect">
+            <a:avLst/>
+          </a:prstGeom>
+          <a:noFill/>
+          <a:ln w="19050">
+            <a:solidFill>
+              <a:schemeClr val="tx1"/>
+            </a:solidFill>
+          </a:ln>
+        </p:spPr>
+        <p:style>
+          <a:lnRef idx="2">
+            <a:schemeClr val="accent1">
+              <a:shade val="50000"/>
+            </a:schemeClr>
+          </a:lnRef>
+          <a:fillRef idx="1">
+            <a:schemeClr val="accent1"/>
+          </a:fillRef>
+          <a:effectRef idx="0">
+            <a:schemeClr val="accent1"/>
+          </a:effectRef>
+          <a:fontRef idx="minor">
+            <a:schemeClr val="lt1"/>
+          </a:fontRef>
+        </p:style>
+        <p:txBody>
+          <a:bodyPr rtlCol="0" anchor="ctr"/>
+          <a:p>
+            <a:pPr algn="ctr"/>
+            <a:endParaRPr lang="zh-CN" altLang="en-US" dirty="0">
+              <a:solidFill>
+                <a:schemeClr val="tx1"/>
+              </a:solidFill>
+            </a:endParaRPr>
+          </a:p>
+        </p:txBody>
+      </p:sp>
+      <p:sp>
+        <p:nvSpPr>
+          <p:cNvPr id="11" name="文本框 10"/>
+          <p:cNvSpPr txBox="1"/>
+          <p:nvPr/>
+        </p:nvSpPr>
+        <p:spPr>
+          <a:xfrm>
+            <a:off x="2046605" y="3547745"/>
+            <a:ext cx="791210" cy="368300"/>
+          </a:xfrm>
+          <a:prstGeom prst="rect">
+            <a:avLst/>
+          </a:prstGeom>
+          <a:noFill/>
+        </p:spPr>
+        <p:txBody>
+          <a:bodyPr wrap="square" rtlCol="0">
+            <a:spAutoFit/>
+          </a:bodyPr>
+          <a:p>
+            <a:r>
+              <a:rPr lang="en-US" altLang="zh-CN"/>
+              <a:t>S</a:t>
+            </a:r>
+            <a:r>
+              <a:rPr lang="en-US" altLang="zh-CN"/>
+              <a:t>plit 2</a:t>
+            </a:r>
+            <a:endParaRPr lang="en-US" altLang="zh-CN"/>
+          </a:p>
+        </p:txBody>
+      </p:sp>
+      <p:sp>
+        <p:nvSpPr>
+          <p:cNvPr id="12" name="矩形 11"/>
+          <p:cNvSpPr/>
+          <p:nvPr/>
+        </p:nvSpPr>
+        <p:spPr>
+          <a:xfrm>
+            <a:off x="2056765" y="3879215"/>
+            <a:ext cx="781050" cy="294005"/>
+          </a:xfrm>
+          <a:prstGeom prst="rect">
+            <a:avLst/>
+          </a:prstGeom>
+          <a:noFill/>
+          <a:ln w="19050">
+            <a:solidFill>
+              <a:schemeClr val="tx1"/>
+            </a:solidFill>
+          </a:ln>
+        </p:spPr>
+        <p:style>
+          <a:lnRef idx="2">
+            <a:schemeClr val="accent1">
+              <a:shade val="50000"/>
+            </a:schemeClr>
+          </a:lnRef>
+          <a:fillRef idx="1">
+            <a:schemeClr val="accent1"/>
+          </a:fillRef>
+          <a:effectRef idx="0">
+            <a:schemeClr val="accent1"/>
+          </a:effectRef>
+          <a:fontRef idx="minor">
+            <a:schemeClr val="lt1"/>
+          </a:fontRef>
+        </p:style>
+        <p:txBody>
+          <a:bodyPr rtlCol="0" anchor="ctr"/>
+          <a:p>
+            <a:pPr algn="ctr"/>
+            <a:endParaRPr lang="zh-CN" altLang="en-US" dirty="0">
+              <a:solidFill>
+                <a:schemeClr val="tx1"/>
+              </a:solidFill>
+            </a:endParaRPr>
+          </a:p>
+        </p:txBody>
+      </p:sp>
+      <p:sp>
+        <p:nvSpPr>
+          <p:cNvPr id="13" name="文本框 12"/>
+          <p:cNvSpPr txBox="1"/>
+          <p:nvPr/>
+        </p:nvSpPr>
+        <p:spPr>
+          <a:xfrm>
+            <a:off x="2046605" y="3841750"/>
+            <a:ext cx="791210" cy="368300"/>
+          </a:xfrm>
+          <a:prstGeom prst="rect">
+            <a:avLst/>
+          </a:prstGeom>
+          <a:noFill/>
+        </p:spPr>
+        <p:txBody>
+          <a:bodyPr wrap="square" rtlCol="0">
+            <a:spAutoFit/>
+          </a:bodyPr>
+          <a:p>
+            <a:r>
+              <a:rPr lang="en-US" altLang="zh-CN"/>
+              <a:t>S</a:t>
+            </a:r>
+            <a:r>
+              <a:rPr lang="en-US" altLang="zh-CN"/>
+              <a:t>plit 3</a:t>
+            </a:r>
+            <a:endParaRPr lang="en-US" altLang="zh-CN"/>
+          </a:p>
+        </p:txBody>
+      </p:sp>
+      <p:sp>
+        <p:nvSpPr>
+          <p:cNvPr id="14" name="矩形 13"/>
+          <p:cNvSpPr/>
+          <p:nvPr/>
+        </p:nvSpPr>
+        <p:spPr>
+          <a:xfrm>
+            <a:off x="2056765" y="4173220"/>
+            <a:ext cx="781050" cy="294005"/>
+          </a:xfrm>
+          <a:prstGeom prst="rect">
+            <a:avLst/>
+          </a:prstGeom>
+          <a:noFill/>
+          <a:ln w="19050">
+            <a:solidFill>
+              <a:schemeClr val="tx1"/>
+            </a:solidFill>
+          </a:ln>
+        </p:spPr>
+        <p:style>
+          <a:lnRef idx="2">
+            <a:schemeClr val="accent1">
+              <a:shade val="50000"/>
+            </a:schemeClr>
+          </a:lnRef>
+          <a:fillRef idx="1">
+            <a:schemeClr val="accent1"/>
+          </a:fillRef>
+          <a:effectRef idx="0">
+            <a:schemeClr val="accent1"/>
+          </a:effectRef>
+          <a:fontRef idx="minor">
+            <a:schemeClr val="lt1"/>
+          </a:fontRef>
+        </p:style>
+        <p:txBody>
+          <a:bodyPr rtlCol="0" anchor="ctr"/>
+          <a:p>
+            <a:pPr algn="ctr"/>
+            <a:endParaRPr lang="zh-CN" altLang="en-US" dirty="0">
+              <a:solidFill>
+                <a:schemeClr val="tx1"/>
+              </a:solidFill>
+            </a:endParaRPr>
+          </a:p>
+        </p:txBody>
+      </p:sp>
+      <p:sp>
+        <p:nvSpPr>
+          <p:cNvPr id="15" name="文本框 14"/>
+          <p:cNvSpPr txBox="1"/>
+          <p:nvPr/>
+        </p:nvSpPr>
+        <p:spPr>
+          <a:xfrm>
+            <a:off x="2046605" y="4135755"/>
+            <a:ext cx="791210" cy="368300"/>
+          </a:xfrm>
+          <a:prstGeom prst="rect">
+            <a:avLst/>
+          </a:prstGeom>
+          <a:noFill/>
+        </p:spPr>
+        <p:txBody>
+          <a:bodyPr wrap="square" rtlCol="0">
+            <a:spAutoFit/>
+          </a:bodyPr>
+          <a:p>
+            <a:r>
+              <a:rPr lang="en-US" altLang="zh-CN"/>
+              <a:t>S</a:t>
+            </a:r>
+            <a:r>
+              <a:rPr lang="en-US" altLang="zh-CN"/>
+              <a:t>plit 4</a:t>
+            </a:r>
+            <a:endParaRPr lang="en-US" altLang="zh-CN"/>
+          </a:p>
+        </p:txBody>
+      </p:sp>
+      <p:sp>
+        <p:nvSpPr>
+          <p:cNvPr id="16" name="矩形 15"/>
+          <p:cNvSpPr/>
+          <p:nvPr/>
+        </p:nvSpPr>
+        <p:spPr>
+          <a:xfrm>
+            <a:off x="2045970" y="5600700"/>
+            <a:ext cx="781050" cy="294005"/>
+          </a:xfrm>
+          <a:prstGeom prst="rect">
+            <a:avLst/>
+          </a:prstGeom>
+          <a:noFill/>
+          <a:ln w="19050">
+            <a:solidFill>
+              <a:schemeClr val="tx1"/>
+            </a:solidFill>
+          </a:ln>
+        </p:spPr>
+        <p:style>
+          <a:lnRef idx="2">
+            <a:schemeClr val="accent1">
+              <a:shade val="50000"/>
+            </a:schemeClr>
+          </a:lnRef>
+          <a:fillRef idx="1">
+            <a:schemeClr val="accent1"/>
+          </a:fillRef>
+          <a:effectRef idx="0">
+            <a:schemeClr val="accent1"/>
+          </a:effectRef>
+          <a:fontRef idx="minor">
+            <a:schemeClr val="lt1"/>
+          </a:fontRef>
+        </p:style>
+        <p:txBody>
+          <a:bodyPr rtlCol="0" anchor="ctr"/>
+          <a:p>
+            <a:pPr algn="ctr"/>
+            <a:endParaRPr lang="zh-CN" altLang="en-US" dirty="0">
+              <a:solidFill>
+                <a:schemeClr val="tx1"/>
+              </a:solidFill>
+            </a:endParaRPr>
+          </a:p>
+        </p:txBody>
+      </p:sp>
+      <p:sp>
+        <p:nvSpPr>
+          <p:cNvPr id="17" name="文本框 16"/>
+          <p:cNvSpPr txBox="1"/>
+          <p:nvPr/>
+        </p:nvSpPr>
+        <p:spPr>
+          <a:xfrm>
+            <a:off x="2035810" y="5563235"/>
+            <a:ext cx="913130" cy="368300"/>
+          </a:xfrm>
+          <a:prstGeom prst="rect">
+            <a:avLst/>
+          </a:prstGeom>
+          <a:noFill/>
+        </p:spPr>
+        <p:txBody>
+          <a:bodyPr wrap="square" rtlCol="0">
+            <a:spAutoFit/>
+          </a:bodyPr>
+          <a:p>
+            <a:r>
+              <a:rPr lang="en-US" altLang="zh-CN"/>
+              <a:t>S</a:t>
+            </a:r>
+            <a:r>
+              <a:rPr lang="en-US" altLang="zh-CN"/>
+              <a:t>plit K</a:t>
+            </a:r>
+            <a:endParaRPr lang="en-US" altLang="zh-CN"/>
+          </a:p>
+        </p:txBody>
+      </p:sp>
+      <p:sp>
+        <p:nvSpPr>
+          <p:cNvPr id="18" name="文本框 17"/>
+          <p:cNvSpPr txBox="1"/>
+          <p:nvPr/>
+        </p:nvSpPr>
+        <p:spPr>
+          <a:xfrm>
+            <a:off x="2056765" y="4934585"/>
+            <a:ext cx="781050" cy="368300"/>
+          </a:xfrm>
+          <a:prstGeom prst="rect">
+            <a:avLst/>
+          </a:prstGeom>
+          <a:noFill/>
+        </p:spPr>
+        <p:txBody>
+          <a:bodyPr wrap="square" rtlCol="0">
+            <a:spAutoFit/>
+          </a:bodyPr>
+          <a:p>
+            <a:r>
+              <a:rPr lang="en-US" altLang="zh-CN"/>
+              <a:t>...    ...</a:t>
+            </a:r>
+            <a:endParaRPr lang="en-US" altLang="zh-CN"/>
+          </a:p>
+        </p:txBody>
+      </p:sp>
+      <p:sp>
+        <p:nvSpPr>
+          <p:cNvPr id="20" name="文本框 19"/>
+          <p:cNvSpPr txBox="1"/>
+          <p:nvPr/>
+        </p:nvSpPr>
+        <p:spPr>
+          <a:xfrm>
+            <a:off x="1853565" y="6192520"/>
+            <a:ext cx="1186815" cy="368300"/>
+          </a:xfrm>
+          <a:prstGeom prst="rect">
+            <a:avLst/>
+          </a:prstGeom>
+          <a:noFill/>
+        </p:spPr>
+        <p:txBody>
+          <a:bodyPr wrap="square" rtlCol="0">
+            <a:spAutoFit/>
+          </a:bodyPr>
+          <a:p>
+            <a:r>
+              <a:rPr lang="en-US" altLang="zh-CN"/>
+              <a:t>Input </a:t>
+            </a:r>
+            <a:r>
+              <a:rPr lang="en-US" altLang="zh-CN"/>
+              <a:t>files</a:t>
+            </a:r>
+            <a:endParaRPr lang="en-US" altLang="zh-CN"/>
+          </a:p>
+        </p:txBody>
+      </p:sp>
+      <p:sp>
+        <p:nvSpPr>
+          <p:cNvPr id="22" name="流程图: 终止 21"/>
+          <p:cNvSpPr/>
+          <p:nvPr/>
+        </p:nvSpPr>
+        <p:spPr>
+          <a:xfrm>
+            <a:off x="3657600" y="3019425"/>
+            <a:ext cx="850900" cy="273685"/>
+          </a:xfrm>
+          <a:prstGeom prst="flowChartTerminator">
+            <a:avLst/>
+          </a:prstGeom>
+          <a:noFill/>
+          <a:ln w="19050">
+            <a:solidFill>
+              <a:schemeClr val="tx1"/>
+            </a:solidFill>
+          </a:ln>
+        </p:spPr>
+        <p:style>
+          <a:lnRef idx="2">
+            <a:schemeClr val="accent1">
+              <a:shade val="50000"/>
+            </a:schemeClr>
+          </a:lnRef>
+          <a:fillRef idx="1">
+            <a:schemeClr val="accent1"/>
+          </a:fillRef>
+          <a:effectRef idx="0">
+            <a:schemeClr val="accent1"/>
+          </a:effectRef>
+          <a:fontRef idx="minor">
+            <a:schemeClr val="lt1"/>
+          </a:fontRef>
+        </p:style>
+        <p:txBody>
+          <a:bodyPr rtlCol="0" anchor="ctr"/>
+          <a:p>
+            <a:pPr algn="ctr"/>
+            <a:endParaRPr lang="zh-CN" altLang="en-US" dirty="0">
+              <a:solidFill>
+                <a:schemeClr val="tx1"/>
+              </a:solidFill>
+            </a:endParaRPr>
+          </a:p>
+        </p:txBody>
+      </p:sp>
+      <p:sp>
+        <p:nvSpPr>
+          <p:cNvPr id="24" name="文本框 23"/>
+          <p:cNvSpPr txBox="1"/>
+          <p:nvPr/>
+        </p:nvSpPr>
+        <p:spPr>
+          <a:xfrm>
+            <a:off x="3601085" y="2647315"/>
+            <a:ext cx="969645" cy="368300"/>
+          </a:xfrm>
+          <a:prstGeom prst="rect">
+            <a:avLst/>
+          </a:prstGeom>
+          <a:noFill/>
+        </p:spPr>
+        <p:txBody>
+          <a:bodyPr wrap="square" rtlCol="0">
+            <a:spAutoFit/>
+          </a:bodyPr>
+          <a:p>
+            <a:pPr algn="l"/>
+            <a:r>
+              <a:rPr lang="en-US" altLang="zh-CN" b="1">
+                <a:solidFill>
+                  <a:srgbClr val="0070C0"/>
+                </a:solidFill>
+              </a:rPr>
+              <a:t>Stage 1</a:t>
+            </a:r>
+            <a:endParaRPr lang="en-US" altLang="zh-CN" b="1">
+              <a:solidFill>
+                <a:srgbClr val="0070C0"/>
+              </a:solidFill>
+            </a:endParaRPr>
+          </a:p>
+        </p:txBody>
+      </p:sp>
+      <p:sp>
+        <p:nvSpPr>
+          <p:cNvPr id="25" name="文本框 24"/>
+          <p:cNvSpPr txBox="1"/>
+          <p:nvPr/>
+        </p:nvSpPr>
+        <p:spPr>
+          <a:xfrm>
+            <a:off x="3832225" y="2972435"/>
+            <a:ext cx="501015" cy="368300"/>
+          </a:xfrm>
+          <a:prstGeom prst="rect">
+            <a:avLst/>
+          </a:prstGeom>
+          <a:noFill/>
+        </p:spPr>
+        <p:txBody>
+          <a:bodyPr wrap="square" rtlCol="0">
+            <a:spAutoFit/>
+          </a:bodyPr>
+          <a:p>
+            <a:r>
+              <a:rPr lang="en-US" altLang="zh-CN"/>
+              <a:t>tag</a:t>
+            </a:r>
+            <a:endParaRPr lang="en-US" altLang="zh-CN"/>
+          </a:p>
+        </p:txBody>
+      </p:sp>
+      <p:sp>
+        <p:nvSpPr>
+          <p:cNvPr id="35" name="流程图: 终止 34"/>
+          <p:cNvSpPr/>
+          <p:nvPr/>
+        </p:nvSpPr>
+        <p:spPr>
+          <a:xfrm>
+            <a:off x="3656965" y="3585845"/>
+            <a:ext cx="850900" cy="273685"/>
+          </a:xfrm>
+          <a:prstGeom prst="flowChartTerminator">
+            <a:avLst/>
+          </a:prstGeom>
+          <a:noFill/>
+          <a:ln w="19050">
+            <a:solidFill>
+              <a:schemeClr val="tx1"/>
+            </a:solidFill>
+          </a:ln>
+        </p:spPr>
+        <p:style>
+          <a:lnRef idx="2">
+            <a:schemeClr val="accent1">
+              <a:shade val="50000"/>
+            </a:schemeClr>
+          </a:lnRef>
+          <a:fillRef idx="1">
+            <a:schemeClr val="accent1"/>
+          </a:fillRef>
+          <a:effectRef idx="0">
+            <a:schemeClr val="accent1"/>
+          </a:effectRef>
+          <a:fontRef idx="minor">
+            <a:schemeClr val="lt1"/>
+          </a:fontRef>
+        </p:style>
+        <p:txBody>
+          <a:bodyPr rtlCol="0" anchor="ctr"/>
+          <a:p>
+            <a:pPr algn="ctr"/>
+            <a:endParaRPr lang="zh-CN" altLang="en-US" dirty="0">
+              <a:solidFill>
+                <a:schemeClr val="tx1"/>
+              </a:solidFill>
+            </a:endParaRPr>
+          </a:p>
+        </p:txBody>
+      </p:sp>
+      <p:sp>
+        <p:nvSpPr>
+          <p:cNvPr id="36" name="文本框 35"/>
+          <p:cNvSpPr txBox="1"/>
+          <p:nvPr/>
+        </p:nvSpPr>
+        <p:spPr>
+          <a:xfrm>
+            <a:off x="3831590" y="3538855"/>
+            <a:ext cx="501015" cy="368300"/>
+          </a:xfrm>
+          <a:prstGeom prst="rect">
+            <a:avLst/>
+          </a:prstGeom>
+          <a:noFill/>
+        </p:spPr>
+        <p:txBody>
+          <a:bodyPr wrap="square" rtlCol="0">
+            <a:spAutoFit/>
+          </a:bodyPr>
+          <a:p>
+            <a:r>
+              <a:rPr lang="en-US" altLang="zh-CN"/>
+              <a:t>tag</a:t>
+            </a:r>
+            <a:endParaRPr lang="en-US" altLang="zh-CN"/>
+          </a:p>
+        </p:txBody>
+      </p:sp>
+      <p:sp>
+        <p:nvSpPr>
+          <p:cNvPr id="37" name="流程图: 终止 36"/>
+          <p:cNvSpPr/>
+          <p:nvPr/>
+        </p:nvSpPr>
+        <p:spPr>
+          <a:xfrm>
+            <a:off x="3658235" y="4335780"/>
+            <a:ext cx="850900" cy="273685"/>
+          </a:xfrm>
+          <a:prstGeom prst="flowChartTerminator">
+            <a:avLst/>
+          </a:prstGeom>
+          <a:noFill/>
+          <a:ln w="19050">
+            <a:solidFill>
+              <a:schemeClr val="tx1"/>
+            </a:solidFill>
+          </a:ln>
+        </p:spPr>
+        <p:style>
+          <a:lnRef idx="2">
+            <a:schemeClr val="accent1">
+              <a:shade val="50000"/>
+            </a:schemeClr>
+          </a:lnRef>
+          <a:fillRef idx="1">
+            <a:schemeClr val="accent1"/>
+          </a:fillRef>
+          <a:effectRef idx="0">
+            <a:schemeClr val="accent1"/>
+          </a:effectRef>
+          <a:fontRef idx="minor">
+            <a:schemeClr val="lt1"/>
+          </a:fontRef>
+        </p:style>
+        <p:txBody>
+          <a:bodyPr rtlCol="0" anchor="ctr"/>
+          <a:p>
+            <a:pPr algn="ctr"/>
+            <a:endParaRPr lang="zh-CN" altLang="en-US" dirty="0">
+              <a:solidFill>
+                <a:schemeClr val="tx1"/>
+              </a:solidFill>
+            </a:endParaRPr>
+          </a:p>
+        </p:txBody>
+      </p:sp>
+      <p:sp>
+        <p:nvSpPr>
+          <p:cNvPr id="38" name="文本框 37"/>
+          <p:cNvSpPr txBox="1"/>
+          <p:nvPr/>
+        </p:nvSpPr>
+        <p:spPr>
+          <a:xfrm>
+            <a:off x="3832860" y="4288790"/>
+            <a:ext cx="501015" cy="368300"/>
+          </a:xfrm>
+          <a:prstGeom prst="rect">
+            <a:avLst/>
+          </a:prstGeom>
+          <a:noFill/>
+        </p:spPr>
+        <p:txBody>
+          <a:bodyPr wrap="square" rtlCol="0">
+            <a:spAutoFit/>
+          </a:bodyPr>
+          <a:p>
+            <a:r>
+              <a:rPr lang="en-US" altLang="zh-CN"/>
+              <a:t>tag</a:t>
+            </a:r>
+            <a:endParaRPr lang="en-US" altLang="zh-CN"/>
+          </a:p>
+        </p:txBody>
+      </p:sp>
+      <p:sp>
+        <p:nvSpPr>
+          <p:cNvPr id="39" name="流程图: 终止 38"/>
+          <p:cNvSpPr/>
+          <p:nvPr/>
+        </p:nvSpPr>
+        <p:spPr>
+          <a:xfrm>
+            <a:off x="3660140" y="5616575"/>
+            <a:ext cx="850900" cy="273685"/>
+          </a:xfrm>
+          <a:prstGeom prst="flowChartTerminator">
+            <a:avLst/>
+          </a:prstGeom>
+          <a:noFill/>
+          <a:ln w="19050">
+            <a:solidFill>
+              <a:schemeClr val="tx1"/>
+            </a:solidFill>
+          </a:ln>
+        </p:spPr>
+        <p:style>
+          <a:lnRef idx="2">
+            <a:schemeClr val="accent1">
+              <a:shade val="50000"/>
+            </a:schemeClr>
+          </a:lnRef>
+          <a:fillRef idx="1">
+            <a:schemeClr val="accent1"/>
+          </a:fillRef>
+          <a:effectRef idx="0">
+            <a:schemeClr val="accent1"/>
+          </a:effectRef>
+          <a:fontRef idx="minor">
+            <a:schemeClr val="lt1"/>
+          </a:fontRef>
+        </p:style>
+        <p:txBody>
+          <a:bodyPr rtlCol="0" anchor="ctr"/>
+          <a:p>
+            <a:pPr algn="ctr"/>
+            <a:endParaRPr lang="zh-CN" altLang="en-US" dirty="0">
+              <a:solidFill>
+                <a:schemeClr val="tx1"/>
+              </a:solidFill>
+            </a:endParaRPr>
+          </a:p>
+        </p:txBody>
+      </p:sp>
+      <p:sp>
+        <p:nvSpPr>
+          <p:cNvPr id="40" name="文本框 39"/>
+          <p:cNvSpPr txBox="1"/>
+          <p:nvPr/>
+        </p:nvSpPr>
+        <p:spPr>
+          <a:xfrm>
+            <a:off x="3834765" y="5569585"/>
+            <a:ext cx="501015" cy="368300"/>
+          </a:xfrm>
+          <a:prstGeom prst="rect">
+            <a:avLst/>
+          </a:prstGeom>
+          <a:noFill/>
+        </p:spPr>
+        <p:txBody>
+          <a:bodyPr wrap="square" rtlCol="0">
+            <a:spAutoFit/>
+          </a:bodyPr>
+          <a:p>
+            <a:r>
+              <a:rPr lang="en-US" altLang="zh-CN"/>
+              <a:t>tag</a:t>
+            </a:r>
+            <a:endParaRPr lang="en-US" altLang="zh-CN"/>
+          </a:p>
+        </p:txBody>
+      </p:sp>
+      <p:cxnSp>
+        <p:nvCxnSpPr>
+          <p:cNvPr id="41" name="直接箭头连接符 40"/>
+          <p:cNvCxnSpPr>
+            <a:stCxn id="7" idx="3"/>
+            <a:endCxn id="22" idx="1"/>
+          </p:cNvCxnSpPr>
+          <p:nvPr/>
+        </p:nvCxnSpPr>
+        <p:spPr>
+          <a:xfrm>
+            <a:off x="2837180" y="3143885"/>
+            <a:ext cx="820420" cy="12700"/>
+          </a:xfrm>
+          <a:prstGeom prst="straightConnector1">
+            <a:avLst/>
+          </a:prstGeom>
+          <a:ln w="19050">
+            <a:solidFill>
+              <a:schemeClr val="tx1"/>
+            </a:solidFill>
+            <a:headEnd type="none" w="med" len="med"/>
+            <a:tailEnd type="triangle" w="lg" len="lg"/>
+          </a:ln>
+        </p:spPr>
+        <p:style>
+          <a:lnRef idx="1">
+            <a:schemeClr val="accent1"/>
+          </a:lnRef>
+          <a:fillRef idx="0">
+            <a:schemeClr val="accent1"/>
+          </a:fillRef>
+          <a:effectRef idx="0">
+            <a:schemeClr val="accent1"/>
+          </a:effectRef>
+          <a:fontRef idx="minor">
+            <a:schemeClr val="tx1"/>
+          </a:fontRef>
+        </p:style>
+      </p:cxnSp>
+      <p:cxnSp>
+        <p:nvCxnSpPr>
+          <p:cNvPr id="42" name="曲线连接符 41"/>
+          <p:cNvCxnSpPr>
+            <a:stCxn id="9" idx="3"/>
+            <a:endCxn id="25" idx="2"/>
+          </p:cNvCxnSpPr>
+          <p:nvPr/>
+        </p:nvCxnSpPr>
+        <p:spPr>
+          <a:xfrm flipV="1">
+            <a:off x="2837815" y="3340735"/>
+            <a:ext cx="1245235" cy="97155"/>
+          </a:xfrm>
+          <a:prstGeom prst="curvedConnector2">
+            <a:avLst/>
+          </a:prstGeom>
+          <a:ln w="19050">
+            <a:solidFill>
+              <a:schemeClr val="tx1"/>
+            </a:solidFill>
+            <a:headEnd type="none" w="med" len="med"/>
+            <a:tailEnd type="triangle" w="lg" len="lg"/>
+          </a:ln>
+        </p:spPr>
+        <p:style>
+          <a:lnRef idx="1">
+            <a:schemeClr val="accent1"/>
+          </a:lnRef>
+          <a:fillRef idx="0">
+            <a:schemeClr val="accent1"/>
+          </a:fillRef>
+          <a:effectRef idx="0">
+            <a:schemeClr val="accent1"/>
+          </a:effectRef>
+          <a:fontRef idx="minor">
+            <a:schemeClr val="tx1"/>
+          </a:fontRef>
+        </p:style>
+      </p:cxnSp>
+      <p:cxnSp>
+        <p:nvCxnSpPr>
+          <p:cNvPr id="43" name="直接箭头连接符 42"/>
+          <p:cNvCxnSpPr>
+            <a:stCxn id="11" idx="3"/>
+            <a:endCxn id="35" idx="1"/>
+          </p:cNvCxnSpPr>
+          <p:nvPr/>
+        </p:nvCxnSpPr>
+        <p:spPr>
+          <a:xfrm flipV="1">
+            <a:off x="2837815" y="3723005"/>
+            <a:ext cx="819150" cy="8890"/>
+          </a:xfrm>
+          <a:prstGeom prst="straightConnector1">
+            <a:avLst/>
+          </a:prstGeom>
+          <a:ln w="19050">
+            <a:solidFill>
+              <a:schemeClr val="tx1"/>
+            </a:solidFill>
+            <a:headEnd type="none" w="med" len="med"/>
+            <a:tailEnd type="triangle" w="lg" len="lg"/>
+          </a:ln>
+        </p:spPr>
+        <p:style>
+          <a:lnRef idx="1">
+            <a:schemeClr val="accent1"/>
+          </a:lnRef>
+          <a:fillRef idx="0">
+            <a:schemeClr val="accent1"/>
+          </a:fillRef>
+          <a:effectRef idx="0">
+            <a:schemeClr val="accent1"/>
+          </a:effectRef>
+          <a:fontRef idx="minor">
+            <a:schemeClr val="tx1"/>
+          </a:fontRef>
+        </p:style>
+      </p:cxnSp>
+      <p:cxnSp>
+        <p:nvCxnSpPr>
+          <p:cNvPr id="44" name="直接箭头连接符 43"/>
+          <p:cNvCxnSpPr>
+            <a:stCxn id="13" idx="3"/>
+            <a:endCxn id="37" idx="1"/>
+          </p:cNvCxnSpPr>
+          <p:nvPr/>
+        </p:nvCxnSpPr>
+        <p:spPr>
+          <a:xfrm>
+            <a:off x="2837815" y="4025900"/>
+            <a:ext cx="820420" cy="447040"/>
+          </a:xfrm>
+          <a:prstGeom prst="straightConnector1">
+            <a:avLst/>
+          </a:prstGeom>
+          <a:ln w="19050">
+            <a:solidFill>
+              <a:schemeClr val="tx1"/>
+            </a:solidFill>
+            <a:headEnd type="none" w="med" len="med"/>
+            <a:tailEnd type="triangle" w="lg" len="lg"/>
+          </a:ln>
+        </p:spPr>
+        <p:style>
+          <a:lnRef idx="1">
+            <a:schemeClr val="accent1"/>
+          </a:lnRef>
+          <a:fillRef idx="0">
+            <a:schemeClr val="accent1"/>
+          </a:fillRef>
+          <a:effectRef idx="0">
+            <a:schemeClr val="accent1"/>
+          </a:effectRef>
+          <a:fontRef idx="minor">
+            <a:schemeClr val="tx1"/>
+          </a:fontRef>
+        </p:style>
+      </p:cxnSp>
+      <p:cxnSp>
+        <p:nvCxnSpPr>
+          <p:cNvPr id="46" name="曲线连接符 45"/>
+          <p:cNvCxnSpPr>
+            <a:stCxn id="15" idx="3"/>
+            <a:endCxn id="36" idx="2"/>
+          </p:cNvCxnSpPr>
+          <p:nvPr/>
+        </p:nvCxnSpPr>
+        <p:spPr>
+          <a:xfrm flipV="1">
+            <a:off x="2837815" y="3907155"/>
+            <a:ext cx="1244600" cy="412750"/>
+          </a:xfrm>
+          <a:prstGeom prst="curvedConnector2">
+            <a:avLst/>
+          </a:prstGeom>
+          <a:ln w="19050">
+            <a:solidFill>
+              <a:schemeClr val="tx1"/>
+            </a:solidFill>
+            <a:headEnd type="none" w="med" len="med"/>
+            <a:tailEnd type="triangle" w="lg" len="lg"/>
+          </a:ln>
+        </p:spPr>
+        <p:style>
+          <a:lnRef idx="1">
+            <a:schemeClr val="accent1"/>
+          </a:lnRef>
+          <a:fillRef idx="0">
+            <a:schemeClr val="accent1"/>
+          </a:fillRef>
+          <a:effectRef idx="0">
+            <a:schemeClr val="accent1"/>
+          </a:effectRef>
+          <a:fontRef idx="minor">
+            <a:schemeClr val="tx1"/>
+          </a:fontRef>
+        </p:style>
+      </p:cxnSp>
+      <p:cxnSp>
+        <p:nvCxnSpPr>
+          <p:cNvPr id="47" name="直接箭头连接符 46"/>
+          <p:cNvCxnSpPr/>
+          <p:nvPr/>
+        </p:nvCxnSpPr>
+        <p:spPr>
+          <a:xfrm flipV="1">
+            <a:off x="2840990" y="5767070"/>
+            <a:ext cx="819150" cy="8890"/>
+          </a:xfrm>
+          <a:prstGeom prst="straightConnector1">
+            <a:avLst/>
+          </a:prstGeom>
+          <a:ln w="19050">
+            <a:solidFill>
+              <a:schemeClr val="tx1"/>
+            </a:solidFill>
+            <a:headEnd type="none" w="med" len="med"/>
+            <a:tailEnd type="triangle" w="lg" len="lg"/>
+          </a:ln>
+        </p:spPr>
+        <p:style>
+          <a:lnRef idx="1">
+            <a:schemeClr val="accent1"/>
+          </a:lnRef>
+          <a:fillRef idx="0">
+            <a:schemeClr val="accent1"/>
+          </a:fillRef>
+          <a:effectRef idx="0">
+            <a:schemeClr val="accent1"/>
+          </a:effectRef>
+          <a:fontRef idx="minor">
+            <a:schemeClr val="tx1"/>
+          </a:fontRef>
+        </p:style>
+      </p:cxnSp>
+      <p:sp>
+        <p:nvSpPr>
+          <p:cNvPr id="48" name="文本框 47"/>
+          <p:cNvSpPr txBox="1"/>
+          <p:nvPr/>
+        </p:nvSpPr>
+        <p:spPr>
+          <a:xfrm>
+            <a:off x="3406140" y="6192520"/>
+            <a:ext cx="1358900" cy="368300"/>
+          </a:xfrm>
+          <a:prstGeom prst="rect">
+            <a:avLst/>
+          </a:prstGeom>
+          <a:noFill/>
+        </p:spPr>
+        <p:txBody>
+          <a:bodyPr wrap="square" rtlCol="0">
+            <a:spAutoFit/>
+          </a:bodyPr>
+          <a:p>
+            <a:r>
+              <a:rPr lang="en-US" altLang="zh-CN"/>
+              <a:t>Map </a:t>
+            </a:r>
+            <a:r>
+              <a:rPr lang="en-US" altLang="zh-CN"/>
+              <a:t>phrase</a:t>
+            </a:r>
+            <a:endParaRPr lang="en-US" altLang="zh-CN"/>
+          </a:p>
+        </p:txBody>
+      </p:sp>
+      <p:sp>
+        <p:nvSpPr>
+          <p:cNvPr id="49" name="文本框 48"/>
+          <p:cNvSpPr txBox="1"/>
+          <p:nvPr/>
+        </p:nvSpPr>
+        <p:spPr>
+          <a:xfrm>
+            <a:off x="3695065" y="4928870"/>
+            <a:ext cx="781050" cy="368300"/>
+          </a:xfrm>
+          <a:prstGeom prst="rect">
+            <a:avLst/>
+          </a:prstGeom>
+          <a:noFill/>
+        </p:spPr>
+        <p:txBody>
+          <a:bodyPr wrap="square" rtlCol="0">
+            <a:spAutoFit/>
+          </a:bodyPr>
+          <a:p>
+            <a:r>
+              <a:rPr lang="en-US" altLang="zh-CN"/>
+              <a:t>...    ...</a:t>
+            </a:r>
+            <a:endParaRPr lang="en-US" altLang="zh-CN"/>
+          </a:p>
+        </p:txBody>
+      </p:sp>
+      <p:sp>
+        <p:nvSpPr>
+          <p:cNvPr id="50" name="矩形 49"/>
+          <p:cNvSpPr/>
+          <p:nvPr/>
+        </p:nvSpPr>
+        <p:spPr>
+          <a:xfrm>
+            <a:off x="5561330" y="2327275"/>
+            <a:ext cx="1378585" cy="3864610"/>
+          </a:xfrm>
+          <a:prstGeom prst="rect">
+            <a:avLst/>
+          </a:prstGeom>
+          <a:solidFill>
+            <a:schemeClr val="bg2"/>
+          </a:solidFill>
+          <a:ln w="31750" cmpd="sng">
+            <a:solidFill>
+              <a:schemeClr val="bg2">
+                <a:lumMod val="75000"/>
+              </a:schemeClr>
+            </a:solidFill>
+            <a:prstDash val="sysDash"/>
+          </a:ln>
+        </p:spPr>
+        <p:style>
+          <a:lnRef idx="2">
+            <a:schemeClr val="accent1">
+              <a:shade val="50000"/>
+            </a:schemeClr>
+          </a:lnRef>
+          <a:fillRef idx="1">
+            <a:schemeClr val="accent1"/>
+          </a:fillRef>
+          <a:effectRef idx="0">
+            <a:schemeClr val="accent1"/>
+          </a:effectRef>
+          <a:fontRef idx="minor">
+            <a:schemeClr val="lt1"/>
+          </a:fontRef>
+        </p:style>
+        <p:txBody>
+          <a:bodyPr rtlCol="0" anchor="ctr"/>
+          <a:p>
+            <a:pPr algn="ctr"/>
+            <a:endParaRPr lang="zh-CN" altLang="en-US" dirty="0">
+              <a:solidFill>
+                <a:schemeClr val="tx1"/>
+              </a:solidFill>
+            </a:endParaRPr>
+          </a:p>
+        </p:txBody>
+      </p:sp>
+      <p:sp>
+        <p:nvSpPr>
+          <p:cNvPr id="61" name="矩形 60"/>
+          <p:cNvSpPr/>
+          <p:nvPr/>
+        </p:nvSpPr>
+        <p:spPr>
+          <a:xfrm>
+            <a:off x="5831205" y="2468245"/>
+            <a:ext cx="910590" cy="182880"/>
+          </a:xfrm>
+          <a:prstGeom prst="rect">
+            <a:avLst/>
+          </a:prstGeom>
+          <a:noFill/>
+          <a:ln w="19050">
+            <a:solidFill>
+              <a:schemeClr val="tx1"/>
+            </a:solidFill>
+          </a:ln>
+        </p:spPr>
+        <p:style>
+          <a:lnRef idx="2">
+            <a:schemeClr val="accent1">
+              <a:shade val="50000"/>
+            </a:schemeClr>
+          </a:lnRef>
+          <a:fillRef idx="1">
+            <a:schemeClr val="accent1"/>
+          </a:fillRef>
+          <a:effectRef idx="0">
+            <a:schemeClr val="accent1"/>
+          </a:effectRef>
+          <a:fontRef idx="minor">
+            <a:schemeClr val="lt1"/>
+          </a:fontRef>
+        </p:style>
+        <p:txBody>
+          <a:bodyPr rtlCol="0" anchor="ctr"/>
+          <a:p>
+            <a:pPr algn="ctr"/>
+            <a:endParaRPr lang="zh-CN" altLang="en-US" dirty="0">
+              <a:solidFill>
+                <a:schemeClr val="tx1"/>
+              </a:solidFill>
+            </a:endParaRPr>
+          </a:p>
+        </p:txBody>
+      </p:sp>
+      <p:sp>
+        <p:nvSpPr>
+          <p:cNvPr id="62" name="文本框 61"/>
+          <p:cNvSpPr txBox="1"/>
+          <p:nvPr/>
+        </p:nvSpPr>
+        <p:spPr>
+          <a:xfrm>
+            <a:off x="5805805" y="2421890"/>
+            <a:ext cx="1002030" cy="275590"/>
+          </a:xfrm>
+          <a:prstGeom prst="rect">
+            <a:avLst/>
+          </a:prstGeom>
+          <a:noFill/>
+        </p:spPr>
+        <p:txBody>
+          <a:bodyPr wrap="square" rtlCol="0">
+            <a:spAutoFit/>
+          </a:bodyPr>
+          <a:p>
+            <a:r>
+              <a:rPr lang="en-US" altLang="zh-CN" sz="1200"/>
+              <a:t>  Partition0</a:t>
+            </a:r>
+            <a:endParaRPr lang="en-US" altLang="zh-CN" sz="1200"/>
+          </a:p>
+        </p:txBody>
+      </p:sp>
+      <p:sp>
+        <p:nvSpPr>
+          <p:cNvPr id="85" name="矩形 84"/>
+          <p:cNvSpPr/>
+          <p:nvPr/>
+        </p:nvSpPr>
+        <p:spPr>
+          <a:xfrm>
+            <a:off x="5831205" y="2650490"/>
+            <a:ext cx="910590" cy="182880"/>
+          </a:xfrm>
+          <a:prstGeom prst="rect">
+            <a:avLst/>
+          </a:prstGeom>
+          <a:noFill/>
+          <a:ln w="19050">
+            <a:solidFill>
+              <a:schemeClr val="tx1"/>
+            </a:solidFill>
+          </a:ln>
+        </p:spPr>
+        <p:style>
+          <a:lnRef idx="2">
+            <a:schemeClr val="accent1">
+              <a:shade val="50000"/>
+            </a:schemeClr>
+          </a:lnRef>
+          <a:fillRef idx="1">
+            <a:schemeClr val="accent1"/>
+          </a:fillRef>
+          <a:effectRef idx="0">
+            <a:schemeClr val="accent1"/>
+          </a:effectRef>
+          <a:fontRef idx="minor">
+            <a:schemeClr val="lt1"/>
+          </a:fontRef>
+        </p:style>
+        <p:txBody>
+          <a:bodyPr rtlCol="0" anchor="ctr"/>
+          <a:p>
+            <a:pPr algn="ctr"/>
+            <a:endParaRPr lang="zh-CN" altLang="en-US" dirty="0">
+              <a:solidFill>
+                <a:schemeClr val="tx1"/>
+              </a:solidFill>
+            </a:endParaRPr>
+          </a:p>
+        </p:txBody>
+      </p:sp>
+      <p:sp>
+        <p:nvSpPr>
+          <p:cNvPr id="86" name="文本框 85"/>
+          <p:cNvSpPr txBox="1"/>
+          <p:nvPr/>
+        </p:nvSpPr>
+        <p:spPr>
+          <a:xfrm>
+            <a:off x="5805805" y="2604135"/>
+            <a:ext cx="1002030" cy="275590"/>
+          </a:xfrm>
+          <a:prstGeom prst="rect">
+            <a:avLst/>
+          </a:prstGeom>
+          <a:noFill/>
+        </p:spPr>
+        <p:txBody>
+          <a:bodyPr wrap="square" rtlCol="0">
+            <a:spAutoFit/>
+          </a:bodyPr>
+          <a:p>
+            <a:r>
+              <a:rPr lang="en-US" altLang="zh-CN" sz="1200"/>
+              <a:t>  Partition1</a:t>
+            </a:r>
+            <a:endParaRPr lang="en-US" altLang="zh-CN" sz="1200"/>
+          </a:p>
+        </p:txBody>
+      </p:sp>
+      <p:sp>
+        <p:nvSpPr>
+          <p:cNvPr id="87" name="矩形 86"/>
+          <p:cNvSpPr/>
+          <p:nvPr/>
+        </p:nvSpPr>
+        <p:spPr>
+          <a:xfrm>
+            <a:off x="5831205" y="2833370"/>
+            <a:ext cx="910590" cy="182880"/>
+          </a:xfrm>
+          <a:prstGeom prst="rect">
+            <a:avLst/>
+          </a:prstGeom>
+          <a:noFill/>
+          <a:ln w="19050">
+            <a:solidFill>
+              <a:schemeClr val="tx1"/>
+            </a:solidFill>
+          </a:ln>
+        </p:spPr>
+        <p:style>
+          <a:lnRef idx="2">
+            <a:schemeClr val="accent1">
+              <a:shade val="50000"/>
+            </a:schemeClr>
+          </a:lnRef>
+          <a:fillRef idx="1">
+            <a:schemeClr val="accent1"/>
+          </a:fillRef>
+          <a:effectRef idx="0">
+            <a:schemeClr val="accent1"/>
+          </a:effectRef>
+          <a:fontRef idx="minor">
+            <a:schemeClr val="lt1"/>
+          </a:fontRef>
+        </p:style>
+        <p:txBody>
+          <a:bodyPr rtlCol="0" anchor="ctr"/>
+          <a:p>
+            <a:pPr algn="ctr"/>
+            <a:endParaRPr lang="zh-CN" altLang="en-US" dirty="0">
+              <a:solidFill>
+                <a:schemeClr val="tx1"/>
+              </a:solidFill>
+            </a:endParaRPr>
+          </a:p>
+        </p:txBody>
+      </p:sp>
+      <p:sp>
+        <p:nvSpPr>
+          <p:cNvPr id="88" name="文本框 87"/>
+          <p:cNvSpPr txBox="1"/>
+          <p:nvPr/>
+        </p:nvSpPr>
+        <p:spPr>
+          <a:xfrm>
+            <a:off x="5932170" y="2748280"/>
+            <a:ext cx="748665" cy="306705"/>
+          </a:xfrm>
+          <a:prstGeom prst="rect">
+            <a:avLst/>
+          </a:prstGeom>
+          <a:noFill/>
+        </p:spPr>
+        <p:txBody>
+          <a:bodyPr wrap="square" rtlCol="0">
+            <a:spAutoFit/>
+          </a:bodyPr>
+          <a:p>
+            <a:r>
+              <a:rPr lang="en-US" altLang="zh-CN" sz="1400" b="1"/>
+              <a:t>...     ...</a:t>
+            </a:r>
+            <a:endParaRPr lang="en-US" altLang="zh-CN" sz="1400" b="1"/>
+          </a:p>
+        </p:txBody>
+      </p:sp>
+      <p:sp>
+        <p:nvSpPr>
+          <p:cNvPr id="89" name="矩形 88"/>
+          <p:cNvSpPr/>
+          <p:nvPr/>
+        </p:nvSpPr>
+        <p:spPr>
+          <a:xfrm>
+            <a:off x="5831205" y="3015615"/>
+            <a:ext cx="910590" cy="182880"/>
+          </a:xfrm>
+          <a:prstGeom prst="rect">
+            <a:avLst/>
+          </a:prstGeom>
+          <a:noFill/>
+          <a:ln w="19050">
+            <a:solidFill>
+              <a:schemeClr val="tx1"/>
+            </a:solidFill>
+          </a:ln>
+        </p:spPr>
+        <p:style>
+          <a:lnRef idx="2">
+            <a:schemeClr val="accent1">
+              <a:shade val="50000"/>
+            </a:schemeClr>
+          </a:lnRef>
+          <a:fillRef idx="1">
+            <a:schemeClr val="accent1"/>
+          </a:fillRef>
+          <a:effectRef idx="0">
+            <a:schemeClr val="accent1"/>
+          </a:effectRef>
+          <a:fontRef idx="minor">
+            <a:schemeClr val="lt1"/>
+          </a:fontRef>
+        </p:style>
+        <p:txBody>
+          <a:bodyPr rtlCol="0" anchor="ctr"/>
+          <a:p>
+            <a:pPr algn="ctr"/>
+            <a:endParaRPr lang="zh-CN" altLang="en-US" dirty="0">
+              <a:solidFill>
+                <a:schemeClr val="tx1"/>
+              </a:solidFill>
+            </a:endParaRPr>
+          </a:p>
+        </p:txBody>
+      </p:sp>
+      <p:sp>
+        <p:nvSpPr>
+          <p:cNvPr id="90" name="文本框 89"/>
+          <p:cNvSpPr txBox="1"/>
+          <p:nvPr/>
+        </p:nvSpPr>
+        <p:spPr>
+          <a:xfrm>
+            <a:off x="5784850" y="2968625"/>
+            <a:ext cx="1002030" cy="275590"/>
+          </a:xfrm>
+          <a:prstGeom prst="rect">
+            <a:avLst/>
+          </a:prstGeom>
+          <a:noFill/>
+        </p:spPr>
+        <p:txBody>
+          <a:bodyPr wrap="square" rtlCol="0">
+            <a:spAutoFit/>
+          </a:bodyPr>
+          <a:p>
+            <a:r>
+              <a:rPr lang="en-US" altLang="zh-CN" sz="1200"/>
+              <a:t>PartitionR-1</a:t>
+            </a:r>
+            <a:endParaRPr lang="en-US" altLang="zh-CN" sz="1200"/>
+          </a:p>
+        </p:txBody>
+      </p:sp>
+      <p:sp>
+        <p:nvSpPr>
+          <p:cNvPr id="91" name="矩形 90"/>
+          <p:cNvSpPr/>
+          <p:nvPr/>
+        </p:nvSpPr>
+        <p:spPr>
+          <a:xfrm>
+            <a:off x="5830570" y="3298190"/>
+            <a:ext cx="910590" cy="182880"/>
+          </a:xfrm>
+          <a:prstGeom prst="rect">
+            <a:avLst/>
+          </a:prstGeom>
+          <a:noFill/>
+          <a:ln w="19050">
+            <a:solidFill>
+              <a:schemeClr val="tx1"/>
+            </a:solidFill>
+          </a:ln>
+        </p:spPr>
+        <p:style>
+          <a:lnRef idx="2">
+            <a:schemeClr val="accent1">
+              <a:shade val="50000"/>
+            </a:schemeClr>
+          </a:lnRef>
+          <a:fillRef idx="1">
+            <a:schemeClr val="accent1"/>
+          </a:fillRef>
+          <a:effectRef idx="0">
+            <a:schemeClr val="accent1"/>
+          </a:effectRef>
+          <a:fontRef idx="minor">
+            <a:schemeClr val="lt1"/>
+          </a:fontRef>
+        </p:style>
+        <p:txBody>
+          <a:bodyPr rtlCol="0" anchor="ctr"/>
+          <a:p>
+            <a:pPr algn="ctr"/>
+            <a:endParaRPr lang="zh-CN" altLang="en-US" dirty="0">
+              <a:solidFill>
+                <a:schemeClr val="tx1"/>
+              </a:solidFill>
+            </a:endParaRPr>
+          </a:p>
+        </p:txBody>
+      </p:sp>
+      <p:sp>
+        <p:nvSpPr>
+          <p:cNvPr id="92" name="文本框 91"/>
+          <p:cNvSpPr txBox="1"/>
+          <p:nvPr/>
+        </p:nvSpPr>
+        <p:spPr>
+          <a:xfrm>
+            <a:off x="5804535" y="3244850"/>
+            <a:ext cx="1002030" cy="275590"/>
+          </a:xfrm>
+          <a:prstGeom prst="rect">
+            <a:avLst/>
+          </a:prstGeom>
+          <a:noFill/>
+        </p:spPr>
+        <p:txBody>
+          <a:bodyPr wrap="square" rtlCol="0">
+            <a:spAutoFit/>
+          </a:bodyPr>
+          <a:p>
+            <a:r>
+              <a:rPr lang="en-US" altLang="zh-CN" sz="1200"/>
+              <a:t>  Partition0</a:t>
+            </a:r>
+            <a:endParaRPr lang="en-US" altLang="zh-CN" sz="1200"/>
+          </a:p>
+        </p:txBody>
+      </p:sp>
+      <p:sp>
+        <p:nvSpPr>
+          <p:cNvPr id="93" name="矩形 92"/>
+          <p:cNvSpPr/>
+          <p:nvPr/>
+        </p:nvSpPr>
+        <p:spPr>
+          <a:xfrm>
+            <a:off x="5830570" y="3480435"/>
+            <a:ext cx="910590" cy="182880"/>
+          </a:xfrm>
+          <a:prstGeom prst="rect">
+            <a:avLst/>
+          </a:prstGeom>
+          <a:noFill/>
+          <a:ln w="19050">
+            <a:solidFill>
+              <a:schemeClr val="tx1"/>
+            </a:solidFill>
+          </a:ln>
+        </p:spPr>
+        <p:style>
+          <a:lnRef idx="2">
+            <a:schemeClr val="accent1">
+              <a:shade val="50000"/>
+            </a:schemeClr>
+          </a:lnRef>
+          <a:fillRef idx="1">
+            <a:schemeClr val="accent1"/>
+          </a:fillRef>
+          <a:effectRef idx="0">
+            <a:schemeClr val="accent1"/>
+          </a:effectRef>
+          <a:fontRef idx="minor">
+            <a:schemeClr val="lt1"/>
+          </a:fontRef>
+        </p:style>
+        <p:txBody>
+          <a:bodyPr rtlCol="0" anchor="ctr"/>
+          <a:p>
+            <a:pPr algn="ctr"/>
+            <a:endParaRPr lang="zh-CN" altLang="en-US" dirty="0">
+              <a:solidFill>
+                <a:schemeClr val="tx1"/>
+              </a:solidFill>
+            </a:endParaRPr>
+          </a:p>
+        </p:txBody>
+      </p:sp>
+      <p:sp>
+        <p:nvSpPr>
+          <p:cNvPr id="94" name="文本框 93"/>
+          <p:cNvSpPr txBox="1"/>
+          <p:nvPr/>
+        </p:nvSpPr>
+        <p:spPr>
+          <a:xfrm>
+            <a:off x="5804535" y="3447415"/>
+            <a:ext cx="1002030" cy="275590"/>
+          </a:xfrm>
+          <a:prstGeom prst="rect">
+            <a:avLst/>
+          </a:prstGeom>
+          <a:noFill/>
+        </p:spPr>
+        <p:txBody>
+          <a:bodyPr wrap="square" rtlCol="0">
+            <a:spAutoFit/>
+          </a:bodyPr>
+          <a:p>
+            <a:r>
+              <a:rPr lang="en-US" altLang="zh-CN" sz="1200"/>
+              <a:t>  Partition1</a:t>
+            </a:r>
+            <a:endParaRPr lang="en-US" altLang="zh-CN" sz="1200"/>
+          </a:p>
+        </p:txBody>
+      </p:sp>
+      <p:sp>
+        <p:nvSpPr>
+          <p:cNvPr id="95" name="矩形 94"/>
+          <p:cNvSpPr/>
+          <p:nvPr/>
+        </p:nvSpPr>
+        <p:spPr>
+          <a:xfrm>
+            <a:off x="5830570" y="3663315"/>
+            <a:ext cx="910590" cy="182880"/>
+          </a:xfrm>
+          <a:prstGeom prst="rect">
+            <a:avLst/>
+          </a:prstGeom>
+          <a:noFill/>
+          <a:ln w="19050">
+            <a:solidFill>
+              <a:schemeClr val="tx1"/>
+            </a:solidFill>
+          </a:ln>
+        </p:spPr>
+        <p:style>
+          <a:lnRef idx="2">
+            <a:schemeClr val="accent1">
+              <a:shade val="50000"/>
+            </a:schemeClr>
+          </a:lnRef>
+          <a:fillRef idx="1">
+            <a:schemeClr val="accent1"/>
+          </a:fillRef>
+          <a:effectRef idx="0">
+            <a:schemeClr val="accent1"/>
+          </a:effectRef>
+          <a:fontRef idx="minor">
+            <a:schemeClr val="lt1"/>
+          </a:fontRef>
+        </p:style>
+        <p:txBody>
+          <a:bodyPr rtlCol="0" anchor="ctr"/>
+          <a:p>
+            <a:pPr algn="ctr"/>
+            <a:endParaRPr lang="zh-CN" altLang="en-US" dirty="0">
+              <a:solidFill>
+                <a:schemeClr val="tx1"/>
+              </a:solidFill>
+            </a:endParaRPr>
+          </a:p>
+        </p:txBody>
+      </p:sp>
+      <p:sp>
+        <p:nvSpPr>
+          <p:cNvPr id="96" name="文本框 95"/>
+          <p:cNvSpPr txBox="1"/>
+          <p:nvPr/>
+        </p:nvSpPr>
+        <p:spPr>
+          <a:xfrm>
+            <a:off x="5931535" y="3578225"/>
+            <a:ext cx="748665" cy="306705"/>
+          </a:xfrm>
+          <a:prstGeom prst="rect">
+            <a:avLst/>
+          </a:prstGeom>
+          <a:noFill/>
+        </p:spPr>
+        <p:txBody>
+          <a:bodyPr wrap="square" rtlCol="0">
+            <a:spAutoFit/>
+          </a:bodyPr>
+          <a:p>
+            <a:r>
+              <a:rPr lang="en-US" altLang="zh-CN" sz="1400" b="1"/>
+              <a:t>...     ...</a:t>
+            </a:r>
+            <a:endParaRPr lang="en-US" altLang="zh-CN" sz="1400" b="1"/>
+          </a:p>
+        </p:txBody>
+      </p:sp>
+      <p:sp>
+        <p:nvSpPr>
+          <p:cNvPr id="97" name="矩形 96"/>
+          <p:cNvSpPr/>
+          <p:nvPr/>
+        </p:nvSpPr>
+        <p:spPr>
+          <a:xfrm>
+            <a:off x="5830570" y="3845560"/>
+            <a:ext cx="910590" cy="182880"/>
+          </a:xfrm>
+          <a:prstGeom prst="rect">
+            <a:avLst/>
+          </a:prstGeom>
+          <a:noFill/>
+          <a:ln w="19050">
+            <a:solidFill>
+              <a:schemeClr val="tx1"/>
+            </a:solidFill>
+          </a:ln>
+        </p:spPr>
+        <p:style>
+          <a:lnRef idx="2">
+            <a:schemeClr val="accent1">
+              <a:shade val="50000"/>
+            </a:schemeClr>
+          </a:lnRef>
+          <a:fillRef idx="1">
+            <a:schemeClr val="accent1"/>
+          </a:fillRef>
+          <a:effectRef idx="0">
+            <a:schemeClr val="accent1"/>
+          </a:effectRef>
+          <a:fontRef idx="minor">
+            <a:schemeClr val="lt1"/>
+          </a:fontRef>
+        </p:style>
+        <p:txBody>
+          <a:bodyPr rtlCol="0" anchor="ctr"/>
+          <a:p>
+            <a:pPr algn="ctr"/>
+            <a:endParaRPr lang="zh-CN" altLang="en-US" dirty="0">
+              <a:solidFill>
+                <a:schemeClr val="tx1"/>
+              </a:solidFill>
+            </a:endParaRPr>
+          </a:p>
+        </p:txBody>
+      </p:sp>
+      <p:sp>
+        <p:nvSpPr>
+          <p:cNvPr id="98" name="文本框 97"/>
+          <p:cNvSpPr txBox="1"/>
+          <p:nvPr/>
+        </p:nvSpPr>
+        <p:spPr>
+          <a:xfrm>
+            <a:off x="5784850" y="3800475"/>
+            <a:ext cx="1002030" cy="275590"/>
+          </a:xfrm>
+          <a:prstGeom prst="rect">
+            <a:avLst/>
+          </a:prstGeom>
+          <a:noFill/>
+        </p:spPr>
+        <p:txBody>
+          <a:bodyPr wrap="square" rtlCol="0">
+            <a:spAutoFit/>
+          </a:bodyPr>
+          <a:p>
+            <a:r>
+              <a:rPr lang="en-US" altLang="zh-CN" sz="1200"/>
+              <a:t>PartitionR-1</a:t>
+            </a:r>
+            <a:endParaRPr lang="en-US" altLang="zh-CN" sz="1200"/>
+          </a:p>
+        </p:txBody>
+      </p:sp>
+      <p:sp>
+        <p:nvSpPr>
+          <p:cNvPr id="99" name="矩形 98"/>
+          <p:cNvSpPr/>
+          <p:nvPr/>
+        </p:nvSpPr>
+        <p:spPr>
+          <a:xfrm>
+            <a:off x="5831205" y="4135755"/>
+            <a:ext cx="910590" cy="182880"/>
+          </a:xfrm>
+          <a:prstGeom prst="rect">
+            <a:avLst/>
+          </a:prstGeom>
+          <a:noFill/>
+          <a:ln w="19050">
+            <a:solidFill>
+              <a:schemeClr val="tx1"/>
+            </a:solidFill>
+          </a:ln>
+        </p:spPr>
+        <p:style>
+          <a:lnRef idx="2">
+            <a:schemeClr val="accent1">
+              <a:shade val="50000"/>
+            </a:schemeClr>
+          </a:lnRef>
+          <a:fillRef idx="1">
+            <a:schemeClr val="accent1"/>
+          </a:fillRef>
+          <a:effectRef idx="0">
+            <a:schemeClr val="accent1"/>
+          </a:effectRef>
+          <a:fontRef idx="minor">
+            <a:schemeClr val="lt1"/>
+          </a:fontRef>
+        </p:style>
+        <p:txBody>
+          <a:bodyPr rtlCol="0" anchor="ctr"/>
+          <a:p>
+            <a:pPr algn="ctr"/>
+            <a:endParaRPr lang="zh-CN" altLang="en-US" dirty="0">
+              <a:solidFill>
+                <a:schemeClr val="tx1"/>
+              </a:solidFill>
+            </a:endParaRPr>
+          </a:p>
+        </p:txBody>
+      </p:sp>
+      <p:sp>
+        <p:nvSpPr>
+          <p:cNvPr id="100" name="文本框 99"/>
+          <p:cNvSpPr txBox="1"/>
+          <p:nvPr/>
+        </p:nvSpPr>
+        <p:spPr>
+          <a:xfrm>
+            <a:off x="5785485" y="4076065"/>
+            <a:ext cx="1002030" cy="275590"/>
+          </a:xfrm>
+          <a:prstGeom prst="rect">
+            <a:avLst/>
+          </a:prstGeom>
+          <a:noFill/>
+        </p:spPr>
+        <p:txBody>
+          <a:bodyPr wrap="square" rtlCol="0">
+            <a:spAutoFit/>
+          </a:bodyPr>
+          <a:p>
+            <a:r>
+              <a:rPr lang="en-US" altLang="zh-CN" sz="1200"/>
+              <a:t>  Partition0</a:t>
+            </a:r>
+            <a:endParaRPr lang="en-US" altLang="zh-CN" sz="1200"/>
+          </a:p>
+        </p:txBody>
+      </p:sp>
+      <p:sp>
+        <p:nvSpPr>
+          <p:cNvPr id="101" name="矩形 100"/>
+          <p:cNvSpPr/>
+          <p:nvPr/>
+        </p:nvSpPr>
+        <p:spPr>
+          <a:xfrm>
+            <a:off x="5831205" y="4318000"/>
+            <a:ext cx="910590" cy="182880"/>
+          </a:xfrm>
+          <a:prstGeom prst="rect">
+            <a:avLst/>
+          </a:prstGeom>
+          <a:noFill/>
+          <a:ln w="19050">
+            <a:solidFill>
+              <a:schemeClr val="tx1"/>
+            </a:solidFill>
+          </a:ln>
+        </p:spPr>
+        <p:style>
+          <a:lnRef idx="2">
+            <a:schemeClr val="accent1">
+              <a:shade val="50000"/>
+            </a:schemeClr>
+          </a:lnRef>
+          <a:fillRef idx="1">
+            <a:schemeClr val="accent1"/>
+          </a:fillRef>
+          <a:effectRef idx="0">
+            <a:schemeClr val="accent1"/>
+          </a:effectRef>
+          <a:fontRef idx="minor">
+            <a:schemeClr val="lt1"/>
+          </a:fontRef>
+        </p:style>
+        <p:txBody>
+          <a:bodyPr rtlCol="0" anchor="ctr"/>
+          <a:p>
+            <a:pPr algn="ctr"/>
+            <a:endParaRPr lang="zh-CN" altLang="en-US" dirty="0">
+              <a:solidFill>
+                <a:schemeClr val="tx1"/>
+              </a:solidFill>
+            </a:endParaRPr>
+          </a:p>
+        </p:txBody>
+      </p:sp>
+      <p:sp>
+        <p:nvSpPr>
+          <p:cNvPr id="102" name="文本框 101"/>
+          <p:cNvSpPr txBox="1"/>
+          <p:nvPr/>
+        </p:nvSpPr>
+        <p:spPr>
+          <a:xfrm>
+            <a:off x="5784850" y="4271645"/>
+            <a:ext cx="1002030" cy="275590"/>
+          </a:xfrm>
+          <a:prstGeom prst="rect">
+            <a:avLst/>
+          </a:prstGeom>
+          <a:noFill/>
+        </p:spPr>
+        <p:txBody>
+          <a:bodyPr wrap="square" rtlCol="0">
+            <a:spAutoFit/>
+          </a:bodyPr>
+          <a:p>
+            <a:r>
+              <a:rPr lang="en-US" altLang="zh-CN" sz="1200"/>
+              <a:t>  Partition1</a:t>
+            </a:r>
+            <a:endParaRPr lang="en-US" altLang="zh-CN" sz="1200"/>
+          </a:p>
+        </p:txBody>
+      </p:sp>
+      <p:sp>
+        <p:nvSpPr>
+          <p:cNvPr id="103" name="矩形 102"/>
+          <p:cNvSpPr/>
+          <p:nvPr/>
+        </p:nvSpPr>
+        <p:spPr>
+          <a:xfrm>
+            <a:off x="5831205" y="4500880"/>
+            <a:ext cx="910590" cy="182880"/>
+          </a:xfrm>
+          <a:prstGeom prst="rect">
+            <a:avLst/>
+          </a:prstGeom>
+          <a:noFill/>
+          <a:ln w="19050">
+            <a:solidFill>
+              <a:schemeClr val="tx1"/>
+            </a:solidFill>
+          </a:ln>
+        </p:spPr>
+        <p:style>
+          <a:lnRef idx="2">
+            <a:schemeClr val="accent1">
+              <a:shade val="50000"/>
+            </a:schemeClr>
+          </a:lnRef>
+          <a:fillRef idx="1">
+            <a:schemeClr val="accent1"/>
+          </a:fillRef>
+          <a:effectRef idx="0">
+            <a:schemeClr val="accent1"/>
+          </a:effectRef>
+          <a:fontRef idx="minor">
+            <a:schemeClr val="lt1"/>
+          </a:fontRef>
+        </p:style>
+        <p:txBody>
+          <a:bodyPr rtlCol="0" anchor="ctr"/>
+          <a:p>
+            <a:pPr algn="ctr"/>
+            <a:endParaRPr lang="zh-CN" altLang="en-US" dirty="0">
+              <a:solidFill>
+                <a:schemeClr val="tx1"/>
+              </a:solidFill>
+            </a:endParaRPr>
+          </a:p>
+        </p:txBody>
+      </p:sp>
+      <p:sp>
+        <p:nvSpPr>
+          <p:cNvPr id="104" name="文本框 103"/>
+          <p:cNvSpPr txBox="1"/>
+          <p:nvPr/>
+        </p:nvSpPr>
+        <p:spPr>
+          <a:xfrm>
+            <a:off x="5932170" y="4415790"/>
+            <a:ext cx="748665" cy="306705"/>
+          </a:xfrm>
+          <a:prstGeom prst="rect">
+            <a:avLst/>
+          </a:prstGeom>
+          <a:noFill/>
+        </p:spPr>
+        <p:txBody>
+          <a:bodyPr wrap="square" rtlCol="0">
+            <a:spAutoFit/>
+          </a:bodyPr>
+          <a:p>
+            <a:r>
+              <a:rPr lang="en-US" altLang="zh-CN" sz="1400" b="1"/>
+              <a:t>...     ...</a:t>
+            </a:r>
+            <a:endParaRPr lang="en-US" altLang="zh-CN" sz="1400" b="1"/>
+          </a:p>
+        </p:txBody>
+      </p:sp>
+      <p:sp>
+        <p:nvSpPr>
+          <p:cNvPr id="105" name="矩形 104"/>
+          <p:cNvSpPr/>
+          <p:nvPr/>
+        </p:nvSpPr>
+        <p:spPr>
+          <a:xfrm>
+            <a:off x="5831205" y="4683125"/>
+            <a:ext cx="910590" cy="182880"/>
+          </a:xfrm>
+          <a:prstGeom prst="rect">
+            <a:avLst/>
+          </a:prstGeom>
+          <a:noFill/>
+          <a:ln w="19050">
+            <a:solidFill>
+              <a:schemeClr val="tx1"/>
+            </a:solidFill>
+          </a:ln>
+        </p:spPr>
+        <p:style>
+          <a:lnRef idx="2">
+            <a:schemeClr val="accent1">
+              <a:shade val="50000"/>
+            </a:schemeClr>
+          </a:lnRef>
+          <a:fillRef idx="1">
+            <a:schemeClr val="accent1"/>
+          </a:fillRef>
+          <a:effectRef idx="0">
+            <a:schemeClr val="accent1"/>
+          </a:effectRef>
+          <a:fontRef idx="minor">
+            <a:schemeClr val="lt1"/>
+          </a:fontRef>
+        </p:style>
+        <p:txBody>
+          <a:bodyPr rtlCol="0" anchor="ctr"/>
+          <a:p>
+            <a:pPr algn="ctr"/>
+            <a:endParaRPr lang="zh-CN" altLang="en-US" dirty="0">
+              <a:solidFill>
+                <a:schemeClr val="tx1"/>
+              </a:solidFill>
+            </a:endParaRPr>
+          </a:p>
+        </p:txBody>
+      </p:sp>
+      <p:sp>
+        <p:nvSpPr>
+          <p:cNvPr id="106" name="文本框 105"/>
+          <p:cNvSpPr txBox="1"/>
+          <p:nvPr/>
+        </p:nvSpPr>
+        <p:spPr>
+          <a:xfrm>
+            <a:off x="5784850" y="5881370"/>
+            <a:ext cx="1002030" cy="275590"/>
+          </a:xfrm>
+          <a:prstGeom prst="rect">
+            <a:avLst/>
+          </a:prstGeom>
+          <a:noFill/>
+        </p:spPr>
+        <p:txBody>
+          <a:bodyPr wrap="square" rtlCol="0">
+            <a:spAutoFit/>
+          </a:bodyPr>
+          <a:p>
+            <a:r>
+              <a:rPr lang="en-US" altLang="zh-CN" sz="1200"/>
+              <a:t>PartitionR-1</a:t>
+            </a:r>
+            <a:endParaRPr lang="en-US" altLang="zh-CN" sz="1200"/>
+          </a:p>
+        </p:txBody>
+      </p:sp>
+      <p:sp>
+        <p:nvSpPr>
+          <p:cNvPr id="107" name="矩形 106"/>
+          <p:cNvSpPr/>
+          <p:nvPr/>
+        </p:nvSpPr>
+        <p:spPr>
+          <a:xfrm>
+            <a:off x="5830570" y="5380355"/>
+            <a:ext cx="910590" cy="182880"/>
+          </a:xfrm>
+          <a:prstGeom prst="rect">
+            <a:avLst/>
+          </a:prstGeom>
+          <a:noFill/>
+          <a:ln w="19050">
+            <a:solidFill>
+              <a:schemeClr val="tx1"/>
+            </a:solidFill>
+          </a:ln>
+        </p:spPr>
+        <p:style>
+          <a:lnRef idx="2">
+            <a:schemeClr val="accent1">
+              <a:shade val="50000"/>
+            </a:schemeClr>
+          </a:lnRef>
+          <a:fillRef idx="1">
+            <a:schemeClr val="accent1"/>
+          </a:fillRef>
+          <a:effectRef idx="0">
+            <a:schemeClr val="accent1"/>
+          </a:effectRef>
+          <a:fontRef idx="minor">
+            <a:schemeClr val="lt1"/>
+          </a:fontRef>
+        </p:style>
+        <p:txBody>
+          <a:bodyPr rtlCol="0" anchor="ctr"/>
+          <a:p>
+            <a:pPr algn="ctr"/>
+            <a:endParaRPr lang="zh-CN" altLang="en-US" dirty="0">
+              <a:solidFill>
+                <a:schemeClr val="tx1"/>
+              </a:solidFill>
+            </a:endParaRPr>
+          </a:p>
+        </p:txBody>
+      </p:sp>
+      <p:sp>
+        <p:nvSpPr>
+          <p:cNvPr id="108" name="文本框 107"/>
+          <p:cNvSpPr txBox="1"/>
+          <p:nvPr/>
+        </p:nvSpPr>
+        <p:spPr>
+          <a:xfrm>
+            <a:off x="5785485" y="5334000"/>
+            <a:ext cx="1002030" cy="275590"/>
+          </a:xfrm>
+          <a:prstGeom prst="rect">
+            <a:avLst/>
+          </a:prstGeom>
+          <a:noFill/>
+        </p:spPr>
+        <p:txBody>
+          <a:bodyPr wrap="square" rtlCol="0">
+            <a:spAutoFit/>
+          </a:bodyPr>
+          <a:p>
+            <a:r>
+              <a:rPr lang="en-US" altLang="zh-CN" sz="1200"/>
+              <a:t>  Partition0</a:t>
+            </a:r>
+            <a:endParaRPr lang="en-US" altLang="zh-CN" sz="1200"/>
+          </a:p>
+        </p:txBody>
+      </p:sp>
+      <p:sp>
+        <p:nvSpPr>
+          <p:cNvPr id="109" name="矩形 108"/>
+          <p:cNvSpPr/>
+          <p:nvPr/>
+        </p:nvSpPr>
+        <p:spPr>
+          <a:xfrm>
+            <a:off x="5830570" y="5562600"/>
+            <a:ext cx="910590" cy="182880"/>
+          </a:xfrm>
+          <a:prstGeom prst="rect">
+            <a:avLst/>
+          </a:prstGeom>
+          <a:noFill/>
+          <a:ln w="19050">
+            <a:solidFill>
+              <a:schemeClr val="tx1"/>
+            </a:solidFill>
+          </a:ln>
+        </p:spPr>
+        <p:style>
+          <a:lnRef idx="2">
+            <a:schemeClr val="accent1">
+              <a:shade val="50000"/>
+            </a:schemeClr>
+          </a:lnRef>
+          <a:fillRef idx="1">
+            <a:schemeClr val="accent1"/>
+          </a:fillRef>
+          <a:effectRef idx="0">
+            <a:schemeClr val="accent1"/>
+          </a:effectRef>
+          <a:fontRef idx="minor">
+            <a:schemeClr val="lt1"/>
+          </a:fontRef>
+        </p:style>
+        <p:txBody>
+          <a:bodyPr rtlCol="0" anchor="ctr"/>
+          <a:p>
+            <a:pPr algn="ctr"/>
+            <a:endParaRPr lang="zh-CN" altLang="en-US" dirty="0">
+              <a:solidFill>
+                <a:schemeClr val="tx1"/>
+              </a:solidFill>
+            </a:endParaRPr>
+          </a:p>
+        </p:txBody>
+      </p:sp>
+      <p:sp>
+        <p:nvSpPr>
+          <p:cNvPr id="110" name="文本框 109"/>
+          <p:cNvSpPr txBox="1"/>
+          <p:nvPr/>
+        </p:nvSpPr>
+        <p:spPr>
+          <a:xfrm>
+            <a:off x="5784850" y="5516245"/>
+            <a:ext cx="1002030" cy="275590"/>
+          </a:xfrm>
+          <a:prstGeom prst="rect">
+            <a:avLst/>
+          </a:prstGeom>
+          <a:noFill/>
+        </p:spPr>
+        <p:txBody>
+          <a:bodyPr wrap="square" rtlCol="0">
+            <a:spAutoFit/>
+          </a:bodyPr>
+          <a:p>
+            <a:r>
+              <a:rPr lang="en-US" altLang="zh-CN" sz="1200"/>
+              <a:t>  Partition1</a:t>
+            </a:r>
+            <a:endParaRPr lang="en-US" altLang="zh-CN" sz="1200"/>
+          </a:p>
+        </p:txBody>
+      </p:sp>
+      <p:sp>
+        <p:nvSpPr>
+          <p:cNvPr id="111" name="矩形 110"/>
+          <p:cNvSpPr/>
+          <p:nvPr/>
+        </p:nvSpPr>
+        <p:spPr>
+          <a:xfrm>
+            <a:off x="5830570" y="5745480"/>
+            <a:ext cx="910590" cy="182880"/>
+          </a:xfrm>
+          <a:prstGeom prst="rect">
+            <a:avLst/>
+          </a:prstGeom>
+          <a:noFill/>
+          <a:ln w="19050">
+            <a:solidFill>
+              <a:schemeClr val="tx1"/>
+            </a:solidFill>
+          </a:ln>
+        </p:spPr>
+        <p:style>
+          <a:lnRef idx="2">
+            <a:schemeClr val="accent1">
+              <a:shade val="50000"/>
+            </a:schemeClr>
+          </a:lnRef>
+          <a:fillRef idx="1">
+            <a:schemeClr val="accent1"/>
+          </a:fillRef>
+          <a:effectRef idx="0">
+            <a:schemeClr val="accent1"/>
+          </a:effectRef>
+          <a:fontRef idx="minor">
+            <a:schemeClr val="lt1"/>
+          </a:fontRef>
+        </p:style>
+        <p:txBody>
+          <a:bodyPr rtlCol="0" anchor="ctr"/>
+          <a:p>
+            <a:pPr algn="ctr"/>
+            <a:endParaRPr lang="zh-CN" altLang="en-US" dirty="0">
+              <a:solidFill>
+                <a:schemeClr val="tx1"/>
+              </a:solidFill>
+            </a:endParaRPr>
+          </a:p>
+        </p:txBody>
+      </p:sp>
+      <p:sp>
+        <p:nvSpPr>
+          <p:cNvPr id="112" name="文本框 111"/>
+          <p:cNvSpPr txBox="1"/>
+          <p:nvPr/>
+        </p:nvSpPr>
+        <p:spPr>
+          <a:xfrm>
+            <a:off x="5931535" y="5660390"/>
+            <a:ext cx="748665" cy="306705"/>
+          </a:xfrm>
+          <a:prstGeom prst="rect">
+            <a:avLst/>
+          </a:prstGeom>
+          <a:noFill/>
+        </p:spPr>
+        <p:txBody>
+          <a:bodyPr wrap="square" rtlCol="0">
+            <a:spAutoFit/>
+          </a:bodyPr>
+          <a:p>
+            <a:r>
+              <a:rPr lang="en-US" altLang="zh-CN" sz="1400" b="1"/>
+              <a:t>...     ...</a:t>
+            </a:r>
+            <a:endParaRPr lang="en-US" altLang="zh-CN" sz="1400" b="1"/>
+          </a:p>
+        </p:txBody>
+      </p:sp>
+      <p:sp>
+        <p:nvSpPr>
+          <p:cNvPr id="113" name="矩形 112"/>
+          <p:cNvSpPr/>
+          <p:nvPr/>
+        </p:nvSpPr>
+        <p:spPr>
+          <a:xfrm>
+            <a:off x="5830570" y="5927725"/>
+            <a:ext cx="910590" cy="182880"/>
+          </a:xfrm>
+          <a:prstGeom prst="rect">
+            <a:avLst/>
+          </a:prstGeom>
+          <a:noFill/>
+          <a:ln w="19050">
+            <a:solidFill>
+              <a:schemeClr val="tx1"/>
+            </a:solidFill>
+          </a:ln>
+        </p:spPr>
+        <p:style>
+          <a:lnRef idx="2">
+            <a:schemeClr val="accent1">
+              <a:shade val="50000"/>
+            </a:schemeClr>
+          </a:lnRef>
+          <a:fillRef idx="1">
+            <a:schemeClr val="accent1"/>
+          </a:fillRef>
+          <a:effectRef idx="0">
+            <a:schemeClr val="accent1"/>
+          </a:effectRef>
+          <a:fontRef idx="minor">
+            <a:schemeClr val="lt1"/>
+          </a:fontRef>
+        </p:style>
+        <p:txBody>
+          <a:bodyPr rtlCol="0" anchor="ctr"/>
+          <a:p>
+            <a:pPr algn="ctr"/>
+            <a:endParaRPr lang="zh-CN" altLang="en-US" dirty="0">
+              <a:solidFill>
+                <a:schemeClr val="tx1"/>
+              </a:solidFill>
+            </a:endParaRPr>
+          </a:p>
+        </p:txBody>
+      </p:sp>
+      <p:sp>
+        <p:nvSpPr>
+          <p:cNvPr id="114" name="文本框 113"/>
+          <p:cNvSpPr txBox="1"/>
+          <p:nvPr/>
+        </p:nvSpPr>
+        <p:spPr>
+          <a:xfrm>
+            <a:off x="5784850" y="4634865"/>
+            <a:ext cx="1002030" cy="275590"/>
+          </a:xfrm>
+          <a:prstGeom prst="rect">
+            <a:avLst/>
+          </a:prstGeom>
+          <a:noFill/>
+        </p:spPr>
+        <p:txBody>
+          <a:bodyPr wrap="square" rtlCol="0">
+            <a:spAutoFit/>
+          </a:bodyPr>
+          <a:p>
+            <a:r>
+              <a:rPr lang="en-US" altLang="zh-CN" sz="1200"/>
+              <a:t>PartitionR-1</a:t>
+            </a:r>
+            <a:endParaRPr lang="en-US" altLang="zh-CN" sz="1200"/>
+          </a:p>
+        </p:txBody>
+      </p:sp>
+      <p:sp>
+        <p:nvSpPr>
+          <p:cNvPr id="115" name="文本框 114"/>
+          <p:cNvSpPr txBox="1"/>
+          <p:nvPr/>
+        </p:nvSpPr>
+        <p:spPr>
+          <a:xfrm>
+            <a:off x="5895340" y="4934585"/>
+            <a:ext cx="781050" cy="368300"/>
+          </a:xfrm>
+          <a:prstGeom prst="rect">
+            <a:avLst/>
+          </a:prstGeom>
+          <a:noFill/>
+        </p:spPr>
+        <p:txBody>
+          <a:bodyPr wrap="square" rtlCol="0">
+            <a:spAutoFit/>
+          </a:bodyPr>
+          <a:p>
+            <a:r>
+              <a:rPr lang="en-US" altLang="zh-CN"/>
+              <a:t>...    ...</a:t>
+            </a:r>
+            <a:endParaRPr lang="en-US" altLang="zh-CN"/>
+          </a:p>
+        </p:txBody>
+      </p:sp>
+      <p:sp>
+        <p:nvSpPr>
+          <p:cNvPr id="116" name="文本框 115"/>
+          <p:cNvSpPr txBox="1"/>
+          <p:nvPr/>
+        </p:nvSpPr>
+        <p:spPr>
+          <a:xfrm>
+            <a:off x="5347335" y="6192520"/>
+            <a:ext cx="1917065" cy="368300"/>
+          </a:xfrm>
+          <a:prstGeom prst="rect">
+            <a:avLst/>
+          </a:prstGeom>
+          <a:noFill/>
+        </p:spPr>
+        <p:txBody>
+          <a:bodyPr wrap="square" rtlCol="0">
+            <a:spAutoFit/>
+          </a:bodyPr>
+          <a:p>
+            <a:r>
+              <a:rPr lang="en-US" altLang="zh-CN"/>
+              <a:t>Intermediate </a:t>
+            </a:r>
+            <a:r>
+              <a:rPr lang="en-US" altLang="zh-CN"/>
+              <a:t>files</a:t>
+            </a:r>
+            <a:endParaRPr lang="en-US" altLang="zh-CN"/>
+          </a:p>
+        </p:txBody>
+      </p:sp>
+      <p:cxnSp>
+        <p:nvCxnSpPr>
+          <p:cNvPr id="119" name="曲线连接符 118"/>
+          <p:cNvCxnSpPr>
+            <a:stCxn id="22" idx="3"/>
+            <a:endCxn id="87" idx="1"/>
+          </p:cNvCxnSpPr>
+          <p:nvPr/>
+        </p:nvCxnSpPr>
+        <p:spPr>
+          <a:xfrm flipV="1">
+            <a:off x="4508500" y="2924810"/>
+            <a:ext cx="1322705" cy="231775"/>
+          </a:xfrm>
+          <a:prstGeom prst="curvedConnector3">
+            <a:avLst>
+              <a:gd name="adj1" fmla="val 50024"/>
+            </a:avLst>
+          </a:prstGeom>
+          <a:ln w="19050" cmpd="sng">
+            <a:solidFill>
+              <a:schemeClr val="tx1"/>
+            </a:solidFill>
+            <a:prstDash val="sysDash"/>
+            <a:headEnd type="none" w="med" len="med"/>
+            <a:tailEnd type="triangle" w="lg" len="lg"/>
+          </a:ln>
+        </p:spPr>
+        <p:style>
+          <a:lnRef idx="1">
+            <a:schemeClr val="accent1"/>
+          </a:lnRef>
+          <a:fillRef idx="0">
+            <a:schemeClr val="accent1"/>
+          </a:fillRef>
+          <a:effectRef idx="0">
+            <a:schemeClr val="accent1"/>
+          </a:effectRef>
+          <a:fontRef idx="minor">
+            <a:schemeClr val="tx1"/>
+          </a:fontRef>
+        </p:style>
+      </p:cxnSp>
+      <p:cxnSp>
+        <p:nvCxnSpPr>
+          <p:cNvPr id="120" name="曲线连接符 119"/>
+          <p:cNvCxnSpPr>
+            <a:stCxn id="22" idx="3"/>
+            <a:endCxn id="61" idx="1"/>
+          </p:cNvCxnSpPr>
+          <p:nvPr/>
+        </p:nvCxnSpPr>
+        <p:spPr>
+          <a:xfrm flipV="1">
+            <a:off x="4508500" y="2559685"/>
+            <a:ext cx="1322705" cy="596900"/>
+          </a:xfrm>
+          <a:prstGeom prst="curvedConnector3">
+            <a:avLst>
+              <a:gd name="adj1" fmla="val 50024"/>
+            </a:avLst>
+          </a:prstGeom>
+          <a:ln w="19050">
+            <a:solidFill>
+              <a:schemeClr val="tx1"/>
+            </a:solidFill>
+            <a:headEnd type="none" w="med" len="med"/>
+            <a:tailEnd type="triangle" w="lg" len="lg"/>
+          </a:ln>
+        </p:spPr>
+        <p:style>
+          <a:lnRef idx="1">
+            <a:schemeClr val="accent1"/>
+          </a:lnRef>
+          <a:fillRef idx="0">
+            <a:schemeClr val="accent1"/>
+          </a:fillRef>
+          <a:effectRef idx="0">
+            <a:schemeClr val="accent1"/>
+          </a:effectRef>
+          <a:fontRef idx="minor">
+            <a:schemeClr val="tx1"/>
+          </a:fontRef>
+        </p:style>
+      </p:cxnSp>
+      <p:cxnSp>
+        <p:nvCxnSpPr>
+          <p:cNvPr id="121" name="曲线连接符 120"/>
+          <p:cNvCxnSpPr>
+            <a:stCxn id="22" idx="3"/>
+            <a:endCxn id="85" idx="1"/>
+          </p:cNvCxnSpPr>
+          <p:nvPr/>
+        </p:nvCxnSpPr>
+        <p:spPr>
+          <a:xfrm flipV="1">
+            <a:off x="4508500" y="2741930"/>
+            <a:ext cx="1322705" cy="414655"/>
+          </a:xfrm>
+          <a:prstGeom prst="curvedConnector3">
+            <a:avLst>
+              <a:gd name="adj1" fmla="val 50024"/>
+            </a:avLst>
+          </a:prstGeom>
+          <a:ln w="19050">
+            <a:solidFill>
+              <a:schemeClr val="tx1"/>
+            </a:solidFill>
+            <a:headEnd type="none" w="med" len="med"/>
+            <a:tailEnd type="triangle" w="lg" len="lg"/>
+          </a:ln>
+        </p:spPr>
+        <p:style>
+          <a:lnRef idx="1">
+            <a:schemeClr val="accent1"/>
+          </a:lnRef>
+          <a:fillRef idx="0">
+            <a:schemeClr val="accent1"/>
+          </a:fillRef>
+          <a:effectRef idx="0">
+            <a:schemeClr val="accent1"/>
+          </a:effectRef>
+          <a:fontRef idx="minor">
+            <a:schemeClr val="tx1"/>
+          </a:fontRef>
+        </p:style>
+      </p:cxnSp>
+      <p:cxnSp>
+        <p:nvCxnSpPr>
+          <p:cNvPr id="122" name="曲线连接符 121"/>
+          <p:cNvCxnSpPr>
+            <a:stCxn id="22" idx="3"/>
+            <a:endCxn id="89" idx="1"/>
+          </p:cNvCxnSpPr>
+          <p:nvPr/>
+        </p:nvCxnSpPr>
+        <p:spPr>
+          <a:xfrm flipV="1">
+            <a:off x="4508500" y="3107055"/>
+            <a:ext cx="1322705" cy="49530"/>
+          </a:xfrm>
+          <a:prstGeom prst="curvedConnector3">
+            <a:avLst>
+              <a:gd name="adj1" fmla="val 50024"/>
+            </a:avLst>
+          </a:prstGeom>
+          <a:ln w="19050">
+            <a:solidFill>
+              <a:schemeClr val="tx1"/>
+            </a:solidFill>
+            <a:headEnd type="none" w="med" len="med"/>
+            <a:tailEnd type="triangle" w="lg" len="lg"/>
+          </a:ln>
+        </p:spPr>
+        <p:style>
+          <a:lnRef idx="1">
+            <a:schemeClr val="accent1"/>
+          </a:lnRef>
+          <a:fillRef idx="0">
+            <a:schemeClr val="accent1"/>
+          </a:fillRef>
+          <a:effectRef idx="0">
+            <a:schemeClr val="accent1"/>
+          </a:effectRef>
+          <a:fontRef idx="minor">
+            <a:schemeClr val="tx1"/>
+          </a:fontRef>
+        </p:style>
+      </p:cxnSp>
+      <p:cxnSp>
+        <p:nvCxnSpPr>
+          <p:cNvPr id="123" name="曲线连接符 122"/>
+          <p:cNvCxnSpPr>
+            <a:stCxn id="35" idx="3"/>
+            <a:endCxn id="91" idx="1"/>
+          </p:cNvCxnSpPr>
+          <p:nvPr/>
+        </p:nvCxnSpPr>
+        <p:spPr>
+          <a:xfrm flipV="1">
+            <a:off x="4507865" y="3389630"/>
+            <a:ext cx="1322705" cy="333375"/>
+          </a:xfrm>
+          <a:prstGeom prst="curvedConnector3">
+            <a:avLst>
+              <a:gd name="adj1" fmla="val 50024"/>
+            </a:avLst>
+          </a:prstGeom>
+          <a:ln w="19050">
+            <a:solidFill>
+              <a:schemeClr val="tx1"/>
+            </a:solidFill>
+            <a:headEnd type="none" w="med" len="med"/>
+            <a:tailEnd type="triangle" w="lg" len="lg"/>
+          </a:ln>
+        </p:spPr>
+        <p:style>
+          <a:lnRef idx="1">
+            <a:schemeClr val="accent1"/>
+          </a:lnRef>
+          <a:fillRef idx="0">
+            <a:schemeClr val="accent1"/>
+          </a:fillRef>
+          <a:effectRef idx="0">
+            <a:schemeClr val="accent1"/>
+          </a:effectRef>
+          <a:fontRef idx="minor">
+            <a:schemeClr val="tx1"/>
+          </a:fontRef>
+        </p:style>
+      </p:cxnSp>
+      <p:cxnSp>
+        <p:nvCxnSpPr>
+          <p:cNvPr id="124" name="曲线连接符 123"/>
+          <p:cNvCxnSpPr>
+            <a:stCxn id="35" idx="3"/>
+            <a:endCxn id="93" idx="1"/>
+          </p:cNvCxnSpPr>
+          <p:nvPr/>
+        </p:nvCxnSpPr>
+        <p:spPr>
+          <a:xfrm flipV="1">
+            <a:off x="4507865" y="3571875"/>
+            <a:ext cx="1322705" cy="151130"/>
+          </a:xfrm>
+          <a:prstGeom prst="curvedConnector3">
+            <a:avLst>
+              <a:gd name="adj1" fmla="val 50024"/>
+            </a:avLst>
+          </a:prstGeom>
+          <a:ln w="19050">
+            <a:solidFill>
+              <a:schemeClr val="tx1"/>
+            </a:solidFill>
+            <a:headEnd type="none" w="med" len="med"/>
+            <a:tailEnd type="triangle" w="lg" len="lg"/>
+          </a:ln>
+        </p:spPr>
+        <p:style>
+          <a:lnRef idx="1">
+            <a:schemeClr val="accent1"/>
+          </a:lnRef>
+          <a:fillRef idx="0">
+            <a:schemeClr val="accent1"/>
+          </a:fillRef>
+          <a:effectRef idx="0">
+            <a:schemeClr val="accent1"/>
+          </a:effectRef>
+          <a:fontRef idx="minor">
+            <a:schemeClr val="tx1"/>
+          </a:fontRef>
+        </p:style>
+      </p:cxnSp>
+      <p:cxnSp>
+        <p:nvCxnSpPr>
+          <p:cNvPr id="125" name="曲线连接符 124"/>
+          <p:cNvCxnSpPr>
+            <a:stCxn id="35" idx="3"/>
+            <a:endCxn id="95" idx="1"/>
+          </p:cNvCxnSpPr>
+          <p:nvPr/>
+        </p:nvCxnSpPr>
+        <p:spPr>
+          <a:xfrm>
+            <a:off x="4507865" y="3723005"/>
+            <a:ext cx="1322705" cy="31750"/>
+          </a:xfrm>
+          <a:prstGeom prst="curvedConnector3">
+            <a:avLst>
+              <a:gd name="adj1" fmla="val 50024"/>
+            </a:avLst>
+          </a:prstGeom>
+          <a:ln w="19050" cmpd="sng">
+            <a:solidFill>
+              <a:schemeClr val="tx1"/>
+            </a:solidFill>
+            <a:prstDash val="sysDash"/>
+            <a:headEnd type="none" w="med" len="med"/>
+            <a:tailEnd type="triangle" w="lg" len="lg"/>
+          </a:ln>
+        </p:spPr>
+        <p:style>
+          <a:lnRef idx="1">
+            <a:schemeClr val="accent1"/>
+          </a:lnRef>
+          <a:fillRef idx="0">
+            <a:schemeClr val="accent1"/>
+          </a:fillRef>
+          <a:effectRef idx="0">
+            <a:schemeClr val="accent1"/>
+          </a:effectRef>
+          <a:fontRef idx="minor">
+            <a:schemeClr val="tx1"/>
+          </a:fontRef>
+        </p:style>
+      </p:cxnSp>
+      <p:cxnSp>
+        <p:nvCxnSpPr>
+          <p:cNvPr id="126" name="曲线连接符 125"/>
+          <p:cNvCxnSpPr>
+            <a:stCxn id="35" idx="3"/>
+            <a:endCxn id="97" idx="1"/>
+          </p:cNvCxnSpPr>
+          <p:nvPr/>
+        </p:nvCxnSpPr>
+        <p:spPr>
+          <a:xfrm>
+            <a:off x="4507865" y="3723005"/>
+            <a:ext cx="1322705" cy="213995"/>
+          </a:xfrm>
+          <a:prstGeom prst="curvedConnector3">
+            <a:avLst>
+              <a:gd name="adj1" fmla="val 50024"/>
+            </a:avLst>
+          </a:prstGeom>
+          <a:ln w="19050">
+            <a:solidFill>
+              <a:schemeClr val="tx1"/>
+            </a:solidFill>
+            <a:headEnd type="none" w="med" len="med"/>
+            <a:tailEnd type="triangle" w="lg" len="lg"/>
+          </a:ln>
+        </p:spPr>
+        <p:style>
+          <a:lnRef idx="1">
+            <a:schemeClr val="accent1"/>
+          </a:lnRef>
+          <a:fillRef idx="0">
+            <a:schemeClr val="accent1"/>
+          </a:fillRef>
+          <a:effectRef idx="0">
+            <a:schemeClr val="accent1"/>
+          </a:effectRef>
+          <a:fontRef idx="minor">
+            <a:schemeClr val="tx1"/>
+          </a:fontRef>
+        </p:style>
+      </p:cxnSp>
+      <p:cxnSp>
+        <p:nvCxnSpPr>
+          <p:cNvPr id="127" name="曲线连接符 126"/>
+          <p:cNvCxnSpPr>
+            <a:stCxn id="37" idx="3"/>
+            <a:endCxn id="99" idx="1"/>
+          </p:cNvCxnSpPr>
+          <p:nvPr/>
+        </p:nvCxnSpPr>
+        <p:spPr>
+          <a:xfrm flipV="1">
+            <a:off x="4509135" y="4227195"/>
+            <a:ext cx="1322070" cy="245745"/>
+          </a:xfrm>
+          <a:prstGeom prst="curvedConnector3">
+            <a:avLst>
+              <a:gd name="adj1" fmla="val 50000"/>
+            </a:avLst>
+          </a:prstGeom>
+          <a:ln w="19050">
+            <a:solidFill>
+              <a:schemeClr val="tx1"/>
+            </a:solidFill>
+            <a:headEnd type="none" w="med" len="med"/>
+            <a:tailEnd type="triangle" w="lg" len="lg"/>
+          </a:ln>
+        </p:spPr>
+        <p:style>
+          <a:lnRef idx="1">
+            <a:schemeClr val="accent1"/>
+          </a:lnRef>
+          <a:fillRef idx="0">
+            <a:schemeClr val="accent1"/>
+          </a:fillRef>
+          <a:effectRef idx="0">
+            <a:schemeClr val="accent1"/>
+          </a:effectRef>
+          <a:fontRef idx="minor">
+            <a:schemeClr val="tx1"/>
+          </a:fontRef>
+        </p:style>
+      </p:cxnSp>
+      <p:cxnSp>
+        <p:nvCxnSpPr>
+          <p:cNvPr id="128" name="曲线连接符 127"/>
+          <p:cNvCxnSpPr>
+            <a:stCxn id="37" idx="3"/>
+            <a:endCxn id="101" idx="1"/>
+          </p:cNvCxnSpPr>
+          <p:nvPr/>
+        </p:nvCxnSpPr>
+        <p:spPr>
+          <a:xfrm flipV="1">
+            <a:off x="4509135" y="4409440"/>
+            <a:ext cx="1322070" cy="63500"/>
+          </a:xfrm>
+          <a:prstGeom prst="curvedConnector3">
+            <a:avLst>
+              <a:gd name="adj1" fmla="val 50000"/>
+            </a:avLst>
+          </a:prstGeom>
+          <a:ln w="19050">
+            <a:solidFill>
+              <a:schemeClr val="tx1"/>
+            </a:solidFill>
+            <a:headEnd type="none" w="med" len="med"/>
+            <a:tailEnd type="triangle" w="lg" len="lg"/>
+          </a:ln>
+        </p:spPr>
+        <p:style>
+          <a:lnRef idx="1">
+            <a:schemeClr val="accent1"/>
+          </a:lnRef>
+          <a:fillRef idx="0">
+            <a:schemeClr val="accent1"/>
+          </a:fillRef>
+          <a:effectRef idx="0">
+            <a:schemeClr val="accent1"/>
+          </a:effectRef>
+          <a:fontRef idx="minor">
+            <a:schemeClr val="tx1"/>
+          </a:fontRef>
+        </p:style>
+      </p:cxnSp>
+      <p:cxnSp>
+        <p:nvCxnSpPr>
+          <p:cNvPr id="129" name="曲线连接符 128"/>
+          <p:cNvCxnSpPr>
+            <a:stCxn id="37" idx="3"/>
+            <a:endCxn id="103" idx="1"/>
+          </p:cNvCxnSpPr>
+          <p:nvPr/>
+        </p:nvCxnSpPr>
+        <p:spPr>
+          <a:xfrm>
+            <a:off x="4509135" y="4472940"/>
+            <a:ext cx="1322070" cy="119380"/>
+          </a:xfrm>
+          <a:prstGeom prst="curvedConnector3">
+            <a:avLst>
+              <a:gd name="adj1" fmla="val 50000"/>
+            </a:avLst>
+          </a:prstGeom>
+          <a:ln w="19050" cmpd="sng">
+            <a:solidFill>
+              <a:schemeClr val="tx1"/>
+            </a:solidFill>
+            <a:prstDash val="sysDash"/>
+            <a:headEnd type="none" w="med" len="med"/>
+            <a:tailEnd type="triangle" w="lg" len="lg"/>
+          </a:ln>
+        </p:spPr>
+        <p:style>
+          <a:lnRef idx="1">
+            <a:schemeClr val="accent1"/>
+          </a:lnRef>
+          <a:fillRef idx="0">
+            <a:schemeClr val="accent1"/>
+          </a:fillRef>
+          <a:effectRef idx="0">
+            <a:schemeClr val="accent1"/>
+          </a:effectRef>
+          <a:fontRef idx="minor">
+            <a:schemeClr val="tx1"/>
+          </a:fontRef>
+        </p:style>
+      </p:cxnSp>
+      <p:cxnSp>
+        <p:nvCxnSpPr>
+          <p:cNvPr id="130" name="曲线连接符 129"/>
+          <p:cNvCxnSpPr>
+            <a:stCxn id="37" idx="3"/>
+            <a:endCxn id="105" idx="1"/>
+          </p:cNvCxnSpPr>
+          <p:nvPr/>
+        </p:nvCxnSpPr>
+        <p:spPr>
+          <a:xfrm>
+            <a:off x="4509135" y="4472940"/>
+            <a:ext cx="1322070" cy="301625"/>
+          </a:xfrm>
+          <a:prstGeom prst="curvedConnector3">
+            <a:avLst>
+              <a:gd name="adj1" fmla="val 50000"/>
+            </a:avLst>
+          </a:prstGeom>
+          <a:ln w="19050">
+            <a:solidFill>
+              <a:schemeClr val="tx1"/>
+            </a:solidFill>
+            <a:headEnd type="none" w="med" len="med"/>
+            <a:tailEnd type="triangle" w="lg" len="lg"/>
+          </a:ln>
+        </p:spPr>
+        <p:style>
+          <a:lnRef idx="1">
+            <a:schemeClr val="accent1"/>
+          </a:lnRef>
+          <a:fillRef idx="0">
+            <a:schemeClr val="accent1"/>
+          </a:fillRef>
+          <a:effectRef idx="0">
+            <a:schemeClr val="accent1"/>
+          </a:effectRef>
+          <a:fontRef idx="minor">
+            <a:schemeClr val="tx1"/>
+          </a:fontRef>
+        </p:style>
+      </p:cxnSp>
+      <p:cxnSp>
+        <p:nvCxnSpPr>
+          <p:cNvPr id="131" name="曲线连接符 130"/>
+          <p:cNvCxnSpPr>
+            <a:stCxn id="39" idx="3"/>
+            <a:endCxn id="107" idx="1"/>
+          </p:cNvCxnSpPr>
+          <p:nvPr/>
+        </p:nvCxnSpPr>
+        <p:spPr>
+          <a:xfrm flipV="1">
+            <a:off x="4511040" y="5471795"/>
+            <a:ext cx="1319530" cy="281940"/>
+          </a:xfrm>
+          <a:prstGeom prst="curvedConnector3">
+            <a:avLst>
+              <a:gd name="adj1" fmla="val 50000"/>
+            </a:avLst>
+          </a:prstGeom>
+          <a:ln w="19050">
+            <a:solidFill>
+              <a:schemeClr val="tx1"/>
+            </a:solidFill>
+            <a:headEnd type="none" w="med" len="med"/>
+            <a:tailEnd type="triangle" w="lg" len="lg"/>
+          </a:ln>
+        </p:spPr>
+        <p:style>
+          <a:lnRef idx="1">
+            <a:schemeClr val="accent1"/>
+          </a:lnRef>
+          <a:fillRef idx="0">
+            <a:schemeClr val="accent1"/>
+          </a:fillRef>
+          <a:effectRef idx="0">
+            <a:schemeClr val="accent1"/>
+          </a:effectRef>
+          <a:fontRef idx="minor">
+            <a:schemeClr val="tx1"/>
+          </a:fontRef>
+        </p:style>
+      </p:cxnSp>
+      <p:cxnSp>
+        <p:nvCxnSpPr>
+          <p:cNvPr id="132" name="曲线连接符 131"/>
+          <p:cNvCxnSpPr>
+            <a:stCxn id="39" idx="3"/>
+            <a:endCxn id="109" idx="1"/>
+          </p:cNvCxnSpPr>
+          <p:nvPr/>
+        </p:nvCxnSpPr>
+        <p:spPr>
+          <a:xfrm flipV="1">
+            <a:off x="4511040" y="5654040"/>
+            <a:ext cx="1319530" cy="99695"/>
+          </a:xfrm>
+          <a:prstGeom prst="curvedConnector3">
+            <a:avLst>
+              <a:gd name="adj1" fmla="val 50000"/>
+            </a:avLst>
+          </a:prstGeom>
+          <a:ln w="19050">
+            <a:solidFill>
+              <a:schemeClr val="tx1"/>
+            </a:solidFill>
+            <a:headEnd type="none" w="med" len="med"/>
+            <a:tailEnd type="triangle" w="lg" len="lg"/>
+          </a:ln>
+        </p:spPr>
+        <p:style>
+          <a:lnRef idx="1">
+            <a:schemeClr val="accent1"/>
+          </a:lnRef>
+          <a:fillRef idx="0">
+            <a:schemeClr val="accent1"/>
+          </a:fillRef>
+          <a:effectRef idx="0">
+            <a:schemeClr val="accent1"/>
+          </a:effectRef>
+          <a:fontRef idx="minor">
+            <a:schemeClr val="tx1"/>
+          </a:fontRef>
+        </p:style>
+      </p:cxnSp>
+      <p:cxnSp>
+        <p:nvCxnSpPr>
+          <p:cNvPr id="133" name="曲线连接符 132"/>
+          <p:cNvCxnSpPr>
+            <a:stCxn id="39" idx="3"/>
+            <a:endCxn id="111" idx="1"/>
+          </p:cNvCxnSpPr>
+          <p:nvPr/>
+        </p:nvCxnSpPr>
+        <p:spPr>
+          <a:xfrm>
+            <a:off x="4511040" y="5753735"/>
+            <a:ext cx="1319530" cy="83185"/>
+          </a:xfrm>
+          <a:prstGeom prst="curvedConnector3">
+            <a:avLst>
+              <a:gd name="adj1" fmla="val 50000"/>
+            </a:avLst>
+          </a:prstGeom>
+          <a:ln w="19050" cmpd="sng">
+            <a:solidFill>
+              <a:schemeClr val="tx1"/>
+            </a:solidFill>
+            <a:prstDash val="sysDash"/>
+            <a:headEnd type="none" w="med" len="med"/>
+            <a:tailEnd type="triangle" w="lg" len="lg"/>
+          </a:ln>
+        </p:spPr>
+        <p:style>
+          <a:lnRef idx="1">
+            <a:schemeClr val="accent1"/>
+          </a:lnRef>
+          <a:fillRef idx="0">
+            <a:schemeClr val="accent1"/>
+          </a:fillRef>
+          <a:effectRef idx="0">
+            <a:schemeClr val="accent1"/>
+          </a:effectRef>
+          <a:fontRef idx="minor">
+            <a:schemeClr val="tx1"/>
+          </a:fontRef>
+        </p:style>
+      </p:cxnSp>
+      <p:cxnSp>
+        <p:nvCxnSpPr>
+          <p:cNvPr id="134" name="曲线连接符 133"/>
+          <p:cNvCxnSpPr>
+            <a:stCxn id="39" idx="3"/>
+            <a:endCxn id="113" idx="1"/>
+          </p:cNvCxnSpPr>
+          <p:nvPr/>
+        </p:nvCxnSpPr>
+        <p:spPr>
+          <a:xfrm>
+            <a:off x="4511040" y="5753735"/>
+            <a:ext cx="1319530" cy="265430"/>
+          </a:xfrm>
+          <a:prstGeom prst="curvedConnector3">
+            <a:avLst>
+              <a:gd name="adj1" fmla="val 50000"/>
+            </a:avLst>
+          </a:prstGeom>
+          <a:ln w="19050">
+            <a:solidFill>
+              <a:schemeClr val="tx1"/>
+            </a:solidFill>
+            <a:headEnd type="none" w="med" len="med"/>
+            <a:tailEnd type="triangle" w="lg" len="lg"/>
+          </a:ln>
+        </p:spPr>
+        <p:style>
+          <a:lnRef idx="1">
+            <a:schemeClr val="accent1"/>
+          </a:lnRef>
+          <a:fillRef idx="0">
+            <a:schemeClr val="accent1"/>
+          </a:fillRef>
+          <a:effectRef idx="0">
+            <a:schemeClr val="accent1"/>
+          </a:effectRef>
+          <a:fontRef idx="minor">
+            <a:schemeClr val="tx1"/>
+          </a:fontRef>
+        </p:style>
+      </p:cxnSp>
+      <p:sp>
+        <p:nvSpPr>
+          <p:cNvPr id="136" name="流程图: 终止 135"/>
+          <p:cNvSpPr/>
+          <p:nvPr/>
+        </p:nvSpPr>
+        <p:spPr>
+          <a:xfrm>
+            <a:off x="7984490" y="3015615"/>
+            <a:ext cx="850900" cy="273685"/>
+          </a:xfrm>
+          <a:prstGeom prst="flowChartTerminator">
+            <a:avLst/>
+          </a:prstGeom>
+          <a:noFill/>
+          <a:ln w="19050">
+            <a:solidFill>
+              <a:schemeClr val="tx1"/>
+            </a:solidFill>
+          </a:ln>
+        </p:spPr>
+        <p:style>
+          <a:lnRef idx="2">
+            <a:schemeClr val="accent1">
+              <a:shade val="50000"/>
+            </a:schemeClr>
+          </a:lnRef>
+          <a:fillRef idx="1">
+            <a:schemeClr val="accent1"/>
+          </a:fillRef>
+          <a:effectRef idx="0">
+            <a:schemeClr val="accent1"/>
+          </a:effectRef>
+          <a:fontRef idx="minor">
+            <a:schemeClr val="lt1"/>
+          </a:fontRef>
+        </p:style>
+        <p:txBody>
+          <a:bodyPr rtlCol="0" anchor="ctr"/>
+          <a:p>
+            <a:pPr algn="ctr"/>
+            <a:endParaRPr lang="zh-CN" altLang="en-US" dirty="0">
+              <a:solidFill>
+                <a:schemeClr val="tx1"/>
+              </a:solidFill>
+            </a:endParaRPr>
+          </a:p>
+        </p:txBody>
+      </p:sp>
+      <p:sp>
+        <p:nvSpPr>
+          <p:cNvPr id="137" name="文本框 136"/>
+          <p:cNvSpPr txBox="1"/>
+          <p:nvPr/>
+        </p:nvSpPr>
+        <p:spPr>
+          <a:xfrm>
+            <a:off x="8108950" y="2968625"/>
+            <a:ext cx="601980" cy="368300"/>
+          </a:xfrm>
+          <a:prstGeom prst="rect">
+            <a:avLst/>
+          </a:prstGeom>
+          <a:noFill/>
+        </p:spPr>
+        <p:txBody>
+          <a:bodyPr wrap="square" rtlCol="0">
+            <a:spAutoFit/>
+          </a:bodyPr>
+          <a:p>
+            <a:r>
+              <a:rPr lang="en-US" altLang="zh-CN"/>
+              <a:t>sort</a:t>
+            </a:r>
+            <a:endParaRPr lang="en-US" altLang="zh-CN"/>
+          </a:p>
+        </p:txBody>
+      </p:sp>
+      <p:sp>
+        <p:nvSpPr>
+          <p:cNvPr id="139" name="流程图: 终止 138"/>
+          <p:cNvSpPr/>
+          <p:nvPr/>
+        </p:nvSpPr>
+        <p:spPr>
+          <a:xfrm>
+            <a:off x="7985125" y="3754755"/>
+            <a:ext cx="850900" cy="273685"/>
+          </a:xfrm>
+          <a:prstGeom prst="flowChartTerminator">
+            <a:avLst/>
+          </a:prstGeom>
+          <a:noFill/>
+          <a:ln w="19050">
+            <a:solidFill>
+              <a:schemeClr val="tx1"/>
+            </a:solidFill>
+          </a:ln>
+        </p:spPr>
+        <p:style>
+          <a:lnRef idx="2">
+            <a:schemeClr val="accent1">
+              <a:shade val="50000"/>
+            </a:schemeClr>
+          </a:lnRef>
+          <a:fillRef idx="1">
+            <a:schemeClr val="accent1"/>
+          </a:fillRef>
+          <a:effectRef idx="0">
+            <a:schemeClr val="accent1"/>
+          </a:effectRef>
+          <a:fontRef idx="minor">
+            <a:schemeClr val="lt1"/>
+          </a:fontRef>
+        </p:style>
+        <p:txBody>
+          <a:bodyPr rtlCol="0" anchor="ctr"/>
+          <a:p>
+            <a:pPr algn="ctr"/>
+            <a:endParaRPr lang="zh-CN" altLang="en-US" dirty="0">
+              <a:solidFill>
+                <a:schemeClr val="tx1"/>
+              </a:solidFill>
+            </a:endParaRPr>
+          </a:p>
+        </p:txBody>
+      </p:sp>
+      <p:sp>
+        <p:nvSpPr>
+          <p:cNvPr id="140" name="文本框 139"/>
+          <p:cNvSpPr txBox="1"/>
+          <p:nvPr/>
+        </p:nvSpPr>
+        <p:spPr>
+          <a:xfrm>
+            <a:off x="8109585" y="3707765"/>
+            <a:ext cx="601980" cy="368300"/>
+          </a:xfrm>
+          <a:prstGeom prst="rect">
+            <a:avLst/>
+          </a:prstGeom>
+          <a:noFill/>
+        </p:spPr>
+        <p:txBody>
+          <a:bodyPr wrap="square" rtlCol="0">
+            <a:spAutoFit/>
+          </a:bodyPr>
+          <a:p>
+            <a:r>
+              <a:rPr lang="en-US" altLang="zh-CN"/>
+              <a:t>sort</a:t>
+            </a:r>
+            <a:endParaRPr lang="en-US" altLang="zh-CN"/>
+          </a:p>
+        </p:txBody>
+      </p:sp>
+      <p:sp>
+        <p:nvSpPr>
+          <p:cNvPr id="141" name="流程图: 终止 140"/>
+          <p:cNvSpPr/>
+          <p:nvPr/>
+        </p:nvSpPr>
+        <p:spPr>
+          <a:xfrm>
+            <a:off x="7984490" y="4636770"/>
+            <a:ext cx="850900" cy="273685"/>
+          </a:xfrm>
+          <a:prstGeom prst="flowChartTerminator">
+            <a:avLst/>
+          </a:prstGeom>
+          <a:noFill/>
+          <a:ln w="19050">
+            <a:solidFill>
+              <a:schemeClr val="tx1"/>
+            </a:solidFill>
+          </a:ln>
+        </p:spPr>
+        <p:style>
+          <a:lnRef idx="2">
+            <a:schemeClr val="accent1">
+              <a:shade val="50000"/>
+            </a:schemeClr>
+          </a:lnRef>
+          <a:fillRef idx="1">
+            <a:schemeClr val="accent1"/>
+          </a:fillRef>
+          <a:effectRef idx="0">
+            <a:schemeClr val="accent1"/>
+          </a:effectRef>
+          <a:fontRef idx="minor">
+            <a:schemeClr val="lt1"/>
+          </a:fontRef>
+        </p:style>
+        <p:txBody>
+          <a:bodyPr rtlCol="0" anchor="ctr"/>
+          <a:p>
+            <a:pPr algn="ctr"/>
+            <a:endParaRPr lang="zh-CN" altLang="en-US" dirty="0">
+              <a:solidFill>
+                <a:schemeClr val="tx1"/>
+              </a:solidFill>
+            </a:endParaRPr>
+          </a:p>
+        </p:txBody>
+      </p:sp>
+      <p:sp>
+        <p:nvSpPr>
+          <p:cNvPr id="142" name="文本框 141"/>
+          <p:cNvSpPr txBox="1"/>
+          <p:nvPr/>
+        </p:nvSpPr>
+        <p:spPr>
+          <a:xfrm>
+            <a:off x="8108950" y="4589780"/>
+            <a:ext cx="601980" cy="368300"/>
+          </a:xfrm>
+          <a:prstGeom prst="rect">
+            <a:avLst/>
+          </a:prstGeom>
+          <a:noFill/>
+        </p:spPr>
+        <p:txBody>
+          <a:bodyPr wrap="square" rtlCol="0">
+            <a:spAutoFit/>
+          </a:bodyPr>
+          <a:p>
+            <a:r>
+              <a:rPr lang="en-US" altLang="zh-CN"/>
+              <a:t>sort</a:t>
+            </a:r>
+            <a:endParaRPr lang="en-US" altLang="zh-CN"/>
+          </a:p>
+        </p:txBody>
+      </p:sp>
+      <p:sp>
+        <p:nvSpPr>
+          <p:cNvPr id="143" name="流程图: 终止 142"/>
+          <p:cNvSpPr/>
+          <p:nvPr/>
+        </p:nvSpPr>
+        <p:spPr>
+          <a:xfrm>
+            <a:off x="7985125" y="5375910"/>
+            <a:ext cx="850900" cy="273685"/>
+          </a:xfrm>
+          <a:prstGeom prst="flowChartTerminator">
+            <a:avLst/>
+          </a:prstGeom>
+          <a:noFill/>
+          <a:ln w="19050">
+            <a:solidFill>
+              <a:schemeClr val="tx1"/>
+            </a:solidFill>
+          </a:ln>
+        </p:spPr>
+        <p:style>
+          <a:lnRef idx="2">
+            <a:schemeClr val="accent1">
+              <a:shade val="50000"/>
+            </a:schemeClr>
+          </a:lnRef>
+          <a:fillRef idx="1">
+            <a:schemeClr val="accent1"/>
+          </a:fillRef>
+          <a:effectRef idx="0">
+            <a:schemeClr val="accent1"/>
+          </a:effectRef>
+          <a:fontRef idx="minor">
+            <a:schemeClr val="lt1"/>
+          </a:fontRef>
+        </p:style>
+        <p:txBody>
+          <a:bodyPr rtlCol="0" anchor="ctr"/>
+          <a:p>
+            <a:pPr algn="ctr"/>
+            <a:endParaRPr lang="zh-CN" altLang="en-US" dirty="0">
+              <a:solidFill>
+                <a:schemeClr val="tx1"/>
+              </a:solidFill>
+            </a:endParaRPr>
+          </a:p>
+        </p:txBody>
+      </p:sp>
+      <p:sp>
+        <p:nvSpPr>
+          <p:cNvPr id="144" name="文本框 143"/>
+          <p:cNvSpPr txBox="1"/>
+          <p:nvPr/>
+        </p:nvSpPr>
+        <p:spPr>
+          <a:xfrm>
+            <a:off x="8109585" y="5328920"/>
+            <a:ext cx="601980" cy="368300"/>
+          </a:xfrm>
+          <a:prstGeom prst="rect">
+            <a:avLst/>
+          </a:prstGeom>
+          <a:noFill/>
+        </p:spPr>
+        <p:txBody>
+          <a:bodyPr wrap="square" rtlCol="0">
+            <a:spAutoFit/>
+          </a:bodyPr>
+          <a:p>
+            <a:r>
+              <a:rPr lang="en-US" altLang="zh-CN"/>
+              <a:t>sort</a:t>
+            </a:r>
+            <a:endParaRPr lang="en-US" altLang="zh-CN"/>
+          </a:p>
+        </p:txBody>
+      </p:sp>
+      <p:sp>
+        <p:nvSpPr>
+          <p:cNvPr id="145" name="文本框 144"/>
+          <p:cNvSpPr txBox="1"/>
+          <p:nvPr/>
+        </p:nvSpPr>
+        <p:spPr>
+          <a:xfrm>
+            <a:off x="8020050" y="4928870"/>
+            <a:ext cx="781050" cy="368300"/>
+          </a:xfrm>
+          <a:prstGeom prst="rect">
+            <a:avLst/>
+          </a:prstGeom>
+          <a:noFill/>
+        </p:spPr>
+        <p:txBody>
+          <a:bodyPr wrap="square" rtlCol="0">
+            <a:spAutoFit/>
+          </a:bodyPr>
+          <a:p>
+            <a:r>
+              <a:rPr lang="en-US" altLang="zh-CN"/>
+              <a:t>...    ...</a:t>
+            </a:r>
+            <a:endParaRPr lang="en-US" altLang="zh-CN"/>
+          </a:p>
+        </p:txBody>
+      </p:sp>
+      <p:cxnSp>
+        <p:nvCxnSpPr>
+          <p:cNvPr id="147" name="曲线连接符 146"/>
+          <p:cNvCxnSpPr>
+            <a:endCxn id="136" idx="1"/>
+          </p:cNvCxnSpPr>
+          <p:nvPr/>
+        </p:nvCxnSpPr>
+        <p:spPr>
+          <a:xfrm>
+            <a:off x="6732270" y="2560955"/>
+            <a:ext cx="1252220" cy="591820"/>
+          </a:xfrm>
+          <a:prstGeom prst="curvedConnector3">
+            <a:avLst>
+              <a:gd name="adj1" fmla="val 50051"/>
+            </a:avLst>
+          </a:prstGeom>
+          <a:ln w="19050">
+            <a:solidFill>
+              <a:schemeClr val="tx1"/>
+            </a:solidFill>
+            <a:headEnd type="none" w="med" len="med"/>
+            <a:tailEnd type="triangle" w="lg" len="lg"/>
+          </a:ln>
+        </p:spPr>
+        <p:style>
+          <a:lnRef idx="1">
+            <a:schemeClr val="accent1"/>
+          </a:lnRef>
+          <a:fillRef idx="0">
+            <a:schemeClr val="accent1"/>
+          </a:fillRef>
+          <a:effectRef idx="0">
+            <a:schemeClr val="accent1"/>
+          </a:effectRef>
+          <a:fontRef idx="minor">
+            <a:schemeClr val="tx1"/>
+          </a:fontRef>
+        </p:style>
+      </p:cxnSp>
+      <p:cxnSp>
+        <p:nvCxnSpPr>
+          <p:cNvPr id="149" name="曲线连接符 148"/>
+          <p:cNvCxnSpPr>
+            <a:stCxn id="91" idx="3"/>
+            <a:endCxn id="136" idx="1"/>
+          </p:cNvCxnSpPr>
+          <p:nvPr/>
+        </p:nvCxnSpPr>
+        <p:spPr>
+          <a:xfrm flipV="1">
+            <a:off x="6741160" y="3152775"/>
+            <a:ext cx="1243330" cy="236855"/>
+          </a:xfrm>
+          <a:prstGeom prst="curvedConnector3">
+            <a:avLst>
+              <a:gd name="adj1" fmla="val 50000"/>
+            </a:avLst>
+          </a:prstGeom>
+          <a:ln w="19050">
+            <a:solidFill>
+              <a:schemeClr val="tx1"/>
+            </a:solidFill>
+            <a:headEnd type="none" w="med" len="med"/>
+            <a:tailEnd type="triangle" w="lg" len="lg"/>
+          </a:ln>
+        </p:spPr>
+        <p:style>
+          <a:lnRef idx="1">
+            <a:schemeClr val="accent1"/>
+          </a:lnRef>
+          <a:fillRef idx="0">
+            <a:schemeClr val="accent1"/>
+          </a:fillRef>
+          <a:effectRef idx="0">
+            <a:schemeClr val="accent1"/>
+          </a:effectRef>
+          <a:fontRef idx="minor">
+            <a:schemeClr val="tx1"/>
+          </a:fontRef>
+        </p:style>
+      </p:cxnSp>
+      <p:cxnSp>
+        <p:nvCxnSpPr>
+          <p:cNvPr id="150" name="曲线连接符 149"/>
+          <p:cNvCxnSpPr>
+            <a:stCxn id="99" idx="3"/>
+            <a:endCxn id="136" idx="1"/>
+          </p:cNvCxnSpPr>
+          <p:nvPr/>
+        </p:nvCxnSpPr>
+        <p:spPr>
+          <a:xfrm flipV="1">
+            <a:off x="6741795" y="3152775"/>
+            <a:ext cx="1242695" cy="1074420"/>
+          </a:xfrm>
+          <a:prstGeom prst="curvedConnector3">
+            <a:avLst>
+              <a:gd name="adj1" fmla="val 50026"/>
+            </a:avLst>
+          </a:prstGeom>
+          <a:ln w="19050">
+            <a:solidFill>
+              <a:schemeClr val="tx1"/>
+            </a:solidFill>
+            <a:headEnd type="none" w="med" len="med"/>
+            <a:tailEnd type="triangle" w="lg" len="lg"/>
+          </a:ln>
+        </p:spPr>
+        <p:style>
+          <a:lnRef idx="1">
+            <a:schemeClr val="accent1"/>
+          </a:lnRef>
+          <a:fillRef idx="0">
+            <a:schemeClr val="accent1"/>
+          </a:fillRef>
+          <a:effectRef idx="0">
+            <a:schemeClr val="accent1"/>
+          </a:effectRef>
+          <a:fontRef idx="minor">
+            <a:schemeClr val="tx1"/>
+          </a:fontRef>
+        </p:style>
+      </p:cxnSp>
+      <p:cxnSp>
+        <p:nvCxnSpPr>
+          <p:cNvPr id="151" name="曲线连接符 150"/>
+          <p:cNvCxnSpPr>
+            <a:stCxn id="107" idx="3"/>
+            <a:endCxn id="136" idx="1"/>
+          </p:cNvCxnSpPr>
+          <p:nvPr/>
+        </p:nvCxnSpPr>
+        <p:spPr>
+          <a:xfrm flipV="1">
+            <a:off x="6741160" y="3152775"/>
+            <a:ext cx="1243330" cy="2319020"/>
+          </a:xfrm>
+          <a:prstGeom prst="curvedConnector3">
+            <a:avLst>
+              <a:gd name="adj1" fmla="val 50000"/>
+            </a:avLst>
+          </a:prstGeom>
+          <a:ln w="19050">
+            <a:solidFill>
+              <a:schemeClr val="tx1"/>
+            </a:solidFill>
+            <a:headEnd type="none" w="med" len="med"/>
+            <a:tailEnd type="triangle" w="lg" len="lg"/>
+          </a:ln>
+        </p:spPr>
+        <p:style>
+          <a:lnRef idx="1">
+            <a:schemeClr val="accent1"/>
+          </a:lnRef>
+          <a:fillRef idx="0">
+            <a:schemeClr val="accent1"/>
+          </a:fillRef>
+          <a:effectRef idx="0">
+            <a:schemeClr val="accent1"/>
+          </a:effectRef>
+          <a:fontRef idx="minor">
+            <a:schemeClr val="tx1"/>
+          </a:fontRef>
+        </p:style>
+      </p:cxnSp>
+      <p:cxnSp>
+        <p:nvCxnSpPr>
+          <p:cNvPr id="152" name="曲线连接符 151"/>
+          <p:cNvCxnSpPr>
+            <a:stCxn id="89" idx="3"/>
+            <a:endCxn id="143" idx="1"/>
+          </p:cNvCxnSpPr>
+          <p:nvPr/>
+        </p:nvCxnSpPr>
+        <p:spPr>
+          <a:xfrm>
+            <a:off x="6741795" y="3107055"/>
+            <a:ext cx="1243330" cy="2406015"/>
+          </a:xfrm>
+          <a:prstGeom prst="curvedConnector3">
+            <a:avLst>
+              <a:gd name="adj1" fmla="val 50000"/>
+            </a:avLst>
+          </a:prstGeom>
+          <a:ln w="19050">
+            <a:solidFill>
+              <a:schemeClr val="tx1"/>
+            </a:solidFill>
+            <a:headEnd type="none" w="med" len="med"/>
+            <a:tailEnd type="triangle" w="lg" len="lg"/>
+          </a:ln>
+        </p:spPr>
+        <p:style>
+          <a:lnRef idx="1">
+            <a:schemeClr val="accent1"/>
+          </a:lnRef>
+          <a:fillRef idx="0">
+            <a:schemeClr val="accent1"/>
+          </a:fillRef>
+          <a:effectRef idx="0">
+            <a:schemeClr val="accent1"/>
+          </a:effectRef>
+          <a:fontRef idx="minor">
+            <a:schemeClr val="tx1"/>
+          </a:fontRef>
+        </p:style>
+      </p:cxnSp>
+      <p:cxnSp>
+        <p:nvCxnSpPr>
+          <p:cNvPr id="153" name="曲线连接符 152"/>
+          <p:cNvCxnSpPr>
+            <a:stCxn id="97" idx="3"/>
+            <a:endCxn id="143" idx="1"/>
+          </p:cNvCxnSpPr>
+          <p:nvPr/>
+        </p:nvCxnSpPr>
+        <p:spPr>
+          <a:xfrm>
+            <a:off x="6741160" y="3937000"/>
+            <a:ext cx="1243965" cy="1576070"/>
+          </a:xfrm>
+          <a:prstGeom prst="curvedConnector3">
+            <a:avLst>
+              <a:gd name="adj1" fmla="val 50026"/>
+            </a:avLst>
+          </a:prstGeom>
+          <a:ln w="19050">
+            <a:solidFill>
+              <a:schemeClr val="tx1"/>
+            </a:solidFill>
+            <a:headEnd type="none" w="med" len="med"/>
+            <a:tailEnd type="triangle" w="lg" len="lg"/>
+          </a:ln>
+        </p:spPr>
+        <p:style>
+          <a:lnRef idx="1">
+            <a:schemeClr val="accent1"/>
+          </a:lnRef>
+          <a:fillRef idx="0">
+            <a:schemeClr val="accent1"/>
+          </a:fillRef>
+          <a:effectRef idx="0">
+            <a:schemeClr val="accent1"/>
+          </a:effectRef>
+          <a:fontRef idx="minor">
+            <a:schemeClr val="tx1"/>
+          </a:fontRef>
+        </p:style>
+      </p:cxnSp>
+      <p:cxnSp>
+        <p:nvCxnSpPr>
+          <p:cNvPr id="154" name="曲线连接符 153"/>
+          <p:cNvCxnSpPr>
+            <a:stCxn id="105" idx="3"/>
+            <a:endCxn id="143" idx="1"/>
+          </p:cNvCxnSpPr>
+          <p:nvPr/>
+        </p:nvCxnSpPr>
+        <p:spPr>
+          <a:xfrm>
+            <a:off x="6741795" y="4774565"/>
+            <a:ext cx="1243330" cy="738505"/>
+          </a:xfrm>
+          <a:prstGeom prst="curvedConnector3">
+            <a:avLst>
+              <a:gd name="adj1" fmla="val 50000"/>
+            </a:avLst>
+          </a:prstGeom>
+          <a:ln w="19050">
+            <a:solidFill>
+              <a:schemeClr val="tx1"/>
+            </a:solidFill>
+            <a:headEnd type="none" w="med" len="med"/>
+            <a:tailEnd type="triangle" w="lg" len="lg"/>
+          </a:ln>
+        </p:spPr>
+        <p:style>
+          <a:lnRef idx="1">
+            <a:schemeClr val="accent1"/>
+          </a:lnRef>
+          <a:fillRef idx="0">
+            <a:schemeClr val="accent1"/>
+          </a:fillRef>
+          <a:effectRef idx="0">
+            <a:schemeClr val="accent1"/>
+          </a:effectRef>
+          <a:fontRef idx="minor">
+            <a:schemeClr val="tx1"/>
+          </a:fontRef>
+        </p:style>
+      </p:cxnSp>
+      <p:cxnSp>
+        <p:nvCxnSpPr>
+          <p:cNvPr id="155" name="曲线连接符 154"/>
+          <p:cNvCxnSpPr>
+            <a:stCxn id="113" idx="3"/>
+            <a:endCxn id="143" idx="1"/>
+          </p:cNvCxnSpPr>
+          <p:nvPr/>
+        </p:nvCxnSpPr>
+        <p:spPr>
+          <a:xfrm flipV="1">
+            <a:off x="6741160" y="5513070"/>
+            <a:ext cx="1243965" cy="506095"/>
+          </a:xfrm>
+          <a:prstGeom prst="curvedConnector3">
+            <a:avLst>
+              <a:gd name="adj1" fmla="val 50026"/>
+            </a:avLst>
+          </a:prstGeom>
+          <a:ln w="19050">
+            <a:solidFill>
+              <a:schemeClr val="tx1"/>
+            </a:solidFill>
+            <a:headEnd type="none" w="med" len="med"/>
+            <a:tailEnd type="triangle" w="lg" len="lg"/>
+          </a:ln>
+        </p:spPr>
+        <p:style>
+          <a:lnRef idx="1">
+            <a:schemeClr val="accent1"/>
+          </a:lnRef>
+          <a:fillRef idx="0">
+            <a:schemeClr val="accent1"/>
+          </a:fillRef>
+          <a:effectRef idx="0">
+            <a:schemeClr val="accent1"/>
+          </a:effectRef>
+          <a:fontRef idx="minor">
+            <a:schemeClr val="tx1"/>
+          </a:fontRef>
+        </p:style>
+      </p:cxnSp>
+      <p:sp>
+        <p:nvSpPr>
+          <p:cNvPr id="157" name="文本框 156"/>
+          <p:cNvSpPr txBox="1"/>
+          <p:nvPr/>
+        </p:nvSpPr>
+        <p:spPr>
+          <a:xfrm>
+            <a:off x="7560310" y="3907155"/>
+            <a:ext cx="459740" cy="882015"/>
+          </a:xfrm>
+          <a:prstGeom prst="rect">
+            <a:avLst/>
+          </a:prstGeom>
+          <a:noFill/>
+        </p:spPr>
+        <p:txBody>
+          <a:bodyPr vert="eaVert" wrap="square" rtlCol="0">
+            <a:spAutoFit/>
+          </a:bodyPr>
+          <a:p>
+            <a:r>
+              <a:rPr lang="en-US" altLang="zh-CN"/>
+              <a:t>...       ...</a:t>
+            </a:r>
+            <a:endParaRPr lang="en-US" altLang="zh-CN"/>
+          </a:p>
+        </p:txBody>
+      </p:sp>
+      <p:sp>
+        <p:nvSpPr>
+          <p:cNvPr id="158" name="矩形 157"/>
+          <p:cNvSpPr/>
+          <p:nvPr/>
+        </p:nvSpPr>
+        <p:spPr>
+          <a:xfrm>
+            <a:off x="9679305" y="2833370"/>
+            <a:ext cx="1184275" cy="3166110"/>
+          </a:xfrm>
+          <a:prstGeom prst="rect">
+            <a:avLst/>
+          </a:prstGeom>
+          <a:solidFill>
+            <a:schemeClr val="bg2"/>
+          </a:solidFill>
+          <a:ln w="31750" cmpd="sng">
+            <a:solidFill>
+              <a:schemeClr val="bg2">
+                <a:lumMod val="75000"/>
+              </a:schemeClr>
+            </a:solidFill>
+            <a:prstDash val="sysDash"/>
+          </a:ln>
+        </p:spPr>
+        <p:style>
+          <a:lnRef idx="2">
+            <a:schemeClr val="accent1">
+              <a:shade val="50000"/>
+            </a:schemeClr>
+          </a:lnRef>
+          <a:fillRef idx="1">
+            <a:schemeClr val="accent1"/>
+          </a:fillRef>
+          <a:effectRef idx="0">
+            <a:schemeClr val="accent1"/>
+          </a:effectRef>
+          <a:fontRef idx="minor">
+            <a:schemeClr val="lt1"/>
+          </a:fontRef>
+        </p:style>
+        <p:txBody>
+          <a:bodyPr rtlCol="0" anchor="ctr"/>
+          <a:p>
+            <a:pPr algn="ctr"/>
+            <a:endParaRPr lang="zh-CN" altLang="en-US" dirty="0">
+              <a:solidFill>
+                <a:schemeClr val="tx1"/>
+              </a:solidFill>
+            </a:endParaRPr>
+          </a:p>
+        </p:txBody>
+      </p:sp>
+      <p:sp>
+        <p:nvSpPr>
+          <p:cNvPr id="159" name="文本框 158"/>
+          <p:cNvSpPr txBox="1"/>
+          <p:nvPr/>
+        </p:nvSpPr>
+        <p:spPr>
+          <a:xfrm>
+            <a:off x="9498965" y="6137275"/>
+            <a:ext cx="1364615" cy="368300"/>
+          </a:xfrm>
+          <a:prstGeom prst="rect">
+            <a:avLst/>
+          </a:prstGeom>
+          <a:noFill/>
+        </p:spPr>
+        <p:txBody>
+          <a:bodyPr wrap="square" rtlCol="0">
+            <a:spAutoFit/>
+          </a:bodyPr>
+          <a:p>
+            <a:r>
+              <a:rPr lang="en-US" altLang="zh-CN"/>
+              <a:t>O</a:t>
+            </a:r>
+            <a:r>
+              <a:rPr lang="en-US" altLang="zh-CN"/>
+              <a:t>utput </a:t>
+            </a:r>
+            <a:r>
+              <a:rPr lang="en-US" altLang="zh-CN"/>
+              <a:t>files</a:t>
+            </a:r>
+            <a:endParaRPr lang="en-US" altLang="zh-CN"/>
+          </a:p>
+        </p:txBody>
+      </p:sp>
+      <p:sp>
+        <p:nvSpPr>
+          <p:cNvPr id="160" name="文本框 159"/>
+          <p:cNvSpPr txBox="1"/>
+          <p:nvPr/>
+        </p:nvSpPr>
+        <p:spPr>
+          <a:xfrm>
+            <a:off x="7555865" y="6156960"/>
+            <a:ext cx="1708150" cy="368300"/>
+          </a:xfrm>
+          <a:prstGeom prst="rect">
+            <a:avLst/>
+          </a:prstGeom>
+          <a:noFill/>
+        </p:spPr>
+        <p:txBody>
+          <a:bodyPr wrap="square" rtlCol="0">
+            <a:spAutoFit/>
+          </a:bodyPr>
+          <a:p>
+            <a:r>
+              <a:rPr lang="en-US" altLang="zh-CN"/>
+              <a:t>Reduce </a:t>
+            </a:r>
+            <a:r>
+              <a:rPr lang="en-US" altLang="zh-CN"/>
+              <a:t>phrase</a:t>
+            </a:r>
+            <a:endParaRPr lang="en-US" altLang="zh-CN"/>
+          </a:p>
+        </p:txBody>
+      </p:sp>
+      <p:sp>
+        <p:nvSpPr>
+          <p:cNvPr id="161" name="矩形 160"/>
+          <p:cNvSpPr/>
+          <p:nvPr/>
+        </p:nvSpPr>
+        <p:spPr>
+          <a:xfrm>
+            <a:off x="9800590" y="2952750"/>
+            <a:ext cx="932815" cy="527685"/>
+          </a:xfrm>
+          <a:prstGeom prst="rect">
+            <a:avLst/>
+          </a:prstGeom>
+          <a:noFill/>
+          <a:ln w="28575">
+            <a:solidFill>
+              <a:schemeClr val="tx1"/>
+            </a:solidFill>
+          </a:ln>
+        </p:spPr>
+        <p:style>
+          <a:lnRef idx="2">
+            <a:schemeClr val="accent1">
+              <a:shade val="50000"/>
+            </a:schemeClr>
+          </a:lnRef>
+          <a:fillRef idx="1">
+            <a:schemeClr val="accent1"/>
+          </a:fillRef>
+          <a:effectRef idx="0">
+            <a:schemeClr val="accent1"/>
+          </a:effectRef>
+          <a:fontRef idx="minor">
+            <a:schemeClr val="lt1"/>
+          </a:fontRef>
+        </p:style>
+        <p:txBody>
+          <a:bodyPr rtlCol="0" anchor="ctr"/>
+          <a:p>
+            <a:pPr algn="ctr"/>
+            <a:endParaRPr lang="zh-CN" altLang="en-US" dirty="0">
+              <a:solidFill>
+                <a:schemeClr val="tx1"/>
+              </a:solidFill>
+            </a:endParaRPr>
+          </a:p>
+        </p:txBody>
+      </p:sp>
+      <p:sp>
+        <p:nvSpPr>
+          <p:cNvPr id="162" name="文本框 161"/>
+          <p:cNvSpPr txBox="1"/>
+          <p:nvPr/>
+        </p:nvSpPr>
+        <p:spPr>
+          <a:xfrm>
+            <a:off x="9724390" y="2924810"/>
+            <a:ext cx="1009015" cy="645160"/>
+          </a:xfrm>
+          <a:prstGeom prst="rect">
+            <a:avLst/>
+          </a:prstGeom>
+          <a:noFill/>
+        </p:spPr>
+        <p:txBody>
+          <a:bodyPr wrap="square" rtlCol="0">
+            <a:spAutoFit/>
+          </a:bodyPr>
+          <a:p>
+            <a:pPr algn="ctr"/>
+            <a:r>
+              <a:rPr lang="en-US" altLang="zh-CN"/>
+              <a:t> O</a:t>
+            </a:r>
+            <a:r>
+              <a:rPr lang="en-US" altLang="zh-CN"/>
+              <a:t>utput</a:t>
+            </a:r>
+            <a:endParaRPr lang="en-US" altLang="zh-CN"/>
+          </a:p>
+          <a:p>
+            <a:pPr algn="ctr"/>
+            <a:r>
+              <a:rPr lang="en-US" altLang="zh-CN"/>
+              <a:t>file0</a:t>
+            </a:r>
+            <a:endParaRPr lang="en-US" altLang="zh-CN"/>
+          </a:p>
+        </p:txBody>
+      </p:sp>
+      <p:sp>
+        <p:nvSpPr>
+          <p:cNvPr id="163" name="矩形 162"/>
+          <p:cNvSpPr/>
+          <p:nvPr/>
+        </p:nvSpPr>
+        <p:spPr>
+          <a:xfrm>
+            <a:off x="9805035" y="3608070"/>
+            <a:ext cx="932815" cy="527685"/>
+          </a:xfrm>
+          <a:prstGeom prst="rect">
+            <a:avLst/>
+          </a:prstGeom>
+          <a:noFill/>
+          <a:ln w="28575">
+            <a:solidFill>
+              <a:schemeClr val="tx1"/>
+            </a:solidFill>
+          </a:ln>
+        </p:spPr>
+        <p:style>
+          <a:lnRef idx="2">
+            <a:schemeClr val="accent1">
+              <a:shade val="50000"/>
+            </a:schemeClr>
+          </a:lnRef>
+          <a:fillRef idx="1">
+            <a:schemeClr val="accent1"/>
+          </a:fillRef>
+          <a:effectRef idx="0">
+            <a:schemeClr val="accent1"/>
+          </a:effectRef>
+          <a:fontRef idx="minor">
+            <a:schemeClr val="lt1"/>
+          </a:fontRef>
+        </p:style>
+        <p:txBody>
+          <a:bodyPr rtlCol="0" anchor="ctr"/>
+          <a:p>
+            <a:pPr algn="ctr"/>
+            <a:endParaRPr lang="zh-CN" altLang="en-US" dirty="0">
+              <a:solidFill>
+                <a:schemeClr val="tx1"/>
+              </a:solidFill>
+            </a:endParaRPr>
+          </a:p>
+        </p:txBody>
+      </p:sp>
+      <p:sp>
+        <p:nvSpPr>
+          <p:cNvPr id="164" name="文本框 163"/>
+          <p:cNvSpPr txBox="1"/>
+          <p:nvPr/>
+        </p:nvSpPr>
+        <p:spPr>
+          <a:xfrm>
+            <a:off x="9728835" y="3580130"/>
+            <a:ext cx="1009015" cy="645160"/>
+          </a:xfrm>
+          <a:prstGeom prst="rect">
+            <a:avLst/>
+          </a:prstGeom>
+          <a:noFill/>
+        </p:spPr>
+        <p:txBody>
+          <a:bodyPr wrap="square" rtlCol="0">
+            <a:spAutoFit/>
+          </a:bodyPr>
+          <a:p>
+            <a:pPr algn="ctr"/>
+            <a:r>
+              <a:rPr lang="en-US" altLang="zh-CN"/>
+              <a:t> O</a:t>
+            </a:r>
+            <a:r>
+              <a:rPr lang="en-US" altLang="zh-CN"/>
+              <a:t>utput</a:t>
+            </a:r>
+            <a:endParaRPr lang="en-US" altLang="zh-CN"/>
+          </a:p>
+          <a:p>
+            <a:pPr algn="ctr"/>
+            <a:r>
+              <a:rPr lang="en-US" altLang="zh-CN"/>
+              <a:t>file1</a:t>
+            </a:r>
+            <a:endParaRPr lang="en-US" altLang="zh-CN"/>
+          </a:p>
+        </p:txBody>
+      </p:sp>
+      <p:sp>
+        <p:nvSpPr>
+          <p:cNvPr id="165" name="矩形 164"/>
+          <p:cNvSpPr/>
+          <p:nvPr/>
+        </p:nvSpPr>
+        <p:spPr>
+          <a:xfrm>
+            <a:off x="9809480" y="4500880"/>
+            <a:ext cx="932815" cy="527685"/>
+          </a:xfrm>
+          <a:prstGeom prst="rect">
+            <a:avLst/>
+          </a:prstGeom>
+          <a:noFill/>
+          <a:ln w="28575">
+            <a:solidFill>
+              <a:schemeClr val="tx1"/>
+            </a:solidFill>
+          </a:ln>
+        </p:spPr>
+        <p:style>
+          <a:lnRef idx="2">
+            <a:schemeClr val="accent1">
+              <a:shade val="50000"/>
+            </a:schemeClr>
+          </a:lnRef>
+          <a:fillRef idx="1">
+            <a:schemeClr val="accent1"/>
+          </a:fillRef>
+          <a:effectRef idx="0">
+            <a:schemeClr val="accent1"/>
+          </a:effectRef>
+          <a:fontRef idx="minor">
+            <a:schemeClr val="lt1"/>
+          </a:fontRef>
+        </p:style>
+        <p:txBody>
+          <a:bodyPr rtlCol="0" anchor="ctr"/>
+          <a:p>
+            <a:pPr algn="ctr"/>
+            <a:endParaRPr lang="zh-CN" altLang="en-US" dirty="0">
+              <a:solidFill>
+                <a:schemeClr val="tx1"/>
+              </a:solidFill>
+            </a:endParaRPr>
+          </a:p>
+        </p:txBody>
+      </p:sp>
+      <p:sp>
+        <p:nvSpPr>
+          <p:cNvPr id="166" name="文本框 165"/>
+          <p:cNvSpPr txBox="1"/>
+          <p:nvPr/>
+        </p:nvSpPr>
+        <p:spPr>
+          <a:xfrm>
+            <a:off x="9733280" y="4472940"/>
+            <a:ext cx="1009015" cy="645160"/>
+          </a:xfrm>
+          <a:prstGeom prst="rect">
+            <a:avLst/>
+          </a:prstGeom>
+          <a:noFill/>
+        </p:spPr>
+        <p:txBody>
+          <a:bodyPr wrap="square" rtlCol="0">
+            <a:spAutoFit/>
+          </a:bodyPr>
+          <a:p>
+            <a:pPr algn="ctr"/>
+            <a:r>
+              <a:rPr lang="en-US" altLang="zh-CN"/>
+              <a:t> O</a:t>
+            </a:r>
+            <a:r>
+              <a:rPr lang="en-US" altLang="zh-CN"/>
+              <a:t>utput</a:t>
+            </a:r>
+            <a:endParaRPr lang="en-US" altLang="zh-CN"/>
+          </a:p>
+          <a:p>
+            <a:pPr algn="ctr"/>
+            <a:r>
+              <a:rPr lang="en-US" altLang="zh-CN"/>
+              <a:t>file2</a:t>
+            </a:r>
+            <a:endParaRPr lang="en-US" altLang="zh-CN"/>
+          </a:p>
+        </p:txBody>
+      </p:sp>
+      <p:sp>
+        <p:nvSpPr>
+          <p:cNvPr id="167" name="矩形 166"/>
+          <p:cNvSpPr/>
+          <p:nvPr/>
+        </p:nvSpPr>
+        <p:spPr>
+          <a:xfrm>
+            <a:off x="9809480" y="5309235"/>
+            <a:ext cx="932815" cy="527685"/>
+          </a:xfrm>
+          <a:prstGeom prst="rect">
+            <a:avLst/>
+          </a:prstGeom>
+          <a:noFill/>
+          <a:ln w="28575">
+            <a:solidFill>
+              <a:schemeClr val="tx1"/>
+            </a:solidFill>
+          </a:ln>
+        </p:spPr>
+        <p:style>
+          <a:lnRef idx="2">
+            <a:schemeClr val="accent1">
+              <a:shade val="50000"/>
+            </a:schemeClr>
+          </a:lnRef>
+          <a:fillRef idx="1">
+            <a:schemeClr val="accent1"/>
+          </a:fillRef>
+          <a:effectRef idx="0">
+            <a:schemeClr val="accent1"/>
+          </a:effectRef>
+          <a:fontRef idx="minor">
+            <a:schemeClr val="lt1"/>
+          </a:fontRef>
+        </p:style>
+        <p:txBody>
+          <a:bodyPr rtlCol="0" anchor="ctr"/>
+          <a:p>
+            <a:pPr algn="ctr"/>
+            <a:endParaRPr lang="zh-CN" altLang="en-US" dirty="0">
+              <a:solidFill>
+                <a:schemeClr val="tx1"/>
+              </a:solidFill>
+            </a:endParaRPr>
+          </a:p>
+        </p:txBody>
+      </p:sp>
+      <p:sp>
+        <p:nvSpPr>
+          <p:cNvPr id="168" name="文本框 167"/>
+          <p:cNvSpPr txBox="1"/>
+          <p:nvPr/>
+        </p:nvSpPr>
+        <p:spPr>
+          <a:xfrm>
+            <a:off x="9733280" y="5281295"/>
+            <a:ext cx="1009015" cy="645160"/>
+          </a:xfrm>
+          <a:prstGeom prst="rect">
+            <a:avLst/>
+          </a:prstGeom>
+          <a:noFill/>
+        </p:spPr>
+        <p:txBody>
+          <a:bodyPr wrap="square" rtlCol="0">
+            <a:spAutoFit/>
+          </a:bodyPr>
+          <a:p>
+            <a:pPr algn="ctr"/>
+            <a:r>
+              <a:rPr lang="en-US" altLang="zh-CN"/>
+              <a:t> O</a:t>
+            </a:r>
+            <a:r>
+              <a:rPr lang="en-US" altLang="zh-CN"/>
+              <a:t>utput</a:t>
+            </a:r>
+            <a:endParaRPr lang="en-US" altLang="zh-CN"/>
+          </a:p>
+          <a:p>
+            <a:pPr algn="ctr"/>
+            <a:r>
+              <a:rPr lang="en-US" altLang="zh-CN"/>
+              <a:t>file0</a:t>
+            </a:r>
+            <a:endParaRPr lang="en-US" altLang="zh-CN"/>
+          </a:p>
+        </p:txBody>
+      </p:sp>
+      <p:sp>
+        <p:nvSpPr>
+          <p:cNvPr id="169" name="文本框 168"/>
+          <p:cNvSpPr txBox="1"/>
+          <p:nvPr/>
+        </p:nvSpPr>
+        <p:spPr>
+          <a:xfrm>
+            <a:off x="9885680" y="4965700"/>
+            <a:ext cx="781050" cy="368300"/>
+          </a:xfrm>
+          <a:prstGeom prst="rect">
+            <a:avLst/>
+          </a:prstGeom>
+          <a:noFill/>
+        </p:spPr>
+        <p:txBody>
+          <a:bodyPr wrap="square" rtlCol="0">
+            <a:spAutoFit/>
+          </a:bodyPr>
+          <a:p>
+            <a:r>
+              <a:rPr lang="en-US" altLang="zh-CN"/>
+              <a:t>...    ...</a:t>
+            </a:r>
+            <a:endParaRPr lang="en-US" altLang="zh-CN"/>
+          </a:p>
+        </p:txBody>
+      </p:sp>
+      <p:cxnSp>
+        <p:nvCxnSpPr>
+          <p:cNvPr id="170" name="直接箭头连接符 169"/>
+          <p:cNvCxnSpPr>
+            <a:stCxn id="136" idx="3"/>
+          </p:cNvCxnSpPr>
+          <p:nvPr/>
+        </p:nvCxnSpPr>
+        <p:spPr>
+          <a:xfrm>
+            <a:off x="8835390" y="3152775"/>
+            <a:ext cx="980440" cy="0"/>
+          </a:xfrm>
+          <a:prstGeom prst="straightConnector1">
+            <a:avLst/>
+          </a:prstGeom>
+          <a:ln w="19050">
+            <a:solidFill>
+              <a:schemeClr val="tx1"/>
+            </a:solidFill>
+            <a:headEnd type="none" w="med" len="med"/>
+            <a:tailEnd type="triangle" w="lg" len="lg"/>
+          </a:ln>
+        </p:spPr>
+        <p:style>
+          <a:lnRef idx="1">
+            <a:schemeClr val="accent1"/>
+          </a:lnRef>
+          <a:fillRef idx="0">
+            <a:schemeClr val="accent1"/>
+          </a:fillRef>
+          <a:effectRef idx="0">
+            <a:schemeClr val="accent1"/>
+          </a:effectRef>
+          <a:fontRef idx="minor">
+            <a:schemeClr val="tx1"/>
+          </a:fontRef>
+        </p:style>
+      </p:cxnSp>
+      <p:cxnSp>
+        <p:nvCxnSpPr>
+          <p:cNvPr id="171" name="直接箭头连接符 170"/>
+          <p:cNvCxnSpPr>
+            <a:stCxn id="139" idx="3"/>
+          </p:cNvCxnSpPr>
+          <p:nvPr/>
+        </p:nvCxnSpPr>
+        <p:spPr>
+          <a:xfrm>
+            <a:off x="8836025" y="3891915"/>
+            <a:ext cx="979805" cy="0"/>
+          </a:xfrm>
+          <a:prstGeom prst="straightConnector1">
+            <a:avLst/>
+          </a:prstGeom>
+          <a:ln w="19050">
+            <a:solidFill>
+              <a:schemeClr val="tx1"/>
+            </a:solidFill>
+            <a:headEnd type="none" w="med" len="med"/>
+            <a:tailEnd type="triangle" w="lg" len="lg"/>
+          </a:ln>
+        </p:spPr>
+        <p:style>
+          <a:lnRef idx="1">
+            <a:schemeClr val="accent1"/>
+          </a:lnRef>
+          <a:fillRef idx="0">
+            <a:schemeClr val="accent1"/>
+          </a:fillRef>
+          <a:effectRef idx="0">
+            <a:schemeClr val="accent1"/>
+          </a:effectRef>
+          <a:fontRef idx="minor">
+            <a:schemeClr val="tx1"/>
+          </a:fontRef>
+        </p:style>
+      </p:cxnSp>
+      <p:cxnSp>
+        <p:nvCxnSpPr>
+          <p:cNvPr id="172" name="直接箭头连接符 171"/>
+          <p:cNvCxnSpPr/>
+          <p:nvPr/>
+        </p:nvCxnSpPr>
+        <p:spPr>
+          <a:xfrm>
+            <a:off x="8824595" y="4773930"/>
+            <a:ext cx="980440" cy="0"/>
+          </a:xfrm>
+          <a:prstGeom prst="straightConnector1">
+            <a:avLst/>
+          </a:prstGeom>
+          <a:ln w="19050">
+            <a:solidFill>
+              <a:schemeClr val="tx1"/>
+            </a:solidFill>
+            <a:headEnd type="none" w="med" len="med"/>
+            <a:tailEnd type="triangle" w="lg" len="lg"/>
+          </a:ln>
+        </p:spPr>
+        <p:style>
+          <a:lnRef idx="1">
+            <a:schemeClr val="accent1"/>
+          </a:lnRef>
+          <a:fillRef idx="0">
+            <a:schemeClr val="accent1"/>
+          </a:fillRef>
+          <a:effectRef idx="0">
+            <a:schemeClr val="accent1"/>
+          </a:effectRef>
+          <a:fontRef idx="minor">
+            <a:schemeClr val="tx1"/>
+          </a:fontRef>
+        </p:style>
+      </p:cxnSp>
+      <p:cxnSp>
+        <p:nvCxnSpPr>
+          <p:cNvPr id="173" name="直接箭头连接符 172"/>
+          <p:cNvCxnSpPr/>
+          <p:nvPr/>
+        </p:nvCxnSpPr>
+        <p:spPr>
+          <a:xfrm>
+            <a:off x="8836025" y="5516245"/>
+            <a:ext cx="980440" cy="0"/>
+          </a:xfrm>
+          <a:prstGeom prst="straightConnector1">
+            <a:avLst/>
+          </a:prstGeom>
+          <a:ln w="19050">
+            <a:solidFill>
+              <a:schemeClr val="tx1"/>
+            </a:solidFill>
+            <a:headEnd type="none" w="med" len="med"/>
+            <a:tailEnd type="triangle" w="lg" len="lg"/>
+          </a:ln>
+        </p:spPr>
+        <p:style>
+          <a:lnRef idx="1">
+            <a:schemeClr val="accent1"/>
+          </a:lnRef>
+          <a:fillRef idx="0">
+            <a:schemeClr val="accent1"/>
+          </a:fillRef>
+          <a:effectRef idx="0">
+            <a:schemeClr val="accent1"/>
+          </a:effectRef>
+          <a:fontRef idx="minor">
+            <a:schemeClr val="tx1"/>
+          </a:fontRef>
+        </p:style>
+      </p:cxnSp>
+      <p:sp>
+        <p:nvSpPr>
+          <p:cNvPr id="174" name="文本框 173"/>
+          <p:cNvSpPr txBox="1"/>
+          <p:nvPr/>
+        </p:nvSpPr>
+        <p:spPr>
+          <a:xfrm>
+            <a:off x="3000375" y="2788285"/>
+            <a:ext cx="659765" cy="368300"/>
+          </a:xfrm>
+          <a:prstGeom prst="rect">
+            <a:avLst/>
+          </a:prstGeom>
+          <a:noFill/>
+        </p:spPr>
+        <p:txBody>
+          <a:bodyPr wrap="square" rtlCol="0">
+            <a:spAutoFit/>
+          </a:bodyPr>
+          <a:p>
+            <a:r>
+              <a:rPr lang="en-US" altLang="zh-CN">
+                <a:solidFill>
+                  <a:schemeClr val="bg1">
+                    <a:lumMod val="50000"/>
+                  </a:schemeClr>
+                </a:solidFill>
+              </a:rPr>
+              <a:t>read</a:t>
+            </a:r>
+            <a:endParaRPr lang="en-US" altLang="zh-CN">
+              <a:solidFill>
+                <a:schemeClr val="bg1">
+                  <a:lumMod val="50000"/>
+                </a:schemeClr>
+              </a:solidFill>
+            </a:endParaRPr>
+          </a:p>
+        </p:txBody>
+      </p:sp>
+      <p:sp>
+        <p:nvSpPr>
+          <p:cNvPr id="175" name="文本框 174"/>
+          <p:cNvSpPr txBox="1"/>
+          <p:nvPr/>
+        </p:nvSpPr>
+        <p:spPr>
+          <a:xfrm>
+            <a:off x="4627245" y="2584450"/>
+            <a:ext cx="720090" cy="368300"/>
+          </a:xfrm>
+          <a:prstGeom prst="rect">
+            <a:avLst/>
+          </a:prstGeom>
+          <a:noFill/>
+        </p:spPr>
+        <p:txBody>
+          <a:bodyPr wrap="square" rtlCol="0">
+            <a:spAutoFit/>
+          </a:bodyPr>
+          <a:p>
+            <a:r>
+              <a:rPr lang="en-US" altLang="zh-CN">
+                <a:solidFill>
+                  <a:schemeClr val="bg1">
+                    <a:lumMod val="50000"/>
+                  </a:schemeClr>
+                </a:solidFill>
+              </a:rPr>
+              <a:t>wirte</a:t>
+            </a:r>
+            <a:endParaRPr lang="en-US" altLang="zh-CN">
+              <a:solidFill>
+                <a:schemeClr val="bg1">
+                  <a:lumMod val="50000"/>
+                </a:schemeClr>
+              </a:solidFill>
+            </a:endParaRPr>
+          </a:p>
+        </p:txBody>
+      </p:sp>
+      <p:sp>
+        <p:nvSpPr>
+          <p:cNvPr id="176" name="文本框 175"/>
+          <p:cNvSpPr txBox="1"/>
+          <p:nvPr/>
+        </p:nvSpPr>
+        <p:spPr>
+          <a:xfrm>
+            <a:off x="7193280" y="2490470"/>
+            <a:ext cx="916305" cy="645160"/>
+          </a:xfrm>
+          <a:prstGeom prst="rect">
+            <a:avLst/>
+          </a:prstGeom>
+          <a:noFill/>
+        </p:spPr>
+        <p:txBody>
+          <a:bodyPr wrap="square" rtlCol="0">
+            <a:spAutoFit/>
+          </a:bodyPr>
+          <a:p>
+            <a:pPr algn="ctr"/>
+            <a:r>
+              <a:rPr lang="en-US" altLang="zh-CN">
+                <a:solidFill>
+                  <a:schemeClr val="bg1">
+                    <a:lumMod val="50000"/>
+                  </a:schemeClr>
+                </a:solidFill>
+              </a:rPr>
+              <a:t>remoteread</a:t>
+            </a:r>
+            <a:endParaRPr lang="en-US" altLang="zh-CN">
+              <a:solidFill>
+                <a:schemeClr val="bg1">
+                  <a:lumMod val="50000"/>
+                </a:schemeClr>
+              </a:solidFill>
+            </a:endParaRPr>
+          </a:p>
+        </p:txBody>
+      </p:sp>
+      <p:sp>
+        <p:nvSpPr>
+          <p:cNvPr id="177" name="文本框 176"/>
+          <p:cNvSpPr txBox="1"/>
+          <p:nvPr/>
+        </p:nvSpPr>
+        <p:spPr>
+          <a:xfrm>
+            <a:off x="8966200" y="2833370"/>
+            <a:ext cx="720090" cy="368300"/>
+          </a:xfrm>
+          <a:prstGeom prst="rect">
+            <a:avLst/>
+          </a:prstGeom>
+          <a:noFill/>
+        </p:spPr>
+        <p:txBody>
+          <a:bodyPr wrap="square" rtlCol="0">
+            <a:spAutoFit/>
+          </a:bodyPr>
+          <a:p>
+            <a:r>
+              <a:rPr lang="en-US" altLang="zh-CN">
+                <a:solidFill>
+                  <a:schemeClr val="bg1">
+                    <a:lumMod val="50000"/>
+                  </a:schemeClr>
+                </a:solidFill>
+              </a:rPr>
+              <a:t>wirte</a:t>
+            </a:r>
+            <a:endParaRPr lang="en-US" altLang="zh-CN">
+              <a:solidFill>
+                <a:schemeClr val="bg1">
+                  <a:lumMod val="50000"/>
+                </a:schemeClr>
+              </a:solidFill>
+            </a:endParaRPr>
+          </a:p>
+        </p:txBody>
+      </p:sp>
+      <p:sp>
+        <p:nvSpPr>
+          <p:cNvPr id="6" name="文本框 5"/>
+          <p:cNvSpPr txBox="1"/>
+          <p:nvPr/>
+        </p:nvSpPr>
+        <p:spPr>
+          <a:xfrm>
+            <a:off x="7924800" y="2628900"/>
+            <a:ext cx="969645" cy="368300"/>
+          </a:xfrm>
+          <a:prstGeom prst="rect">
+            <a:avLst/>
+          </a:prstGeom>
+          <a:noFill/>
+        </p:spPr>
+        <p:txBody>
+          <a:bodyPr wrap="square" rtlCol="0">
+            <a:spAutoFit/>
+          </a:bodyPr>
+          <a:p>
+            <a:pPr algn="l"/>
+            <a:r>
+              <a:rPr lang="en-US" altLang="zh-CN" b="1">
+                <a:solidFill>
+                  <a:srgbClr val="0070C0"/>
+                </a:solidFill>
+              </a:rPr>
+              <a:t>Stage 2</a:t>
+            </a:r>
+            <a:endParaRPr lang="en-US" altLang="zh-CN" b="1">
+              <a:solidFill>
+                <a:srgbClr val="0070C0"/>
+              </a:solidFill>
+            </a:endParaRPr>
+          </a:p>
+        </p:txBody>
+      </p:sp>
+      <p:sp>
+        <p:nvSpPr>
+          <p:cNvPr id="19" name="文本框 18"/>
+          <p:cNvSpPr txBox="1"/>
+          <p:nvPr/>
+        </p:nvSpPr>
+        <p:spPr>
+          <a:xfrm>
+            <a:off x="0" y="6520815"/>
+            <a:ext cx="11722735" cy="337185"/>
+          </a:xfrm>
+          <a:prstGeom prst="rect">
+            <a:avLst/>
+          </a:prstGeom>
+          <a:noFill/>
+        </p:spPr>
+        <p:txBody>
+          <a:bodyPr wrap="square" rtlCol="0">
+            <a:spAutoFit/>
+          </a:bodyPr>
+          <a:p>
+            <a:r>
+              <a:rPr lang="en-US" altLang="zh-CN" sz="1600">
+                <a:solidFill>
+                  <a:schemeClr val="bg2">
+                    <a:lumMod val="50000"/>
+                  </a:schemeClr>
+                </a:solidFill>
+                <a:sym typeface="+mn-ea"/>
+              </a:rPr>
+              <a:t>[1] </a:t>
+            </a:r>
+            <a:r>
+              <a:rPr lang="en-US" altLang="zh-CN" sz="1600">
+                <a:solidFill>
+                  <a:schemeClr val="bg2">
+                    <a:lumMod val="50000"/>
+                  </a:schemeClr>
+                </a:solidFill>
+                <a:sym typeface="+mn-ea"/>
+              </a:rPr>
+              <a:t>Occupy the Cloud: Distributed Computing for the 99%  SoCC’17</a:t>
+            </a:r>
+            <a:endParaRPr lang="en-US" altLang="zh-CN" sz="1600">
+              <a:solidFill>
+                <a:schemeClr val="bg2">
+                  <a:lumMod val="50000"/>
+                </a:schemeClr>
+              </a:solidFill>
+              <a:sym typeface="+mn-ea"/>
             </a:endParaRPr>
           </a:p>
         </p:txBody>
@@ -16825,7 +21916,7 @@
         <p:spPr>
           <a:xfrm>
             <a:off x="838200" y="1380490"/>
-            <a:ext cx="10932795" cy="3784600"/>
+            <a:ext cx="10932795" cy="4399915"/>
           </a:xfrm>
           <a:prstGeom prst="rect">
             <a:avLst/>
@@ -16981,7 +22072,33 @@
                 </a:solidFill>
                 <a:sym typeface="+mn-ea"/>
               </a:rPr>
-              <a:t>[6] Towards Latency Sensitive Cloud Native Applications: A Performance Study on AWS  CLOUD’19</a:t>
+              <a:t>[6] Occupy the Cloud: Distributed Computing for the 99%  SoCC’17</a:t>
+            </a:r>
+            <a:endParaRPr lang="en-US" altLang="zh-CN" sz="2000">
+              <a:solidFill>
+                <a:schemeClr val="bg2">
+                  <a:lumMod val="50000"/>
+                </a:schemeClr>
+              </a:solidFill>
+              <a:sym typeface="+mn-ea"/>
+            </a:endParaRPr>
+          </a:p>
+          <a:p>
+            <a:pPr>
+              <a:lnSpc>
+                <a:spcPct val="200000"/>
+              </a:lnSpc>
+            </a:pPr>
+            <a:r>
+              <a:rPr lang="en-US" altLang="zh-CN" sz="2000">
+                <a:solidFill>
+                  <a:schemeClr val="bg2">
+                    <a:lumMod val="50000"/>
+                  </a:schemeClr>
+                </a:solidFill>
+                <a:sym typeface="+mn-ea"/>
+              </a:rPr>
+              <a:t>[7] Towards Latency Sensitive Cloud Native Applications: A Performance Study on AWS  CLOUD’19</a:t>
             </a:r>
             <a:endParaRPr lang="en-US" altLang="zh-CN" sz="2000">
               <a:solidFill>

--- a/meeting/Serverless数据分析应用特征的定性分析.pptx
+++ b/meeting/Serverless数据分析应用特征的定性分析.pptx
@@ -524,19 +524,11 @@
             </a:r>
             <a:r>
               <a:rPr lang="zh-CN" altLang="en-US"/>
-              <a:t>数据分析应用的</a:t>
-            </a:r>
-            <a:r>
-              <a:rPr lang="en-US" altLang="zh-CN"/>
-              <a:t>I/O</a:t>
+              <a:t>数据分析应用特征的定性分析以及发现的</a:t>
             </a:r>
             <a:r>
               <a:rPr lang="zh-CN" altLang="en-US"/>
-              <a:t>时延问题以及初步的解决</a:t>
-            </a:r>
-            <a:r>
-              <a:rPr lang="zh-CN" altLang="en-US"/>
-              <a:t>方案</a:t>
+              <a:t>几个问题</a:t>
             </a:r>
             <a:endParaRPr lang="zh-CN" altLang="en-US"/>
           </a:p>
@@ -869,70 +861,6 @@
             </a:endParaRPr>
           </a:p>
           <a:p>
-            <a:r>
-              <a:rPr lang="en-US" altLang="zh-CN">
-                <a:sym typeface="+mn-ea"/>
-              </a:rPr>
-              <a:t>* </a:t>
-            </a:r>
-            <a:r>
-              <a:rPr lang="zh-CN" altLang="en-US">
-                <a:sym typeface="+mn-ea"/>
-              </a:rPr>
-              <a:t>想法：一种可能就是调研的任务太简单，复杂的应用可能会将一个任务解耦成多个函数；还有一种可能就是</a:t>
-            </a:r>
-            <a:r>
-              <a:rPr lang="en-US" altLang="zh-CN">
-                <a:sym typeface="+mn-ea"/>
-              </a:rPr>
-              <a:t> one function per task</a:t>
-            </a:r>
-            <a:r>
-              <a:rPr lang="zh-CN" altLang="en-US">
-                <a:sym typeface="+mn-ea"/>
-              </a:rPr>
-              <a:t>是通用的范式，但是这样</a:t>
-            </a:r>
-            <a:r>
-              <a:rPr lang="en-US" altLang="zh-CN">
-                <a:uFillTx/>
-                <a:ea typeface="+mn-lt"/>
-                <a:sym typeface="+mn-ea"/>
-              </a:rPr>
-              <a:t>过于笨重，削弱了弹性，不便于调度 </a:t>
-            </a:r>
-            <a:r>
-              <a:rPr lang="zh-CN" altLang="en-US">
-                <a:uFillTx/>
-                <a:ea typeface="宋体" panose="02010600030101010101" pitchFamily="2" charset="-122"/>
-                <a:sym typeface="+mn-ea"/>
-              </a:rPr>
-              <a:t>，可以把它</a:t>
-            </a:r>
-            <a:r>
-              <a:rPr lang="en-US" altLang="zh-CN">
-                <a:uFillTx/>
-                <a:ea typeface="+mn-lt"/>
-                <a:sym typeface="+mn-ea"/>
-              </a:rPr>
-              <a:t> 解耦成函数链(通信开销和扩展性的trade-off) </a:t>
-            </a:r>
-            <a:r>
-              <a:rPr lang="zh-CN" altLang="en-US">
-                <a:uFillTx/>
-                <a:ea typeface="宋体" panose="02010600030101010101" pitchFamily="2" charset="-122"/>
-                <a:sym typeface="+mn-ea"/>
-              </a:rPr>
-              <a:t>，从而可以去做</a:t>
-            </a:r>
-            <a:r>
-              <a:rPr lang="en-US" altLang="zh-CN">
-                <a:uFillTx/>
-                <a:ea typeface="+mn-lt"/>
-                <a:sym typeface="+mn-ea"/>
-              </a:rPr>
-              <a:t>stage-aware</a:t>
-            </a:r>
             <a:endParaRPr lang="zh-CN" altLang="en-US">
               <a:sym typeface="+mn-ea"/>
             </a:endParaRPr>
@@ -979,6 +907,75 @@
         <p:txBody>
           <a:bodyPr/>
           <a:p>
+            <a:r>
+              <a:rPr lang="en-US" altLang="zh-CN">
+                <a:sym typeface="+mn-ea"/>
+              </a:rPr>
+              <a:t>* </a:t>
+            </a:r>
+            <a:r>
+              <a:rPr lang="zh-CN" altLang="en-US">
+                <a:sym typeface="+mn-ea"/>
+              </a:rPr>
+              <a:t>想法：一种可能就是调研的任务太简单，复杂的应用可能会将一个任务解耦成多个函数；还有一种可能就是</a:t>
+            </a:r>
+            <a:r>
+              <a:rPr lang="en-US" altLang="zh-CN">
+                <a:sym typeface="+mn-ea"/>
+              </a:rPr>
+              <a:t> one function per task</a:t>
+            </a:r>
+            <a:r>
+              <a:rPr lang="zh-CN" altLang="en-US">
+                <a:sym typeface="+mn-ea"/>
+              </a:rPr>
+              <a:t>是通用的范式，但是这样</a:t>
+            </a:r>
+            <a:r>
+              <a:rPr lang="en-US" altLang="zh-CN">
+                <a:uFillTx/>
+                <a:ea typeface="+mn-lt"/>
+                <a:sym typeface="+mn-ea"/>
+              </a:rPr>
+              <a:t>过于笨重，削弱了弹性，不便于调度 </a:t>
+            </a:r>
+            <a:r>
+              <a:rPr lang="zh-CN" altLang="en-US">
+                <a:uFillTx/>
+                <a:ea typeface="宋体" panose="02010600030101010101" pitchFamily="2" charset="-122"/>
+                <a:sym typeface="+mn-ea"/>
+              </a:rPr>
+              <a:t>，可以把它</a:t>
+            </a:r>
+            <a:r>
+              <a:rPr lang="en-US" altLang="zh-CN">
+                <a:uFillTx/>
+                <a:ea typeface="+mn-lt"/>
+                <a:sym typeface="+mn-ea"/>
+              </a:rPr>
+              <a:t> 解耦成函数链(通信开销和扩展性的trade-off) </a:t>
+            </a:r>
+            <a:r>
+              <a:rPr lang="zh-CN" altLang="en-US">
+                <a:uFillTx/>
+                <a:ea typeface="宋体" panose="02010600030101010101" pitchFamily="2" charset="-122"/>
+                <a:sym typeface="+mn-ea"/>
+              </a:rPr>
+              <a:t>，从而可以去做</a:t>
+            </a:r>
+            <a:r>
+              <a:rPr lang="en-US" altLang="zh-CN">
+                <a:uFillTx/>
+                <a:ea typeface="+mn-lt"/>
+                <a:sym typeface="+mn-ea"/>
+              </a:rPr>
+              <a:t>stage-aware</a:t>
+            </a:r>
+            <a:endParaRPr lang="zh-CN" altLang="en-US">
+              <a:sym typeface="+mn-ea"/>
+            </a:endParaRPr>
+          </a:p>
+          <a:p>
             <a:endParaRPr>
               <a:sym typeface="+mn-ea"/>
             </a:endParaRPr>
@@ -1368,55 +1365,94 @@
           <a:bodyPr/>
           <a:p>
             <a:r>
+              <a:rPr lang="en-US"/>
+              <a:t>* </a:t>
+            </a:r>
+            <a:r>
+              <a:rPr lang="zh-CN" altLang="en-US"/>
+              <a:t>首先来看典型的数据分析应用</a:t>
+            </a:r>
+            <a:r>
+              <a:rPr lang="zh-CN" altLang="en-US"/>
+              <a:t>有哪些</a:t>
+            </a:r>
+            <a:endParaRPr lang="zh-CN" altLang="en-US"/>
+          </a:p>
+          <a:p>
+            <a:r>
               <a:rPr lang="en-US" altLang="zh-CN"/>
-              <a:t>- </a:t>
+              <a:t>* </a:t>
             </a:r>
             <a:r>
               <a:rPr lang="zh-CN" altLang="en-US"/>
-              <a:t>首先介绍一下</a:t>
+              <a:t>我将相关工作的</a:t>
             </a:r>
             <a:r>
               <a:rPr lang="en-US" altLang="zh-CN"/>
-              <a:t>serverless</a:t>
+              <a:t>benchmark</a:t>
             </a:r>
             <a:r>
               <a:rPr lang="zh-CN" altLang="en-US"/>
-              <a:t>的计算框架</a:t>
+              <a:t>做了汇总，典型的数据分析应用如这张表格</a:t>
+            </a:r>
+            <a:r>
+              <a:rPr lang="zh-CN" altLang="en-US"/>
+              <a:t>所示</a:t>
             </a:r>
             <a:endParaRPr lang="zh-CN" altLang="en-US"/>
           </a:p>
           <a:p>
-            <a:endParaRPr lang="en-US" altLang="zh-CN"/>
-          </a:p>
-          <a:p>
-            <a:r>
-              <a:t>* 为了实现资源的高弹性和扩展性，serverless采用存算分离的架构，由FaaS提供计算资源，BaaS提供存储服务。</a:t>
-            </a:r>
-          </a:p>
-          <a:p>
-            <a:r>
-              <a:t>* 下面这张图展示了完整的serverless的计算架构。</a:t>
-            </a:r>
-          </a:p>
-          <a:p>
-            <a:r>
-              <a:t>  * 当请求到达时首先通过API网关路由到对应的沙箱；</a:t>
-            </a:r>
-          </a:p>
-          <a:p>
-            <a:r>
-              <a:t>  * 然后在沙箱中实例化无状态函数进行计算；</a:t>
-            </a:r>
-          </a:p>
-          <a:p>
-            <a:r>
-              <a:t>  * 这里的无状态是指函数计算完成后，产生的数据和状态或者原地销毁，或者存储到外部的共享存储中，也就是BaaS这一端。</a:t>
-            </a:r>
-          </a:p>
-          <a:p>
-            <a:r>
-              <a:t>  * 这里的共享存储可以是跨数据中心的对象存储S3、kv数据库DynamoDB，也可以是内存kv存储系统ElastiCache，可以在上面部署redis或者memcached。考虑成本问题，S3使用最为广泛。</a:t>
-            </a:r>
+            <a:r>
+              <a:rPr lang="en-US" altLang="zh-CN"/>
+              <a:t>* </a:t>
+            </a:r>
+            <a:r>
+              <a:rPr lang="zh-CN" altLang="en-US"/>
+              <a:t>接下来我主要介绍被圈出的这四类应用，为什么先选的这四类应用呢？</a:t>
+            </a:r>
+            <a:endParaRPr lang="zh-CN" altLang="en-US"/>
+          </a:p>
+          <a:p>
+            <a:r>
+              <a:rPr lang="en-US" altLang="zh-CN"/>
+              <a:t>** </a:t>
+            </a:r>
+            <a:r>
+              <a:rPr lang="zh-CN" altLang="en-US"/>
+              <a:t>因为</a:t>
+            </a:r>
+            <a:r>
+              <a:rPr lang="en-US" altLang="zh-CN"/>
+              <a:t>ATC’18</a:t>
+            </a:r>
+            <a:r>
+              <a:rPr lang="zh-CN" altLang="en-US"/>
+              <a:t>这篇，比较详细的分析了三类应用的特征；</a:t>
+            </a:r>
+            <a:endParaRPr lang="zh-CN" altLang="en-US"/>
+          </a:p>
+          <a:p>
+            <a:r>
+              <a:rPr lang="en-US" altLang="zh-CN"/>
+              <a:t>** </a:t>
+            </a:r>
+            <a:r>
+              <a:rPr lang="zh-CN" altLang="en-US"/>
+              <a:t>而</a:t>
+            </a:r>
+            <a:r>
+              <a:rPr lang="en-US" altLang="zh-CN"/>
+              <a:t>ATC’21</a:t>
+            </a:r>
+            <a:r>
+              <a:rPr lang="zh-CN" altLang="en-US"/>
+              <a:t>这篇应用感知的解决方案和我的想法相关性</a:t>
+            </a:r>
+            <a:r>
+              <a:rPr lang="zh-CN" altLang="en-US"/>
+              <a:t>比较强</a:t>
+            </a:r>
+            <a:endParaRPr lang="zh-CN" altLang="en-US"/>
           </a:p>
         </p:txBody>
       </p:sp>
@@ -1508,6 +1544,188 @@
               <a:rPr lang="en-US">
                 <a:sym typeface="+mn-ea"/>
               </a:rPr>
+              <a:t>* </a:t>
+            </a:r>
+            <a:r>
+              <a:rPr lang="zh-CN" altLang="en-US">
+                <a:sym typeface="+mn-ea"/>
+              </a:rPr>
+              <a:t>首先看</a:t>
+            </a:r>
+            <a:r>
+              <a:rPr lang="en-US" altLang="zh-CN">
+                <a:sym typeface="+mn-ea"/>
+              </a:rPr>
+              <a:t>mapreduce</a:t>
+            </a:r>
+            <a:r>
+              <a:rPr lang="zh-CN" altLang="en-US">
+                <a:sym typeface="+mn-ea"/>
+              </a:rPr>
+              <a:t>模式的排序应用</a:t>
+            </a:r>
+            <a:endParaRPr lang="zh-CN" altLang="en-US">
+              <a:sym typeface="+mn-ea"/>
+            </a:endParaRPr>
+          </a:p>
+          <a:p>
+            <a:endParaRPr lang="zh-CN" altLang="en-US">
+              <a:sym typeface="+mn-ea"/>
+            </a:endParaRPr>
+          </a:p>
+          <a:p>
+            <a:r>
+              <a:rPr lang="en-US" altLang="zh-CN">
+                <a:sym typeface="+mn-ea"/>
+              </a:rPr>
+              <a:t>* </a:t>
+            </a:r>
+            <a:r>
+              <a:rPr lang="zh-CN" altLang="en-US">
+                <a:sym typeface="+mn-ea"/>
+              </a:rPr>
+              <a:t>这类应用包括两个阶段</a:t>
+            </a:r>
+            <a:r>
+              <a:rPr lang="en-US" altLang="zh-CN">
+                <a:sym typeface="+mn-ea"/>
+              </a:rPr>
+              <a:t>range partition</a:t>
+            </a:r>
+            <a:r>
+              <a:rPr lang="zh-CN" altLang="en-US">
+                <a:sym typeface="+mn-ea"/>
+              </a:rPr>
+              <a:t>和</a:t>
+            </a:r>
+            <a:r>
+              <a:rPr lang="en-US" altLang="zh-CN">
+                <a:sym typeface="+mn-ea"/>
+              </a:rPr>
+              <a:t>merge sort</a:t>
+            </a:r>
+            <a:endParaRPr lang="en-US" altLang="zh-CN">
+              <a:sym typeface="+mn-ea"/>
+            </a:endParaRPr>
+          </a:p>
+          <a:p>
+            <a:r>
+              <a:rPr lang="en-US" altLang="zh-CN">
+                <a:sym typeface="+mn-ea"/>
+              </a:rPr>
+              <a:t>** range partition</a:t>
+            </a:r>
+            <a:r>
+              <a:rPr lang="zh-CN" altLang="en-US">
+                <a:sym typeface="+mn-ea"/>
+              </a:rPr>
+              <a:t>阶段的每个函数会对自己这部分数据进行桶排序，只需要保证桶之间的</a:t>
+            </a:r>
+            <a:r>
+              <a:rPr lang="zh-CN" altLang="en-US">
+                <a:sym typeface="+mn-ea"/>
+              </a:rPr>
+              <a:t>有序性</a:t>
+            </a:r>
+            <a:endParaRPr lang="zh-CN" altLang="en-US">
+              <a:sym typeface="+mn-ea"/>
+            </a:endParaRPr>
+          </a:p>
+          <a:p>
+            <a:r>
+              <a:rPr lang="en-US" altLang="zh-CN">
+                <a:sym typeface="+mn-ea"/>
+              </a:rPr>
+              <a:t>** merge sort</a:t>
+            </a:r>
+            <a:r>
+              <a:rPr lang="zh-CN" altLang="en-US">
+                <a:sym typeface="+mn-ea"/>
+              </a:rPr>
+              <a:t>阶段的每个函数将上一阶段每个函数相同编号的桶中的数据合并并进行排序，最终依此写入远端存储，即完成排序任务</a:t>
+            </a:r>
+            <a:endParaRPr lang="zh-CN" altLang="en-US">
+              <a:sym typeface="+mn-ea"/>
+            </a:endParaRPr>
+          </a:p>
+          <a:p>
+            <a:r>
+              <a:rPr lang="en-US" altLang="zh-CN">
+                <a:sym typeface="+mn-ea"/>
+              </a:rPr>
+              <a:t>** </a:t>
+            </a:r>
+            <a:r>
+              <a:rPr lang="zh-CN" altLang="en-US">
+                <a:sym typeface="+mn-ea"/>
+              </a:rPr>
+              <a:t>需要提一下就是，排序应用阶段间的通信方式是</a:t>
+            </a:r>
+            <a:r>
+              <a:rPr lang="en-US" altLang="zh-CN">
+                <a:sym typeface="+mn-ea"/>
+              </a:rPr>
+              <a:t>scatter</a:t>
+            </a:r>
+            <a:r>
+              <a:rPr lang="zh-CN" altLang="en-US">
+                <a:sym typeface="+mn-ea"/>
+              </a:rPr>
+              <a:t>散写，函数并发度的增加并不会导致中间数据量的增加，只会增加桶的数量</a:t>
+            </a:r>
+            <a:endParaRPr lang="zh-CN" altLang="en-US">
+              <a:sym typeface="+mn-ea"/>
+            </a:endParaRPr>
+          </a:p>
+          <a:p>
+            <a:endParaRPr lang="zh-CN" altLang="en-US">
+              <a:sym typeface="+mn-ea"/>
+            </a:endParaRPr>
+          </a:p>
+          <a:p>
+            <a:r>
+              <a:rPr lang="en-US" altLang="zh-CN">
+                <a:sym typeface="+mn-ea"/>
+              </a:rPr>
+              <a:t>* </a:t>
+            </a:r>
+            <a:r>
+              <a:rPr lang="zh-CN" altLang="en-US">
+                <a:sym typeface="+mn-ea"/>
+              </a:rPr>
+              <a:t>然后看一下排序</a:t>
+            </a:r>
+            <a:r>
+              <a:rPr lang="en-US" altLang="zh-CN">
+                <a:sym typeface="+mn-ea"/>
+              </a:rPr>
+              <a:t>100GB</a:t>
+            </a:r>
+            <a:r>
+              <a:rPr lang="zh-CN" altLang="en-US">
+                <a:sym typeface="+mn-ea"/>
+              </a:rPr>
+              <a:t>数据，每个阶段的函数规模</a:t>
+            </a:r>
+            <a:endParaRPr lang="en-US">
+              <a:sym typeface="+mn-ea"/>
+            </a:endParaRPr>
+          </a:p>
+          <a:p>
+            <a:endParaRPr lang="en-US">
+              <a:sym typeface="+mn-ea"/>
+            </a:endParaRPr>
+          </a:p>
+          <a:p>
+            <a:endParaRPr lang="en-US">
+              <a:sym typeface="+mn-ea"/>
+            </a:endParaRPr>
+          </a:p>
+          <a:p>
+            <a:r>
+              <a:rPr lang="en-US">
+                <a:sym typeface="+mn-ea"/>
+              </a:rPr>
               <a:t>* MapReduce sort </a:t>
             </a:r>
             <a:r>
@@ -1756,6 +1974,185 @@
               <a:rPr lang="en-US">
                 <a:sym typeface="+mn-ea"/>
               </a:rPr>
+              <a:t>* </a:t>
+            </a:r>
+            <a:r>
+              <a:rPr lang="zh-CN" altLang="en-US">
+                <a:sym typeface="+mn-ea"/>
+              </a:rPr>
+              <a:t>接下来</a:t>
+            </a:r>
+            <a:r>
+              <a:rPr lang="zh-CN" altLang="en-US">
+                <a:sym typeface="+mn-ea"/>
+              </a:rPr>
+              <a:t>是视频分析应用，该应用主要是对视频进行解码和图像识别分类</a:t>
+            </a:r>
+            <a:endParaRPr lang="zh-CN" altLang="en-US">
+              <a:sym typeface="+mn-ea"/>
+            </a:endParaRPr>
+          </a:p>
+          <a:p>
+            <a:endParaRPr lang="zh-CN" altLang="en-US">
+              <a:sym typeface="+mn-ea"/>
+            </a:endParaRPr>
+          </a:p>
+          <a:p>
+            <a:r>
+              <a:rPr lang="en-US" altLang="zh-CN">
+                <a:sym typeface="+mn-ea"/>
+              </a:rPr>
+              <a:t>* </a:t>
+            </a:r>
+            <a:r>
+              <a:rPr lang="zh-CN" altLang="en-US">
+                <a:sym typeface="+mn-ea"/>
+              </a:rPr>
+              <a:t>这类应用包括三个阶段视频分片、解码、图像识别分类</a:t>
+            </a:r>
+            <a:endParaRPr lang="en-US" altLang="zh-CN">
+              <a:sym typeface="+mn-ea"/>
+            </a:endParaRPr>
+          </a:p>
+          <a:p>
+            <a:r>
+              <a:rPr lang="en-US" altLang="zh-CN">
+                <a:sym typeface="+mn-ea"/>
+              </a:rPr>
+              <a:t>** </a:t>
+            </a:r>
+            <a:r>
+              <a:rPr lang="zh-CN" altLang="en-US">
+                <a:sym typeface="+mn-ea"/>
+              </a:rPr>
+              <a:t>第一阶段将视频分片以便进行并行处理</a:t>
+            </a:r>
+            <a:endParaRPr lang="zh-CN" altLang="en-US">
+              <a:sym typeface="+mn-ea"/>
+            </a:endParaRPr>
+          </a:p>
+          <a:p>
+            <a:r>
+              <a:rPr lang="en-US" altLang="zh-CN">
+                <a:sym typeface="+mn-ea"/>
+              </a:rPr>
+              <a:t>** </a:t>
+            </a:r>
+            <a:r>
+              <a:rPr lang="zh-CN" altLang="en-US">
+                <a:sym typeface="+mn-ea"/>
+              </a:rPr>
+              <a:t>第二阶段并行对视频进行解码</a:t>
+            </a:r>
+            <a:endParaRPr lang="zh-CN" altLang="en-US">
+              <a:sym typeface="+mn-ea"/>
+            </a:endParaRPr>
+          </a:p>
+          <a:p>
+            <a:r>
+              <a:rPr lang="en-US" altLang="zh-CN">
+                <a:sym typeface="+mn-ea"/>
+              </a:rPr>
+              <a:t>** </a:t>
+            </a:r>
+            <a:r>
+              <a:rPr lang="zh-CN" altLang="en-US">
+                <a:sym typeface="+mn-ea"/>
+              </a:rPr>
+              <a:t>第三阶段并行对视频进行图像识别分类</a:t>
+            </a:r>
+            <a:endParaRPr lang="zh-CN" altLang="en-US">
+              <a:sym typeface="+mn-ea"/>
+            </a:endParaRPr>
+          </a:p>
+          <a:p>
+            <a:r>
+              <a:rPr lang="en-US" altLang="zh-CN">
+                <a:sym typeface="+mn-ea"/>
+              </a:rPr>
+              <a:t>** </a:t>
+            </a:r>
+            <a:r>
+              <a:rPr lang="zh-CN" altLang="en-US">
+                <a:sym typeface="+mn-ea"/>
+              </a:rPr>
+              <a:t>视频分析应用阶段间的通信方式也是</a:t>
+            </a:r>
+            <a:r>
+              <a:rPr lang="en-US" altLang="zh-CN">
+                <a:sym typeface="+mn-ea"/>
+              </a:rPr>
+              <a:t>scatter</a:t>
+            </a:r>
+            <a:r>
+              <a:rPr lang="zh-CN" altLang="en-US">
+                <a:sym typeface="+mn-ea"/>
+              </a:rPr>
+              <a:t>散写</a:t>
+            </a:r>
+            <a:endParaRPr lang="zh-CN" altLang="en-US">
+              <a:sym typeface="+mn-ea"/>
+            </a:endParaRPr>
+          </a:p>
+          <a:p>
+            <a:endParaRPr lang="zh-CN" altLang="en-US">
+              <a:sym typeface="+mn-ea"/>
+            </a:endParaRPr>
+          </a:p>
+          <a:p>
+            <a:r>
+              <a:rPr lang="en-US" altLang="zh-CN">
+                <a:sym typeface="+mn-ea"/>
+              </a:rPr>
+              <a:t>* </a:t>
+            </a:r>
+            <a:r>
+              <a:rPr lang="zh-CN" altLang="en-US">
+                <a:sym typeface="+mn-ea"/>
+              </a:rPr>
+              <a:t>然后看一下分析</a:t>
+            </a:r>
+            <a:r>
+              <a:rPr lang="en-US" altLang="zh-CN">
+                <a:sym typeface="+mn-ea"/>
+              </a:rPr>
+              <a:t>6GB</a:t>
+            </a:r>
+            <a:r>
+              <a:rPr lang="zh-CN" altLang="en-US">
+                <a:sym typeface="+mn-ea"/>
+              </a:rPr>
+              <a:t>视频，每个阶段的函数规模</a:t>
+            </a:r>
+            <a:endParaRPr lang="en-US">
+              <a:sym typeface="+mn-ea"/>
+            </a:endParaRPr>
+          </a:p>
+          <a:p>
+            <a:endParaRPr lang="en-US">
+              <a:sym typeface="+mn-ea"/>
+            </a:endParaRPr>
+          </a:p>
+          <a:p>
+            <a:endParaRPr lang="en-US">
+              <a:sym typeface="+mn-ea"/>
+            </a:endParaRPr>
+          </a:p>
+          <a:p>
+            <a:endParaRPr lang="en-US">
+              <a:sym typeface="+mn-ea"/>
+            </a:endParaRPr>
+          </a:p>
+          <a:p>
+            <a:endParaRPr lang="en-US">
+              <a:sym typeface="+mn-ea"/>
+            </a:endParaRPr>
+          </a:p>
+          <a:p>
+            <a:r>
+              <a:rPr lang="en-US">
+                <a:sym typeface="+mn-ea"/>
+              </a:rPr>
               <a:t>* Video analytics </a:t>
             </a:r>
             <a:r>
@@ -1942,142 +2339,143 @@
               <a:rPr lang="en-US">
                 <a:sym typeface="+mn-ea"/>
               </a:rPr>
-              <a:t>* Video analytics </a:t>
+              <a:t>* </a:t>
             </a:r>
             <a:r>
               <a:rPr lang="zh-CN" altLang="en-US">
                 <a:sym typeface="+mn-ea"/>
               </a:rPr>
-              <a:t>（Thousand Island Scanner(THIS)）</a:t>
-            </a:r>
-            <a:endParaRPr>
+              <a:t>接下来是决策树学习应用，这个应用程序训练决策树，将它们组合成一个随机森林预测器</a:t>
+            </a:r>
+            <a:endParaRPr lang="zh-CN" altLang="en-US">
               <a:sym typeface="+mn-ea"/>
             </a:endParaRPr>
           </a:p>
           <a:p>
-            <a:r>
-              <a:rPr lang="en-US">
-                <a:sym typeface="+mn-ea"/>
-              </a:rPr>
-              <a:t>** </a:t>
-            </a:r>
-            <a:r>
-              <a:rPr>
-                <a:sym typeface="+mn-ea"/>
-              </a:rPr>
-              <a:t>The input is an encoded video that is divided</a:t>
-            </a:r>
-            <a:r>
-              <a:rPr lang="en-US">
-                <a:sym typeface="+mn-ea"/>
-              </a:rPr>
-              <a:t> </a:t>
-            </a:r>
-            <a:r>
-              <a:rPr>
-                <a:sym typeface="+mn-ea"/>
-              </a:rPr>
-              <a:t>into batches and uploaded to ephemeral storage. </a:t>
-            </a:r>
-            <a:endParaRPr>
+            <a:endParaRPr lang="zh-CN" altLang="en-US">
               <a:sym typeface="+mn-ea"/>
             </a:endParaRPr>
           </a:p>
           <a:p>
             <a:r>
-              <a:rPr lang="en-US">
+              <a:rPr lang="en-US" altLang="zh-CN">
                 <a:sym typeface="+mn-ea"/>
               </a:rPr>
-              <a:t>** </a:t>
-            </a:r>
-            <a:r>
-              <a:rPr>
+              <a:t>* </a:t>
+            </a:r>
+            <a:r>
+              <a:rPr lang="zh-CN" altLang="en-US">
                 <a:sym typeface="+mn-ea"/>
               </a:rPr>
-              <a:t>First</a:t>
-            </a:r>
-            <a:r>
-              <a:rPr lang="en-US">
-                <a:sym typeface="+mn-ea"/>
-              </a:rPr>
-              <a:t> </a:t>
-            </a:r>
-            <a:r>
-              <a:rPr>
-                <a:sym typeface="+mn-ea"/>
-              </a:rPr>
-              <a:t>stage lambdas read a batch of encoded video frames from</a:t>
-            </a:r>
-            <a:r>
-              <a:rPr lang="en-US">
-                <a:sym typeface="+mn-ea"/>
-              </a:rPr>
-              <a:t> </a:t>
-            </a:r>
-            <a:r>
-              <a:rPr>
-                <a:sym typeface="+mn-ea"/>
-              </a:rPr>
-              <a:t>ephemeral storage and write back decoded video frames.</a:t>
-            </a:r>
-            <a:endParaRPr>
+              <a:t>这类应用包括三个阶段视频分片、解码、图像识别分类</a:t>
+            </a:r>
+            <a:endParaRPr lang="en-US" altLang="zh-CN">
               <a:sym typeface="+mn-ea"/>
             </a:endParaRPr>
           </a:p>
           <a:p>
             <a:r>
-              <a:rPr lang="en-US">
+              <a:rPr lang="en-US" altLang="zh-CN">
                 <a:sym typeface="+mn-ea"/>
               </a:rPr>
               <a:t>** </a:t>
             </a:r>
             <a:r>
-              <a:rPr>
+              <a:rPr lang="zh-CN" altLang="en-US">
                 <a:sym typeface="+mn-ea"/>
               </a:rPr>
-              <a:t>Each lambda then launches a second stage lambda which</a:t>
-            </a:r>
-            <a:r>
-              <a:rPr lang="en-US">
-                <a:sym typeface="+mn-ea"/>
-              </a:rPr>
-              <a:t> </a:t>
-            </a:r>
-            <a:r>
-              <a:rPr>
-                <a:sym typeface="+mn-ea"/>
-              </a:rPr>
-              <a:t>reads a set of decoded frames from ephemeral storage,</a:t>
-            </a:r>
-            <a:r>
-              <a:rPr lang="en-US">
-                <a:sym typeface="+mn-ea"/>
-              </a:rPr>
-              <a:t> </a:t>
-            </a:r>
-            <a:r>
-              <a:rPr>
-                <a:sym typeface="+mn-ea"/>
-              </a:rPr>
-              <a:t>computes a MXNET deep learning classification algorithm and outputs a </a:t>
-            </a:r>
-            <a:endParaRPr>
+              <a:t>第一阶段对数据集进行主成分分析</a:t>
+            </a:r>
+            <a:endParaRPr lang="zh-CN" altLang="en-US">
               <a:sym typeface="+mn-ea"/>
             </a:endParaRPr>
           </a:p>
           <a:p>
             <a:r>
-              <a:rPr lang="en-US">
+              <a:rPr lang="en-US" altLang="zh-CN">
                 <a:sym typeface="+mn-ea"/>
               </a:rPr>
-              <a:t>    </a:t>
-            </a:r>
-            <a:r>
-              <a:rPr>
+              <a:t>** </a:t>
+            </a:r>
+            <a:r>
+              <a:rPr lang="zh-CN" altLang="en-US">
                 <a:sym typeface="+mn-ea"/>
               </a:rPr>
-              <a:t>classification result</a:t>
-            </a:r>
+              <a:t>第二阶段每个函数随机选择</a:t>
+            </a:r>
+            <a:r>
+              <a:rPr lang="en-US" altLang="zh-CN">
+                <a:sym typeface="+mn-ea"/>
+              </a:rPr>
+              <a:t>90%</a:t>
+            </a:r>
+            <a:r>
+              <a:rPr lang="zh-CN" altLang="en-US">
+                <a:sym typeface="+mn-ea"/>
+              </a:rPr>
+              <a:t>的数据进行决策树学习</a:t>
+            </a:r>
+            <a:endParaRPr lang="zh-CN" altLang="en-US">
+              <a:sym typeface="+mn-ea"/>
+            </a:endParaRPr>
+          </a:p>
+          <a:p>
+            <a:r>
+              <a:rPr lang="en-US" altLang="zh-CN">
+                <a:sym typeface="+mn-ea"/>
+              </a:rPr>
+              <a:t>** </a:t>
+            </a:r>
+            <a:r>
+              <a:rPr lang="zh-CN" altLang="en-US">
+                <a:sym typeface="+mn-ea"/>
+              </a:rPr>
+              <a:t>第三阶段将第二阶段学习出的决策树组合成一个随机森林预测器</a:t>
+            </a:r>
+            <a:endParaRPr lang="zh-CN" altLang="en-US">
+              <a:sym typeface="+mn-ea"/>
+            </a:endParaRPr>
+          </a:p>
+          <a:p>
+            <a:r>
+              <a:rPr lang="en-US" altLang="zh-CN">
+                <a:sym typeface="+mn-ea"/>
+              </a:rPr>
+              <a:t>** </a:t>
+            </a:r>
+            <a:r>
+              <a:rPr lang="zh-CN" altLang="en-US">
+                <a:sym typeface="+mn-ea"/>
+              </a:rPr>
+              <a:t>决策树学习应用第一阶段和第二阶段的通信方式也是</a:t>
+            </a:r>
+            <a:r>
+              <a:rPr lang="en-US" altLang="zh-CN">
+                <a:sym typeface="+mn-ea"/>
+              </a:rPr>
+              <a:t>broadcast</a:t>
+            </a:r>
+            <a:r>
+              <a:rPr lang="zh-CN" altLang="en-US">
+                <a:sym typeface="+mn-ea"/>
+              </a:rPr>
+              <a:t>广播，即会向第二阶段每个函数发送相同的中间数据，因此中间数据的规模和函数的规模成正比</a:t>
+            </a:r>
+            <a:endParaRPr lang="zh-CN" altLang="en-US">
+              <a:sym typeface="+mn-ea"/>
+            </a:endParaRPr>
+          </a:p>
+          <a:p>
+            <a:endParaRPr lang="zh-CN" altLang="en-US">
+              <a:sym typeface="+mn-ea"/>
+            </a:endParaRPr>
+          </a:p>
+          <a:p>
+            <a:endParaRPr lang="en-US">
+              <a:sym typeface="+mn-ea"/>
+            </a:endParaRPr>
+          </a:p>
+          <a:p>
             <a:endParaRPr>
               <a:sym typeface="+mn-ea"/>
             </a:endParaRPr>
@@ -2131,13 +2529,27 @@
               <a:t>* </a:t>
             </a:r>
             <a:r>
-              <a:rPr lang="en-US" altLang="zh-CN" b="1">
-                <a:uFillTx/>
-                <a:latin typeface="微软雅黑" panose="020B0503020204020204" charset="-122"/>
-                <a:ea typeface="微软雅黑" panose="020B0503020204020204" charset="-122"/>
+              <a:rPr lang="zh-CN" altLang="en-US">
                 <a:sym typeface="+mn-ea"/>
               </a:rPr>
-              <a:t>Distributed compilation</a:t>
+              <a:t>然后是分布式编译应用</a:t>
+            </a:r>
+            <a:endParaRPr lang="zh-CN" altLang="en-US">
+              <a:sym typeface="+mn-ea"/>
+            </a:endParaRPr>
+          </a:p>
+          <a:p>
+            <a:r>
+              <a:rPr lang="en-US" altLang="zh-CN">
+                <a:sym typeface="+mn-ea"/>
+              </a:rPr>
+              <a:t>** </a:t>
+            </a:r>
+            <a:r>
+              <a:rPr lang="zh-CN" altLang="en-US">
+                <a:sym typeface="+mn-ea"/>
+              </a:rPr>
+              <a:t>该应用包含两个阶段：编译阶段和链接阶段</a:t>
             </a:r>
             <a:endParaRPr>
               <a:sym typeface="+mn-ea"/>
@@ -2190,7 +2602,111 @@
         <p:txBody>
           <a:bodyPr/>
           <a:p>
-            <a:endParaRPr>
+            <a:r>
+              <a:rPr lang="en-US">
+                <a:sym typeface="+mn-ea"/>
+              </a:rPr>
+              <a:t>* </a:t>
+            </a:r>
+            <a:r>
+              <a:rPr lang="zh-CN" altLang="en-US">
+                <a:sym typeface="+mn-ea"/>
+              </a:rPr>
+              <a:t>接下来一部分定性分析</a:t>
+            </a:r>
+            <a:r>
+              <a:rPr lang="en-US" altLang="zh-CN">
+                <a:sym typeface="+mn-ea"/>
+              </a:rPr>
+              <a:t>Serverless</a:t>
+            </a:r>
+            <a:r>
+              <a:rPr lang="zh-CN" altLang="en-US">
+                <a:sym typeface="+mn-ea"/>
+              </a:rPr>
+              <a:t>数据分析应用的</a:t>
+            </a:r>
+            <a:r>
+              <a:rPr lang="zh-CN" altLang="en-US">
+                <a:sym typeface="+mn-ea"/>
+              </a:rPr>
+              <a:t>特征</a:t>
+            </a:r>
+            <a:endParaRPr lang="zh-CN" altLang="en-US">
+              <a:sym typeface="+mn-ea"/>
+            </a:endParaRPr>
+          </a:p>
+          <a:p>
+            <a:endParaRPr lang="zh-CN" altLang="en-US">
+              <a:sym typeface="+mn-ea"/>
+            </a:endParaRPr>
+          </a:p>
+          <a:p>
+            <a:r>
+              <a:rPr lang="en-US" altLang="zh-CN">
+                <a:sym typeface="+mn-ea"/>
+              </a:rPr>
+              <a:t>* </a:t>
+            </a:r>
+            <a:r>
+              <a:rPr lang="zh-CN" altLang="en-US">
+                <a:sym typeface="+mn-ea"/>
+              </a:rPr>
+              <a:t>首先看数据分析应用的访问特征，下面这张图展示了三类应应用（分布式编译蓝色、视频分析橙色、排序绿色）的</a:t>
+            </a:r>
+            <a:r>
+              <a:rPr lang="en-US" altLang="zh-CN">
+                <a:sym typeface="+mn-ea"/>
+              </a:rPr>
+              <a:t>I/O size</a:t>
+            </a:r>
+            <a:r>
+              <a:rPr lang="zh-CN" altLang="en-US">
+                <a:sym typeface="+mn-ea"/>
+              </a:rPr>
+              <a:t>的</a:t>
+            </a:r>
+            <a:r>
+              <a:rPr lang="zh-CN" altLang="en-US">
+                <a:sym typeface="+mn-ea"/>
+              </a:rPr>
+              <a:t>分布函数</a:t>
+            </a:r>
+            <a:endParaRPr lang="zh-CN" altLang="en-US">
+              <a:sym typeface="+mn-ea"/>
+            </a:endParaRPr>
+          </a:p>
+          <a:p>
+            <a:r>
+              <a:rPr lang="en-US" altLang="zh-CN">
+                <a:sym typeface="+mn-ea"/>
+              </a:rPr>
+              <a:t>* </a:t>
+            </a:r>
+            <a:r>
+              <a:rPr lang="zh-CN" altLang="en-US">
+                <a:sym typeface="+mn-ea"/>
+              </a:rPr>
+              <a:t>可以看到应用内和应用间</a:t>
+            </a:r>
+            <a:r>
+              <a:rPr lang="en-US" altLang="zh-CN">
+                <a:sym typeface="+mn-ea"/>
+              </a:rPr>
+              <a:t>数据访问的粒度差别很大</a:t>
+            </a:r>
+            <a:endParaRPr lang="en-US" altLang="zh-CN">
+              <a:sym typeface="+mn-ea"/>
+            </a:endParaRPr>
+          </a:p>
+          <a:p>
+            <a:r>
+              <a:rPr lang="en-US" altLang="zh-CN">
+                <a:sym typeface="+mn-ea"/>
+              </a:rPr>
+              <a:t>* 读/写大对象的应用程序需要高吞吐量，而低延迟对于小对象访问很重要</a:t>
+            </a:r>
+            <a:endParaRPr lang="en-US" altLang="zh-CN">
               <a:sym typeface="+mn-ea"/>
             </a:endParaRPr>
           </a:p>
@@ -25412,6 +25928,39 @@
           </a:p>
         </p:txBody>
       </p:sp>
+      <p:sp>
+        <p:nvSpPr>
+          <p:cNvPr id="6" name="文本框 5"/>
+          <p:cNvSpPr txBox="1"/>
+          <p:nvPr/>
+        </p:nvSpPr>
+        <p:spPr>
+          <a:xfrm>
+            <a:off x="10344150" y="1520190"/>
+            <a:ext cx="1441450" cy="368300"/>
+          </a:xfrm>
+          <a:prstGeom prst="rect">
+            <a:avLst/>
+          </a:prstGeom>
+          <a:noFill/>
+        </p:spPr>
+        <p:txBody>
+          <a:bodyPr wrap="square" rtlCol="0">
+            <a:spAutoFit/>
+          </a:bodyPr>
+          <a:p>
+            <a:r>
+              <a:rPr lang="en-US" altLang="zh-CN" b="1">
+                <a:ea typeface="+mn-lt"/>
+              </a:rPr>
+              <a:t>Sort 100GB</a:t>
+            </a:r>
+            <a:endParaRPr lang="zh-CN" altLang="en-US" b="1">
+              <a:ea typeface="+mn-lt"/>
+            </a:endParaRPr>
+          </a:p>
+        </p:txBody>
+      </p:sp>
     </p:spTree>
   </p:cSld>
   <p:clrMapOvr>
@@ -25545,6 +26094,33 @@
                                   </p:childTnLst>
                                 </p:cTn>
                               </p:par>
+                              <p:par>
+                                <p:cTn id="13" presetID="1" presetClass="entr" presetSubtype="0" fill="hold" grpId="0" nodeType="withEffect">
+                                  <p:stCondLst>
+                                    <p:cond delay="0"/>
+                                  </p:stCondLst>
+                                  <p:childTnLst>
+                                    <p:set>
+                                      <p:cBhvr>
+                                        <p:cTn id="14" dur="1" fill="hold">
+                                          <p:stCondLst>
+                                            <p:cond delay="0"/>
+                                          </p:stCondLst>
+                                        </p:cTn>
+                                        <p:tgtEl>
+                                          <p:spTgt spid="6"/>
+                                        </p:tgtEl>
+                                        <p:attrNameLst>
+                                          <p:attrName>style.visibility</p:attrName>
+                                        </p:attrNameLst>
+                                      </p:cBhvr>
+                                      <p:to>
+                                        <p:strVal val="visible"/>
+                                      </p:to>
+                                    </p:set>
+                                  </p:childTnLst>
+                                </p:cTn>
+                              </p:par>
                             </p:childTnLst>
                           </p:cTn>
                         </p:par>
@@ -25577,6 +26153,7 @@
       <p:bldP spid="109" grpId="0"/>
       <p:bldP spid="110" grpId="0"/>
       <p:bldP spid="111" grpId="0"/>
+      <p:bldP spid="6" grpId="0"/>
     </p:bldLst>
   </p:timing>
 </p:sld>
@@ -32195,7 +32772,7 @@
             </a:r>
             <a:r>
               <a:rPr lang="zh-CN" altLang="en-US"/>
-              <a:t>数据特征</a:t>
+              <a:t>访问特征</a:t>
             </a:r>
             <a:endParaRPr lang="zh-CN" altLang="en-US"/>
           </a:p>

--- a/meeting/Serverless数据分析应用特征的定性分析.pptx
+++ b/meeting/Serverless数据分析应用特征的定性分析.pptx
@@ -575,11 +575,231 @@
           <a:bodyPr/>
           <a:p>
             <a:r>
-              <a:rPr>
-                <a:sym typeface="+mn-ea"/>
-              </a:rPr>
-              <a:t> </a:t>
-            </a:r>
+              <a:rPr lang="en-US">
+                <a:sym typeface="+mn-ea"/>
+              </a:rPr>
+              <a:t>* </a:t>
+            </a:r>
+            <a:r>
+              <a:rPr lang="zh-CN" altLang="en-US">
+                <a:sym typeface="+mn-ea"/>
+              </a:rPr>
+              <a:t>接下一部分是根据应用特征的分析思考的几个问题</a:t>
+            </a:r>
+            <a:endParaRPr lang="zh-CN" altLang="en-US">
+              <a:sym typeface="+mn-ea"/>
+            </a:endParaRPr>
+          </a:p>
+          <a:p>
+            <a:r>
+              <a:rPr lang="en-US" altLang="zh-CN">
+                <a:sym typeface="+mn-ea"/>
+              </a:rPr>
+              <a:t>**  </a:t>
+            </a:r>
+            <a:r>
+              <a:rPr lang="zh-CN" altLang="en-US">
+                <a:sym typeface="+mn-ea"/>
+              </a:rPr>
+              <a:t>首先进一步明确远端存储的瓶颈，首先看这张图是最高吞吐率随</a:t>
+            </a:r>
+            <a:r>
+              <a:rPr lang="en-US" altLang="zh-CN">
+                <a:sym typeface="+mn-ea"/>
+              </a:rPr>
+              <a:t>I/O size</a:t>
+            </a:r>
+            <a:r>
+              <a:rPr lang="zh-CN" altLang="en-US">
+                <a:sym typeface="+mn-ea"/>
+              </a:rPr>
+              <a:t>的变化曲线，可以看到当</a:t>
+            </a:r>
+            <a:r>
+              <a:rPr lang="en-US" altLang="zh-CN">
+                <a:sym typeface="+mn-ea"/>
+              </a:rPr>
+              <a:t>I/O size</a:t>
+            </a:r>
+            <a:r>
+              <a:rPr lang="zh-CN" altLang="en-US">
+                <a:sym typeface="+mn-ea"/>
+              </a:rPr>
+              <a:t>较小时，</a:t>
+            </a:r>
+            <a:r>
+              <a:rPr lang="en-US" altLang="zh-CN">
+                <a:sym typeface="+mn-ea"/>
+              </a:rPr>
+              <a:t>S3</a:t>
+            </a:r>
+            <a:r>
+              <a:rPr lang="zh-CN" altLang="en-US">
+                <a:sym typeface="+mn-ea"/>
+              </a:rPr>
+              <a:t>的聚合吞吐量是瓶颈；再回过去看数据分析应</a:t>
+            </a:r>
+            <a:endParaRPr lang="zh-CN" altLang="en-US">
+              <a:sym typeface="+mn-ea"/>
+            </a:endParaRPr>
+          </a:p>
+          <a:p>
+            <a:r>
+              <a:rPr lang="zh-CN" altLang="en-US">
+                <a:sym typeface="+mn-ea"/>
+              </a:rPr>
+              <a:t>用的</a:t>
+            </a:r>
+            <a:r>
+              <a:rPr lang="en-US" altLang="zh-CN">
+                <a:sym typeface="+mn-ea"/>
+              </a:rPr>
+              <a:t>I/O size</a:t>
+            </a:r>
+            <a:r>
+              <a:rPr lang="zh-CN" altLang="en-US">
+                <a:sym typeface="+mn-ea"/>
+              </a:rPr>
+              <a:t>分布曲线，可以看到大部分的</a:t>
+            </a:r>
+            <a:r>
+              <a:rPr lang="en-US" altLang="zh-CN">
+                <a:sym typeface="+mn-ea"/>
+              </a:rPr>
+              <a:t>I/O size</a:t>
+            </a:r>
+            <a:r>
+              <a:rPr lang="zh-CN" altLang="en-US">
+                <a:sym typeface="+mn-ea"/>
+              </a:rPr>
+              <a:t>落在了瓶颈区</a:t>
+            </a:r>
+            <a:endParaRPr lang="zh-CN" altLang="en-US">
+              <a:sym typeface="+mn-ea"/>
+            </a:endParaRPr>
+          </a:p>
+          <a:p>
+            <a:endParaRPr lang="zh-CN" altLang="en-US">
+              <a:sym typeface="+mn-ea"/>
+            </a:endParaRPr>
+          </a:p>
+          <a:p>
+            <a:r>
+              <a:rPr lang="en-US" altLang="zh-CN">
+                <a:sym typeface="+mn-ea"/>
+              </a:rPr>
+              <a:t>** </a:t>
+            </a:r>
+            <a:r>
+              <a:rPr lang="zh-CN" altLang="en-US">
+                <a:sym typeface="+mn-ea"/>
+              </a:rPr>
+              <a:t>造成</a:t>
+            </a:r>
+            <a:r>
+              <a:rPr lang="en-US" altLang="zh-CN">
+                <a:sym typeface="+mn-ea"/>
+              </a:rPr>
+              <a:t>S3</a:t>
+            </a:r>
+            <a:r>
+              <a:rPr lang="zh-CN" altLang="en-US">
+                <a:sym typeface="+mn-ea"/>
+              </a:rPr>
+              <a:t>对小对象读写无法支持较高的</a:t>
+            </a:r>
+            <a:r>
+              <a:rPr lang="en-US" altLang="zh-CN">
+                <a:sym typeface="+mn-ea"/>
+              </a:rPr>
+              <a:t>iops</a:t>
+            </a:r>
+            <a:r>
+              <a:rPr lang="zh-CN" altLang="en-US">
+                <a:sym typeface="+mn-ea"/>
+              </a:rPr>
+              <a:t>的原因有两个</a:t>
+            </a:r>
+            <a:endParaRPr lang="zh-CN" altLang="en-US">
+              <a:sym typeface="+mn-ea"/>
+            </a:endParaRPr>
+          </a:p>
+          <a:p>
+            <a:r>
+              <a:rPr lang="en-US" altLang="zh-CN">
+                <a:sym typeface="+mn-ea"/>
+              </a:rPr>
+              <a:t>*** </a:t>
+            </a:r>
+            <a:r>
+              <a:rPr lang="zh-CN" altLang="en-US">
+                <a:sym typeface="+mn-ea"/>
+              </a:rPr>
+              <a:t>第一个原因是</a:t>
+            </a:r>
+            <a:r>
+              <a:rPr lang="en-US" altLang="zh-CN">
+                <a:sym typeface="+mn-ea"/>
+              </a:rPr>
+              <a:t>S3</a:t>
+            </a:r>
+            <a:r>
+              <a:rPr lang="zh-CN" altLang="en-US">
+                <a:sym typeface="+mn-ea"/>
+              </a:rPr>
+              <a:t>每次读写事务的开销比较大，我没有去看</a:t>
+            </a:r>
+            <a:r>
+              <a:rPr lang="en-US" altLang="zh-CN">
+                <a:sym typeface="+mn-ea"/>
+              </a:rPr>
+              <a:t>S3</a:t>
+            </a:r>
+            <a:r>
+              <a:rPr lang="zh-CN" altLang="en-US">
+                <a:sym typeface="+mn-ea"/>
+              </a:rPr>
+              <a:t>的设计，但是可以类比成他的寻道时间比较长</a:t>
+            </a:r>
+            <a:endParaRPr lang="zh-CN" altLang="en-US">
+              <a:sym typeface="+mn-ea"/>
+            </a:endParaRPr>
+          </a:p>
+          <a:p>
+            <a:r>
+              <a:rPr lang="en-US" altLang="zh-CN">
+                <a:sym typeface="+mn-ea"/>
+              </a:rPr>
+              <a:t>*** </a:t>
+            </a:r>
+            <a:r>
+              <a:rPr lang="zh-CN" altLang="en-US">
+                <a:sym typeface="+mn-ea"/>
+              </a:rPr>
+              <a:t>第二个原因是</a:t>
+            </a:r>
+            <a:r>
+              <a:rPr lang="en-US" altLang="zh-CN">
+                <a:sym typeface="+mn-ea"/>
+              </a:rPr>
+              <a:t>S3</a:t>
+            </a:r>
+            <a:r>
+              <a:rPr lang="zh-CN" altLang="en-US">
+                <a:sym typeface="+mn-ea"/>
+              </a:rPr>
+              <a:t>是多租户应用，为了提高整体可用性，每个S3桶的请求吞吐量都有一个限制</a:t>
+            </a:r>
+            <a:endParaRPr lang="zh-CN" altLang="en-US">
+              <a:sym typeface="+mn-ea"/>
+            </a:endParaRPr>
+          </a:p>
+          <a:p>
+            <a:endParaRPr lang="en-US">
+              <a:sym typeface="+mn-ea"/>
+            </a:endParaRPr>
+          </a:p>
+          <a:p>
             <a:r>
               <a:rPr lang="en-US">
                 <a:sym typeface="+mn-ea"/>
@@ -692,7 +912,90 @@
         <p:txBody>
           <a:bodyPr/>
           <a:p>
-            <a:endParaRPr>
+            <a:r>
+              <a:rPr lang="en-US">
+                <a:sym typeface="+mn-ea"/>
+              </a:rPr>
+              <a:t>* </a:t>
+            </a:r>
+            <a:r>
+              <a:rPr lang="zh-CN" altLang="en-US">
+                <a:sym typeface="+mn-ea"/>
+              </a:rPr>
+              <a:t>然后再看</a:t>
+            </a:r>
+            <a:r>
+              <a:rPr lang="zh-CN" altLang="en-US">
+                <a:sym typeface="+mn-ea"/>
+              </a:rPr>
+              <a:t>时延随</a:t>
+            </a:r>
+            <a:r>
+              <a:rPr lang="en-US" altLang="zh-CN">
+                <a:sym typeface="+mn-ea"/>
+              </a:rPr>
+              <a:t>I/O size</a:t>
+            </a:r>
+            <a:r>
+              <a:rPr lang="zh-CN" altLang="en-US">
+                <a:sym typeface="+mn-ea"/>
+              </a:rPr>
+              <a:t>的变化曲线，可以看到当</a:t>
+            </a:r>
+            <a:r>
+              <a:rPr lang="en-US" altLang="zh-CN">
+                <a:sym typeface="+mn-ea"/>
+              </a:rPr>
+              <a:t>I/O size</a:t>
+            </a:r>
+            <a:r>
+              <a:rPr lang="zh-CN" altLang="en-US">
+                <a:sym typeface="+mn-ea"/>
+              </a:rPr>
+              <a:t>较小时，</a:t>
+            </a:r>
+            <a:r>
+              <a:rPr lang="en-US" altLang="zh-CN">
+                <a:sym typeface="+mn-ea"/>
+              </a:rPr>
+              <a:t>S3</a:t>
+            </a:r>
+            <a:r>
+              <a:rPr lang="zh-CN" altLang="en-US">
+                <a:sym typeface="+mn-ea"/>
+              </a:rPr>
+              <a:t>的聚合吞吐量是瓶颈；再回过去看数据分析应用的</a:t>
+            </a:r>
+            <a:r>
+              <a:rPr lang="en-US" altLang="zh-CN">
+                <a:sym typeface="+mn-ea"/>
+              </a:rPr>
+              <a:t>I/O size</a:t>
+            </a:r>
+            <a:r>
+              <a:rPr lang="zh-CN" altLang="en-US">
+                <a:sym typeface="+mn-ea"/>
+              </a:rPr>
+              <a:t>分布曲线，可以看到大部分的</a:t>
+            </a:r>
+            <a:r>
+              <a:rPr lang="en-US" altLang="zh-CN">
+                <a:sym typeface="+mn-ea"/>
+              </a:rPr>
+              <a:t>I/O size</a:t>
+            </a:r>
+            <a:r>
+              <a:rPr lang="zh-CN" altLang="en-US">
+                <a:sym typeface="+mn-ea"/>
+              </a:rPr>
+              <a:t>落在了瓶颈区</a:t>
+            </a:r>
+            <a:endParaRPr lang="zh-CN" altLang="en-US">
+              <a:sym typeface="+mn-ea"/>
+            </a:endParaRPr>
+          </a:p>
+          <a:p>
+            <a:endParaRPr lang="zh-CN" altLang="en-US">
               <a:sym typeface="+mn-ea"/>
             </a:endParaRPr>
           </a:p>
@@ -1022,34 +1325,6 @@
         <p:txBody>
           <a:bodyPr/>
           <a:p>
-            <a:r>
-              <a:rPr>
-                <a:sym typeface="+mn-ea"/>
-              </a:rPr>
-              <a:t>* 接下来是请求吞吐率</a:t>
-            </a:r>
-            <a:endParaRPr>
-              <a:sym typeface="+mn-ea"/>
-            </a:endParaRPr>
-          </a:p>
-          <a:p>
-            <a:r>
-              <a:rPr>
-                <a:sym typeface="+mn-ea"/>
-              </a:rPr>
-              <a:t>  * 下面这张表格展示了随数据对象大小变化时，S3和redis的请求吞吐量限制</a:t>
-            </a:r>
-            <a:endParaRPr>
-              <a:sym typeface="+mn-ea"/>
-            </a:endParaRPr>
-          </a:p>
-          <a:p>
-            <a:r>
-              <a:rPr>
-                <a:sym typeface="+mn-ea"/>
-              </a:rPr>
-              <a:t>  * 可以看出S3的请求速率是受限的，尤其是对于小文件的读写无法提供较高的吞吐率，可以看到对于10KB大小的文件S3的吞吐量比Redis低了两个数量级</a:t>
-            </a:r>
             <a:endParaRPr lang="zh-CN">
               <a:sym typeface="+mn-ea"/>
             </a:endParaRPr>
@@ -1097,34 +1372,24 @@
           <a:bodyPr/>
           <a:p>
             <a:r>
-              <a:rPr>
-                <a:sym typeface="+mn-ea"/>
-              </a:rPr>
-              <a:t>* 接下来是请求吞吐率</a:t>
-            </a:r>
-            <a:endParaRPr>
-              <a:sym typeface="+mn-ea"/>
-            </a:endParaRPr>
-          </a:p>
-          <a:p>
-            <a:r>
-              <a:rPr>
-                <a:sym typeface="+mn-ea"/>
-              </a:rPr>
-              <a:t>  * 下面这张表格展示了随数据对象大小变化时，S3和redis的请求吞吐量限制</a:t>
-            </a:r>
-            <a:endParaRPr>
-              <a:sym typeface="+mn-ea"/>
-            </a:endParaRPr>
-          </a:p>
-          <a:p>
-            <a:r>
-              <a:rPr>
-                <a:sym typeface="+mn-ea"/>
-              </a:rPr>
-              <a:t>  * 可以看出S3的请求速率是受限的，尤其是对于小文件的读写无法提供较高的吞吐率，可以看到对于10KB大小的文件S3的吞吐量比Redis低了两个数量级</a:t>
-            </a:r>
-            <a:endParaRPr>
+              <a:rPr lang="en-US">
+                <a:sym typeface="+mn-ea"/>
+              </a:rPr>
+              <a:t>* </a:t>
+            </a:r>
+            <a:r>
+              <a:rPr lang="zh-CN" altLang="en-US">
+                <a:sym typeface="+mn-ea"/>
+              </a:rPr>
+              <a:t>采用的多级</a:t>
+            </a:r>
+            <a:r>
+              <a:rPr lang="zh-CN" altLang="en-US">
+                <a:sym typeface="+mn-ea"/>
+              </a:rPr>
+              <a:t>存储，利用不同的存储介质，满足不同应用的I/O需求，同时最小化成本</a:t>
+            </a:r>
+            <a:endParaRPr lang="zh-CN" altLang="en-US">
               <a:sym typeface="+mn-ea"/>
             </a:endParaRPr>
           </a:p>
@@ -1170,34 +1435,6 @@
         <p:txBody>
           <a:bodyPr/>
           <a:p>
-            <a:r>
-              <a:rPr>
-                <a:sym typeface="+mn-ea"/>
-              </a:rPr>
-              <a:t>* 接下来是请求吞吐率</a:t>
-            </a:r>
-            <a:endParaRPr>
-              <a:sym typeface="+mn-ea"/>
-            </a:endParaRPr>
-          </a:p>
-          <a:p>
-            <a:r>
-              <a:rPr>
-                <a:sym typeface="+mn-ea"/>
-              </a:rPr>
-              <a:t>  * 下面这张表格展示了随数据对象大小变化时，S3和redis的请求吞吐量限制</a:t>
-            </a:r>
-            <a:endParaRPr>
-              <a:sym typeface="+mn-ea"/>
-            </a:endParaRPr>
-          </a:p>
-          <a:p>
-            <a:r>
-              <a:rPr>
-                <a:sym typeface="+mn-ea"/>
-              </a:rPr>
-              <a:t>  * 可以看出S3的请求速率是受限的，尤其是对于小文件的读写无法提供较高的吞吐率，可以看到对于10KB大小的文件S3的吞吐量比Redis低了两个数量级</a:t>
-            </a:r>
             <a:endParaRPr>
               <a:sym typeface="+mn-ea"/>
             </a:endParaRPr>
@@ -1244,34 +1481,6 @@
         <p:txBody>
           <a:bodyPr/>
           <a:p>
-            <a:r>
-              <a:rPr>
-                <a:sym typeface="+mn-ea"/>
-              </a:rPr>
-              <a:t>* 接下来是请求吞吐率</a:t>
-            </a:r>
-            <a:endParaRPr>
-              <a:sym typeface="+mn-ea"/>
-            </a:endParaRPr>
-          </a:p>
-          <a:p>
-            <a:r>
-              <a:rPr>
-                <a:sym typeface="+mn-ea"/>
-              </a:rPr>
-              <a:t>  * 下面这张表格展示了随数据对象大小变化时，S3和redis的请求吞吐量限制</a:t>
-            </a:r>
-            <a:endParaRPr>
-              <a:sym typeface="+mn-ea"/>
-            </a:endParaRPr>
-          </a:p>
-          <a:p>
-            <a:r>
-              <a:rPr>
-                <a:sym typeface="+mn-ea"/>
-              </a:rPr>
-              <a:t>  * 可以看出S3的请求速率是受限的，尤其是对于小文件的读写无法提供较高的吞吐率，可以看到对于10KB大小的文件S3的吞吐量比Redis低了两个数量级</a:t>
-            </a:r>
             <a:endParaRPr>
               <a:sym typeface="+mn-ea"/>
             </a:endParaRPr>
@@ -2652,7 +2861,48 @@
               <a:rPr lang="zh-CN" altLang="en-US">
                 <a:sym typeface="+mn-ea"/>
               </a:rPr>
-              <a:t>首先看数据分析应用的访问特征，下面这张图展示了三类应应用（分布式编译蓝色、视频分析橙色、排序绿色）的</a:t>
+              <a:t>首先看数据分析应用的访问特征，</a:t>
+            </a:r>
+            <a:r>
+              <a:rPr lang="zh-CN" altLang="en-US">
+                <a:sym typeface="+mn-ea"/>
+              </a:rPr>
+              <a:t>这一部分是应用</a:t>
+            </a:r>
+            <a:r>
+              <a:rPr lang="en-US" altLang="zh-CN">
+                <a:sym typeface="+mn-ea"/>
+              </a:rPr>
+              <a:t>I/O size</a:t>
+            </a:r>
+            <a:r>
+              <a:rPr lang="zh-CN" altLang="en-US">
+                <a:sym typeface="+mn-ea"/>
+              </a:rPr>
+              <a:t>的</a:t>
+            </a:r>
+            <a:r>
+              <a:rPr lang="zh-CN" altLang="en-US">
+                <a:sym typeface="+mn-ea"/>
+              </a:rPr>
+              <a:t>分布特征。</a:t>
+            </a:r>
+            <a:endParaRPr lang="zh-CN" altLang="en-US">
+              <a:sym typeface="+mn-ea"/>
+            </a:endParaRPr>
+          </a:p>
+          <a:p>
+            <a:r>
+              <a:rPr lang="en-US" altLang="zh-CN">
+                <a:sym typeface="+mn-ea"/>
+              </a:rPr>
+              <a:t>* </a:t>
+            </a:r>
+            <a:r>
+              <a:rPr lang="zh-CN" altLang="en-US">
+                <a:sym typeface="+mn-ea"/>
+              </a:rPr>
+              <a:t>下面这张图展示了三类应应用（分布式编译蓝色、视频分析橙色、排序绿色）的</a:t>
             </a:r>
             <a:r>
               <a:rPr lang="en-US" altLang="zh-CN">
@@ -2752,7 +3002,112 @@
         <p:txBody>
           <a:bodyPr/>
           <a:p>
-            <a:endParaRPr>
+            <a:r>
+              <a:rPr lang="en-US">
+                <a:sym typeface="+mn-ea"/>
+              </a:rPr>
+              <a:t>* </a:t>
+            </a:r>
+            <a:r>
+              <a:rPr lang="zh-CN" altLang="en-US">
+                <a:sym typeface="+mn-ea"/>
+              </a:rPr>
+              <a:t>这一部分展示了数据访问频率特征，即中间</a:t>
+            </a:r>
+            <a:r>
+              <a:rPr lang="zh-CN" altLang="en-US">
+                <a:sym typeface="+mn-ea"/>
+              </a:rPr>
+              <a:t>数据吞吐量随时间的</a:t>
+            </a:r>
+            <a:r>
+              <a:rPr lang="zh-CN" altLang="en-US">
+                <a:sym typeface="+mn-ea"/>
+              </a:rPr>
+              <a:t>变化</a:t>
+            </a:r>
+            <a:endParaRPr lang="zh-CN" altLang="en-US">
+              <a:sym typeface="+mn-ea"/>
+            </a:endParaRPr>
+          </a:p>
+          <a:p>
+            <a:r>
+              <a:rPr lang="en-US" altLang="zh-CN">
+                <a:sym typeface="+mn-ea"/>
+              </a:rPr>
+              <a:t>* </a:t>
+            </a:r>
+            <a:r>
+              <a:rPr lang="zh-CN" altLang="en-US">
+                <a:sym typeface="+mn-ea"/>
+              </a:rPr>
+              <a:t>下面三张图展示了三类应用的中间数据读写吞吐的时间变化曲线，虚线表示写入吞吐量，实线表示读取吞吐量，虚线的线下积分就是总的中间数据的</a:t>
+            </a:r>
+            <a:r>
+              <a:rPr lang="zh-CN" altLang="en-US">
+                <a:sym typeface="+mn-ea"/>
+              </a:rPr>
+              <a:t>规模</a:t>
+            </a:r>
+            <a:endParaRPr lang="zh-CN" altLang="en-US">
+              <a:sym typeface="+mn-ea"/>
+            </a:endParaRPr>
+          </a:p>
+          <a:p>
+            <a:r>
+              <a:rPr lang="en-US" altLang="zh-CN">
+                <a:sym typeface="+mn-ea"/>
+              </a:rPr>
+              <a:t>* </a:t>
+            </a:r>
+            <a:r>
+              <a:rPr lang="zh-CN" altLang="en-US">
+                <a:sym typeface="+mn-ea"/>
+              </a:rPr>
+              <a:t>对这张图产生疑问的地方在于为什么会产生多个多个波峰，以排序应用为例，他只有两个阶段</a:t>
+            </a:r>
+            <a:r>
+              <a:rPr lang="en-US" altLang="zh-CN">
+                <a:sym typeface="+mn-ea"/>
+              </a:rPr>
+              <a:t>partition</a:t>
+            </a:r>
+            <a:r>
+              <a:rPr lang="zh-CN" altLang="en-US">
+                <a:sym typeface="+mn-ea"/>
+              </a:rPr>
+              <a:t>和</a:t>
+            </a:r>
+            <a:r>
+              <a:rPr lang="en-US" altLang="zh-CN">
+                <a:sym typeface="+mn-ea"/>
+              </a:rPr>
+              <a:t>merge</a:t>
+            </a:r>
+            <a:r>
+              <a:rPr lang="zh-CN" altLang="en-US">
+                <a:sym typeface="+mn-ea"/>
+              </a:rPr>
+              <a:t>，第一阶段写入对应这一部分，按理说第二阶段读取也应该是并行读取，一个波峰？？？</a:t>
+            </a:r>
+            <a:r>
+              <a:rPr lang="en-US" altLang="zh-CN">
+                <a:sym typeface="+mn-ea"/>
+              </a:rPr>
+              <a:t>  </a:t>
+            </a:r>
+            <a:r>
+              <a:rPr lang="zh-CN" altLang="en-US">
+                <a:sym typeface="+mn-ea"/>
+              </a:rPr>
+              <a:t>分批处理？？</a:t>
+            </a:r>
+            <a:endParaRPr lang="zh-CN" altLang="en-US">
+              <a:sym typeface="+mn-ea"/>
+            </a:endParaRPr>
+          </a:p>
+          <a:p>
+            <a:endParaRPr lang="zh-CN" altLang="en-US">
               <a:sym typeface="+mn-ea"/>
             </a:endParaRPr>
           </a:p>
@@ -2798,7 +3153,228 @@
         <p:txBody>
           <a:bodyPr/>
           <a:p>
-            <a:endParaRPr>
+            <a:r>
+              <a:rPr lang="en-US">
+                <a:sym typeface="+mn-ea"/>
+              </a:rPr>
+              <a:t>* </a:t>
+            </a:r>
+            <a:r>
+              <a:rPr lang="zh-CN" altLang="en-US">
+                <a:sym typeface="+mn-ea"/>
+              </a:rPr>
+              <a:t>这一部分总结数据分析应用的</a:t>
+            </a:r>
+            <a:r>
+              <a:rPr lang="en-US" altLang="zh-CN">
+                <a:sym typeface="+mn-ea"/>
+              </a:rPr>
+              <a:t>DAG</a:t>
+            </a:r>
+            <a:r>
+              <a:rPr lang="zh-CN" altLang="en-US">
+                <a:sym typeface="+mn-ea"/>
+              </a:rPr>
+              <a:t>特征</a:t>
+            </a:r>
+            <a:endParaRPr lang="zh-CN" altLang="en-US">
+              <a:sym typeface="+mn-ea"/>
+            </a:endParaRPr>
+          </a:p>
+          <a:p>
+            <a:r>
+              <a:rPr lang="en-US" altLang="zh-CN">
+                <a:sym typeface="+mn-ea"/>
+              </a:rPr>
+              <a:t>* </a:t>
+            </a:r>
+            <a:r>
+              <a:rPr lang="zh-CN" altLang="en-US">
+                <a:sym typeface="+mn-ea"/>
+              </a:rPr>
+              <a:t>主要回答三个问题应用通常包含多少阶段，一个阶段通常包含多少任务，一个任务通常</a:t>
+            </a:r>
+            <a:r>
+              <a:rPr lang="zh-CN" altLang="en-US">
+                <a:sym typeface="+mn-ea"/>
+              </a:rPr>
+              <a:t>包含多少函数？</a:t>
+            </a:r>
+            <a:endParaRPr lang="zh-CN" altLang="en-US">
+              <a:sym typeface="+mn-ea"/>
+            </a:endParaRPr>
+          </a:p>
+          <a:p>
+            <a:r>
+              <a:rPr lang="en-US" altLang="zh-CN">
+                <a:sym typeface="+mn-ea"/>
+              </a:rPr>
+              <a:t>* </a:t>
+            </a:r>
+            <a:r>
+              <a:rPr lang="zh-CN" altLang="en-US">
+                <a:sym typeface="+mn-ea"/>
+              </a:rPr>
+              <a:t>第一个问题：一个应用包含多少</a:t>
+            </a:r>
+            <a:r>
+              <a:rPr lang="zh-CN" altLang="en-US">
+                <a:sym typeface="+mn-ea"/>
+              </a:rPr>
+              <a:t>阶段</a:t>
+            </a:r>
+            <a:endParaRPr lang="zh-CN" altLang="en-US">
+              <a:sym typeface="+mn-ea"/>
+            </a:endParaRPr>
+          </a:p>
+          <a:p>
+            <a:r>
+              <a:rPr lang="en-US" altLang="zh-CN">
+                <a:sym typeface="+mn-ea"/>
+              </a:rPr>
+              <a:t>** </a:t>
+            </a:r>
+            <a:r>
+              <a:rPr lang="zh-CN" altLang="en-US">
+                <a:sym typeface="+mn-ea"/>
+              </a:rPr>
+              <a:t>在实践中阶段数通常比较少，</a:t>
+            </a:r>
+            <a:r>
+              <a:rPr lang="en-US" altLang="zh-CN">
+                <a:sym typeface="+mn-ea"/>
+              </a:rPr>
+              <a:t>8</a:t>
+            </a:r>
+            <a:r>
+              <a:rPr lang="zh-CN" altLang="en-US">
+                <a:sym typeface="+mn-ea"/>
+              </a:rPr>
+              <a:t>阶段应用已经是阶段比较多的</a:t>
+            </a:r>
+            <a:r>
+              <a:rPr lang="zh-CN" altLang="en-US">
+                <a:sym typeface="+mn-ea"/>
+              </a:rPr>
+              <a:t>应用了</a:t>
+            </a:r>
+            <a:endParaRPr lang="zh-CN" altLang="en-US">
+              <a:sym typeface="+mn-ea"/>
+            </a:endParaRPr>
+          </a:p>
+          <a:p>
+            <a:r>
+              <a:rPr lang="en-US" altLang="zh-CN">
+                <a:sym typeface="+mn-ea"/>
+              </a:rPr>
+              <a:t>* </a:t>
+            </a:r>
+            <a:r>
+              <a:rPr lang="zh-CN" altLang="en-US">
+                <a:sym typeface="+mn-ea"/>
+              </a:rPr>
+              <a:t>第二个问题：一个阶段包含多少</a:t>
+            </a:r>
+            <a:r>
+              <a:rPr lang="zh-CN" altLang="en-US">
+                <a:sym typeface="+mn-ea"/>
+              </a:rPr>
+              <a:t>任务</a:t>
+            </a:r>
+            <a:endParaRPr lang="zh-CN" altLang="en-US">
+              <a:sym typeface="+mn-ea"/>
+            </a:endParaRPr>
+          </a:p>
+          <a:p>
+            <a:r>
+              <a:rPr lang="en-US" altLang="zh-CN">
+                <a:sym typeface="+mn-ea"/>
+              </a:rPr>
+              <a:t>** </a:t>
+            </a:r>
+            <a:r>
+              <a:rPr lang="zh-CN" altLang="en-US">
+                <a:sym typeface="+mn-ea"/>
+              </a:rPr>
+              <a:t>通过刚才分析一个阶段的任务数在几十到几百之间，而且他的</a:t>
+            </a:r>
+            <a:r>
+              <a:rPr lang="en-US" altLang="zh-CN">
+                <a:sym typeface="+mn-ea"/>
+              </a:rPr>
+              <a:t>upper bound</a:t>
+            </a:r>
+            <a:r>
+              <a:rPr lang="zh-CN" altLang="en-US">
+                <a:sym typeface="+mn-ea"/>
+              </a:rPr>
+              <a:t>函数的并发度，以</a:t>
+            </a:r>
+            <a:r>
+              <a:rPr lang="en-US" altLang="zh-CN">
+                <a:sym typeface="+mn-ea"/>
+              </a:rPr>
+              <a:t>AWS</a:t>
+            </a:r>
+            <a:r>
+              <a:rPr lang="zh-CN" altLang="en-US">
+                <a:sym typeface="+mn-ea"/>
+              </a:rPr>
+              <a:t>为例函数并发度限制为</a:t>
+            </a:r>
+            <a:r>
+              <a:rPr lang="en-US" altLang="zh-CN">
+                <a:sym typeface="+mn-ea"/>
+              </a:rPr>
+              <a:t>1000</a:t>
+            </a:r>
+            <a:endParaRPr lang="en-US" altLang="zh-CN">
+              <a:sym typeface="+mn-ea"/>
+            </a:endParaRPr>
+          </a:p>
+          <a:p>
+            <a:r>
+              <a:rPr lang="en-US" altLang="zh-CN">
+                <a:sym typeface="+mn-ea"/>
+              </a:rPr>
+              <a:t>* </a:t>
+            </a:r>
+            <a:r>
+              <a:rPr lang="zh-CN" altLang="en-US">
+                <a:sym typeface="+mn-ea"/>
+              </a:rPr>
+              <a:t>第三个问题：一个任务包含</a:t>
+            </a:r>
+            <a:r>
+              <a:rPr lang="zh-CN" altLang="en-US">
+                <a:sym typeface="+mn-ea"/>
+              </a:rPr>
+              <a:t>多少函数</a:t>
+            </a:r>
+            <a:endParaRPr lang="zh-CN" altLang="en-US">
+              <a:sym typeface="+mn-ea"/>
+            </a:endParaRPr>
+          </a:p>
+          <a:p>
+            <a:r>
+              <a:rPr lang="en-US" altLang="zh-CN">
+                <a:sym typeface="+mn-ea"/>
+              </a:rPr>
+              <a:t>** </a:t>
+            </a:r>
+            <a:r>
+              <a:rPr lang="zh-CN" altLang="en-US">
+                <a:sym typeface="+mn-ea"/>
+              </a:rPr>
+              <a:t>由之前分析的四个应用通常只包含一个</a:t>
+            </a:r>
+            <a:r>
+              <a:rPr lang="zh-CN" altLang="en-US">
+                <a:sym typeface="+mn-ea"/>
+              </a:rPr>
+              <a:t>函数</a:t>
+            </a:r>
+            <a:endParaRPr lang="zh-CN" altLang="en-US">
               <a:sym typeface="+mn-ea"/>
             </a:endParaRPr>
           </a:p>
@@ -6157,7 +6733,17 @@
                 <a:uFillTx/>
                 <a:latin typeface="等线" panose="02010600030101010101" charset="-122"/>
               </a:rPr>
-              <a:t> S3 delivers faster throughput on large objects than small ones due to a high per-transaction overhead</a:t>
+              <a:t> S3 delivers faster throughput on large objects than small ones </a:t>
+            </a:r>
+            <a:r>
+              <a:rPr lang="en-US" altLang="zh-CN" b="1">
+                <a:solidFill>
+                  <a:schemeClr val="tx1"/>
+                </a:solidFill>
+                <a:uFillTx/>
+                <a:latin typeface="等线" panose="02010600030101010101" charset="-122"/>
+              </a:rPr>
+              <a:t>due to a high per-transaction overhead</a:t>
             </a:r>
             <a:r>
               <a:rPr lang="en-US" altLang="zh-CN" baseline="30000">
@@ -6187,7 +6773,27 @@
                 <a:uFillTx/>
                 <a:latin typeface="等线" panose="02010600030101010101" charset="-122"/>
               </a:rPr>
-              <a:t> S3 is a multi-tenant service, there is an imposed limit on request throughput per S3 bucket for the benefit of overall availability</a:t>
+              <a:t> S3 is a </a:t>
+            </a:r>
+            <a:r>
+              <a:rPr lang="en-US" altLang="zh-CN" b="1">
+                <a:solidFill>
+                  <a:schemeClr val="tx1"/>
+                </a:solidFill>
+                <a:uFillTx/>
+                <a:latin typeface="等线" panose="02010600030101010101" charset="-122"/>
+              </a:rPr>
+              <a:t>multi-tenant service</a:t>
+            </a:r>
+            <a:r>
+              <a:rPr lang="en-US" altLang="zh-CN">
+                <a:solidFill>
+                  <a:schemeClr val="tx1"/>
+                </a:solidFill>
+                <a:uFillTx/>
+                <a:latin typeface="等线" panose="02010600030101010101" charset="-122"/>
+              </a:rPr>
+              <a:t>, there is an imposed limit on request throughput per S3 bucket for the benefit of overall availability</a:t>
             </a:r>
             <a:r>
               <a:rPr lang="en-US" altLang="zh-CN" baseline="30000">
@@ -6295,7 +6901,7 @@
         </p:nvCxnSpPr>
         <p:spPr>
           <a:xfrm flipH="1" flipV="1">
-            <a:off x="7292340" y="3439160"/>
+            <a:off x="6769735" y="3439160"/>
             <a:ext cx="17780" cy="2583815"/>
           </a:xfrm>
           <a:prstGeom prst="line">
@@ -6333,7 +6939,7 @@
         </p:nvSpPr>
         <p:spPr>
           <a:xfrm>
-            <a:off x="9017635" y="5452745"/>
+            <a:off x="28575" y="5535930"/>
             <a:ext cx="3081020" cy="1322070"/>
           </a:xfrm>
           <a:prstGeom prst="rect">
@@ -6453,6 +7059,32 @@
           </a:p>
         </p:txBody>
       </p:sp>
+      <p:pic>
+        <p:nvPicPr>
+          <p:cNvPr id="4" name="图片 3" descr="返回">
+            <a:hlinkClick r:id="rId2" tooltip="" action="ppaction://hlinksldjump"/>
+          </p:cNvPr>
+          <p:cNvPicPr>
+            <a:picLocks noChangeAspect="1"/>
+          </p:cNvPicPr>
+          <p:nvPr/>
+        </p:nvPicPr>
+        <p:blipFill>
+          <a:blip r:embed="rId3"/>
+          <a:stretch>
+            <a:fillRect/>
+          </a:stretch>
+        </p:blipFill>
+        <p:spPr>
+          <a:xfrm>
+            <a:off x="10312400" y="6176010"/>
+            <a:ext cx="595630" cy="595630"/>
+          </a:xfrm>
+          <a:prstGeom prst="rect">
+            <a:avLst/>
+          </a:prstGeom>
+        </p:spPr>
+      </p:pic>
     </p:spTree>
   </p:cSld>
   <p:clrMapOvr>
@@ -16157,11 +16789,7 @@
           <a:p>
             <a:r>
               <a:rPr lang="zh-CN" altLang="en-US"/>
-              <a:t>定量</a:t>
-            </a:r>
-            <a:r>
-              <a:rPr lang="zh-CN" altLang="en-US"/>
-              <a:t>实验</a:t>
+              <a:t>下一步</a:t>
             </a:r>
             <a:endParaRPr lang="zh-CN" altLang="en-US"/>
           </a:p>
@@ -16248,6 +16876,16 @@
             </a:endParaRPr>
           </a:p>
           <a:p>
+            <a:pPr lvl="1"/>
+            <a:endParaRPr lang="en-US" altLang="zh-CN">
+              <a:solidFill>
+                <a:schemeClr val="tx1"/>
+              </a:solidFill>
+              <a:uFillTx/>
+              <a:latin typeface="等线" panose="02010600030101010101" charset="-122"/>
+            </a:endParaRPr>
+          </a:p>
+          <a:p>
             <a:pPr lvl="0"/>
             <a:r>
               <a:rPr lang="en-US" altLang="zh-CN">
@@ -16257,7 +16895,7 @@
                 <a:uFillTx/>
                 <a:latin typeface="等线" panose="02010600030101010101" charset="-122"/>
               </a:rPr>
-              <a:t> Mapreduce </a:t>
+              <a:t> W</a:t>
             </a:r>
             <a:r>
               <a:rPr lang="en-US" altLang="zh-CN">
@@ -16267,7 +16905,7 @@
                 <a:uFillTx/>
                 <a:latin typeface="等线" panose="02010600030101010101" charset="-122"/>
               </a:rPr>
-              <a:t>sort</a:t>
+              <a:t>ukong</a:t>
             </a:r>
             <a:endParaRPr lang="en-US" altLang="zh-CN">
               <a:solidFill>
@@ -16278,17 +16916,9 @@
             </a:endParaRPr>
           </a:p>
           <a:p>
-            <a:pPr lvl="1"/>
-            <a:r>
-              <a:rPr lang="en-US" altLang="zh-CN">
-                <a:solidFill>
-                  <a:schemeClr val="tx1"/>
-                </a:solidFill>
-                <a:uFillTx/>
-                <a:latin typeface="等线" panose="02010600030101010101" charset="-122"/>
-              </a:rPr>
-              <a:t> </a:t>
-            </a:r>
+            <a:pPr marL="457200" lvl="1" indent="0">
+              <a:buNone/>
+            </a:pPr>
             <a:endParaRPr lang="en-US" altLang="zh-CN">
               <a:solidFill>
                 <a:schemeClr val="tx1"/>
@@ -16307,4880 +16937,6 @@
               </a:solidFill>
               <a:uFillTx/>
               <a:latin typeface="等线" panose="02010600030101010101" charset="-122"/>
-            </a:endParaRPr>
-          </a:p>
-        </p:txBody>
-      </p:sp>
-      <p:sp>
-        <p:nvSpPr>
-          <p:cNvPr id="4" name="矩形 3"/>
-          <p:cNvSpPr/>
-          <p:nvPr/>
-        </p:nvSpPr>
-        <p:spPr>
-          <a:xfrm>
-            <a:off x="1945005" y="2894330"/>
-            <a:ext cx="1003935" cy="3166110"/>
-          </a:xfrm>
-          <a:prstGeom prst="rect">
-            <a:avLst/>
-          </a:prstGeom>
-          <a:solidFill>
-            <a:schemeClr val="bg2"/>
-          </a:solidFill>
-          <a:ln w="31750" cmpd="sng">
-            <a:solidFill>
-              <a:schemeClr val="bg2">
-                <a:lumMod val="75000"/>
-              </a:schemeClr>
-            </a:solidFill>
-            <a:prstDash val="sysDash"/>
-          </a:ln>
-        </p:spPr>
-        <p:style>
-          <a:lnRef idx="2">
-            <a:schemeClr val="accent1">
-              <a:shade val="50000"/>
-            </a:schemeClr>
-          </a:lnRef>
-          <a:fillRef idx="1">
-            <a:schemeClr val="accent1"/>
-          </a:fillRef>
-          <a:effectRef idx="0">
-            <a:schemeClr val="accent1"/>
-          </a:effectRef>
-          <a:fontRef idx="minor">
-            <a:schemeClr val="lt1"/>
-          </a:fontRef>
-        </p:style>
-        <p:txBody>
-          <a:bodyPr rtlCol="0" anchor="ctr"/>
-          <a:p>
-            <a:pPr algn="ctr"/>
-            <a:endParaRPr lang="zh-CN" altLang="en-US" dirty="0">
-              <a:solidFill>
-                <a:schemeClr val="tx1"/>
-              </a:solidFill>
-            </a:endParaRPr>
-          </a:p>
-        </p:txBody>
-      </p:sp>
-      <p:sp>
-        <p:nvSpPr>
-          <p:cNvPr id="5" name="矩形 4"/>
-          <p:cNvSpPr/>
-          <p:nvPr/>
-        </p:nvSpPr>
-        <p:spPr>
-          <a:xfrm>
-            <a:off x="2056130" y="2997200"/>
-            <a:ext cx="781050" cy="294005"/>
-          </a:xfrm>
-          <a:prstGeom prst="rect">
-            <a:avLst/>
-          </a:prstGeom>
-          <a:noFill/>
-          <a:ln w="19050">
-            <a:solidFill>
-              <a:schemeClr val="tx1"/>
-            </a:solidFill>
-          </a:ln>
-        </p:spPr>
-        <p:style>
-          <a:lnRef idx="2">
-            <a:schemeClr val="accent1">
-              <a:shade val="50000"/>
-            </a:schemeClr>
-          </a:lnRef>
-          <a:fillRef idx="1">
-            <a:schemeClr val="accent1"/>
-          </a:fillRef>
-          <a:effectRef idx="0">
-            <a:schemeClr val="accent1"/>
-          </a:effectRef>
-          <a:fontRef idx="minor">
-            <a:schemeClr val="lt1"/>
-          </a:fontRef>
-        </p:style>
-        <p:txBody>
-          <a:bodyPr rtlCol="0" anchor="ctr"/>
-          <a:p>
-            <a:pPr algn="ctr"/>
-            <a:endParaRPr lang="zh-CN" altLang="en-US" dirty="0">
-              <a:solidFill>
-                <a:schemeClr val="tx1"/>
-              </a:solidFill>
-            </a:endParaRPr>
-          </a:p>
-        </p:txBody>
-      </p:sp>
-      <p:sp>
-        <p:nvSpPr>
-          <p:cNvPr id="7" name="文本框 6"/>
-          <p:cNvSpPr txBox="1"/>
-          <p:nvPr/>
-        </p:nvSpPr>
-        <p:spPr>
-          <a:xfrm>
-            <a:off x="2045970" y="2959735"/>
-            <a:ext cx="791210" cy="368300"/>
-          </a:xfrm>
-          <a:prstGeom prst="rect">
-            <a:avLst/>
-          </a:prstGeom>
-          <a:noFill/>
-        </p:spPr>
-        <p:txBody>
-          <a:bodyPr wrap="square" rtlCol="0">
-            <a:spAutoFit/>
-          </a:bodyPr>
-          <a:p>
-            <a:r>
-              <a:rPr lang="en-US" altLang="zh-CN"/>
-              <a:t>S</a:t>
-            </a:r>
-            <a:r>
-              <a:rPr lang="en-US" altLang="zh-CN"/>
-              <a:t>plit 0</a:t>
-            </a:r>
-            <a:endParaRPr lang="en-US" altLang="zh-CN"/>
-          </a:p>
-        </p:txBody>
-      </p:sp>
-      <p:sp>
-        <p:nvSpPr>
-          <p:cNvPr id="8" name="矩形 7"/>
-          <p:cNvSpPr/>
-          <p:nvPr/>
-        </p:nvSpPr>
-        <p:spPr>
-          <a:xfrm>
-            <a:off x="2056765" y="3291205"/>
-            <a:ext cx="781050" cy="294005"/>
-          </a:xfrm>
-          <a:prstGeom prst="rect">
-            <a:avLst/>
-          </a:prstGeom>
-          <a:noFill/>
-          <a:ln w="19050">
-            <a:solidFill>
-              <a:schemeClr val="tx1"/>
-            </a:solidFill>
-          </a:ln>
-        </p:spPr>
-        <p:style>
-          <a:lnRef idx="2">
-            <a:schemeClr val="accent1">
-              <a:shade val="50000"/>
-            </a:schemeClr>
-          </a:lnRef>
-          <a:fillRef idx="1">
-            <a:schemeClr val="accent1"/>
-          </a:fillRef>
-          <a:effectRef idx="0">
-            <a:schemeClr val="accent1"/>
-          </a:effectRef>
-          <a:fontRef idx="minor">
-            <a:schemeClr val="lt1"/>
-          </a:fontRef>
-        </p:style>
-        <p:txBody>
-          <a:bodyPr rtlCol="0" anchor="ctr"/>
-          <a:p>
-            <a:pPr algn="ctr"/>
-            <a:endParaRPr lang="zh-CN" altLang="en-US" dirty="0">
-              <a:solidFill>
-                <a:schemeClr val="tx1"/>
-              </a:solidFill>
-            </a:endParaRPr>
-          </a:p>
-        </p:txBody>
-      </p:sp>
-      <p:sp>
-        <p:nvSpPr>
-          <p:cNvPr id="9" name="文本框 8"/>
-          <p:cNvSpPr txBox="1"/>
-          <p:nvPr/>
-        </p:nvSpPr>
-        <p:spPr>
-          <a:xfrm>
-            <a:off x="2046605" y="3253740"/>
-            <a:ext cx="791210" cy="368300"/>
-          </a:xfrm>
-          <a:prstGeom prst="rect">
-            <a:avLst/>
-          </a:prstGeom>
-          <a:noFill/>
-        </p:spPr>
-        <p:txBody>
-          <a:bodyPr wrap="square" rtlCol="0">
-            <a:spAutoFit/>
-          </a:bodyPr>
-          <a:p>
-            <a:r>
-              <a:rPr lang="en-US" altLang="zh-CN"/>
-              <a:t>S</a:t>
-            </a:r>
-            <a:r>
-              <a:rPr lang="en-US" altLang="zh-CN"/>
-              <a:t>plit 1</a:t>
-            </a:r>
-            <a:endParaRPr lang="en-US" altLang="zh-CN"/>
-          </a:p>
-        </p:txBody>
-      </p:sp>
-      <p:sp>
-        <p:nvSpPr>
-          <p:cNvPr id="10" name="矩形 9"/>
-          <p:cNvSpPr/>
-          <p:nvPr/>
-        </p:nvSpPr>
-        <p:spPr>
-          <a:xfrm>
-            <a:off x="2056765" y="3585210"/>
-            <a:ext cx="781050" cy="294005"/>
-          </a:xfrm>
-          <a:prstGeom prst="rect">
-            <a:avLst/>
-          </a:prstGeom>
-          <a:noFill/>
-          <a:ln w="19050">
-            <a:solidFill>
-              <a:schemeClr val="tx1"/>
-            </a:solidFill>
-          </a:ln>
-        </p:spPr>
-        <p:style>
-          <a:lnRef idx="2">
-            <a:schemeClr val="accent1">
-              <a:shade val="50000"/>
-            </a:schemeClr>
-          </a:lnRef>
-          <a:fillRef idx="1">
-            <a:schemeClr val="accent1"/>
-          </a:fillRef>
-          <a:effectRef idx="0">
-            <a:schemeClr val="accent1"/>
-          </a:effectRef>
-          <a:fontRef idx="minor">
-            <a:schemeClr val="lt1"/>
-          </a:fontRef>
-        </p:style>
-        <p:txBody>
-          <a:bodyPr rtlCol="0" anchor="ctr"/>
-          <a:p>
-            <a:pPr algn="ctr"/>
-            <a:endParaRPr lang="zh-CN" altLang="en-US" dirty="0">
-              <a:solidFill>
-                <a:schemeClr val="tx1"/>
-              </a:solidFill>
-            </a:endParaRPr>
-          </a:p>
-        </p:txBody>
-      </p:sp>
-      <p:sp>
-        <p:nvSpPr>
-          <p:cNvPr id="11" name="文本框 10"/>
-          <p:cNvSpPr txBox="1"/>
-          <p:nvPr/>
-        </p:nvSpPr>
-        <p:spPr>
-          <a:xfrm>
-            <a:off x="2046605" y="3547745"/>
-            <a:ext cx="791210" cy="368300"/>
-          </a:xfrm>
-          <a:prstGeom prst="rect">
-            <a:avLst/>
-          </a:prstGeom>
-          <a:noFill/>
-        </p:spPr>
-        <p:txBody>
-          <a:bodyPr wrap="square" rtlCol="0">
-            <a:spAutoFit/>
-          </a:bodyPr>
-          <a:p>
-            <a:r>
-              <a:rPr lang="en-US" altLang="zh-CN"/>
-              <a:t>S</a:t>
-            </a:r>
-            <a:r>
-              <a:rPr lang="en-US" altLang="zh-CN"/>
-              <a:t>plit 2</a:t>
-            </a:r>
-            <a:endParaRPr lang="en-US" altLang="zh-CN"/>
-          </a:p>
-        </p:txBody>
-      </p:sp>
-      <p:sp>
-        <p:nvSpPr>
-          <p:cNvPr id="12" name="矩形 11"/>
-          <p:cNvSpPr/>
-          <p:nvPr/>
-        </p:nvSpPr>
-        <p:spPr>
-          <a:xfrm>
-            <a:off x="2056765" y="3879215"/>
-            <a:ext cx="781050" cy="294005"/>
-          </a:xfrm>
-          <a:prstGeom prst="rect">
-            <a:avLst/>
-          </a:prstGeom>
-          <a:noFill/>
-          <a:ln w="19050">
-            <a:solidFill>
-              <a:schemeClr val="tx1"/>
-            </a:solidFill>
-          </a:ln>
-        </p:spPr>
-        <p:style>
-          <a:lnRef idx="2">
-            <a:schemeClr val="accent1">
-              <a:shade val="50000"/>
-            </a:schemeClr>
-          </a:lnRef>
-          <a:fillRef idx="1">
-            <a:schemeClr val="accent1"/>
-          </a:fillRef>
-          <a:effectRef idx="0">
-            <a:schemeClr val="accent1"/>
-          </a:effectRef>
-          <a:fontRef idx="minor">
-            <a:schemeClr val="lt1"/>
-          </a:fontRef>
-        </p:style>
-        <p:txBody>
-          <a:bodyPr rtlCol="0" anchor="ctr"/>
-          <a:p>
-            <a:pPr algn="ctr"/>
-            <a:endParaRPr lang="zh-CN" altLang="en-US" dirty="0">
-              <a:solidFill>
-                <a:schemeClr val="tx1"/>
-              </a:solidFill>
-            </a:endParaRPr>
-          </a:p>
-        </p:txBody>
-      </p:sp>
-      <p:sp>
-        <p:nvSpPr>
-          <p:cNvPr id="13" name="文本框 12"/>
-          <p:cNvSpPr txBox="1"/>
-          <p:nvPr/>
-        </p:nvSpPr>
-        <p:spPr>
-          <a:xfrm>
-            <a:off x="2046605" y="3841750"/>
-            <a:ext cx="791210" cy="368300"/>
-          </a:xfrm>
-          <a:prstGeom prst="rect">
-            <a:avLst/>
-          </a:prstGeom>
-          <a:noFill/>
-        </p:spPr>
-        <p:txBody>
-          <a:bodyPr wrap="square" rtlCol="0">
-            <a:spAutoFit/>
-          </a:bodyPr>
-          <a:p>
-            <a:r>
-              <a:rPr lang="en-US" altLang="zh-CN"/>
-              <a:t>S</a:t>
-            </a:r>
-            <a:r>
-              <a:rPr lang="en-US" altLang="zh-CN"/>
-              <a:t>plit 3</a:t>
-            </a:r>
-            <a:endParaRPr lang="en-US" altLang="zh-CN"/>
-          </a:p>
-        </p:txBody>
-      </p:sp>
-      <p:sp>
-        <p:nvSpPr>
-          <p:cNvPr id="14" name="矩形 13"/>
-          <p:cNvSpPr/>
-          <p:nvPr/>
-        </p:nvSpPr>
-        <p:spPr>
-          <a:xfrm>
-            <a:off x="2056765" y="4173220"/>
-            <a:ext cx="781050" cy="294005"/>
-          </a:xfrm>
-          <a:prstGeom prst="rect">
-            <a:avLst/>
-          </a:prstGeom>
-          <a:noFill/>
-          <a:ln w="19050">
-            <a:solidFill>
-              <a:schemeClr val="tx1"/>
-            </a:solidFill>
-          </a:ln>
-        </p:spPr>
-        <p:style>
-          <a:lnRef idx="2">
-            <a:schemeClr val="accent1">
-              <a:shade val="50000"/>
-            </a:schemeClr>
-          </a:lnRef>
-          <a:fillRef idx="1">
-            <a:schemeClr val="accent1"/>
-          </a:fillRef>
-          <a:effectRef idx="0">
-            <a:schemeClr val="accent1"/>
-          </a:effectRef>
-          <a:fontRef idx="minor">
-            <a:schemeClr val="lt1"/>
-          </a:fontRef>
-        </p:style>
-        <p:txBody>
-          <a:bodyPr rtlCol="0" anchor="ctr"/>
-          <a:p>
-            <a:pPr algn="ctr"/>
-            <a:endParaRPr lang="zh-CN" altLang="en-US" dirty="0">
-              <a:solidFill>
-                <a:schemeClr val="tx1"/>
-              </a:solidFill>
-            </a:endParaRPr>
-          </a:p>
-        </p:txBody>
-      </p:sp>
-      <p:sp>
-        <p:nvSpPr>
-          <p:cNvPr id="15" name="文本框 14"/>
-          <p:cNvSpPr txBox="1"/>
-          <p:nvPr/>
-        </p:nvSpPr>
-        <p:spPr>
-          <a:xfrm>
-            <a:off x="2046605" y="4135755"/>
-            <a:ext cx="791210" cy="368300"/>
-          </a:xfrm>
-          <a:prstGeom prst="rect">
-            <a:avLst/>
-          </a:prstGeom>
-          <a:noFill/>
-        </p:spPr>
-        <p:txBody>
-          <a:bodyPr wrap="square" rtlCol="0">
-            <a:spAutoFit/>
-          </a:bodyPr>
-          <a:p>
-            <a:r>
-              <a:rPr lang="en-US" altLang="zh-CN"/>
-              <a:t>S</a:t>
-            </a:r>
-            <a:r>
-              <a:rPr lang="en-US" altLang="zh-CN"/>
-              <a:t>plit 4</a:t>
-            </a:r>
-            <a:endParaRPr lang="en-US" altLang="zh-CN"/>
-          </a:p>
-        </p:txBody>
-      </p:sp>
-      <p:sp>
-        <p:nvSpPr>
-          <p:cNvPr id="16" name="矩形 15"/>
-          <p:cNvSpPr/>
-          <p:nvPr/>
-        </p:nvSpPr>
-        <p:spPr>
-          <a:xfrm>
-            <a:off x="2045970" y="5600700"/>
-            <a:ext cx="781050" cy="294005"/>
-          </a:xfrm>
-          <a:prstGeom prst="rect">
-            <a:avLst/>
-          </a:prstGeom>
-          <a:noFill/>
-          <a:ln w="19050">
-            <a:solidFill>
-              <a:schemeClr val="tx1"/>
-            </a:solidFill>
-          </a:ln>
-        </p:spPr>
-        <p:style>
-          <a:lnRef idx="2">
-            <a:schemeClr val="accent1">
-              <a:shade val="50000"/>
-            </a:schemeClr>
-          </a:lnRef>
-          <a:fillRef idx="1">
-            <a:schemeClr val="accent1"/>
-          </a:fillRef>
-          <a:effectRef idx="0">
-            <a:schemeClr val="accent1"/>
-          </a:effectRef>
-          <a:fontRef idx="minor">
-            <a:schemeClr val="lt1"/>
-          </a:fontRef>
-        </p:style>
-        <p:txBody>
-          <a:bodyPr rtlCol="0" anchor="ctr"/>
-          <a:p>
-            <a:pPr algn="ctr"/>
-            <a:endParaRPr lang="zh-CN" altLang="en-US" dirty="0">
-              <a:solidFill>
-                <a:schemeClr val="tx1"/>
-              </a:solidFill>
-            </a:endParaRPr>
-          </a:p>
-        </p:txBody>
-      </p:sp>
-      <p:sp>
-        <p:nvSpPr>
-          <p:cNvPr id="17" name="文本框 16"/>
-          <p:cNvSpPr txBox="1"/>
-          <p:nvPr/>
-        </p:nvSpPr>
-        <p:spPr>
-          <a:xfrm>
-            <a:off x="2035810" y="5563235"/>
-            <a:ext cx="913130" cy="368300"/>
-          </a:xfrm>
-          <a:prstGeom prst="rect">
-            <a:avLst/>
-          </a:prstGeom>
-          <a:noFill/>
-        </p:spPr>
-        <p:txBody>
-          <a:bodyPr wrap="square" rtlCol="0">
-            <a:spAutoFit/>
-          </a:bodyPr>
-          <a:p>
-            <a:r>
-              <a:rPr lang="en-US" altLang="zh-CN"/>
-              <a:t>S</a:t>
-            </a:r>
-            <a:r>
-              <a:rPr lang="en-US" altLang="zh-CN"/>
-              <a:t>plit K</a:t>
-            </a:r>
-            <a:endParaRPr lang="en-US" altLang="zh-CN"/>
-          </a:p>
-        </p:txBody>
-      </p:sp>
-      <p:sp>
-        <p:nvSpPr>
-          <p:cNvPr id="18" name="文本框 17"/>
-          <p:cNvSpPr txBox="1"/>
-          <p:nvPr/>
-        </p:nvSpPr>
-        <p:spPr>
-          <a:xfrm>
-            <a:off x="2056765" y="4934585"/>
-            <a:ext cx="781050" cy="368300"/>
-          </a:xfrm>
-          <a:prstGeom prst="rect">
-            <a:avLst/>
-          </a:prstGeom>
-          <a:noFill/>
-        </p:spPr>
-        <p:txBody>
-          <a:bodyPr wrap="square" rtlCol="0">
-            <a:spAutoFit/>
-          </a:bodyPr>
-          <a:p>
-            <a:r>
-              <a:rPr lang="en-US" altLang="zh-CN"/>
-              <a:t>...    ...</a:t>
-            </a:r>
-            <a:endParaRPr lang="en-US" altLang="zh-CN"/>
-          </a:p>
-        </p:txBody>
-      </p:sp>
-      <p:sp>
-        <p:nvSpPr>
-          <p:cNvPr id="20" name="文本框 19"/>
-          <p:cNvSpPr txBox="1"/>
-          <p:nvPr/>
-        </p:nvSpPr>
-        <p:spPr>
-          <a:xfrm>
-            <a:off x="1853565" y="6192520"/>
-            <a:ext cx="1186815" cy="368300"/>
-          </a:xfrm>
-          <a:prstGeom prst="rect">
-            <a:avLst/>
-          </a:prstGeom>
-          <a:noFill/>
-        </p:spPr>
-        <p:txBody>
-          <a:bodyPr wrap="square" rtlCol="0">
-            <a:spAutoFit/>
-          </a:bodyPr>
-          <a:p>
-            <a:r>
-              <a:rPr lang="en-US" altLang="zh-CN"/>
-              <a:t>Input </a:t>
-            </a:r>
-            <a:r>
-              <a:rPr lang="en-US" altLang="zh-CN"/>
-              <a:t>files</a:t>
-            </a:r>
-            <a:endParaRPr lang="en-US" altLang="zh-CN"/>
-          </a:p>
-        </p:txBody>
-      </p:sp>
-      <p:sp>
-        <p:nvSpPr>
-          <p:cNvPr id="22" name="流程图: 终止 21"/>
-          <p:cNvSpPr/>
-          <p:nvPr/>
-        </p:nvSpPr>
-        <p:spPr>
-          <a:xfrm>
-            <a:off x="3657600" y="3019425"/>
-            <a:ext cx="850900" cy="273685"/>
-          </a:xfrm>
-          <a:prstGeom prst="flowChartTerminator">
-            <a:avLst/>
-          </a:prstGeom>
-          <a:noFill/>
-          <a:ln w="19050">
-            <a:solidFill>
-              <a:schemeClr val="tx1"/>
-            </a:solidFill>
-          </a:ln>
-        </p:spPr>
-        <p:style>
-          <a:lnRef idx="2">
-            <a:schemeClr val="accent1">
-              <a:shade val="50000"/>
-            </a:schemeClr>
-          </a:lnRef>
-          <a:fillRef idx="1">
-            <a:schemeClr val="accent1"/>
-          </a:fillRef>
-          <a:effectRef idx="0">
-            <a:schemeClr val="accent1"/>
-          </a:effectRef>
-          <a:fontRef idx="minor">
-            <a:schemeClr val="lt1"/>
-          </a:fontRef>
-        </p:style>
-        <p:txBody>
-          <a:bodyPr rtlCol="0" anchor="ctr"/>
-          <a:p>
-            <a:pPr algn="ctr"/>
-            <a:endParaRPr lang="zh-CN" altLang="en-US" dirty="0">
-              <a:solidFill>
-                <a:schemeClr val="tx1"/>
-              </a:solidFill>
-            </a:endParaRPr>
-          </a:p>
-        </p:txBody>
-      </p:sp>
-      <p:sp>
-        <p:nvSpPr>
-          <p:cNvPr id="24" name="文本框 23"/>
-          <p:cNvSpPr txBox="1"/>
-          <p:nvPr/>
-        </p:nvSpPr>
-        <p:spPr>
-          <a:xfrm>
-            <a:off x="3601085" y="2647315"/>
-            <a:ext cx="969645" cy="368300"/>
-          </a:xfrm>
-          <a:prstGeom prst="rect">
-            <a:avLst/>
-          </a:prstGeom>
-          <a:noFill/>
-        </p:spPr>
-        <p:txBody>
-          <a:bodyPr wrap="square" rtlCol="0">
-            <a:spAutoFit/>
-          </a:bodyPr>
-          <a:p>
-            <a:pPr algn="l"/>
-            <a:r>
-              <a:rPr lang="en-US" altLang="zh-CN" b="1">
-                <a:solidFill>
-                  <a:srgbClr val="0070C0"/>
-                </a:solidFill>
-              </a:rPr>
-              <a:t>Stage 1</a:t>
-            </a:r>
-            <a:endParaRPr lang="en-US" altLang="zh-CN" b="1">
-              <a:solidFill>
-                <a:srgbClr val="0070C0"/>
-              </a:solidFill>
-            </a:endParaRPr>
-          </a:p>
-        </p:txBody>
-      </p:sp>
-      <p:sp>
-        <p:nvSpPr>
-          <p:cNvPr id="25" name="文本框 24"/>
-          <p:cNvSpPr txBox="1"/>
-          <p:nvPr/>
-        </p:nvSpPr>
-        <p:spPr>
-          <a:xfrm>
-            <a:off x="3832225" y="2972435"/>
-            <a:ext cx="501015" cy="368300"/>
-          </a:xfrm>
-          <a:prstGeom prst="rect">
-            <a:avLst/>
-          </a:prstGeom>
-          <a:noFill/>
-        </p:spPr>
-        <p:txBody>
-          <a:bodyPr wrap="square" rtlCol="0">
-            <a:spAutoFit/>
-          </a:bodyPr>
-          <a:p>
-            <a:r>
-              <a:rPr lang="en-US" altLang="zh-CN"/>
-              <a:t>tag</a:t>
-            </a:r>
-            <a:endParaRPr lang="en-US" altLang="zh-CN"/>
-          </a:p>
-        </p:txBody>
-      </p:sp>
-      <p:sp>
-        <p:nvSpPr>
-          <p:cNvPr id="35" name="流程图: 终止 34"/>
-          <p:cNvSpPr/>
-          <p:nvPr/>
-        </p:nvSpPr>
-        <p:spPr>
-          <a:xfrm>
-            <a:off x="3656965" y="3585845"/>
-            <a:ext cx="850900" cy="273685"/>
-          </a:xfrm>
-          <a:prstGeom prst="flowChartTerminator">
-            <a:avLst/>
-          </a:prstGeom>
-          <a:noFill/>
-          <a:ln w="19050">
-            <a:solidFill>
-              <a:schemeClr val="tx1"/>
-            </a:solidFill>
-          </a:ln>
-        </p:spPr>
-        <p:style>
-          <a:lnRef idx="2">
-            <a:schemeClr val="accent1">
-              <a:shade val="50000"/>
-            </a:schemeClr>
-          </a:lnRef>
-          <a:fillRef idx="1">
-            <a:schemeClr val="accent1"/>
-          </a:fillRef>
-          <a:effectRef idx="0">
-            <a:schemeClr val="accent1"/>
-          </a:effectRef>
-          <a:fontRef idx="minor">
-            <a:schemeClr val="lt1"/>
-          </a:fontRef>
-        </p:style>
-        <p:txBody>
-          <a:bodyPr rtlCol="0" anchor="ctr"/>
-          <a:p>
-            <a:pPr algn="ctr"/>
-            <a:endParaRPr lang="zh-CN" altLang="en-US" dirty="0">
-              <a:solidFill>
-                <a:schemeClr val="tx1"/>
-              </a:solidFill>
-            </a:endParaRPr>
-          </a:p>
-        </p:txBody>
-      </p:sp>
-      <p:sp>
-        <p:nvSpPr>
-          <p:cNvPr id="36" name="文本框 35"/>
-          <p:cNvSpPr txBox="1"/>
-          <p:nvPr/>
-        </p:nvSpPr>
-        <p:spPr>
-          <a:xfrm>
-            <a:off x="3831590" y="3538855"/>
-            <a:ext cx="501015" cy="368300"/>
-          </a:xfrm>
-          <a:prstGeom prst="rect">
-            <a:avLst/>
-          </a:prstGeom>
-          <a:noFill/>
-        </p:spPr>
-        <p:txBody>
-          <a:bodyPr wrap="square" rtlCol="0">
-            <a:spAutoFit/>
-          </a:bodyPr>
-          <a:p>
-            <a:r>
-              <a:rPr lang="en-US" altLang="zh-CN"/>
-              <a:t>tag</a:t>
-            </a:r>
-            <a:endParaRPr lang="en-US" altLang="zh-CN"/>
-          </a:p>
-        </p:txBody>
-      </p:sp>
-      <p:sp>
-        <p:nvSpPr>
-          <p:cNvPr id="37" name="流程图: 终止 36"/>
-          <p:cNvSpPr/>
-          <p:nvPr/>
-        </p:nvSpPr>
-        <p:spPr>
-          <a:xfrm>
-            <a:off x="3658235" y="4335780"/>
-            <a:ext cx="850900" cy="273685"/>
-          </a:xfrm>
-          <a:prstGeom prst="flowChartTerminator">
-            <a:avLst/>
-          </a:prstGeom>
-          <a:noFill/>
-          <a:ln w="19050">
-            <a:solidFill>
-              <a:schemeClr val="tx1"/>
-            </a:solidFill>
-          </a:ln>
-        </p:spPr>
-        <p:style>
-          <a:lnRef idx="2">
-            <a:schemeClr val="accent1">
-              <a:shade val="50000"/>
-            </a:schemeClr>
-          </a:lnRef>
-          <a:fillRef idx="1">
-            <a:schemeClr val="accent1"/>
-          </a:fillRef>
-          <a:effectRef idx="0">
-            <a:schemeClr val="accent1"/>
-          </a:effectRef>
-          <a:fontRef idx="minor">
-            <a:schemeClr val="lt1"/>
-          </a:fontRef>
-        </p:style>
-        <p:txBody>
-          <a:bodyPr rtlCol="0" anchor="ctr"/>
-          <a:p>
-            <a:pPr algn="ctr"/>
-            <a:endParaRPr lang="zh-CN" altLang="en-US" dirty="0">
-              <a:solidFill>
-                <a:schemeClr val="tx1"/>
-              </a:solidFill>
-            </a:endParaRPr>
-          </a:p>
-        </p:txBody>
-      </p:sp>
-      <p:sp>
-        <p:nvSpPr>
-          <p:cNvPr id="38" name="文本框 37"/>
-          <p:cNvSpPr txBox="1"/>
-          <p:nvPr/>
-        </p:nvSpPr>
-        <p:spPr>
-          <a:xfrm>
-            <a:off x="3832860" y="4288790"/>
-            <a:ext cx="501015" cy="368300"/>
-          </a:xfrm>
-          <a:prstGeom prst="rect">
-            <a:avLst/>
-          </a:prstGeom>
-          <a:noFill/>
-        </p:spPr>
-        <p:txBody>
-          <a:bodyPr wrap="square" rtlCol="0">
-            <a:spAutoFit/>
-          </a:bodyPr>
-          <a:p>
-            <a:r>
-              <a:rPr lang="en-US" altLang="zh-CN"/>
-              <a:t>tag</a:t>
-            </a:r>
-            <a:endParaRPr lang="en-US" altLang="zh-CN"/>
-          </a:p>
-        </p:txBody>
-      </p:sp>
-      <p:sp>
-        <p:nvSpPr>
-          <p:cNvPr id="39" name="流程图: 终止 38"/>
-          <p:cNvSpPr/>
-          <p:nvPr/>
-        </p:nvSpPr>
-        <p:spPr>
-          <a:xfrm>
-            <a:off x="3660140" y="5616575"/>
-            <a:ext cx="850900" cy="273685"/>
-          </a:xfrm>
-          <a:prstGeom prst="flowChartTerminator">
-            <a:avLst/>
-          </a:prstGeom>
-          <a:noFill/>
-          <a:ln w="19050">
-            <a:solidFill>
-              <a:schemeClr val="tx1"/>
-            </a:solidFill>
-          </a:ln>
-        </p:spPr>
-        <p:style>
-          <a:lnRef idx="2">
-            <a:schemeClr val="accent1">
-              <a:shade val="50000"/>
-            </a:schemeClr>
-          </a:lnRef>
-          <a:fillRef idx="1">
-            <a:schemeClr val="accent1"/>
-          </a:fillRef>
-          <a:effectRef idx="0">
-            <a:schemeClr val="accent1"/>
-          </a:effectRef>
-          <a:fontRef idx="minor">
-            <a:schemeClr val="lt1"/>
-          </a:fontRef>
-        </p:style>
-        <p:txBody>
-          <a:bodyPr rtlCol="0" anchor="ctr"/>
-          <a:p>
-            <a:pPr algn="ctr"/>
-            <a:endParaRPr lang="zh-CN" altLang="en-US" dirty="0">
-              <a:solidFill>
-                <a:schemeClr val="tx1"/>
-              </a:solidFill>
-            </a:endParaRPr>
-          </a:p>
-        </p:txBody>
-      </p:sp>
-      <p:sp>
-        <p:nvSpPr>
-          <p:cNvPr id="40" name="文本框 39"/>
-          <p:cNvSpPr txBox="1"/>
-          <p:nvPr/>
-        </p:nvSpPr>
-        <p:spPr>
-          <a:xfrm>
-            <a:off x="3834765" y="5569585"/>
-            <a:ext cx="501015" cy="368300"/>
-          </a:xfrm>
-          <a:prstGeom prst="rect">
-            <a:avLst/>
-          </a:prstGeom>
-          <a:noFill/>
-        </p:spPr>
-        <p:txBody>
-          <a:bodyPr wrap="square" rtlCol="0">
-            <a:spAutoFit/>
-          </a:bodyPr>
-          <a:p>
-            <a:r>
-              <a:rPr lang="en-US" altLang="zh-CN"/>
-              <a:t>tag</a:t>
-            </a:r>
-            <a:endParaRPr lang="en-US" altLang="zh-CN"/>
-          </a:p>
-        </p:txBody>
-      </p:sp>
-      <p:cxnSp>
-        <p:nvCxnSpPr>
-          <p:cNvPr id="41" name="直接箭头连接符 40"/>
-          <p:cNvCxnSpPr>
-            <a:stCxn id="7" idx="3"/>
-            <a:endCxn id="22" idx="1"/>
-          </p:cNvCxnSpPr>
-          <p:nvPr/>
-        </p:nvCxnSpPr>
-        <p:spPr>
-          <a:xfrm>
-            <a:off x="2837180" y="3143885"/>
-            <a:ext cx="820420" cy="12700"/>
-          </a:xfrm>
-          <a:prstGeom prst="straightConnector1">
-            <a:avLst/>
-          </a:prstGeom>
-          <a:ln w="19050">
-            <a:solidFill>
-              <a:schemeClr val="tx1"/>
-            </a:solidFill>
-            <a:headEnd type="none" w="med" len="med"/>
-            <a:tailEnd type="triangle" w="lg" len="lg"/>
-          </a:ln>
-        </p:spPr>
-        <p:style>
-          <a:lnRef idx="1">
-            <a:schemeClr val="accent1"/>
-          </a:lnRef>
-          <a:fillRef idx="0">
-            <a:schemeClr val="accent1"/>
-          </a:fillRef>
-          <a:effectRef idx="0">
-            <a:schemeClr val="accent1"/>
-          </a:effectRef>
-          <a:fontRef idx="minor">
-            <a:schemeClr val="tx1"/>
-          </a:fontRef>
-        </p:style>
-      </p:cxnSp>
-      <p:cxnSp>
-        <p:nvCxnSpPr>
-          <p:cNvPr id="42" name="曲线连接符 41"/>
-          <p:cNvCxnSpPr>
-            <a:stCxn id="9" idx="3"/>
-            <a:endCxn id="25" idx="2"/>
-          </p:cNvCxnSpPr>
-          <p:nvPr/>
-        </p:nvCxnSpPr>
-        <p:spPr>
-          <a:xfrm flipV="1">
-            <a:off x="2837815" y="3340735"/>
-            <a:ext cx="1245235" cy="97155"/>
-          </a:xfrm>
-          <a:prstGeom prst="curvedConnector2">
-            <a:avLst/>
-          </a:prstGeom>
-          <a:ln w="19050">
-            <a:solidFill>
-              <a:schemeClr val="tx1"/>
-            </a:solidFill>
-            <a:headEnd type="none" w="med" len="med"/>
-            <a:tailEnd type="triangle" w="lg" len="lg"/>
-          </a:ln>
-        </p:spPr>
-        <p:style>
-          <a:lnRef idx="1">
-            <a:schemeClr val="accent1"/>
-          </a:lnRef>
-          <a:fillRef idx="0">
-            <a:schemeClr val="accent1"/>
-          </a:fillRef>
-          <a:effectRef idx="0">
-            <a:schemeClr val="accent1"/>
-          </a:effectRef>
-          <a:fontRef idx="minor">
-            <a:schemeClr val="tx1"/>
-          </a:fontRef>
-        </p:style>
-      </p:cxnSp>
-      <p:cxnSp>
-        <p:nvCxnSpPr>
-          <p:cNvPr id="43" name="直接箭头连接符 42"/>
-          <p:cNvCxnSpPr>
-            <a:stCxn id="11" idx="3"/>
-            <a:endCxn id="35" idx="1"/>
-          </p:cNvCxnSpPr>
-          <p:nvPr/>
-        </p:nvCxnSpPr>
-        <p:spPr>
-          <a:xfrm flipV="1">
-            <a:off x="2837815" y="3723005"/>
-            <a:ext cx="819150" cy="8890"/>
-          </a:xfrm>
-          <a:prstGeom prst="straightConnector1">
-            <a:avLst/>
-          </a:prstGeom>
-          <a:ln w="19050">
-            <a:solidFill>
-              <a:schemeClr val="tx1"/>
-            </a:solidFill>
-            <a:headEnd type="none" w="med" len="med"/>
-            <a:tailEnd type="triangle" w="lg" len="lg"/>
-          </a:ln>
-        </p:spPr>
-        <p:style>
-          <a:lnRef idx="1">
-            <a:schemeClr val="accent1"/>
-          </a:lnRef>
-          <a:fillRef idx="0">
-            <a:schemeClr val="accent1"/>
-          </a:fillRef>
-          <a:effectRef idx="0">
-            <a:schemeClr val="accent1"/>
-          </a:effectRef>
-          <a:fontRef idx="minor">
-            <a:schemeClr val="tx1"/>
-          </a:fontRef>
-        </p:style>
-      </p:cxnSp>
-      <p:cxnSp>
-        <p:nvCxnSpPr>
-          <p:cNvPr id="44" name="直接箭头连接符 43"/>
-          <p:cNvCxnSpPr>
-            <a:stCxn id="13" idx="3"/>
-            <a:endCxn id="37" idx="1"/>
-          </p:cNvCxnSpPr>
-          <p:nvPr/>
-        </p:nvCxnSpPr>
-        <p:spPr>
-          <a:xfrm>
-            <a:off x="2837815" y="4025900"/>
-            <a:ext cx="820420" cy="447040"/>
-          </a:xfrm>
-          <a:prstGeom prst="straightConnector1">
-            <a:avLst/>
-          </a:prstGeom>
-          <a:ln w="19050">
-            <a:solidFill>
-              <a:schemeClr val="tx1"/>
-            </a:solidFill>
-            <a:headEnd type="none" w="med" len="med"/>
-            <a:tailEnd type="triangle" w="lg" len="lg"/>
-          </a:ln>
-        </p:spPr>
-        <p:style>
-          <a:lnRef idx="1">
-            <a:schemeClr val="accent1"/>
-          </a:lnRef>
-          <a:fillRef idx="0">
-            <a:schemeClr val="accent1"/>
-          </a:fillRef>
-          <a:effectRef idx="0">
-            <a:schemeClr val="accent1"/>
-          </a:effectRef>
-          <a:fontRef idx="minor">
-            <a:schemeClr val="tx1"/>
-          </a:fontRef>
-        </p:style>
-      </p:cxnSp>
-      <p:cxnSp>
-        <p:nvCxnSpPr>
-          <p:cNvPr id="46" name="曲线连接符 45"/>
-          <p:cNvCxnSpPr>
-            <a:stCxn id="15" idx="3"/>
-            <a:endCxn id="36" idx="2"/>
-          </p:cNvCxnSpPr>
-          <p:nvPr/>
-        </p:nvCxnSpPr>
-        <p:spPr>
-          <a:xfrm flipV="1">
-            <a:off x="2837815" y="3907155"/>
-            <a:ext cx="1244600" cy="412750"/>
-          </a:xfrm>
-          <a:prstGeom prst="curvedConnector2">
-            <a:avLst/>
-          </a:prstGeom>
-          <a:ln w="19050">
-            <a:solidFill>
-              <a:schemeClr val="tx1"/>
-            </a:solidFill>
-            <a:headEnd type="none" w="med" len="med"/>
-            <a:tailEnd type="triangle" w="lg" len="lg"/>
-          </a:ln>
-        </p:spPr>
-        <p:style>
-          <a:lnRef idx="1">
-            <a:schemeClr val="accent1"/>
-          </a:lnRef>
-          <a:fillRef idx="0">
-            <a:schemeClr val="accent1"/>
-          </a:fillRef>
-          <a:effectRef idx="0">
-            <a:schemeClr val="accent1"/>
-          </a:effectRef>
-          <a:fontRef idx="minor">
-            <a:schemeClr val="tx1"/>
-          </a:fontRef>
-        </p:style>
-      </p:cxnSp>
-      <p:cxnSp>
-        <p:nvCxnSpPr>
-          <p:cNvPr id="47" name="直接箭头连接符 46"/>
-          <p:cNvCxnSpPr/>
-          <p:nvPr/>
-        </p:nvCxnSpPr>
-        <p:spPr>
-          <a:xfrm flipV="1">
-            <a:off x="2840990" y="5767070"/>
-            <a:ext cx="819150" cy="8890"/>
-          </a:xfrm>
-          <a:prstGeom prst="straightConnector1">
-            <a:avLst/>
-          </a:prstGeom>
-          <a:ln w="19050">
-            <a:solidFill>
-              <a:schemeClr val="tx1"/>
-            </a:solidFill>
-            <a:headEnd type="none" w="med" len="med"/>
-            <a:tailEnd type="triangle" w="lg" len="lg"/>
-          </a:ln>
-        </p:spPr>
-        <p:style>
-          <a:lnRef idx="1">
-            <a:schemeClr val="accent1"/>
-          </a:lnRef>
-          <a:fillRef idx="0">
-            <a:schemeClr val="accent1"/>
-          </a:fillRef>
-          <a:effectRef idx="0">
-            <a:schemeClr val="accent1"/>
-          </a:effectRef>
-          <a:fontRef idx="minor">
-            <a:schemeClr val="tx1"/>
-          </a:fontRef>
-        </p:style>
-      </p:cxnSp>
-      <p:sp>
-        <p:nvSpPr>
-          <p:cNvPr id="48" name="文本框 47"/>
-          <p:cNvSpPr txBox="1"/>
-          <p:nvPr/>
-        </p:nvSpPr>
-        <p:spPr>
-          <a:xfrm>
-            <a:off x="3406140" y="6192520"/>
-            <a:ext cx="1358900" cy="368300"/>
-          </a:xfrm>
-          <a:prstGeom prst="rect">
-            <a:avLst/>
-          </a:prstGeom>
-          <a:noFill/>
-        </p:spPr>
-        <p:txBody>
-          <a:bodyPr wrap="square" rtlCol="0">
-            <a:spAutoFit/>
-          </a:bodyPr>
-          <a:p>
-            <a:r>
-              <a:rPr lang="en-US" altLang="zh-CN"/>
-              <a:t>Map </a:t>
-            </a:r>
-            <a:r>
-              <a:rPr lang="en-US" altLang="zh-CN"/>
-              <a:t>phrase</a:t>
-            </a:r>
-            <a:endParaRPr lang="en-US" altLang="zh-CN"/>
-          </a:p>
-        </p:txBody>
-      </p:sp>
-      <p:sp>
-        <p:nvSpPr>
-          <p:cNvPr id="49" name="文本框 48"/>
-          <p:cNvSpPr txBox="1"/>
-          <p:nvPr/>
-        </p:nvSpPr>
-        <p:spPr>
-          <a:xfrm>
-            <a:off x="3695065" y="4928870"/>
-            <a:ext cx="781050" cy="368300"/>
-          </a:xfrm>
-          <a:prstGeom prst="rect">
-            <a:avLst/>
-          </a:prstGeom>
-          <a:noFill/>
-        </p:spPr>
-        <p:txBody>
-          <a:bodyPr wrap="square" rtlCol="0">
-            <a:spAutoFit/>
-          </a:bodyPr>
-          <a:p>
-            <a:r>
-              <a:rPr lang="en-US" altLang="zh-CN"/>
-              <a:t>...    ...</a:t>
-            </a:r>
-            <a:endParaRPr lang="en-US" altLang="zh-CN"/>
-          </a:p>
-        </p:txBody>
-      </p:sp>
-      <p:sp>
-        <p:nvSpPr>
-          <p:cNvPr id="50" name="矩形 49"/>
-          <p:cNvSpPr/>
-          <p:nvPr/>
-        </p:nvSpPr>
-        <p:spPr>
-          <a:xfrm>
-            <a:off x="5561330" y="2327275"/>
-            <a:ext cx="1378585" cy="3864610"/>
-          </a:xfrm>
-          <a:prstGeom prst="rect">
-            <a:avLst/>
-          </a:prstGeom>
-          <a:solidFill>
-            <a:schemeClr val="bg2"/>
-          </a:solidFill>
-          <a:ln w="31750" cmpd="sng">
-            <a:solidFill>
-              <a:schemeClr val="bg2">
-                <a:lumMod val="75000"/>
-              </a:schemeClr>
-            </a:solidFill>
-            <a:prstDash val="sysDash"/>
-          </a:ln>
-        </p:spPr>
-        <p:style>
-          <a:lnRef idx="2">
-            <a:schemeClr val="accent1">
-              <a:shade val="50000"/>
-            </a:schemeClr>
-          </a:lnRef>
-          <a:fillRef idx="1">
-            <a:schemeClr val="accent1"/>
-          </a:fillRef>
-          <a:effectRef idx="0">
-            <a:schemeClr val="accent1"/>
-          </a:effectRef>
-          <a:fontRef idx="minor">
-            <a:schemeClr val="lt1"/>
-          </a:fontRef>
-        </p:style>
-        <p:txBody>
-          <a:bodyPr rtlCol="0" anchor="ctr"/>
-          <a:p>
-            <a:pPr algn="ctr"/>
-            <a:endParaRPr lang="zh-CN" altLang="en-US" dirty="0">
-              <a:solidFill>
-                <a:schemeClr val="tx1"/>
-              </a:solidFill>
-            </a:endParaRPr>
-          </a:p>
-        </p:txBody>
-      </p:sp>
-      <p:sp>
-        <p:nvSpPr>
-          <p:cNvPr id="61" name="矩形 60"/>
-          <p:cNvSpPr/>
-          <p:nvPr/>
-        </p:nvSpPr>
-        <p:spPr>
-          <a:xfrm>
-            <a:off x="5831205" y="2468245"/>
-            <a:ext cx="910590" cy="182880"/>
-          </a:xfrm>
-          <a:prstGeom prst="rect">
-            <a:avLst/>
-          </a:prstGeom>
-          <a:noFill/>
-          <a:ln w="19050">
-            <a:solidFill>
-              <a:schemeClr val="tx1"/>
-            </a:solidFill>
-          </a:ln>
-        </p:spPr>
-        <p:style>
-          <a:lnRef idx="2">
-            <a:schemeClr val="accent1">
-              <a:shade val="50000"/>
-            </a:schemeClr>
-          </a:lnRef>
-          <a:fillRef idx="1">
-            <a:schemeClr val="accent1"/>
-          </a:fillRef>
-          <a:effectRef idx="0">
-            <a:schemeClr val="accent1"/>
-          </a:effectRef>
-          <a:fontRef idx="minor">
-            <a:schemeClr val="lt1"/>
-          </a:fontRef>
-        </p:style>
-        <p:txBody>
-          <a:bodyPr rtlCol="0" anchor="ctr"/>
-          <a:p>
-            <a:pPr algn="ctr"/>
-            <a:endParaRPr lang="zh-CN" altLang="en-US" dirty="0">
-              <a:solidFill>
-                <a:schemeClr val="tx1"/>
-              </a:solidFill>
-            </a:endParaRPr>
-          </a:p>
-        </p:txBody>
-      </p:sp>
-      <p:sp>
-        <p:nvSpPr>
-          <p:cNvPr id="62" name="文本框 61"/>
-          <p:cNvSpPr txBox="1"/>
-          <p:nvPr/>
-        </p:nvSpPr>
-        <p:spPr>
-          <a:xfrm>
-            <a:off x="5805805" y="2421890"/>
-            <a:ext cx="1002030" cy="275590"/>
-          </a:xfrm>
-          <a:prstGeom prst="rect">
-            <a:avLst/>
-          </a:prstGeom>
-          <a:noFill/>
-        </p:spPr>
-        <p:txBody>
-          <a:bodyPr wrap="square" rtlCol="0">
-            <a:spAutoFit/>
-          </a:bodyPr>
-          <a:p>
-            <a:r>
-              <a:rPr lang="en-US" altLang="zh-CN" sz="1200"/>
-              <a:t>  Partition0</a:t>
-            </a:r>
-            <a:endParaRPr lang="en-US" altLang="zh-CN" sz="1200"/>
-          </a:p>
-        </p:txBody>
-      </p:sp>
-      <p:sp>
-        <p:nvSpPr>
-          <p:cNvPr id="85" name="矩形 84"/>
-          <p:cNvSpPr/>
-          <p:nvPr/>
-        </p:nvSpPr>
-        <p:spPr>
-          <a:xfrm>
-            <a:off x="5831205" y="2650490"/>
-            <a:ext cx="910590" cy="182880"/>
-          </a:xfrm>
-          <a:prstGeom prst="rect">
-            <a:avLst/>
-          </a:prstGeom>
-          <a:noFill/>
-          <a:ln w="19050">
-            <a:solidFill>
-              <a:schemeClr val="tx1"/>
-            </a:solidFill>
-          </a:ln>
-        </p:spPr>
-        <p:style>
-          <a:lnRef idx="2">
-            <a:schemeClr val="accent1">
-              <a:shade val="50000"/>
-            </a:schemeClr>
-          </a:lnRef>
-          <a:fillRef idx="1">
-            <a:schemeClr val="accent1"/>
-          </a:fillRef>
-          <a:effectRef idx="0">
-            <a:schemeClr val="accent1"/>
-          </a:effectRef>
-          <a:fontRef idx="minor">
-            <a:schemeClr val="lt1"/>
-          </a:fontRef>
-        </p:style>
-        <p:txBody>
-          <a:bodyPr rtlCol="0" anchor="ctr"/>
-          <a:p>
-            <a:pPr algn="ctr"/>
-            <a:endParaRPr lang="zh-CN" altLang="en-US" dirty="0">
-              <a:solidFill>
-                <a:schemeClr val="tx1"/>
-              </a:solidFill>
-            </a:endParaRPr>
-          </a:p>
-        </p:txBody>
-      </p:sp>
-      <p:sp>
-        <p:nvSpPr>
-          <p:cNvPr id="86" name="文本框 85"/>
-          <p:cNvSpPr txBox="1"/>
-          <p:nvPr/>
-        </p:nvSpPr>
-        <p:spPr>
-          <a:xfrm>
-            <a:off x="5805805" y="2604135"/>
-            <a:ext cx="1002030" cy="275590"/>
-          </a:xfrm>
-          <a:prstGeom prst="rect">
-            <a:avLst/>
-          </a:prstGeom>
-          <a:noFill/>
-        </p:spPr>
-        <p:txBody>
-          <a:bodyPr wrap="square" rtlCol="0">
-            <a:spAutoFit/>
-          </a:bodyPr>
-          <a:p>
-            <a:r>
-              <a:rPr lang="en-US" altLang="zh-CN" sz="1200"/>
-              <a:t>  Partition1</a:t>
-            </a:r>
-            <a:endParaRPr lang="en-US" altLang="zh-CN" sz="1200"/>
-          </a:p>
-        </p:txBody>
-      </p:sp>
-      <p:sp>
-        <p:nvSpPr>
-          <p:cNvPr id="87" name="矩形 86"/>
-          <p:cNvSpPr/>
-          <p:nvPr/>
-        </p:nvSpPr>
-        <p:spPr>
-          <a:xfrm>
-            <a:off x="5831205" y="2833370"/>
-            <a:ext cx="910590" cy="182880"/>
-          </a:xfrm>
-          <a:prstGeom prst="rect">
-            <a:avLst/>
-          </a:prstGeom>
-          <a:noFill/>
-          <a:ln w="19050">
-            <a:solidFill>
-              <a:schemeClr val="tx1"/>
-            </a:solidFill>
-          </a:ln>
-        </p:spPr>
-        <p:style>
-          <a:lnRef idx="2">
-            <a:schemeClr val="accent1">
-              <a:shade val="50000"/>
-            </a:schemeClr>
-          </a:lnRef>
-          <a:fillRef idx="1">
-            <a:schemeClr val="accent1"/>
-          </a:fillRef>
-          <a:effectRef idx="0">
-            <a:schemeClr val="accent1"/>
-          </a:effectRef>
-          <a:fontRef idx="minor">
-            <a:schemeClr val="lt1"/>
-          </a:fontRef>
-        </p:style>
-        <p:txBody>
-          <a:bodyPr rtlCol="0" anchor="ctr"/>
-          <a:p>
-            <a:pPr algn="ctr"/>
-            <a:endParaRPr lang="zh-CN" altLang="en-US" dirty="0">
-              <a:solidFill>
-                <a:schemeClr val="tx1"/>
-              </a:solidFill>
-            </a:endParaRPr>
-          </a:p>
-        </p:txBody>
-      </p:sp>
-      <p:sp>
-        <p:nvSpPr>
-          <p:cNvPr id="88" name="文本框 87"/>
-          <p:cNvSpPr txBox="1"/>
-          <p:nvPr/>
-        </p:nvSpPr>
-        <p:spPr>
-          <a:xfrm>
-            <a:off x="5932170" y="2748280"/>
-            <a:ext cx="748665" cy="306705"/>
-          </a:xfrm>
-          <a:prstGeom prst="rect">
-            <a:avLst/>
-          </a:prstGeom>
-          <a:noFill/>
-        </p:spPr>
-        <p:txBody>
-          <a:bodyPr wrap="square" rtlCol="0">
-            <a:spAutoFit/>
-          </a:bodyPr>
-          <a:p>
-            <a:r>
-              <a:rPr lang="en-US" altLang="zh-CN" sz="1400" b="1"/>
-              <a:t>...     ...</a:t>
-            </a:r>
-            <a:endParaRPr lang="en-US" altLang="zh-CN" sz="1400" b="1"/>
-          </a:p>
-        </p:txBody>
-      </p:sp>
-      <p:sp>
-        <p:nvSpPr>
-          <p:cNvPr id="89" name="矩形 88"/>
-          <p:cNvSpPr/>
-          <p:nvPr/>
-        </p:nvSpPr>
-        <p:spPr>
-          <a:xfrm>
-            <a:off x="5831205" y="3015615"/>
-            <a:ext cx="910590" cy="182880"/>
-          </a:xfrm>
-          <a:prstGeom prst="rect">
-            <a:avLst/>
-          </a:prstGeom>
-          <a:noFill/>
-          <a:ln w="19050">
-            <a:solidFill>
-              <a:schemeClr val="tx1"/>
-            </a:solidFill>
-          </a:ln>
-        </p:spPr>
-        <p:style>
-          <a:lnRef idx="2">
-            <a:schemeClr val="accent1">
-              <a:shade val="50000"/>
-            </a:schemeClr>
-          </a:lnRef>
-          <a:fillRef idx="1">
-            <a:schemeClr val="accent1"/>
-          </a:fillRef>
-          <a:effectRef idx="0">
-            <a:schemeClr val="accent1"/>
-          </a:effectRef>
-          <a:fontRef idx="minor">
-            <a:schemeClr val="lt1"/>
-          </a:fontRef>
-        </p:style>
-        <p:txBody>
-          <a:bodyPr rtlCol="0" anchor="ctr"/>
-          <a:p>
-            <a:pPr algn="ctr"/>
-            <a:endParaRPr lang="zh-CN" altLang="en-US" dirty="0">
-              <a:solidFill>
-                <a:schemeClr val="tx1"/>
-              </a:solidFill>
-            </a:endParaRPr>
-          </a:p>
-        </p:txBody>
-      </p:sp>
-      <p:sp>
-        <p:nvSpPr>
-          <p:cNvPr id="90" name="文本框 89"/>
-          <p:cNvSpPr txBox="1"/>
-          <p:nvPr/>
-        </p:nvSpPr>
-        <p:spPr>
-          <a:xfrm>
-            <a:off x="5784850" y="2968625"/>
-            <a:ext cx="1002030" cy="275590"/>
-          </a:xfrm>
-          <a:prstGeom prst="rect">
-            <a:avLst/>
-          </a:prstGeom>
-          <a:noFill/>
-        </p:spPr>
-        <p:txBody>
-          <a:bodyPr wrap="square" rtlCol="0">
-            <a:spAutoFit/>
-          </a:bodyPr>
-          <a:p>
-            <a:r>
-              <a:rPr lang="en-US" altLang="zh-CN" sz="1200"/>
-              <a:t>PartitionR-1</a:t>
-            </a:r>
-            <a:endParaRPr lang="en-US" altLang="zh-CN" sz="1200"/>
-          </a:p>
-        </p:txBody>
-      </p:sp>
-      <p:sp>
-        <p:nvSpPr>
-          <p:cNvPr id="91" name="矩形 90"/>
-          <p:cNvSpPr/>
-          <p:nvPr/>
-        </p:nvSpPr>
-        <p:spPr>
-          <a:xfrm>
-            <a:off x="5830570" y="3298190"/>
-            <a:ext cx="910590" cy="182880"/>
-          </a:xfrm>
-          <a:prstGeom prst="rect">
-            <a:avLst/>
-          </a:prstGeom>
-          <a:noFill/>
-          <a:ln w="19050">
-            <a:solidFill>
-              <a:schemeClr val="tx1"/>
-            </a:solidFill>
-          </a:ln>
-        </p:spPr>
-        <p:style>
-          <a:lnRef idx="2">
-            <a:schemeClr val="accent1">
-              <a:shade val="50000"/>
-            </a:schemeClr>
-          </a:lnRef>
-          <a:fillRef idx="1">
-            <a:schemeClr val="accent1"/>
-          </a:fillRef>
-          <a:effectRef idx="0">
-            <a:schemeClr val="accent1"/>
-          </a:effectRef>
-          <a:fontRef idx="minor">
-            <a:schemeClr val="lt1"/>
-          </a:fontRef>
-        </p:style>
-        <p:txBody>
-          <a:bodyPr rtlCol="0" anchor="ctr"/>
-          <a:p>
-            <a:pPr algn="ctr"/>
-            <a:endParaRPr lang="zh-CN" altLang="en-US" dirty="0">
-              <a:solidFill>
-                <a:schemeClr val="tx1"/>
-              </a:solidFill>
-            </a:endParaRPr>
-          </a:p>
-        </p:txBody>
-      </p:sp>
-      <p:sp>
-        <p:nvSpPr>
-          <p:cNvPr id="92" name="文本框 91"/>
-          <p:cNvSpPr txBox="1"/>
-          <p:nvPr/>
-        </p:nvSpPr>
-        <p:spPr>
-          <a:xfrm>
-            <a:off x="5804535" y="3244850"/>
-            <a:ext cx="1002030" cy="275590"/>
-          </a:xfrm>
-          <a:prstGeom prst="rect">
-            <a:avLst/>
-          </a:prstGeom>
-          <a:noFill/>
-        </p:spPr>
-        <p:txBody>
-          <a:bodyPr wrap="square" rtlCol="0">
-            <a:spAutoFit/>
-          </a:bodyPr>
-          <a:p>
-            <a:r>
-              <a:rPr lang="en-US" altLang="zh-CN" sz="1200"/>
-              <a:t>  Partition0</a:t>
-            </a:r>
-            <a:endParaRPr lang="en-US" altLang="zh-CN" sz="1200"/>
-          </a:p>
-        </p:txBody>
-      </p:sp>
-      <p:sp>
-        <p:nvSpPr>
-          <p:cNvPr id="93" name="矩形 92"/>
-          <p:cNvSpPr/>
-          <p:nvPr/>
-        </p:nvSpPr>
-        <p:spPr>
-          <a:xfrm>
-            <a:off x="5830570" y="3480435"/>
-            <a:ext cx="910590" cy="182880"/>
-          </a:xfrm>
-          <a:prstGeom prst="rect">
-            <a:avLst/>
-          </a:prstGeom>
-          <a:noFill/>
-          <a:ln w="19050">
-            <a:solidFill>
-              <a:schemeClr val="tx1"/>
-            </a:solidFill>
-          </a:ln>
-        </p:spPr>
-        <p:style>
-          <a:lnRef idx="2">
-            <a:schemeClr val="accent1">
-              <a:shade val="50000"/>
-            </a:schemeClr>
-          </a:lnRef>
-          <a:fillRef idx="1">
-            <a:schemeClr val="accent1"/>
-          </a:fillRef>
-          <a:effectRef idx="0">
-            <a:schemeClr val="accent1"/>
-          </a:effectRef>
-          <a:fontRef idx="minor">
-            <a:schemeClr val="lt1"/>
-          </a:fontRef>
-        </p:style>
-        <p:txBody>
-          <a:bodyPr rtlCol="0" anchor="ctr"/>
-          <a:p>
-            <a:pPr algn="ctr"/>
-            <a:endParaRPr lang="zh-CN" altLang="en-US" dirty="0">
-              <a:solidFill>
-                <a:schemeClr val="tx1"/>
-              </a:solidFill>
-            </a:endParaRPr>
-          </a:p>
-        </p:txBody>
-      </p:sp>
-      <p:sp>
-        <p:nvSpPr>
-          <p:cNvPr id="94" name="文本框 93"/>
-          <p:cNvSpPr txBox="1"/>
-          <p:nvPr/>
-        </p:nvSpPr>
-        <p:spPr>
-          <a:xfrm>
-            <a:off x="5804535" y="3447415"/>
-            <a:ext cx="1002030" cy="275590"/>
-          </a:xfrm>
-          <a:prstGeom prst="rect">
-            <a:avLst/>
-          </a:prstGeom>
-          <a:noFill/>
-        </p:spPr>
-        <p:txBody>
-          <a:bodyPr wrap="square" rtlCol="0">
-            <a:spAutoFit/>
-          </a:bodyPr>
-          <a:p>
-            <a:r>
-              <a:rPr lang="en-US" altLang="zh-CN" sz="1200"/>
-              <a:t>  Partition1</a:t>
-            </a:r>
-            <a:endParaRPr lang="en-US" altLang="zh-CN" sz="1200"/>
-          </a:p>
-        </p:txBody>
-      </p:sp>
-      <p:sp>
-        <p:nvSpPr>
-          <p:cNvPr id="95" name="矩形 94"/>
-          <p:cNvSpPr/>
-          <p:nvPr/>
-        </p:nvSpPr>
-        <p:spPr>
-          <a:xfrm>
-            <a:off x="5830570" y="3663315"/>
-            <a:ext cx="910590" cy="182880"/>
-          </a:xfrm>
-          <a:prstGeom prst="rect">
-            <a:avLst/>
-          </a:prstGeom>
-          <a:noFill/>
-          <a:ln w="19050">
-            <a:solidFill>
-              <a:schemeClr val="tx1"/>
-            </a:solidFill>
-          </a:ln>
-        </p:spPr>
-        <p:style>
-          <a:lnRef idx="2">
-            <a:schemeClr val="accent1">
-              <a:shade val="50000"/>
-            </a:schemeClr>
-          </a:lnRef>
-          <a:fillRef idx="1">
-            <a:schemeClr val="accent1"/>
-          </a:fillRef>
-          <a:effectRef idx="0">
-            <a:schemeClr val="accent1"/>
-          </a:effectRef>
-          <a:fontRef idx="minor">
-            <a:schemeClr val="lt1"/>
-          </a:fontRef>
-        </p:style>
-        <p:txBody>
-          <a:bodyPr rtlCol="0" anchor="ctr"/>
-          <a:p>
-            <a:pPr algn="ctr"/>
-            <a:endParaRPr lang="zh-CN" altLang="en-US" dirty="0">
-              <a:solidFill>
-                <a:schemeClr val="tx1"/>
-              </a:solidFill>
-            </a:endParaRPr>
-          </a:p>
-        </p:txBody>
-      </p:sp>
-      <p:sp>
-        <p:nvSpPr>
-          <p:cNvPr id="96" name="文本框 95"/>
-          <p:cNvSpPr txBox="1"/>
-          <p:nvPr/>
-        </p:nvSpPr>
-        <p:spPr>
-          <a:xfrm>
-            <a:off x="5931535" y="3578225"/>
-            <a:ext cx="748665" cy="306705"/>
-          </a:xfrm>
-          <a:prstGeom prst="rect">
-            <a:avLst/>
-          </a:prstGeom>
-          <a:noFill/>
-        </p:spPr>
-        <p:txBody>
-          <a:bodyPr wrap="square" rtlCol="0">
-            <a:spAutoFit/>
-          </a:bodyPr>
-          <a:p>
-            <a:r>
-              <a:rPr lang="en-US" altLang="zh-CN" sz="1400" b="1"/>
-              <a:t>...     ...</a:t>
-            </a:r>
-            <a:endParaRPr lang="en-US" altLang="zh-CN" sz="1400" b="1"/>
-          </a:p>
-        </p:txBody>
-      </p:sp>
-      <p:sp>
-        <p:nvSpPr>
-          <p:cNvPr id="97" name="矩形 96"/>
-          <p:cNvSpPr/>
-          <p:nvPr/>
-        </p:nvSpPr>
-        <p:spPr>
-          <a:xfrm>
-            <a:off x="5830570" y="3845560"/>
-            <a:ext cx="910590" cy="182880"/>
-          </a:xfrm>
-          <a:prstGeom prst="rect">
-            <a:avLst/>
-          </a:prstGeom>
-          <a:noFill/>
-          <a:ln w="19050">
-            <a:solidFill>
-              <a:schemeClr val="tx1"/>
-            </a:solidFill>
-          </a:ln>
-        </p:spPr>
-        <p:style>
-          <a:lnRef idx="2">
-            <a:schemeClr val="accent1">
-              <a:shade val="50000"/>
-            </a:schemeClr>
-          </a:lnRef>
-          <a:fillRef idx="1">
-            <a:schemeClr val="accent1"/>
-          </a:fillRef>
-          <a:effectRef idx="0">
-            <a:schemeClr val="accent1"/>
-          </a:effectRef>
-          <a:fontRef idx="minor">
-            <a:schemeClr val="lt1"/>
-          </a:fontRef>
-        </p:style>
-        <p:txBody>
-          <a:bodyPr rtlCol="0" anchor="ctr"/>
-          <a:p>
-            <a:pPr algn="ctr"/>
-            <a:endParaRPr lang="zh-CN" altLang="en-US" dirty="0">
-              <a:solidFill>
-                <a:schemeClr val="tx1"/>
-              </a:solidFill>
-            </a:endParaRPr>
-          </a:p>
-        </p:txBody>
-      </p:sp>
-      <p:sp>
-        <p:nvSpPr>
-          <p:cNvPr id="98" name="文本框 97"/>
-          <p:cNvSpPr txBox="1"/>
-          <p:nvPr/>
-        </p:nvSpPr>
-        <p:spPr>
-          <a:xfrm>
-            <a:off x="5784850" y="3800475"/>
-            <a:ext cx="1002030" cy="275590"/>
-          </a:xfrm>
-          <a:prstGeom prst="rect">
-            <a:avLst/>
-          </a:prstGeom>
-          <a:noFill/>
-        </p:spPr>
-        <p:txBody>
-          <a:bodyPr wrap="square" rtlCol="0">
-            <a:spAutoFit/>
-          </a:bodyPr>
-          <a:p>
-            <a:r>
-              <a:rPr lang="en-US" altLang="zh-CN" sz="1200"/>
-              <a:t>PartitionR-1</a:t>
-            </a:r>
-            <a:endParaRPr lang="en-US" altLang="zh-CN" sz="1200"/>
-          </a:p>
-        </p:txBody>
-      </p:sp>
-      <p:sp>
-        <p:nvSpPr>
-          <p:cNvPr id="99" name="矩形 98"/>
-          <p:cNvSpPr/>
-          <p:nvPr/>
-        </p:nvSpPr>
-        <p:spPr>
-          <a:xfrm>
-            <a:off x="5831205" y="4135755"/>
-            <a:ext cx="910590" cy="182880"/>
-          </a:xfrm>
-          <a:prstGeom prst="rect">
-            <a:avLst/>
-          </a:prstGeom>
-          <a:noFill/>
-          <a:ln w="19050">
-            <a:solidFill>
-              <a:schemeClr val="tx1"/>
-            </a:solidFill>
-          </a:ln>
-        </p:spPr>
-        <p:style>
-          <a:lnRef idx="2">
-            <a:schemeClr val="accent1">
-              <a:shade val="50000"/>
-            </a:schemeClr>
-          </a:lnRef>
-          <a:fillRef idx="1">
-            <a:schemeClr val="accent1"/>
-          </a:fillRef>
-          <a:effectRef idx="0">
-            <a:schemeClr val="accent1"/>
-          </a:effectRef>
-          <a:fontRef idx="minor">
-            <a:schemeClr val="lt1"/>
-          </a:fontRef>
-        </p:style>
-        <p:txBody>
-          <a:bodyPr rtlCol="0" anchor="ctr"/>
-          <a:p>
-            <a:pPr algn="ctr"/>
-            <a:endParaRPr lang="zh-CN" altLang="en-US" dirty="0">
-              <a:solidFill>
-                <a:schemeClr val="tx1"/>
-              </a:solidFill>
-            </a:endParaRPr>
-          </a:p>
-        </p:txBody>
-      </p:sp>
-      <p:sp>
-        <p:nvSpPr>
-          <p:cNvPr id="100" name="文本框 99"/>
-          <p:cNvSpPr txBox="1"/>
-          <p:nvPr/>
-        </p:nvSpPr>
-        <p:spPr>
-          <a:xfrm>
-            <a:off x="5785485" y="4076065"/>
-            <a:ext cx="1002030" cy="275590"/>
-          </a:xfrm>
-          <a:prstGeom prst="rect">
-            <a:avLst/>
-          </a:prstGeom>
-          <a:noFill/>
-        </p:spPr>
-        <p:txBody>
-          <a:bodyPr wrap="square" rtlCol="0">
-            <a:spAutoFit/>
-          </a:bodyPr>
-          <a:p>
-            <a:r>
-              <a:rPr lang="en-US" altLang="zh-CN" sz="1200"/>
-              <a:t>  Partition0</a:t>
-            </a:r>
-            <a:endParaRPr lang="en-US" altLang="zh-CN" sz="1200"/>
-          </a:p>
-        </p:txBody>
-      </p:sp>
-      <p:sp>
-        <p:nvSpPr>
-          <p:cNvPr id="101" name="矩形 100"/>
-          <p:cNvSpPr/>
-          <p:nvPr/>
-        </p:nvSpPr>
-        <p:spPr>
-          <a:xfrm>
-            <a:off x="5831205" y="4318000"/>
-            <a:ext cx="910590" cy="182880"/>
-          </a:xfrm>
-          <a:prstGeom prst="rect">
-            <a:avLst/>
-          </a:prstGeom>
-          <a:noFill/>
-          <a:ln w="19050">
-            <a:solidFill>
-              <a:schemeClr val="tx1"/>
-            </a:solidFill>
-          </a:ln>
-        </p:spPr>
-        <p:style>
-          <a:lnRef idx="2">
-            <a:schemeClr val="accent1">
-              <a:shade val="50000"/>
-            </a:schemeClr>
-          </a:lnRef>
-          <a:fillRef idx="1">
-            <a:schemeClr val="accent1"/>
-          </a:fillRef>
-          <a:effectRef idx="0">
-            <a:schemeClr val="accent1"/>
-          </a:effectRef>
-          <a:fontRef idx="minor">
-            <a:schemeClr val="lt1"/>
-          </a:fontRef>
-        </p:style>
-        <p:txBody>
-          <a:bodyPr rtlCol="0" anchor="ctr"/>
-          <a:p>
-            <a:pPr algn="ctr"/>
-            <a:endParaRPr lang="zh-CN" altLang="en-US" dirty="0">
-              <a:solidFill>
-                <a:schemeClr val="tx1"/>
-              </a:solidFill>
-            </a:endParaRPr>
-          </a:p>
-        </p:txBody>
-      </p:sp>
-      <p:sp>
-        <p:nvSpPr>
-          <p:cNvPr id="102" name="文本框 101"/>
-          <p:cNvSpPr txBox="1"/>
-          <p:nvPr/>
-        </p:nvSpPr>
-        <p:spPr>
-          <a:xfrm>
-            <a:off x="5784850" y="4271645"/>
-            <a:ext cx="1002030" cy="275590"/>
-          </a:xfrm>
-          <a:prstGeom prst="rect">
-            <a:avLst/>
-          </a:prstGeom>
-          <a:noFill/>
-        </p:spPr>
-        <p:txBody>
-          <a:bodyPr wrap="square" rtlCol="0">
-            <a:spAutoFit/>
-          </a:bodyPr>
-          <a:p>
-            <a:r>
-              <a:rPr lang="en-US" altLang="zh-CN" sz="1200"/>
-              <a:t>  Partition1</a:t>
-            </a:r>
-            <a:endParaRPr lang="en-US" altLang="zh-CN" sz="1200"/>
-          </a:p>
-        </p:txBody>
-      </p:sp>
-      <p:sp>
-        <p:nvSpPr>
-          <p:cNvPr id="103" name="矩形 102"/>
-          <p:cNvSpPr/>
-          <p:nvPr/>
-        </p:nvSpPr>
-        <p:spPr>
-          <a:xfrm>
-            <a:off x="5831205" y="4500880"/>
-            <a:ext cx="910590" cy="182880"/>
-          </a:xfrm>
-          <a:prstGeom prst="rect">
-            <a:avLst/>
-          </a:prstGeom>
-          <a:noFill/>
-          <a:ln w="19050">
-            <a:solidFill>
-              <a:schemeClr val="tx1"/>
-            </a:solidFill>
-          </a:ln>
-        </p:spPr>
-        <p:style>
-          <a:lnRef idx="2">
-            <a:schemeClr val="accent1">
-              <a:shade val="50000"/>
-            </a:schemeClr>
-          </a:lnRef>
-          <a:fillRef idx="1">
-            <a:schemeClr val="accent1"/>
-          </a:fillRef>
-          <a:effectRef idx="0">
-            <a:schemeClr val="accent1"/>
-          </a:effectRef>
-          <a:fontRef idx="minor">
-            <a:schemeClr val="lt1"/>
-          </a:fontRef>
-        </p:style>
-        <p:txBody>
-          <a:bodyPr rtlCol="0" anchor="ctr"/>
-          <a:p>
-            <a:pPr algn="ctr"/>
-            <a:endParaRPr lang="zh-CN" altLang="en-US" dirty="0">
-              <a:solidFill>
-                <a:schemeClr val="tx1"/>
-              </a:solidFill>
-            </a:endParaRPr>
-          </a:p>
-        </p:txBody>
-      </p:sp>
-      <p:sp>
-        <p:nvSpPr>
-          <p:cNvPr id="104" name="文本框 103"/>
-          <p:cNvSpPr txBox="1"/>
-          <p:nvPr/>
-        </p:nvSpPr>
-        <p:spPr>
-          <a:xfrm>
-            <a:off x="5932170" y="4415790"/>
-            <a:ext cx="748665" cy="306705"/>
-          </a:xfrm>
-          <a:prstGeom prst="rect">
-            <a:avLst/>
-          </a:prstGeom>
-          <a:noFill/>
-        </p:spPr>
-        <p:txBody>
-          <a:bodyPr wrap="square" rtlCol="0">
-            <a:spAutoFit/>
-          </a:bodyPr>
-          <a:p>
-            <a:r>
-              <a:rPr lang="en-US" altLang="zh-CN" sz="1400" b="1"/>
-              <a:t>...     ...</a:t>
-            </a:r>
-            <a:endParaRPr lang="en-US" altLang="zh-CN" sz="1400" b="1"/>
-          </a:p>
-        </p:txBody>
-      </p:sp>
-      <p:sp>
-        <p:nvSpPr>
-          <p:cNvPr id="105" name="矩形 104"/>
-          <p:cNvSpPr/>
-          <p:nvPr/>
-        </p:nvSpPr>
-        <p:spPr>
-          <a:xfrm>
-            <a:off x="5831205" y="4683125"/>
-            <a:ext cx="910590" cy="182880"/>
-          </a:xfrm>
-          <a:prstGeom prst="rect">
-            <a:avLst/>
-          </a:prstGeom>
-          <a:noFill/>
-          <a:ln w="19050">
-            <a:solidFill>
-              <a:schemeClr val="tx1"/>
-            </a:solidFill>
-          </a:ln>
-        </p:spPr>
-        <p:style>
-          <a:lnRef idx="2">
-            <a:schemeClr val="accent1">
-              <a:shade val="50000"/>
-            </a:schemeClr>
-          </a:lnRef>
-          <a:fillRef idx="1">
-            <a:schemeClr val="accent1"/>
-          </a:fillRef>
-          <a:effectRef idx="0">
-            <a:schemeClr val="accent1"/>
-          </a:effectRef>
-          <a:fontRef idx="minor">
-            <a:schemeClr val="lt1"/>
-          </a:fontRef>
-        </p:style>
-        <p:txBody>
-          <a:bodyPr rtlCol="0" anchor="ctr"/>
-          <a:p>
-            <a:pPr algn="ctr"/>
-            <a:endParaRPr lang="zh-CN" altLang="en-US" dirty="0">
-              <a:solidFill>
-                <a:schemeClr val="tx1"/>
-              </a:solidFill>
-            </a:endParaRPr>
-          </a:p>
-        </p:txBody>
-      </p:sp>
-      <p:sp>
-        <p:nvSpPr>
-          <p:cNvPr id="106" name="文本框 105"/>
-          <p:cNvSpPr txBox="1"/>
-          <p:nvPr/>
-        </p:nvSpPr>
-        <p:spPr>
-          <a:xfrm>
-            <a:off x="5784850" y="5881370"/>
-            <a:ext cx="1002030" cy="275590"/>
-          </a:xfrm>
-          <a:prstGeom prst="rect">
-            <a:avLst/>
-          </a:prstGeom>
-          <a:noFill/>
-        </p:spPr>
-        <p:txBody>
-          <a:bodyPr wrap="square" rtlCol="0">
-            <a:spAutoFit/>
-          </a:bodyPr>
-          <a:p>
-            <a:r>
-              <a:rPr lang="en-US" altLang="zh-CN" sz="1200"/>
-              <a:t>PartitionR-1</a:t>
-            </a:r>
-            <a:endParaRPr lang="en-US" altLang="zh-CN" sz="1200"/>
-          </a:p>
-        </p:txBody>
-      </p:sp>
-      <p:sp>
-        <p:nvSpPr>
-          <p:cNvPr id="107" name="矩形 106"/>
-          <p:cNvSpPr/>
-          <p:nvPr/>
-        </p:nvSpPr>
-        <p:spPr>
-          <a:xfrm>
-            <a:off x="5830570" y="5380355"/>
-            <a:ext cx="910590" cy="182880"/>
-          </a:xfrm>
-          <a:prstGeom prst="rect">
-            <a:avLst/>
-          </a:prstGeom>
-          <a:noFill/>
-          <a:ln w="19050">
-            <a:solidFill>
-              <a:schemeClr val="tx1"/>
-            </a:solidFill>
-          </a:ln>
-        </p:spPr>
-        <p:style>
-          <a:lnRef idx="2">
-            <a:schemeClr val="accent1">
-              <a:shade val="50000"/>
-            </a:schemeClr>
-          </a:lnRef>
-          <a:fillRef idx="1">
-            <a:schemeClr val="accent1"/>
-          </a:fillRef>
-          <a:effectRef idx="0">
-            <a:schemeClr val="accent1"/>
-          </a:effectRef>
-          <a:fontRef idx="minor">
-            <a:schemeClr val="lt1"/>
-          </a:fontRef>
-        </p:style>
-        <p:txBody>
-          <a:bodyPr rtlCol="0" anchor="ctr"/>
-          <a:p>
-            <a:pPr algn="ctr"/>
-            <a:endParaRPr lang="zh-CN" altLang="en-US" dirty="0">
-              <a:solidFill>
-                <a:schemeClr val="tx1"/>
-              </a:solidFill>
-            </a:endParaRPr>
-          </a:p>
-        </p:txBody>
-      </p:sp>
-      <p:sp>
-        <p:nvSpPr>
-          <p:cNvPr id="108" name="文本框 107"/>
-          <p:cNvSpPr txBox="1"/>
-          <p:nvPr/>
-        </p:nvSpPr>
-        <p:spPr>
-          <a:xfrm>
-            <a:off x="5785485" y="5334000"/>
-            <a:ext cx="1002030" cy="275590"/>
-          </a:xfrm>
-          <a:prstGeom prst="rect">
-            <a:avLst/>
-          </a:prstGeom>
-          <a:noFill/>
-        </p:spPr>
-        <p:txBody>
-          <a:bodyPr wrap="square" rtlCol="0">
-            <a:spAutoFit/>
-          </a:bodyPr>
-          <a:p>
-            <a:r>
-              <a:rPr lang="en-US" altLang="zh-CN" sz="1200"/>
-              <a:t>  Partition0</a:t>
-            </a:r>
-            <a:endParaRPr lang="en-US" altLang="zh-CN" sz="1200"/>
-          </a:p>
-        </p:txBody>
-      </p:sp>
-      <p:sp>
-        <p:nvSpPr>
-          <p:cNvPr id="109" name="矩形 108"/>
-          <p:cNvSpPr/>
-          <p:nvPr/>
-        </p:nvSpPr>
-        <p:spPr>
-          <a:xfrm>
-            <a:off x="5830570" y="5562600"/>
-            <a:ext cx="910590" cy="182880"/>
-          </a:xfrm>
-          <a:prstGeom prst="rect">
-            <a:avLst/>
-          </a:prstGeom>
-          <a:noFill/>
-          <a:ln w="19050">
-            <a:solidFill>
-              <a:schemeClr val="tx1"/>
-            </a:solidFill>
-          </a:ln>
-        </p:spPr>
-        <p:style>
-          <a:lnRef idx="2">
-            <a:schemeClr val="accent1">
-              <a:shade val="50000"/>
-            </a:schemeClr>
-          </a:lnRef>
-          <a:fillRef idx="1">
-            <a:schemeClr val="accent1"/>
-          </a:fillRef>
-          <a:effectRef idx="0">
-            <a:schemeClr val="accent1"/>
-          </a:effectRef>
-          <a:fontRef idx="minor">
-            <a:schemeClr val="lt1"/>
-          </a:fontRef>
-        </p:style>
-        <p:txBody>
-          <a:bodyPr rtlCol="0" anchor="ctr"/>
-          <a:p>
-            <a:pPr algn="ctr"/>
-            <a:endParaRPr lang="zh-CN" altLang="en-US" dirty="0">
-              <a:solidFill>
-                <a:schemeClr val="tx1"/>
-              </a:solidFill>
-            </a:endParaRPr>
-          </a:p>
-        </p:txBody>
-      </p:sp>
-      <p:sp>
-        <p:nvSpPr>
-          <p:cNvPr id="110" name="文本框 109"/>
-          <p:cNvSpPr txBox="1"/>
-          <p:nvPr/>
-        </p:nvSpPr>
-        <p:spPr>
-          <a:xfrm>
-            <a:off x="5784850" y="5516245"/>
-            <a:ext cx="1002030" cy="275590"/>
-          </a:xfrm>
-          <a:prstGeom prst="rect">
-            <a:avLst/>
-          </a:prstGeom>
-          <a:noFill/>
-        </p:spPr>
-        <p:txBody>
-          <a:bodyPr wrap="square" rtlCol="0">
-            <a:spAutoFit/>
-          </a:bodyPr>
-          <a:p>
-            <a:r>
-              <a:rPr lang="en-US" altLang="zh-CN" sz="1200"/>
-              <a:t>  Partition1</a:t>
-            </a:r>
-            <a:endParaRPr lang="en-US" altLang="zh-CN" sz="1200"/>
-          </a:p>
-        </p:txBody>
-      </p:sp>
-      <p:sp>
-        <p:nvSpPr>
-          <p:cNvPr id="111" name="矩形 110"/>
-          <p:cNvSpPr/>
-          <p:nvPr/>
-        </p:nvSpPr>
-        <p:spPr>
-          <a:xfrm>
-            <a:off x="5830570" y="5745480"/>
-            <a:ext cx="910590" cy="182880"/>
-          </a:xfrm>
-          <a:prstGeom prst="rect">
-            <a:avLst/>
-          </a:prstGeom>
-          <a:noFill/>
-          <a:ln w="19050">
-            <a:solidFill>
-              <a:schemeClr val="tx1"/>
-            </a:solidFill>
-          </a:ln>
-        </p:spPr>
-        <p:style>
-          <a:lnRef idx="2">
-            <a:schemeClr val="accent1">
-              <a:shade val="50000"/>
-            </a:schemeClr>
-          </a:lnRef>
-          <a:fillRef idx="1">
-            <a:schemeClr val="accent1"/>
-          </a:fillRef>
-          <a:effectRef idx="0">
-            <a:schemeClr val="accent1"/>
-          </a:effectRef>
-          <a:fontRef idx="minor">
-            <a:schemeClr val="lt1"/>
-          </a:fontRef>
-        </p:style>
-        <p:txBody>
-          <a:bodyPr rtlCol="0" anchor="ctr"/>
-          <a:p>
-            <a:pPr algn="ctr"/>
-            <a:endParaRPr lang="zh-CN" altLang="en-US" dirty="0">
-              <a:solidFill>
-                <a:schemeClr val="tx1"/>
-              </a:solidFill>
-            </a:endParaRPr>
-          </a:p>
-        </p:txBody>
-      </p:sp>
-      <p:sp>
-        <p:nvSpPr>
-          <p:cNvPr id="112" name="文本框 111"/>
-          <p:cNvSpPr txBox="1"/>
-          <p:nvPr/>
-        </p:nvSpPr>
-        <p:spPr>
-          <a:xfrm>
-            <a:off x="5931535" y="5660390"/>
-            <a:ext cx="748665" cy="306705"/>
-          </a:xfrm>
-          <a:prstGeom prst="rect">
-            <a:avLst/>
-          </a:prstGeom>
-          <a:noFill/>
-        </p:spPr>
-        <p:txBody>
-          <a:bodyPr wrap="square" rtlCol="0">
-            <a:spAutoFit/>
-          </a:bodyPr>
-          <a:p>
-            <a:r>
-              <a:rPr lang="en-US" altLang="zh-CN" sz="1400" b="1"/>
-              <a:t>...     ...</a:t>
-            </a:r>
-            <a:endParaRPr lang="en-US" altLang="zh-CN" sz="1400" b="1"/>
-          </a:p>
-        </p:txBody>
-      </p:sp>
-      <p:sp>
-        <p:nvSpPr>
-          <p:cNvPr id="113" name="矩形 112"/>
-          <p:cNvSpPr/>
-          <p:nvPr/>
-        </p:nvSpPr>
-        <p:spPr>
-          <a:xfrm>
-            <a:off x="5830570" y="5927725"/>
-            <a:ext cx="910590" cy="182880"/>
-          </a:xfrm>
-          <a:prstGeom prst="rect">
-            <a:avLst/>
-          </a:prstGeom>
-          <a:noFill/>
-          <a:ln w="19050">
-            <a:solidFill>
-              <a:schemeClr val="tx1"/>
-            </a:solidFill>
-          </a:ln>
-        </p:spPr>
-        <p:style>
-          <a:lnRef idx="2">
-            <a:schemeClr val="accent1">
-              <a:shade val="50000"/>
-            </a:schemeClr>
-          </a:lnRef>
-          <a:fillRef idx="1">
-            <a:schemeClr val="accent1"/>
-          </a:fillRef>
-          <a:effectRef idx="0">
-            <a:schemeClr val="accent1"/>
-          </a:effectRef>
-          <a:fontRef idx="minor">
-            <a:schemeClr val="lt1"/>
-          </a:fontRef>
-        </p:style>
-        <p:txBody>
-          <a:bodyPr rtlCol="0" anchor="ctr"/>
-          <a:p>
-            <a:pPr algn="ctr"/>
-            <a:endParaRPr lang="zh-CN" altLang="en-US" dirty="0">
-              <a:solidFill>
-                <a:schemeClr val="tx1"/>
-              </a:solidFill>
-            </a:endParaRPr>
-          </a:p>
-        </p:txBody>
-      </p:sp>
-      <p:sp>
-        <p:nvSpPr>
-          <p:cNvPr id="114" name="文本框 113"/>
-          <p:cNvSpPr txBox="1"/>
-          <p:nvPr/>
-        </p:nvSpPr>
-        <p:spPr>
-          <a:xfrm>
-            <a:off x="5784850" y="4634865"/>
-            <a:ext cx="1002030" cy="275590"/>
-          </a:xfrm>
-          <a:prstGeom prst="rect">
-            <a:avLst/>
-          </a:prstGeom>
-          <a:noFill/>
-        </p:spPr>
-        <p:txBody>
-          <a:bodyPr wrap="square" rtlCol="0">
-            <a:spAutoFit/>
-          </a:bodyPr>
-          <a:p>
-            <a:r>
-              <a:rPr lang="en-US" altLang="zh-CN" sz="1200"/>
-              <a:t>PartitionR-1</a:t>
-            </a:r>
-            <a:endParaRPr lang="en-US" altLang="zh-CN" sz="1200"/>
-          </a:p>
-        </p:txBody>
-      </p:sp>
-      <p:sp>
-        <p:nvSpPr>
-          <p:cNvPr id="115" name="文本框 114"/>
-          <p:cNvSpPr txBox="1"/>
-          <p:nvPr/>
-        </p:nvSpPr>
-        <p:spPr>
-          <a:xfrm>
-            <a:off x="5895340" y="4934585"/>
-            <a:ext cx="781050" cy="368300"/>
-          </a:xfrm>
-          <a:prstGeom prst="rect">
-            <a:avLst/>
-          </a:prstGeom>
-          <a:noFill/>
-        </p:spPr>
-        <p:txBody>
-          <a:bodyPr wrap="square" rtlCol="0">
-            <a:spAutoFit/>
-          </a:bodyPr>
-          <a:p>
-            <a:r>
-              <a:rPr lang="en-US" altLang="zh-CN"/>
-              <a:t>...    ...</a:t>
-            </a:r>
-            <a:endParaRPr lang="en-US" altLang="zh-CN"/>
-          </a:p>
-        </p:txBody>
-      </p:sp>
-      <p:sp>
-        <p:nvSpPr>
-          <p:cNvPr id="116" name="文本框 115"/>
-          <p:cNvSpPr txBox="1"/>
-          <p:nvPr/>
-        </p:nvSpPr>
-        <p:spPr>
-          <a:xfrm>
-            <a:off x="5347335" y="6192520"/>
-            <a:ext cx="1917065" cy="368300"/>
-          </a:xfrm>
-          <a:prstGeom prst="rect">
-            <a:avLst/>
-          </a:prstGeom>
-          <a:noFill/>
-        </p:spPr>
-        <p:txBody>
-          <a:bodyPr wrap="square" rtlCol="0">
-            <a:spAutoFit/>
-          </a:bodyPr>
-          <a:p>
-            <a:r>
-              <a:rPr lang="en-US" altLang="zh-CN"/>
-              <a:t>Intermediate </a:t>
-            </a:r>
-            <a:r>
-              <a:rPr lang="en-US" altLang="zh-CN"/>
-              <a:t>files</a:t>
-            </a:r>
-            <a:endParaRPr lang="en-US" altLang="zh-CN"/>
-          </a:p>
-        </p:txBody>
-      </p:sp>
-      <p:cxnSp>
-        <p:nvCxnSpPr>
-          <p:cNvPr id="119" name="曲线连接符 118"/>
-          <p:cNvCxnSpPr>
-            <a:stCxn id="22" idx="3"/>
-            <a:endCxn id="87" idx="1"/>
-          </p:cNvCxnSpPr>
-          <p:nvPr/>
-        </p:nvCxnSpPr>
-        <p:spPr>
-          <a:xfrm flipV="1">
-            <a:off x="4508500" y="2924810"/>
-            <a:ext cx="1322705" cy="231775"/>
-          </a:xfrm>
-          <a:prstGeom prst="curvedConnector3">
-            <a:avLst>
-              <a:gd name="adj1" fmla="val 50024"/>
-            </a:avLst>
-          </a:prstGeom>
-          <a:ln w="19050" cmpd="sng">
-            <a:solidFill>
-              <a:schemeClr val="tx1"/>
-            </a:solidFill>
-            <a:prstDash val="sysDash"/>
-            <a:headEnd type="none" w="med" len="med"/>
-            <a:tailEnd type="triangle" w="lg" len="lg"/>
-          </a:ln>
-        </p:spPr>
-        <p:style>
-          <a:lnRef idx="1">
-            <a:schemeClr val="accent1"/>
-          </a:lnRef>
-          <a:fillRef idx="0">
-            <a:schemeClr val="accent1"/>
-          </a:fillRef>
-          <a:effectRef idx="0">
-            <a:schemeClr val="accent1"/>
-          </a:effectRef>
-          <a:fontRef idx="minor">
-            <a:schemeClr val="tx1"/>
-          </a:fontRef>
-        </p:style>
-      </p:cxnSp>
-      <p:cxnSp>
-        <p:nvCxnSpPr>
-          <p:cNvPr id="120" name="曲线连接符 119"/>
-          <p:cNvCxnSpPr>
-            <a:stCxn id="22" idx="3"/>
-            <a:endCxn id="61" idx="1"/>
-          </p:cNvCxnSpPr>
-          <p:nvPr/>
-        </p:nvCxnSpPr>
-        <p:spPr>
-          <a:xfrm flipV="1">
-            <a:off x="4508500" y="2559685"/>
-            <a:ext cx="1322705" cy="596900"/>
-          </a:xfrm>
-          <a:prstGeom prst="curvedConnector3">
-            <a:avLst>
-              <a:gd name="adj1" fmla="val 50024"/>
-            </a:avLst>
-          </a:prstGeom>
-          <a:ln w="19050">
-            <a:solidFill>
-              <a:schemeClr val="tx1"/>
-            </a:solidFill>
-            <a:headEnd type="none" w="med" len="med"/>
-            <a:tailEnd type="triangle" w="lg" len="lg"/>
-          </a:ln>
-        </p:spPr>
-        <p:style>
-          <a:lnRef idx="1">
-            <a:schemeClr val="accent1"/>
-          </a:lnRef>
-          <a:fillRef idx="0">
-            <a:schemeClr val="accent1"/>
-          </a:fillRef>
-          <a:effectRef idx="0">
-            <a:schemeClr val="accent1"/>
-          </a:effectRef>
-          <a:fontRef idx="minor">
-            <a:schemeClr val="tx1"/>
-          </a:fontRef>
-        </p:style>
-      </p:cxnSp>
-      <p:cxnSp>
-        <p:nvCxnSpPr>
-          <p:cNvPr id="121" name="曲线连接符 120"/>
-          <p:cNvCxnSpPr>
-            <a:stCxn id="22" idx="3"/>
-            <a:endCxn id="85" idx="1"/>
-          </p:cNvCxnSpPr>
-          <p:nvPr/>
-        </p:nvCxnSpPr>
-        <p:spPr>
-          <a:xfrm flipV="1">
-            <a:off x="4508500" y="2741930"/>
-            <a:ext cx="1322705" cy="414655"/>
-          </a:xfrm>
-          <a:prstGeom prst="curvedConnector3">
-            <a:avLst>
-              <a:gd name="adj1" fmla="val 50024"/>
-            </a:avLst>
-          </a:prstGeom>
-          <a:ln w="19050">
-            <a:solidFill>
-              <a:schemeClr val="tx1"/>
-            </a:solidFill>
-            <a:headEnd type="none" w="med" len="med"/>
-            <a:tailEnd type="triangle" w="lg" len="lg"/>
-          </a:ln>
-        </p:spPr>
-        <p:style>
-          <a:lnRef idx="1">
-            <a:schemeClr val="accent1"/>
-          </a:lnRef>
-          <a:fillRef idx="0">
-            <a:schemeClr val="accent1"/>
-          </a:fillRef>
-          <a:effectRef idx="0">
-            <a:schemeClr val="accent1"/>
-          </a:effectRef>
-          <a:fontRef idx="minor">
-            <a:schemeClr val="tx1"/>
-          </a:fontRef>
-        </p:style>
-      </p:cxnSp>
-      <p:cxnSp>
-        <p:nvCxnSpPr>
-          <p:cNvPr id="122" name="曲线连接符 121"/>
-          <p:cNvCxnSpPr>
-            <a:stCxn id="22" idx="3"/>
-            <a:endCxn id="89" idx="1"/>
-          </p:cNvCxnSpPr>
-          <p:nvPr/>
-        </p:nvCxnSpPr>
-        <p:spPr>
-          <a:xfrm flipV="1">
-            <a:off x="4508500" y="3107055"/>
-            <a:ext cx="1322705" cy="49530"/>
-          </a:xfrm>
-          <a:prstGeom prst="curvedConnector3">
-            <a:avLst>
-              <a:gd name="adj1" fmla="val 50024"/>
-            </a:avLst>
-          </a:prstGeom>
-          <a:ln w="19050">
-            <a:solidFill>
-              <a:schemeClr val="tx1"/>
-            </a:solidFill>
-            <a:headEnd type="none" w="med" len="med"/>
-            <a:tailEnd type="triangle" w="lg" len="lg"/>
-          </a:ln>
-        </p:spPr>
-        <p:style>
-          <a:lnRef idx="1">
-            <a:schemeClr val="accent1"/>
-          </a:lnRef>
-          <a:fillRef idx="0">
-            <a:schemeClr val="accent1"/>
-          </a:fillRef>
-          <a:effectRef idx="0">
-            <a:schemeClr val="accent1"/>
-          </a:effectRef>
-          <a:fontRef idx="minor">
-            <a:schemeClr val="tx1"/>
-          </a:fontRef>
-        </p:style>
-      </p:cxnSp>
-      <p:cxnSp>
-        <p:nvCxnSpPr>
-          <p:cNvPr id="123" name="曲线连接符 122"/>
-          <p:cNvCxnSpPr>
-            <a:stCxn id="35" idx="3"/>
-            <a:endCxn id="91" idx="1"/>
-          </p:cNvCxnSpPr>
-          <p:nvPr/>
-        </p:nvCxnSpPr>
-        <p:spPr>
-          <a:xfrm flipV="1">
-            <a:off x="4507865" y="3389630"/>
-            <a:ext cx="1322705" cy="333375"/>
-          </a:xfrm>
-          <a:prstGeom prst="curvedConnector3">
-            <a:avLst>
-              <a:gd name="adj1" fmla="val 50024"/>
-            </a:avLst>
-          </a:prstGeom>
-          <a:ln w="19050">
-            <a:solidFill>
-              <a:schemeClr val="tx1"/>
-            </a:solidFill>
-            <a:headEnd type="none" w="med" len="med"/>
-            <a:tailEnd type="triangle" w="lg" len="lg"/>
-          </a:ln>
-        </p:spPr>
-        <p:style>
-          <a:lnRef idx="1">
-            <a:schemeClr val="accent1"/>
-          </a:lnRef>
-          <a:fillRef idx="0">
-            <a:schemeClr val="accent1"/>
-          </a:fillRef>
-          <a:effectRef idx="0">
-            <a:schemeClr val="accent1"/>
-          </a:effectRef>
-          <a:fontRef idx="minor">
-            <a:schemeClr val="tx1"/>
-          </a:fontRef>
-        </p:style>
-      </p:cxnSp>
-      <p:cxnSp>
-        <p:nvCxnSpPr>
-          <p:cNvPr id="124" name="曲线连接符 123"/>
-          <p:cNvCxnSpPr>
-            <a:stCxn id="35" idx="3"/>
-            <a:endCxn id="93" idx="1"/>
-          </p:cNvCxnSpPr>
-          <p:nvPr/>
-        </p:nvCxnSpPr>
-        <p:spPr>
-          <a:xfrm flipV="1">
-            <a:off x="4507865" y="3571875"/>
-            <a:ext cx="1322705" cy="151130"/>
-          </a:xfrm>
-          <a:prstGeom prst="curvedConnector3">
-            <a:avLst>
-              <a:gd name="adj1" fmla="val 50024"/>
-            </a:avLst>
-          </a:prstGeom>
-          <a:ln w="19050">
-            <a:solidFill>
-              <a:schemeClr val="tx1"/>
-            </a:solidFill>
-            <a:headEnd type="none" w="med" len="med"/>
-            <a:tailEnd type="triangle" w="lg" len="lg"/>
-          </a:ln>
-        </p:spPr>
-        <p:style>
-          <a:lnRef idx="1">
-            <a:schemeClr val="accent1"/>
-          </a:lnRef>
-          <a:fillRef idx="0">
-            <a:schemeClr val="accent1"/>
-          </a:fillRef>
-          <a:effectRef idx="0">
-            <a:schemeClr val="accent1"/>
-          </a:effectRef>
-          <a:fontRef idx="minor">
-            <a:schemeClr val="tx1"/>
-          </a:fontRef>
-        </p:style>
-      </p:cxnSp>
-      <p:cxnSp>
-        <p:nvCxnSpPr>
-          <p:cNvPr id="125" name="曲线连接符 124"/>
-          <p:cNvCxnSpPr>
-            <a:stCxn id="35" idx="3"/>
-            <a:endCxn id="95" idx="1"/>
-          </p:cNvCxnSpPr>
-          <p:nvPr/>
-        </p:nvCxnSpPr>
-        <p:spPr>
-          <a:xfrm>
-            <a:off x="4507865" y="3723005"/>
-            <a:ext cx="1322705" cy="31750"/>
-          </a:xfrm>
-          <a:prstGeom prst="curvedConnector3">
-            <a:avLst>
-              <a:gd name="adj1" fmla="val 50024"/>
-            </a:avLst>
-          </a:prstGeom>
-          <a:ln w="19050" cmpd="sng">
-            <a:solidFill>
-              <a:schemeClr val="tx1"/>
-            </a:solidFill>
-            <a:prstDash val="sysDash"/>
-            <a:headEnd type="none" w="med" len="med"/>
-            <a:tailEnd type="triangle" w="lg" len="lg"/>
-          </a:ln>
-        </p:spPr>
-        <p:style>
-          <a:lnRef idx="1">
-            <a:schemeClr val="accent1"/>
-          </a:lnRef>
-          <a:fillRef idx="0">
-            <a:schemeClr val="accent1"/>
-          </a:fillRef>
-          <a:effectRef idx="0">
-            <a:schemeClr val="accent1"/>
-          </a:effectRef>
-          <a:fontRef idx="minor">
-            <a:schemeClr val="tx1"/>
-          </a:fontRef>
-        </p:style>
-      </p:cxnSp>
-      <p:cxnSp>
-        <p:nvCxnSpPr>
-          <p:cNvPr id="126" name="曲线连接符 125"/>
-          <p:cNvCxnSpPr>
-            <a:stCxn id="35" idx="3"/>
-            <a:endCxn id="97" idx="1"/>
-          </p:cNvCxnSpPr>
-          <p:nvPr/>
-        </p:nvCxnSpPr>
-        <p:spPr>
-          <a:xfrm>
-            <a:off x="4507865" y="3723005"/>
-            <a:ext cx="1322705" cy="213995"/>
-          </a:xfrm>
-          <a:prstGeom prst="curvedConnector3">
-            <a:avLst>
-              <a:gd name="adj1" fmla="val 50024"/>
-            </a:avLst>
-          </a:prstGeom>
-          <a:ln w="19050">
-            <a:solidFill>
-              <a:schemeClr val="tx1"/>
-            </a:solidFill>
-            <a:headEnd type="none" w="med" len="med"/>
-            <a:tailEnd type="triangle" w="lg" len="lg"/>
-          </a:ln>
-        </p:spPr>
-        <p:style>
-          <a:lnRef idx="1">
-            <a:schemeClr val="accent1"/>
-          </a:lnRef>
-          <a:fillRef idx="0">
-            <a:schemeClr val="accent1"/>
-          </a:fillRef>
-          <a:effectRef idx="0">
-            <a:schemeClr val="accent1"/>
-          </a:effectRef>
-          <a:fontRef idx="minor">
-            <a:schemeClr val="tx1"/>
-          </a:fontRef>
-        </p:style>
-      </p:cxnSp>
-      <p:cxnSp>
-        <p:nvCxnSpPr>
-          <p:cNvPr id="127" name="曲线连接符 126"/>
-          <p:cNvCxnSpPr>
-            <a:stCxn id="37" idx="3"/>
-            <a:endCxn id="99" idx="1"/>
-          </p:cNvCxnSpPr>
-          <p:nvPr/>
-        </p:nvCxnSpPr>
-        <p:spPr>
-          <a:xfrm flipV="1">
-            <a:off x="4509135" y="4227195"/>
-            <a:ext cx="1322070" cy="245745"/>
-          </a:xfrm>
-          <a:prstGeom prst="curvedConnector3">
-            <a:avLst>
-              <a:gd name="adj1" fmla="val 50000"/>
-            </a:avLst>
-          </a:prstGeom>
-          <a:ln w="19050">
-            <a:solidFill>
-              <a:schemeClr val="tx1"/>
-            </a:solidFill>
-            <a:headEnd type="none" w="med" len="med"/>
-            <a:tailEnd type="triangle" w="lg" len="lg"/>
-          </a:ln>
-        </p:spPr>
-        <p:style>
-          <a:lnRef idx="1">
-            <a:schemeClr val="accent1"/>
-          </a:lnRef>
-          <a:fillRef idx="0">
-            <a:schemeClr val="accent1"/>
-          </a:fillRef>
-          <a:effectRef idx="0">
-            <a:schemeClr val="accent1"/>
-          </a:effectRef>
-          <a:fontRef idx="minor">
-            <a:schemeClr val="tx1"/>
-          </a:fontRef>
-        </p:style>
-      </p:cxnSp>
-      <p:cxnSp>
-        <p:nvCxnSpPr>
-          <p:cNvPr id="128" name="曲线连接符 127"/>
-          <p:cNvCxnSpPr>
-            <a:stCxn id="37" idx="3"/>
-            <a:endCxn id="101" idx="1"/>
-          </p:cNvCxnSpPr>
-          <p:nvPr/>
-        </p:nvCxnSpPr>
-        <p:spPr>
-          <a:xfrm flipV="1">
-            <a:off x="4509135" y="4409440"/>
-            <a:ext cx="1322070" cy="63500"/>
-          </a:xfrm>
-          <a:prstGeom prst="curvedConnector3">
-            <a:avLst>
-              <a:gd name="adj1" fmla="val 50000"/>
-            </a:avLst>
-          </a:prstGeom>
-          <a:ln w="19050">
-            <a:solidFill>
-              <a:schemeClr val="tx1"/>
-            </a:solidFill>
-            <a:headEnd type="none" w="med" len="med"/>
-            <a:tailEnd type="triangle" w="lg" len="lg"/>
-          </a:ln>
-        </p:spPr>
-        <p:style>
-          <a:lnRef idx="1">
-            <a:schemeClr val="accent1"/>
-          </a:lnRef>
-          <a:fillRef idx="0">
-            <a:schemeClr val="accent1"/>
-          </a:fillRef>
-          <a:effectRef idx="0">
-            <a:schemeClr val="accent1"/>
-          </a:effectRef>
-          <a:fontRef idx="minor">
-            <a:schemeClr val="tx1"/>
-          </a:fontRef>
-        </p:style>
-      </p:cxnSp>
-      <p:cxnSp>
-        <p:nvCxnSpPr>
-          <p:cNvPr id="129" name="曲线连接符 128"/>
-          <p:cNvCxnSpPr>
-            <a:stCxn id="37" idx="3"/>
-            <a:endCxn id="103" idx="1"/>
-          </p:cNvCxnSpPr>
-          <p:nvPr/>
-        </p:nvCxnSpPr>
-        <p:spPr>
-          <a:xfrm>
-            <a:off x="4509135" y="4472940"/>
-            <a:ext cx="1322070" cy="119380"/>
-          </a:xfrm>
-          <a:prstGeom prst="curvedConnector3">
-            <a:avLst>
-              <a:gd name="adj1" fmla="val 50000"/>
-            </a:avLst>
-          </a:prstGeom>
-          <a:ln w="19050" cmpd="sng">
-            <a:solidFill>
-              <a:schemeClr val="tx1"/>
-            </a:solidFill>
-            <a:prstDash val="sysDash"/>
-            <a:headEnd type="none" w="med" len="med"/>
-            <a:tailEnd type="triangle" w="lg" len="lg"/>
-          </a:ln>
-        </p:spPr>
-        <p:style>
-          <a:lnRef idx="1">
-            <a:schemeClr val="accent1"/>
-          </a:lnRef>
-          <a:fillRef idx="0">
-            <a:schemeClr val="accent1"/>
-          </a:fillRef>
-          <a:effectRef idx="0">
-            <a:schemeClr val="accent1"/>
-          </a:effectRef>
-          <a:fontRef idx="minor">
-            <a:schemeClr val="tx1"/>
-          </a:fontRef>
-        </p:style>
-      </p:cxnSp>
-      <p:cxnSp>
-        <p:nvCxnSpPr>
-          <p:cNvPr id="130" name="曲线连接符 129"/>
-          <p:cNvCxnSpPr>
-            <a:stCxn id="37" idx="3"/>
-            <a:endCxn id="105" idx="1"/>
-          </p:cNvCxnSpPr>
-          <p:nvPr/>
-        </p:nvCxnSpPr>
-        <p:spPr>
-          <a:xfrm>
-            <a:off x="4509135" y="4472940"/>
-            <a:ext cx="1322070" cy="301625"/>
-          </a:xfrm>
-          <a:prstGeom prst="curvedConnector3">
-            <a:avLst>
-              <a:gd name="adj1" fmla="val 50000"/>
-            </a:avLst>
-          </a:prstGeom>
-          <a:ln w="19050">
-            <a:solidFill>
-              <a:schemeClr val="tx1"/>
-            </a:solidFill>
-            <a:headEnd type="none" w="med" len="med"/>
-            <a:tailEnd type="triangle" w="lg" len="lg"/>
-          </a:ln>
-        </p:spPr>
-        <p:style>
-          <a:lnRef idx="1">
-            <a:schemeClr val="accent1"/>
-          </a:lnRef>
-          <a:fillRef idx="0">
-            <a:schemeClr val="accent1"/>
-          </a:fillRef>
-          <a:effectRef idx="0">
-            <a:schemeClr val="accent1"/>
-          </a:effectRef>
-          <a:fontRef idx="minor">
-            <a:schemeClr val="tx1"/>
-          </a:fontRef>
-        </p:style>
-      </p:cxnSp>
-      <p:cxnSp>
-        <p:nvCxnSpPr>
-          <p:cNvPr id="131" name="曲线连接符 130"/>
-          <p:cNvCxnSpPr>
-            <a:stCxn id="39" idx="3"/>
-            <a:endCxn id="107" idx="1"/>
-          </p:cNvCxnSpPr>
-          <p:nvPr/>
-        </p:nvCxnSpPr>
-        <p:spPr>
-          <a:xfrm flipV="1">
-            <a:off x="4511040" y="5471795"/>
-            <a:ext cx="1319530" cy="281940"/>
-          </a:xfrm>
-          <a:prstGeom prst="curvedConnector3">
-            <a:avLst>
-              <a:gd name="adj1" fmla="val 50000"/>
-            </a:avLst>
-          </a:prstGeom>
-          <a:ln w="19050">
-            <a:solidFill>
-              <a:schemeClr val="tx1"/>
-            </a:solidFill>
-            <a:headEnd type="none" w="med" len="med"/>
-            <a:tailEnd type="triangle" w="lg" len="lg"/>
-          </a:ln>
-        </p:spPr>
-        <p:style>
-          <a:lnRef idx="1">
-            <a:schemeClr val="accent1"/>
-          </a:lnRef>
-          <a:fillRef idx="0">
-            <a:schemeClr val="accent1"/>
-          </a:fillRef>
-          <a:effectRef idx="0">
-            <a:schemeClr val="accent1"/>
-          </a:effectRef>
-          <a:fontRef idx="minor">
-            <a:schemeClr val="tx1"/>
-          </a:fontRef>
-        </p:style>
-      </p:cxnSp>
-      <p:cxnSp>
-        <p:nvCxnSpPr>
-          <p:cNvPr id="132" name="曲线连接符 131"/>
-          <p:cNvCxnSpPr>
-            <a:stCxn id="39" idx="3"/>
-            <a:endCxn id="109" idx="1"/>
-          </p:cNvCxnSpPr>
-          <p:nvPr/>
-        </p:nvCxnSpPr>
-        <p:spPr>
-          <a:xfrm flipV="1">
-            <a:off x="4511040" y="5654040"/>
-            <a:ext cx="1319530" cy="99695"/>
-          </a:xfrm>
-          <a:prstGeom prst="curvedConnector3">
-            <a:avLst>
-              <a:gd name="adj1" fmla="val 50000"/>
-            </a:avLst>
-          </a:prstGeom>
-          <a:ln w="19050">
-            <a:solidFill>
-              <a:schemeClr val="tx1"/>
-            </a:solidFill>
-            <a:headEnd type="none" w="med" len="med"/>
-            <a:tailEnd type="triangle" w="lg" len="lg"/>
-          </a:ln>
-        </p:spPr>
-        <p:style>
-          <a:lnRef idx="1">
-            <a:schemeClr val="accent1"/>
-          </a:lnRef>
-          <a:fillRef idx="0">
-            <a:schemeClr val="accent1"/>
-          </a:fillRef>
-          <a:effectRef idx="0">
-            <a:schemeClr val="accent1"/>
-          </a:effectRef>
-          <a:fontRef idx="minor">
-            <a:schemeClr val="tx1"/>
-          </a:fontRef>
-        </p:style>
-      </p:cxnSp>
-      <p:cxnSp>
-        <p:nvCxnSpPr>
-          <p:cNvPr id="133" name="曲线连接符 132"/>
-          <p:cNvCxnSpPr>
-            <a:stCxn id="39" idx="3"/>
-            <a:endCxn id="111" idx="1"/>
-          </p:cNvCxnSpPr>
-          <p:nvPr/>
-        </p:nvCxnSpPr>
-        <p:spPr>
-          <a:xfrm>
-            <a:off x="4511040" y="5753735"/>
-            <a:ext cx="1319530" cy="83185"/>
-          </a:xfrm>
-          <a:prstGeom prst="curvedConnector3">
-            <a:avLst>
-              <a:gd name="adj1" fmla="val 50000"/>
-            </a:avLst>
-          </a:prstGeom>
-          <a:ln w="19050" cmpd="sng">
-            <a:solidFill>
-              <a:schemeClr val="tx1"/>
-            </a:solidFill>
-            <a:prstDash val="sysDash"/>
-            <a:headEnd type="none" w="med" len="med"/>
-            <a:tailEnd type="triangle" w="lg" len="lg"/>
-          </a:ln>
-        </p:spPr>
-        <p:style>
-          <a:lnRef idx="1">
-            <a:schemeClr val="accent1"/>
-          </a:lnRef>
-          <a:fillRef idx="0">
-            <a:schemeClr val="accent1"/>
-          </a:fillRef>
-          <a:effectRef idx="0">
-            <a:schemeClr val="accent1"/>
-          </a:effectRef>
-          <a:fontRef idx="minor">
-            <a:schemeClr val="tx1"/>
-          </a:fontRef>
-        </p:style>
-      </p:cxnSp>
-      <p:cxnSp>
-        <p:nvCxnSpPr>
-          <p:cNvPr id="134" name="曲线连接符 133"/>
-          <p:cNvCxnSpPr>
-            <a:stCxn id="39" idx="3"/>
-            <a:endCxn id="113" idx="1"/>
-          </p:cNvCxnSpPr>
-          <p:nvPr/>
-        </p:nvCxnSpPr>
-        <p:spPr>
-          <a:xfrm>
-            <a:off x="4511040" y="5753735"/>
-            <a:ext cx="1319530" cy="265430"/>
-          </a:xfrm>
-          <a:prstGeom prst="curvedConnector3">
-            <a:avLst>
-              <a:gd name="adj1" fmla="val 50000"/>
-            </a:avLst>
-          </a:prstGeom>
-          <a:ln w="19050">
-            <a:solidFill>
-              <a:schemeClr val="tx1"/>
-            </a:solidFill>
-            <a:headEnd type="none" w="med" len="med"/>
-            <a:tailEnd type="triangle" w="lg" len="lg"/>
-          </a:ln>
-        </p:spPr>
-        <p:style>
-          <a:lnRef idx="1">
-            <a:schemeClr val="accent1"/>
-          </a:lnRef>
-          <a:fillRef idx="0">
-            <a:schemeClr val="accent1"/>
-          </a:fillRef>
-          <a:effectRef idx="0">
-            <a:schemeClr val="accent1"/>
-          </a:effectRef>
-          <a:fontRef idx="minor">
-            <a:schemeClr val="tx1"/>
-          </a:fontRef>
-        </p:style>
-      </p:cxnSp>
-      <p:sp>
-        <p:nvSpPr>
-          <p:cNvPr id="136" name="流程图: 终止 135"/>
-          <p:cNvSpPr/>
-          <p:nvPr/>
-        </p:nvSpPr>
-        <p:spPr>
-          <a:xfrm>
-            <a:off x="7984490" y="3015615"/>
-            <a:ext cx="850900" cy="273685"/>
-          </a:xfrm>
-          <a:prstGeom prst="flowChartTerminator">
-            <a:avLst/>
-          </a:prstGeom>
-          <a:noFill/>
-          <a:ln w="19050">
-            <a:solidFill>
-              <a:schemeClr val="tx1"/>
-            </a:solidFill>
-          </a:ln>
-        </p:spPr>
-        <p:style>
-          <a:lnRef idx="2">
-            <a:schemeClr val="accent1">
-              <a:shade val="50000"/>
-            </a:schemeClr>
-          </a:lnRef>
-          <a:fillRef idx="1">
-            <a:schemeClr val="accent1"/>
-          </a:fillRef>
-          <a:effectRef idx="0">
-            <a:schemeClr val="accent1"/>
-          </a:effectRef>
-          <a:fontRef idx="minor">
-            <a:schemeClr val="lt1"/>
-          </a:fontRef>
-        </p:style>
-        <p:txBody>
-          <a:bodyPr rtlCol="0" anchor="ctr"/>
-          <a:p>
-            <a:pPr algn="ctr"/>
-            <a:endParaRPr lang="zh-CN" altLang="en-US" dirty="0">
-              <a:solidFill>
-                <a:schemeClr val="tx1"/>
-              </a:solidFill>
-            </a:endParaRPr>
-          </a:p>
-        </p:txBody>
-      </p:sp>
-      <p:sp>
-        <p:nvSpPr>
-          <p:cNvPr id="137" name="文本框 136"/>
-          <p:cNvSpPr txBox="1"/>
-          <p:nvPr/>
-        </p:nvSpPr>
-        <p:spPr>
-          <a:xfrm>
-            <a:off x="8108950" y="2968625"/>
-            <a:ext cx="601980" cy="368300"/>
-          </a:xfrm>
-          <a:prstGeom prst="rect">
-            <a:avLst/>
-          </a:prstGeom>
-          <a:noFill/>
-        </p:spPr>
-        <p:txBody>
-          <a:bodyPr wrap="square" rtlCol="0">
-            <a:spAutoFit/>
-          </a:bodyPr>
-          <a:p>
-            <a:r>
-              <a:rPr lang="en-US" altLang="zh-CN"/>
-              <a:t>sort</a:t>
-            </a:r>
-            <a:endParaRPr lang="en-US" altLang="zh-CN"/>
-          </a:p>
-        </p:txBody>
-      </p:sp>
-      <p:sp>
-        <p:nvSpPr>
-          <p:cNvPr id="139" name="流程图: 终止 138"/>
-          <p:cNvSpPr/>
-          <p:nvPr/>
-        </p:nvSpPr>
-        <p:spPr>
-          <a:xfrm>
-            <a:off x="7985125" y="3754755"/>
-            <a:ext cx="850900" cy="273685"/>
-          </a:xfrm>
-          <a:prstGeom prst="flowChartTerminator">
-            <a:avLst/>
-          </a:prstGeom>
-          <a:noFill/>
-          <a:ln w="19050">
-            <a:solidFill>
-              <a:schemeClr val="tx1"/>
-            </a:solidFill>
-          </a:ln>
-        </p:spPr>
-        <p:style>
-          <a:lnRef idx="2">
-            <a:schemeClr val="accent1">
-              <a:shade val="50000"/>
-            </a:schemeClr>
-          </a:lnRef>
-          <a:fillRef idx="1">
-            <a:schemeClr val="accent1"/>
-          </a:fillRef>
-          <a:effectRef idx="0">
-            <a:schemeClr val="accent1"/>
-          </a:effectRef>
-          <a:fontRef idx="minor">
-            <a:schemeClr val="lt1"/>
-          </a:fontRef>
-        </p:style>
-        <p:txBody>
-          <a:bodyPr rtlCol="0" anchor="ctr"/>
-          <a:p>
-            <a:pPr algn="ctr"/>
-            <a:endParaRPr lang="zh-CN" altLang="en-US" dirty="0">
-              <a:solidFill>
-                <a:schemeClr val="tx1"/>
-              </a:solidFill>
-            </a:endParaRPr>
-          </a:p>
-        </p:txBody>
-      </p:sp>
-      <p:sp>
-        <p:nvSpPr>
-          <p:cNvPr id="140" name="文本框 139"/>
-          <p:cNvSpPr txBox="1"/>
-          <p:nvPr/>
-        </p:nvSpPr>
-        <p:spPr>
-          <a:xfrm>
-            <a:off x="8109585" y="3707765"/>
-            <a:ext cx="601980" cy="368300"/>
-          </a:xfrm>
-          <a:prstGeom prst="rect">
-            <a:avLst/>
-          </a:prstGeom>
-          <a:noFill/>
-        </p:spPr>
-        <p:txBody>
-          <a:bodyPr wrap="square" rtlCol="0">
-            <a:spAutoFit/>
-          </a:bodyPr>
-          <a:p>
-            <a:r>
-              <a:rPr lang="en-US" altLang="zh-CN"/>
-              <a:t>sort</a:t>
-            </a:r>
-            <a:endParaRPr lang="en-US" altLang="zh-CN"/>
-          </a:p>
-        </p:txBody>
-      </p:sp>
-      <p:sp>
-        <p:nvSpPr>
-          <p:cNvPr id="141" name="流程图: 终止 140"/>
-          <p:cNvSpPr/>
-          <p:nvPr/>
-        </p:nvSpPr>
-        <p:spPr>
-          <a:xfrm>
-            <a:off x="7984490" y="4636770"/>
-            <a:ext cx="850900" cy="273685"/>
-          </a:xfrm>
-          <a:prstGeom prst="flowChartTerminator">
-            <a:avLst/>
-          </a:prstGeom>
-          <a:noFill/>
-          <a:ln w="19050">
-            <a:solidFill>
-              <a:schemeClr val="tx1"/>
-            </a:solidFill>
-          </a:ln>
-        </p:spPr>
-        <p:style>
-          <a:lnRef idx="2">
-            <a:schemeClr val="accent1">
-              <a:shade val="50000"/>
-            </a:schemeClr>
-          </a:lnRef>
-          <a:fillRef idx="1">
-            <a:schemeClr val="accent1"/>
-          </a:fillRef>
-          <a:effectRef idx="0">
-            <a:schemeClr val="accent1"/>
-          </a:effectRef>
-          <a:fontRef idx="minor">
-            <a:schemeClr val="lt1"/>
-          </a:fontRef>
-        </p:style>
-        <p:txBody>
-          <a:bodyPr rtlCol="0" anchor="ctr"/>
-          <a:p>
-            <a:pPr algn="ctr"/>
-            <a:endParaRPr lang="zh-CN" altLang="en-US" dirty="0">
-              <a:solidFill>
-                <a:schemeClr val="tx1"/>
-              </a:solidFill>
-            </a:endParaRPr>
-          </a:p>
-        </p:txBody>
-      </p:sp>
-      <p:sp>
-        <p:nvSpPr>
-          <p:cNvPr id="142" name="文本框 141"/>
-          <p:cNvSpPr txBox="1"/>
-          <p:nvPr/>
-        </p:nvSpPr>
-        <p:spPr>
-          <a:xfrm>
-            <a:off x="8108950" y="4589780"/>
-            <a:ext cx="601980" cy="368300"/>
-          </a:xfrm>
-          <a:prstGeom prst="rect">
-            <a:avLst/>
-          </a:prstGeom>
-          <a:noFill/>
-        </p:spPr>
-        <p:txBody>
-          <a:bodyPr wrap="square" rtlCol="0">
-            <a:spAutoFit/>
-          </a:bodyPr>
-          <a:p>
-            <a:r>
-              <a:rPr lang="en-US" altLang="zh-CN"/>
-              <a:t>sort</a:t>
-            </a:r>
-            <a:endParaRPr lang="en-US" altLang="zh-CN"/>
-          </a:p>
-        </p:txBody>
-      </p:sp>
-      <p:sp>
-        <p:nvSpPr>
-          <p:cNvPr id="143" name="流程图: 终止 142"/>
-          <p:cNvSpPr/>
-          <p:nvPr/>
-        </p:nvSpPr>
-        <p:spPr>
-          <a:xfrm>
-            <a:off x="7985125" y="5375910"/>
-            <a:ext cx="850900" cy="273685"/>
-          </a:xfrm>
-          <a:prstGeom prst="flowChartTerminator">
-            <a:avLst/>
-          </a:prstGeom>
-          <a:noFill/>
-          <a:ln w="19050">
-            <a:solidFill>
-              <a:schemeClr val="tx1"/>
-            </a:solidFill>
-          </a:ln>
-        </p:spPr>
-        <p:style>
-          <a:lnRef idx="2">
-            <a:schemeClr val="accent1">
-              <a:shade val="50000"/>
-            </a:schemeClr>
-          </a:lnRef>
-          <a:fillRef idx="1">
-            <a:schemeClr val="accent1"/>
-          </a:fillRef>
-          <a:effectRef idx="0">
-            <a:schemeClr val="accent1"/>
-          </a:effectRef>
-          <a:fontRef idx="minor">
-            <a:schemeClr val="lt1"/>
-          </a:fontRef>
-        </p:style>
-        <p:txBody>
-          <a:bodyPr rtlCol="0" anchor="ctr"/>
-          <a:p>
-            <a:pPr algn="ctr"/>
-            <a:endParaRPr lang="zh-CN" altLang="en-US" dirty="0">
-              <a:solidFill>
-                <a:schemeClr val="tx1"/>
-              </a:solidFill>
-            </a:endParaRPr>
-          </a:p>
-        </p:txBody>
-      </p:sp>
-      <p:sp>
-        <p:nvSpPr>
-          <p:cNvPr id="144" name="文本框 143"/>
-          <p:cNvSpPr txBox="1"/>
-          <p:nvPr/>
-        </p:nvSpPr>
-        <p:spPr>
-          <a:xfrm>
-            <a:off x="8109585" y="5328920"/>
-            <a:ext cx="601980" cy="368300"/>
-          </a:xfrm>
-          <a:prstGeom prst="rect">
-            <a:avLst/>
-          </a:prstGeom>
-          <a:noFill/>
-        </p:spPr>
-        <p:txBody>
-          <a:bodyPr wrap="square" rtlCol="0">
-            <a:spAutoFit/>
-          </a:bodyPr>
-          <a:p>
-            <a:r>
-              <a:rPr lang="en-US" altLang="zh-CN"/>
-              <a:t>sort</a:t>
-            </a:r>
-            <a:endParaRPr lang="en-US" altLang="zh-CN"/>
-          </a:p>
-        </p:txBody>
-      </p:sp>
-      <p:sp>
-        <p:nvSpPr>
-          <p:cNvPr id="145" name="文本框 144"/>
-          <p:cNvSpPr txBox="1"/>
-          <p:nvPr/>
-        </p:nvSpPr>
-        <p:spPr>
-          <a:xfrm>
-            <a:off x="8020050" y="4928870"/>
-            <a:ext cx="781050" cy="368300"/>
-          </a:xfrm>
-          <a:prstGeom prst="rect">
-            <a:avLst/>
-          </a:prstGeom>
-          <a:noFill/>
-        </p:spPr>
-        <p:txBody>
-          <a:bodyPr wrap="square" rtlCol="0">
-            <a:spAutoFit/>
-          </a:bodyPr>
-          <a:p>
-            <a:r>
-              <a:rPr lang="en-US" altLang="zh-CN"/>
-              <a:t>...    ...</a:t>
-            </a:r>
-            <a:endParaRPr lang="en-US" altLang="zh-CN"/>
-          </a:p>
-        </p:txBody>
-      </p:sp>
-      <p:cxnSp>
-        <p:nvCxnSpPr>
-          <p:cNvPr id="147" name="曲线连接符 146"/>
-          <p:cNvCxnSpPr>
-            <a:endCxn id="136" idx="1"/>
-          </p:cNvCxnSpPr>
-          <p:nvPr/>
-        </p:nvCxnSpPr>
-        <p:spPr>
-          <a:xfrm>
-            <a:off x="6732270" y="2560955"/>
-            <a:ext cx="1252220" cy="591820"/>
-          </a:xfrm>
-          <a:prstGeom prst="curvedConnector3">
-            <a:avLst>
-              <a:gd name="adj1" fmla="val 50051"/>
-            </a:avLst>
-          </a:prstGeom>
-          <a:ln w="19050">
-            <a:solidFill>
-              <a:schemeClr val="tx1"/>
-            </a:solidFill>
-            <a:headEnd type="none" w="med" len="med"/>
-            <a:tailEnd type="triangle" w="lg" len="lg"/>
-          </a:ln>
-        </p:spPr>
-        <p:style>
-          <a:lnRef idx="1">
-            <a:schemeClr val="accent1"/>
-          </a:lnRef>
-          <a:fillRef idx="0">
-            <a:schemeClr val="accent1"/>
-          </a:fillRef>
-          <a:effectRef idx="0">
-            <a:schemeClr val="accent1"/>
-          </a:effectRef>
-          <a:fontRef idx="minor">
-            <a:schemeClr val="tx1"/>
-          </a:fontRef>
-        </p:style>
-      </p:cxnSp>
-      <p:cxnSp>
-        <p:nvCxnSpPr>
-          <p:cNvPr id="149" name="曲线连接符 148"/>
-          <p:cNvCxnSpPr>
-            <a:stCxn id="91" idx="3"/>
-            <a:endCxn id="136" idx="1"/>
-          </p:cNvCxnSpPr>
-          <p:nvPr/>
-        </p:nvCxnSpPr>
-        <p:spPr>
-          <a:xfrm flipV="1">
-            <a:off x="6741160" y="3152775"/>
-            <a:ext cx="1243330" cy="236855"/>
-          </a:xfrm>
-          <a:prstGeom prst="curvedConnector3">
-            <a:avLst>
-              <a:gd name="adj1" fmla="val 50000"/>
-            </a:avLst>
-          </a:prstGeom>
-          <a:ln w="19050">
-            <a:solidFill>
-              <a:schemeClr val="tx1"/>
-            </a:solidFill>
-            <a:headEnd type="none" w="med" len="med"/>
-            <a:tailEnd type="triangle" w="lg" len="lg"/>
-          </a:ln>
-        </p:spPr>
-        <p:style>
-          <a:lnRef idx="1">
-            <a:schemeClr val="accent1"/>
-          </a:lnRef>
-          <a:fillRef idx="0">
-            <a:schemeClr val="accent1"/>
-          </a:fillRef>
-          <a:effectRef idx="0">
-            <a:schemeClr val="accent1"/>
-          </a:effectRef>
-          <a:fontRef idx="minor">
-            <a:schemeClr val="tx1"/>
-          </a:fontRef>
-        </p:style>
-      </p:cxnSp>
-      <p:cxnSp>
-        <p:nvCxnSpPr>
-          <p:cNvPr id="150" name="曲线连接符 149"/>
-          <p:cNvCxnSpPr>
-            <a:stCxn id="99" idx="3"/>
-            <a:endCxn id="136" idx="1"/>
-          </p:cNvCxnSpPr>
-          <p:nvPr/>
-        </p:nvCxnSpPr>
-        <p:spPr>
-          <a:xfrm flipV="1">
-            <a:off x="6741795" y="3152775"/>
-            <a:ext cx="1242695" cy="1074420"/>
-          </a:xfrm>
-          <a:prstGeom prst="curvedConnector3">
-            <a:avLst>
-              <a:gd name="adj1" fmla="val 50026"/>
-            </a:avLst>
-          </a:prstGeom>
-          <a:ln w="19050">
-            <a:solidFill>
-              <a:schemeClr val="tx1"/>
-            </a:solidFill>
-            <a:headEnd type="none" w="med" len="med"/>
-            <a:tailEnd type="triangle" w="lg" len="lg"/>
-          </a:ln>
-        </p:spPr>
-        <p:style>
-          <a:lnRef idx="1">
-            <a:schemeClr val="accent1"/>
-          </a:lnRef>
-          <a:fillRef idx="0">
-            <a:schemeClr val="accent1"/>
-          </a:fillRef>
-          <a:effectRef idx="0">
-            <a:schemeClr val="accent1"/>
-          </a:effectRef>
-          <a:fontRef idx="minor">
-            <a:schemeClr val="tx1"/>
-          </a:fontRef>
-        </p:style>
-      </p:cxnSp>
-      <p:cxnSp>
-        <p:nvCxnSpPr>
-          <p:cNvPr id="151" name="曲线连接符 150"/>
-          <p:cNvCxnSpPr>
-            <a:stCxn id="107" idx="3"/>
-            <a:endCxn id="136" idx="1"/>
-          </p:cNvCxnSpPr>
-          <p:nvPr/>
-        </p:nvCxnSpPr>
-        <p:spPr>
-          <a:xfrm flipV="1">
-            <a:off x="6741160" y="3152775"/>
-            <a:ext cx="1243330" cy="2319020"/>
-          </a:xfrm>
-          <a:prstGeom prst="curvedConnector3">
-            <a:avLst>
-              <a:gd name="adj1" fmla="val 50000"/>
-            </a:avLst>
-          </a:prstGeom>
-          <a:ln w="19050">
-            <a:solidFill>
-              <a:schemeClr val="tx1"/>
-            </a:solidFill>
-            <a:headEnd type="none" w="med" len="med"/>
-            <a:tailEnd type="triangle" w="lg" len="lg"/>
-          </a:ln>
-        </p:spPr>
-        <p:style>
-          <a:lnRef idx="1">
-            <a:schemeClr val="accent1"/>
-          </a:lnRef>
-          <a:fillRef idx="0">
-            <a:schemeClr val="accent1"/>
-          </a:fillRef>
-          <a:effectRef idx="0">
-            <a:schemeClr val="accent1"/>
-          </a:effectRef>
-          <a:fontRef idx="minor">
-            <a:schemeClr val="tx1"/>
-          </a:fontRef>
-        </p:style>
-      </p:cxnSp>
-      <p:cxnSp>
-        <p:nvCxnSpPr>
-          <p:cNvPr id="152" name="曲线连接符 151"/>
-          <p:cNvCxnSpPr>
-            <a:stCxn id="89" idx="3"/>
-            <a:endCxn id="143" idx="1"/>
-          </p:cNvCxnSpPr>
-          <p:nvPr/>
-        </p:nvCxnSpPr>
-        <p:spPr>
-          <a:xfrm>
-            <a:off x="6741795" y="3107055"/>
-            <a:ext cx="1243330" cy="2406015"/>
-          </a:xfrm>
-          <a:prstGeom prst="curvedConnector3">
-            <a:avLst>
-              <a:gd name="adj1" fmla="val 50000"/>
-            </a:avLst>
-          </a:prstGeom>
-          <a:ln w="19050">
-            <a:solidFill>
-              <a:schemeClr val="tx1"/>
-            </a:solidFill>
-            <a:headEnd type="none" w="med" len="med"/>
-            <a:tailEnd type="triangle" w="lg" len="lg"/>
-          </a:ln>
-        </p:spPr>
-        <p:style>
-          <a:lnRef idx="1">
-            <a:schemeClr val="accent1"/>
-          </a:lnRef>
-          <a:fillRef idx="0">
-            <a:schemeClr val="accent1"/>
-          </a:fillRef>
-          <a:effectRef idx="0">
-            <a:schemeClr val="accent1"/>
-          </a:effectRef>
-          <a:fontRef idx="minor">
-            <a:schemeClr val="tx1"/>
-          </a:fontRef>
-        </p:style>
-      </p:cxnSp>
-      <p:cxnSp>
-        <p:nvCxnSpPr>
-          <p:cNvPr id="153" name="曲线连接符 152"/>
-          <p:cNvCxnSpPr>
-            <a:stCxn id="97" idx="3"/>
-            <a:endCxn id="143" idx="1"/>
-          </p:cNvCxnSpPr>
-          <p:nvPr/>
-        </p:nvCxnSpPr>
-        <p:spPr>
-          <a:xfrm>
-            <a:off x="6741160" y="3937000"/>
-            <a:ext cx="1243965" cy="1576070"/>
-          </a:xfrm>
-          <a:prstGeom prst="curvedConnector3">
-            <a:avLst>
-              <a:gd name="adj1" fmla="val 50026"/>
-            </a:avLst>
-          </a:prstGeom>
-          <a:ln w="19050">
-            <a:solidFill>
-              <a:schemeClr val="tx1"/>
-            </a:solidFill>
-            <a:headEnd type="none" w="med" len="med"/>
-            <a:tailEnd type="triangle" w="lg" len="lg"/>
-          </a:ln>
-        </p:spPr>
-        <p:style>
-          <a:lnRef idx="1">
-            <a:schemeClr val="accent1"/>
-          </a:lnRef>
-          <a:fillRef idx="0">
-            <a:schemeClr val="accent1"/>
-          </a:fillRef>
-          <a:effectRef idx="0">
-            <a:schemeClr val="accent1"/>
-          </a:effectRef>
-          <a:fontRef idx="minor">
-            <a:schemeClr val="tx1"/>
-          </a:fontRef>
-        </p:style>
-      </p:cxnSp>
-      <p:cxnSp>
-        <p:nvCxnSpPr>
-          <p:cNvPr id="154" name="曲线连接符 153"/>
-          <p:cNvCxnSpPr>
-            <a:stCxn id="105" idx="3"/>
-            <a:endCxn id="143" idx="1"/>
-          </p:cNvCxnSpPr>
-          <p:nvPr/>
-        </p:nvCxnSpPr>
-        <p:spPr>
-          <a:xfrm>
-            <a:off x="6741795" y="4774565"/>
-            <a:ext cx="1243330" cy="738505"/>
-          </a:xfrm>
-          <a:prstGeom prst="curvedConnector3">
-            <a:avLst>
-              <a:gd name="adj1" fmla="val 50000"/>
-            </a:avLst>
-          </a:prstGeom>
-          <a:ln w="19050">
-            <a:solidFill>
-              <a:schemeClr val="tx1"/>
-            </a:solidFill>
-            <a:headEnd type="none" w="med" len="med"/>
-            <a:tailEnd type="triangle" w="lg" len="lg"/>
-          </a:ln>
-        </p:spPr>
-        <p:style>
-          <a:lnRef idx="1">
-            <a:schemeClr val="accent1"/>
-          </a:lnRef>
-          <a:fillRef idx="0">
-            <a:schemeClr val="accent1"/>
-          </a:fillRef>
-          <a:effectRef idx="0">
-            <a:schemeClr val="accent1"/>
-          </a:effectRef>
-          <a:fontRef idx="minor">
-            <a:schemeClr val="tx1"/>
-          </a:fontRef>
-        </p:style>
-      </p:cxnSp>
-      <p:cxnSp>
-        <p:nvCxnSpPr>
-          <p:cNvPr id="155" name="曲线连接符 154"/>
-          <p:cNvCxnSpPr>
-            <a:stCxn id="113" idx="3"/>
-            <a:endCxn id="143" idx="1"/>
-          </p:cNvCxnSpPr>
-          <p:nvPr/>
-        </p:nvCxnSpPr>
-        <p:spPr>
-          <a:xfrm flipV="1">
-            <a:off x="6741160" y="5513070"/>
-            <a:ext cx="1243965" cy="506095"/>
-          </a:xfrm>
-          <a:prstGeom prst="curvedConnector3">
-            <a:avLst>
-              <a:gd name="adj1" fmla="val 50026"/>
-            </a:avLst>
-          </a:prstGeom>
-          <a:ln w="19050">
-            <a:solidFill>
-              <a:schemeClr val="tx1"/>
-            </a:solidFill>
-            <a:headEnd type="none" w="med" len="med"/>
-            <a:tailEnd type="triangle" w="lg" len="lg"/>
-          </a:ln>
-        </p:spPr>
-        <p:style>
-          <a:lnRef idx="1">
-            <a:schemeClr val="accent1"/>
-          </a:lnRef>
-          <a:fillRef idx="0">
-            <a:schemeClr val="accent1"/>
-          </a:fillRef>
-          <a:effectRef idx="0">
-            <a:schemeClr val="accent1"/>
-          </a:effectRef>
-          <a:fontRef idx="minor">
-            <a:schemeClr val="tx1"/>
-          </a:fontRef>
-        </p:style>
-      </p:cxnSp>
-      <p:sp>
-        <p:nvSpPr>
-          <p:cNvPr id="157" name="文本框 156"/>
-          <p:cNvSpPr txBox="1"/>
-          <p:nvPr/>
-        </p:nvSpPr>
-        <p:spPr>
-          <a:xfrm>
-            <a:off x="7560310" y="3907155"/>
-            <a:ext cx="459740" cy="882015"/>
-          </a:xfrm>
-          <a:prstGeom prst="rect">
-            <a:avLst/>
-          </a:prstGeom>
-          <a:noFill/>
-        </p:spPr>
-        <p:txBody>
-          <a:bodyPr vert="eaVert" wrap="square" rtlCol="0">
-            <a:spAutoFit/>
-          </a:bodyPr>
-          <a:p>
-            <a:r>
-              <a:rPr lang="en-US" altLang="zh-CN"/>
-              <a:t>...       ...</a:t>
-            </a:r>
-            <a:endParaRPr lang="en-US" altLang="zh-CN"/>
-          </a:p>
-        </p:txBody>
-      </p:sp>
-      <p:sp>
-        <p:nvSpPr>
-          <p:cNvPr id="158" name="矩形 157"/>
-          <p:cNvSpPr/>
-          <p:nvPr/>
-        </p:nvSpPr>
-        <p:spPr>
-          <a:xfrm>
-            <a:off x="9679305" y="2833370"/>
-            <a:ext cx="1184275" cy="3166110"/>
-          </a:xfrm>
-          <a:prstGeom prst="rect">
-            <a:avLst/>
-          </a:prstGeom>
-          <a:solidFill>
-            <a:schemeClr val="bg2"/>
-          </a:solidFill>
-          <a:ln w="31750" cmpd="sng">
-            <a:solidFill>
-              <a:schemeClr val="bg2">
-                <a:lumMod val="75000"/>
-              </a:schemeClr>
-            </a:solidFill>
-            <a:prstDash val="sysDash"/>
-          </a:ln>
-        </p:spPr>
-        <p:style>
-          <a:lnRef idx="2">
-            <a:schemeClr val="accent1">
-              <a:shade val="50000"/>
-            </a:schemeClr>
-          </a:lnRef>
-          <a:fillRef idx="1">
-            <a:schemeClr val="accent1"/>
-          </a:fillRef>
-          <a:effectRef idx="0">
-            <a:schemeClr val="accent1"/>
-          </a:effectRef>
-          <a:fontRef idx="minor">
-            <a:schemeClr val="lt1"/>
-          </a:fontRef>
-        </p:style>
-        <p:txBody>
-          <a:bodyPr rtlCol="0" anchor="ctr"/>
-          <a:p>
-            <a:pPr algn="ctr"/>
-            <a:endParaRPr lang="zh-CN" altLang="en-US" dirty="0">
-              <a:solidFill>
-                <a:schemeClr val="tx1"/>
-              </a:solidFill>
-            </a:endParaRPr>
-          </a:p>
-        </p:txBody>
-      </p:sp>
-      <p:sp>
-        <p:nvSpPr>
-          <p:cNvPr id="159" name="文本框 158"/>
-          <p:cNvSpPr txBox="1"/>
-          <p:nvPr/>
-        </p:nvSpPr>
-        <p:spPr>
-          <a:xfrm>
-            <a:off x="9498965" y="6137275"/>
-            <a:ext cx="1364615" cy="368300"/>
-          </a:xfrm>
-          <a:prstGeom prst="rect">
-            <a:avLst/>
-          </a:prstGeom>
-          <a:noFill/>
-        </p:spPr>
-        <p:txBody>
-          <a:bodyPr wrap="square" rtlCol="0">
-            <a:spAutoFit/>
-          </a:bodyPr>
-          <a:p>
-            <a:r>
-              <a:rPr lang="en-US" altLang="zh-CN"/>
-              <a:t>O</a:t>
-            </a:r>
-            <a:r>
-              <a:rPr lang="en-US" altLang="zh-CN"/>
-              <a:t>utput </a:t>
-            </a:r>
-            <a:r>
-              <a:rPr lang="en-US" altLang="zh-CN"/>
-              <a:t>files</a:t>
-            </a:r>
-            <a:endParaRPr lang="en-US" altLang="zh-CN"/>
-          </a:p>
-        </p:txBody>
-      </p:sp>
-      <p:sp>
-        <p:nvSpPr>
-          <p:cNvPr id="160" name="文本框 159"/>
-          <p:cNvSpPr txBox="1"/>
-          <p:nvPr/>
-        </p:nvSpPr>
-        <p:spPr>
-          <a:xfrm>
-            <a:off x="7555865" y="6156960"/>
-            <a:ext cx="1708150" cy="368300"/>
-          </a:xfrm>
-          <a:prstGeom prst="rect">
-            <a:avLst/>
-          </a:prstGeom>
-          <a:noFill/>
-        </p:spPr>
-        <p:txBody>
-          <a:bodyPr wrap="square" rtlCol="0">
-            <a:spAutoFit/>
-          </a:bodyPr>
-          <a:p>
-            <a:r>
-              <a:rPr lang="en-US" altLang="zh-CN"/>
-              <a:t>Reduce </a:t>
-            </a:r>
-            <a:r>
-              <a:rPr lang="en-US" altLang="zh-CN"/>
-              <a:t>phrase</a:t>
-            </a:r>
-            <a:endParaRPr lang="en-US" altLang="zh-CN"/>
-          </a:p>
-        </p:txBody>
-      </p:sp>
-      <p:sp>
-        <p:nvSpPr>
-          <p:cNvPr id="161" name="矩形 160"/>
-          <p:cNvSpPr/>
-          <p:nvPr/>
-        </p:nvSpPr>
-        <p:spPr>
-          <a:xfrm>
-            <a:off x="9800590" y="2952750"/>
-            <a:ext cx="932815" cy="527685"/>
-          </a:xfrm>
-          <a:prstGeom prst="rect">
-            <a:avLst/>
-          </a:prstGeom>
-          <a:noFill/>
-          <a:ln w="28575">
-            <a:solidFill>
-              <a:schemeClr val="tx1"/>
-            </a:solidFill>
-          </a:ln>
-        </p:spPr>
-        <p:style>
-          <a:lnRef idx="2">
-            <a:schemeClr val="accent1">
-              <a:shade val="50000"/>
-            </a:schemeClr>
-          </a:lnRef>
-          <a:fillRef idx="1">
-            <a:schemeClr val="accent1"/>
-          </a:fillRef>
-          <a:effectRef idx="0">
-            <a:schemeClr val="accent1"/>
-          </a:effectRef>
-          <a:fontRef idx="minor">
-            <a:schemeClr val="lt1"/>
-          </a:fontRef>
-        </p:style>
-        <p:txBody>
-          <a:bodyPr rtlCol="0" anchor="ctr"/>
-          <a:p>
-            <a:pPr algn="ctr"/>
-            <a:endParaRPr lang="zh-CN" altLang="en-US" dirty="0">
-              <a:solidFill>
-                <a:schemeClr val="tx1"/>
-              </a:solidFill>
-            </a:endParaRPr>
-          </a:p>
-        </p:txBody>
-      </p:sp>
-      <p:sp>
-        <p:nvSpPr>
-          <p:cNvPr id="162" name="文本框 161"/>
-          <p:cNvSpPr txBox="1"/>
-          <p:nvPr/>
-        </p:nvSpPr>
-        <p:spPr>
-          <a:xfrm>
-            <a:off x="9724390" y="2924810"/>
-            <a:ext cx="1009015" cy="645160"/>
-          </a:xfrm>
-          <a:prstGeom prst="rect">
-            <a:avLst/>
-          </a:prstGeom>
-          <a:noFill/>
-        </p:spPr>
-        <p:txBody>
-          <a:bodyPr wrap="square" rtlCol="0">
-            <a:spAutoFit/>
-          </a:bodyPr>
-          <a:p>
-            <a:pPr algn="ctr"/>
-            <a:r>
-              <a:rPr lang="en-US" altLang="zh-CN"/>
-              <a:t> O</a:t>
-            </a:r>
-            <a:r>
-              <a:rPr lang="en-US" altLang="zh-CN"/>
-              <a:t>utput</a:t>
-            </a:r>
-            <a:endParaRPr lang="en-US" altLang="zh-CN"/>
-          </a:p>
-          <a:p>
-            <a:pPr algn="ctr"/>
-            <a:r>
-              <a:rPr lang="en-US" altLang="zh-CN"/>
-              <a:t>file0</a:t>
-            </a:r>
-            <a:endParaRPr lang="en-US" altLang="zh-CN"/>
-          </a:p>
-        </p:txBody>
-      </p:sp>
-      <p:sp>
-        <p:nvSpPr>
-          <p:cNvPr id="163" name="矩形 162"/>
-          <p:cNvSpPr/>
-          <p:nvPr/>
-        </p:nvSpPr>
-        <p:spPr>
-          <a:xfrm>
-            <a:off x="9805035" y="3608070"/>
-            <a:ext cx="932815" cy="527685"/>
-          </a:xfrm>
-          <a:prstGeom prst="rect">
-            <a:avLst/>
-          </a:prstGeom>
-          <a:noFill/>
-          <a:ln w="28575">
-            <a:solidFill>
-              <a:schemeClr val="tx1"/>
-            </a:solidFill>
-          </a:ln>
-        </p:spPr>
-        <p:style>
-          <a:lnRef idx="2">
-            <a:schemeClr val="accent1">
-              <a:shade val="50000"/>
-            </a:schemeClr>
-          </a:lnRef>
-          <a:fillRef idx="1">
-            <a:schemeClr val="accent1"/>
-          </a:fillRef>
-          <a:effectRef idx="0">
-            <a:schemeClr val="accent1"/>
-          </a:effectRef>
-          <a:fontRef idx="minor">
-            <a:schemeClr val="lt1"/>
-          </a:fontRef>
-        </p:style>
-        <p:txBody>
-          <a:bodyPr rtlCol="0" anchor="ctr"/>
-          <a:p>
-            <a:pPr algn="ctr"/>
-            <a:endParaRPr lang="zh-CN" altLang="en-US" dirty="0">
-              <a:solidFill>
-                <a:schemeClr val="tx1"/>
-              </a:solidFill>
-            </a:endParaRPr>
-          </a:p>
-        </p:txBody>
-      </p:sp>
-      <p:sp>
-        <p:nvSpPr>
-          <p:cNvPr id="164" name="文本框 163"/>
-          <p:cNvSpPr txBox="1"/>
-          <p:nvPr/>
-        </p:nvSpPr>
-        <p:spPr>
-          <a:xfrm>
-            <a:off x="9728835" y="3580130"/>
-            <a:ext cx="1009015" cy="645160"/>
-          </a:xfrm>
-          <a:prstGeom prst="rect">
-            <a:avLst/>
-          </a:prstGeom>
-          <a:noFill/>
-        </p:spPr>
-        <p:txBody>
-          <a:bodyPr wrap="square" rtlCol="0">
-            <a:spAutoFit/>
-          </a:bodyPr>
-          <a:p>
-            <a:pPr algn="ctr"/>
-            <a:r>
-              <a:rPr lang="en-US" altLang="zh-CN"/>
-              <a:t> O</a:t>
-            </a:r>
-            <a:r>
-              <a:rPr lang="en-US" altLang="zh-CN"/>
-              <a:t>utput</a:t>
-            </a:r>
-            <a:endParaRPr lang="en-US" altLang="zh-CN"/>
-          </a:p>
-          <a:p>
-            <a:pPr algn="ctr"/>
-            <a:r>
-              <a:rPr lang="en-US" altLang="zh-CN"/>
-              <a:t>file1</a:t>
-            </a:r>
-            <a:endParaRPr lang="en-US" altLang="zh-CN"/>
-          </a:p>
-        </p:txBody>
-      </p:sp>
-      <p:sp>
-        <p:nvSpPr>
-          <p:cNvPr id="165" name="矩形 164"/>
-          <p:cNvSpPr/>
-          <p:nvPr/>
-        </p:nvSpPr>
-        <p:spPr>
-          <a:xfrm>
-            <a:off x="9809480" y="4500880"/>
-            <a:ext cx="932815" cy="527685"/>
-          </a:xfrm>
-          <a:prstGeom prst="rect">
-            <a:avLst/>
-          </a:prstGeom>
-          <a:noFill/>
-          <a:ln w="28575">
-            <a:solidFill>
-              <a:schemeClr val="tx1"/>
-            </a:solidFill>
-          </a:ln>
-        </p:spPr>
-        <p:style>
-          <a:lnRef idx="2">
-            <a:schemeClr val="accent1">
-              <a:shade val="50000"/>
-            </a:schemeClr>
-          </a:lnRef>
-          <a:fillRef idx="1">
-            <a:schemeClr val="accent1"/>
-          </a:fillRef>
-          <a:effectRef idx="0">
-            <a:schemeClr val="accent1"/>
-          </a:effectRef>
-          <a:fontRef idx="minor">
-            <a:schemeClr val="lt1"/>
-          </a:fontRef>
-        </p:style>
-        <p:txBody>
-          <a:bodyPr rtlCol="0" anchor="ctr"/>
-          <a:p>
-            <a:pPr algn="ctr"/>
-            <a:endParaRPr lang="zh-CN" altLang="en-US" dirty="0">
-              <a:solidFill>
-                <a:schemeClr val="tx1"/>
-              </a:solidFill>
-            </a:endParaRPr>
-          </a:p>
-        </p:txBody>
-      </p:sp>
-      <p:sp>
-        <p:nvSpPr>
-          <p:cNvPr id="166" name="文本框 165"/>
-          <p:cNvSpPr txBox="1"/>
-          <p:nvPr/>
-        </p:nvSpPr>
-        <p:spPr>
-          <a:xfrm>
-            <a:off x="9733280" y="4472940"/>
-            <a:ext cx="1009015" cy="645160"/>
-          </a:xfrm>
-          <a:prstGeom prst="rect">
-            <a:avLst/>
-          </a:prstGeom>
-          <a:noFill/>
-        </p:spPr>
-        <p:txBody>
-          <a:bodyPr wrap="square" rtlCol="0">
-            <a:spAutoFit/>
-          </a:bodyPr>
-          <a:p>
-            <a:pPr algn="ctr"/>
-            <a:r>
-              <a:rPr lang="en-US" altLang="zh-CN"/>
-              <a:t> O</a:t>
-            </a:r>
-            <a:r>
-              <a:rPr lang="en-US" altLang="zh-CN"/>
-              <a:t>utput</a:t>
-            </a:r>
-            <a:endParaRPr lang="en-US" altLang="zh-CN"/>
-          </a:p>
-          <a:p>
-            <a:pPr algn="ctr"/>
-            <a:r>
-              <a:rPr lang="en-US" altLang="zh-CN"/>
-              <a:t>file2</a:t>
-            </a:r>
-            <a:endParaRPr lang="en-US" altLang="zh-CN"/>
-          </a:p>
-        </p:txBody>
-      </p:sp>
-      <p:sp>
-        <p:nvSpPr>
-          <p:cNvPr id="167" name="矩形 166"/>
-          <p:cNvSpPr/>
-          <p:nvPr/>
-        </p:nvSpPr>
-        <p:spPr>
-          <a:xfrm>
-            <a:off x="9809480" y="5309235"/>
-            <a:ext cx="932815" cy="527685"/>
-          </a:xfrm>
-          <a:prstGeom prst="rect">
-            <a:avLst/>
-          </a:prstGeom>
-          <a:noFill/>
-          <a:ln w="28575">
-            <a:solidFill>
-              <a:schemeClr val="tx1"/>
-            </a:solidFill>
-          </a:ln>
-        </p:spPr>
-        <p:style>
-          <a:lnRef idx="2">
-            <a:schemeClr val="accent1">
-              <a:shade val="50000"/>
-            </a:schemeClr>
-          </a:lnRef>
-          <a:fillRef idx="1">
-            <a:schemeClr val="accent1"/>
-          </a:fillRef>
-          <a:effectRef idx="0">
-            <a:schemeClr val="accent1"/>
-          </a:effectRef>
-          <a:fontRef idx="minor">
-            <a:schemeClr val="lt1"/>
-          </a:fontRef>
-        </p:style>
-        <p:txBody>
-          <a:bodyPr rtlCol="0" anchor="ctr"/>
-          <a:p>
-            <a:pPr algn="ctr"/>
-            <a:endParaRPr lang="zh-CN" altLang="en-US" dirty="0">
-              <a:solidFill>
-                <a:schemeClr val="tx1"/>
-              </a:solidFill>
-            </a:endParaRPr>
-          </a:p>
-        </p:txBody>
-      </p:sp>
-      <p:sp>
-        <p:nvSpPr>
-          <p:cNvPr id="168" name="文本框 167"/>
-          <p:cNvSpPr txBox="1"/>
-          <p:nvPr/>
-        </p:nvSpPr>
-        <p:spPr>
-          <a:xfrm>
-            <a:off x="9733280" y="5281295"/>
-            <a:ext cx="1009015" cy="645160"/>
-          </a:xfrm>
-          <a:prstGeom prst="rect">
-            <a:avLst/>
-          </a:prstGeom>
-          <a:noFill/>
-        </p:spPr>
-        <p:txBody>
-          <a:bodyPr wrap="square" rtlCol="0">
-            <a:spAutoFit/>
-          </a:bodyPr>
-          <a:p>
-            <a:pPr algn="ctr"/>
-            <a:r>
-              <a:rPr lang="en-US" altLang="zh-CN"/>
-              <a:t> O</a:t>
-            </a:r>
-            <a:r>
-              <a:rPr lang="en-US" altLang="zh-CN"/>
-              <a:t>utput</a:t>
-            </a:r>
-            <a:endParaRPr lang="en-US" altLang="zh-CN"/>
-          </a:p>
-          <a:p>
-            <a:pPr algn="ctr"/>
-            <a:r>
-              <a:rPr lang="en-US" altLang="zh-CN"/>
-              <a:t>file0</a:t>
-            </a:r>
-            <a:endParaRPr lang="en-US" altLang="zh-CN"/>
-          </a:p>
-        </p:txBody>
-      </p:sp>
-      <p:sp>
-        <p:nvSpPr>
-          <p:cNvPr id="169" name="文本框 168"/>
-          <p:cNvSpPr txBox="1"/>
-          <p:nvPr/>
-        </p:nvSpPr>
-        <p:spPr>
-          <a:xfrm>
-            <a:off x="9885680" y="4965700"/>
-            <a:ext cx="781050" cy="368300"/>
-          </a:xfrm>
-          <a:prstGeom prst="rect">
-            <a:avLst/>
-          </a:prstGeom>
-          <a:noFill/>
-        </p:spPr>
-        <p:txBody>
-          <a:bodyPr wrap="square" rtlCol="0">
-            <a:spAutoFit/>
-          </a:bodyPr>
-          <a:p>
-            <a:r>
-              <a:rPr lang="en-US" altLang="zh-CN"/>
-              <a:t>...    ...</a:t>
-            </a:r>
-            <a:endParaRPr lang="en-US" altLang="zh-CN"/>
-          </a:p>
-        </p:txBody>
-      </p:sp>
-      <p:cxnSp>
-        <p:nvCxnSpPr>
-          <p:cNvPr id="170" name="直接箭头连接符 169"/>
-          <p:cNvCxnSpPr>
-            <a:stCxn id="136" idx="3"/>
-          </p:cNvCxnSpPr>
-          <p:nvPr/>
-        </p:nvCxnSpPr>
-        <p:spPr>
-          <a:xfrm>
-            <a:off x="8835390" y="3152775"/>
-            <a:ext cx="980440" cy="0"/>
-          </a:xfrm>
-          <a:prstGeom prst="straightConnector1">
-            <a:avLst/>
-          </a:prstGeom>
-          <a:ln w="19050">
-            <a:solidFill>
-              <a:schemeClr val="tx1"/>
-            </a:solidFill>
-            <a:headEnd type="none" w="med" len="med"/>
-            <a:tailEnd type="triangle" w="lg" len="lg"/>
-          </a:ln>
-        </p:spPr>
-        <p:style>
-          <a:lnRef idx="1">
-            <a:schemeClr val="accent1"/>
-          </a:lnRef>
-          <a:fillRef idx="0">
-            <a:schemeClr val="accent1"/>
-          </a:fillRef>
-          <a:effectRef idx="0">
-            <a:schemeClr val="accent1"/>
-          </a:effectRef>
-          <a:fontRef idx="minor">
-            <a:schemeClr val="tx1"/>
-          </a:fontRef>
-        </p:style>
-      </p:cxnSp>
-      <p:cxnSp>
-        <p:nvCxnSpPr>
-          <p:cNvPr id="171" name="直接箭头连接符 170"/>
-          <p:cNvCxnSpPr>
-            <a:stCxn id="139" idx="3"/>
-          </p:cNvCxnSpPr>
-          <p:nvPr/>
-        </p:nvCxnSpPr>
-        <p:spPr>
-          <a:xfrm>
-            <a:off x="8836025" y="3891915"/>
-            <a:ext cx="979805" cy="0"/>
-          </a:xfrm>
-          <a:prstGeom prst="straightConnector1">
-            <a:avLst/>
-          </a:prstGeom>
-          <a:ln w="19050">
-            <a:solidFill>
-              <a:schemeClr val="tx1"/>
-            </a:solidFill>
-            <a:headEnd type="none" w="med" len="med"/>
-            <a:tailEnd type="triangle" w="lg" len="lg"/>
-          </a:ln>
-        </p:spPr>
-        <p:style>
-          <a:lnRef idx="1">
-            <a:schemeClr val="accent1"/>
-          </a:lnRef>
-          <a:fillRef idx="0">
-            <a:schemeClr val="accent1"/>
-          </a:fillRef>
-          <a:effectRef idx="0">
-            <a:schemeClr val="accent1"/>
-          </a:effectRef>
-          <a:fontRef idx="minor">
-            <a:schemeClr val="tx1"/>
-          </a:fontRef>
-        </p:style>
-      </p:cxnSp>
-      <p:cxnSp>
-        <p:nvCxnSpPr>
-          <p:cNvPr id="172" name="直接箭头连接符 171"/>
-          <p:cNvCxnSpPr/>
-          <p:nvPr/>
-        </p:nvCxnSpPr>
-        <p:spPr>
-          <a:xfrm>
-            <a:off x="8824595" y="4773930"/>
-            <a:ext cx="980440" cy="0"/>
-          </a:xfrm>
-          <a:prstGeom prst="straightConnector1">
-            <a:avLst/>
-          </a:prstGeom>
-          <a:ln w="19050">
-            <a:solidFill>
-              <a:schemeClr val="tx1"/>
-            </a:solidFill>
-            <a:headEnd type="none" w="med" len="med"/>
-            <a:tailEnd type="triangle" w="lg" len="lg"/>
-          </a:ln>
-        </p:spPr>
-        <p:style>
-          <a:lnRef idx="1">
-            <a:schemeClr val="accent1"/>
-          </a:lnRef>
-          <a:fillRef idx="0">
-            <a:schemeClr val="accent1"/>
-          </a:fillRef>
-          <a:effectRef idx="0">
-            <a:schemeClr val="accent1"/>
-          </a:effectRef>
-          <a:fontRef idx="minor">
-            <a:schemeClr val="tx1"/>
-          </a:fontRef>
-        </p:style>
-      </p:cxnSp>
-      <p:cxnSp>
-        <p:nvCxnSpPr>
-          <p:cNvPr id="173" name="直接箭头连接符 172"/>
-          <p:cNvCxnSpPr/>
-          <p:nvPr/>
-        </p:nvCxnSpPr>
-        <p:spPr>
-          <a:xfrm>
-            <a:off x="8836025" y="5516245"/>
-            <a:ext cx="980440" cy="0"/>
-          </a:xfrm>
-          <a:prstGeom prst="straightConnector1">
-            <a:avLst/>
-          </a:prstGeom>
-          <a:ln w="19050">
-            <a:solidFill>
-              <a:schemeClr val="tx1"/>
-            </a:solidFill>
-            <a:headEnd type="none" w="med" len="med"/>
-            <a:tailEnd type="triangle" w="lg" len="lg"/>
-          </a:ln>
-        </p:spPr>
-        <p:style>
-          <a:lnRef idx="1">
-            <a:schemeClr val="accent1"/>
-          </a:lnRef>
-          <a:fillRef idx="0">
-            <a:schemeClr val="accent1"/>
-          </a:fillRef>
-          <a:effectRef idx="0">
-            <a:schemeClr val="accent1"/>
-          </a:effectRef>
-          <a:fontRef idx="minor">
-            <a:schemeClr val="tx1"/>
-          </a:fontRef>
-        </p:style>
-      </p:cxnSp>
-      <p:sp>
-        <p:nvSpPr>
-          <p:cNvPr id="174" name="文本框 173"/>
-          <p:cNvSpPr txBox="1"/>
-          <p:nvPr/>
-        </p:nvSpPr>
-        <p:spPr>
-          <a:xfrm>
-            <a:off x="3000375" y="2788285"/>
-            <a:ext cx="659765" cy="368300"/>
-          </a:xfrm>
-          <a:prstGeom prst="rect">
-            <a:avLst/>
-          </a:prstGeom>
-          <a:noFill/>
-        </p:spPr>
-        <p:txBody>
-          <a:bodyPr wrap="square" rtlCol="0">
-            <a:spAutoFit/>
-          </a:bodyPr>
-          <a:p>
-            <a:r>
-              <a:rPr lang="en-US" altLang="zh-CN">
-                <a:solidFill>
-                  <a:schemeClr val="bg1">
-                    <a:lumMod val="50000"/>
-                  </a:schemeClr>
-                </a:solidFill>
-              </a:rPr>
-              <a:t>read</a:t>
-            </a:r>
-            <a:endParaRPr lang="en-US" altLang="zh-CN">
-              <a:solidFill>
-                <a:schemeClr val="bg1">
-                  <a:lumMod val="50000"/>
-                </a:schemeClr>
-              </a:solidFill>
-            </a:endParaRPr>
-          </a:p>
-        </p:txBody>
-      </p:sp>
-      <p:sp>
-        <p:nvSpPr>
-          <p:cNvPr id="175" name="文本框 174"/>
-          <p:cNvSpPr txBox="1"/>
-          <p:nvPr/>
-        </p:nvSpPr>
-        <p:spPr>
-          <a:xfrm>
-            <a:off x="4627245" y="2584450"/>
-            <a:ext cx="720090" cy="368300"/>
-          </a:xfrm>
-          <a:prstGeom prst="rect">
-            <a:avLst/>
-          </a:prstGeom>
-          <a:noFill/>
-        </p:spPr>
-        <p:txBody>
-          <a:bodyPr wrap="square" rtlCol="0">
-            <a:spAutoFit/>
-          </a:bodyPr>
-          <a:p>
-            <a:r>
-              <a:rPr lang="en-US" altLang="zh-CN">
-                <a:solidFill>
-                  <a:schemeClr val="bg1">
-                    <a:lumMod val="50000"/>
-                  </a:schemeClr>
-                </a:solidFill>
-              </a:rPr>
-              <a:t>wirte</a:t>
-            </a:r>
-            <a:endParaRPr lang="en-US" altLang="zh-CN">
-              <a:solidFill>
-                <a:schemeClr val="bg1">
-                  <a:lumMod val="50000"/>
-                </a:schemeClr>
-              </a:solidFill>
-            </a:endParaRPr>
-          </a:p>
-        </p:txBody>
-      </p:sp>
-      <p:sp>
-        <p:nvSpPr>
-          <p:cNvPr id="176" name="文本框 175"/>
-          <p:cNvSpPr txBox="1"/>
-          <p:nvPr/>
-        </p:nvSpPr>
-        <p:spPr>
-          <a:xfrm>
-            <a:off x="7193280" y="2490470"/>
-            <a:ext cx="916305" cy="645160"/>
-          </a:xfrm>
-          <a:prstGeom prst="rect">
-            <a:avLst/>
-          </a:prstGeom>
-          <a:noFill/>
-        </p:spPr>
-        <p:txBody>
-          <a:bodyPr wrap="square" rtlCol="0">
-            <a:spAutoFit/>
-          </a:bodyPr>
-          <a:p>
-            <a:pPr algn="ctr"/>
-            <a:r>
-              <a:rPr lang="en-US" altLang="zh-CN">
-                <a:solidFill>
-                  <a:schemeClr val="bg1">
-                    <a:lumMod val="50000"/>
-                  </a:schemeClr>
-                </a:solidFill>
-              </a:rPr>
-              <a:t>remoteread</a:t>
-            </a:r>
-            <a:endParaRPr lang="en-US" altLang="zh-CN">
-              <a:solidFill>
-                <a:schemeClr val="bg1">
-                  <a:lumMod val="50000"/>
-                </a:schemeClr>
-              </a:solidFill>
-            </a:endParaRPr>
-          </a:p>
-        </p:txBody>
-      </p:sp>
-      <p:sp>
-        <p:nvSpPr>
-          <p:cNvPr id="177" name="文本框 176"/>
-          <p:cNvSpPr txBox="1"/>
-          <p:nvPr/>
-        </p:nvSpPr>
-        <p:spPr>
-          <a:xfrm>
-            <a:off x="8966200" y="2833370"/>
-            <a:ext cx="720090" cy="368300"/>
-          </a:xfrm>
-          <a:prstGeom prst="rect">
-            <a:avLst/>
-          </a:prstGeom>
-          <a:noFill/>
-        </p:spPr>
-        <p:txBody>
-          <a:bodyPr wrap="square" rtlCol="0">
-            <a:spAutoFit/>
-          </a:bodyPr>
-          <a:p>
-            <a:r>
-              <a:rPr lang="en-US" altLang="zh-CN">
-                <a:solidFill>
-                  <a:schemeClr val="bg1">
-                    <a:lumMod val="50000"/>
-                  </a:schemeClr>
-                </a:solidFill>
-              </a:rPr>
-              <a:t>wirte</a:t>
-            </a:r>
-            <a:endParaRPr lang="en-US" altLang="zh-CN">
-              <a:solidFill>
-                <a:schemeClr val="bg1">
-                  <a:lumMod val="50000"/>
-                </a:schemeClr>
-              </a:solidFill>
-            </a:endParaRPr>
-          </a:p>
-        </p:txBody>
-      </p:sp>
-      <p:sp>
-        <p:nvSpPr>
-          <p:cNvPr id="6" name="文本框 5"/>
-          <p:cNvSpPr txBox="1"/>
-          <p:nvPr/>
-        </p:nvSpPr>
-        <p:spPr>
-          <a:xfrm>
-            <a:off x="7924800" y="2628900"/>
-            <a:ext cx="969645" cy="368300"/>
-          </a:xfrm>
-          <a:prstGeom prst="rect">
-            <a:avLst/>
-          </a:prstGeom>
-          <a:noFill/>
-        </p:spPr>
-        <p:txBody>
-          <a:bodyPr wrap="square" rtlCol="0">
-            <a:spAutoFit/>
-          </a:bodyPr>
-          <a:p>
-            <a:pPr algn="l"/>
-            <a:r>
-              <a:rPr lang="en-US" altLang="zh-CN" b="1">
-                <a:solidFill>
-                  <a:srgbClr val="0070C0"/>
-                </a:solidFill>
-              </a:rPr>
-              <a:t>Stage 2</a:t>
-            </a:r>
-            <a:endParaRPr lang="en-US" altLang="zh-CN" b="1">
-              <a:solidFill>
-                <a:srgbClr val="0070C0"/>
-              </a:solidFill>
             </a:endParaRPr>
           </a:p>
         </p:txBody>
@@ -33101,6 +28857,32 @@
           </a:p>
         </p:txBody>
       </p:sp>
+      <p:pic>
+        <p:nvPicPr>
+          <p:cNvPr id="6" name="图片 5" descr="返回">
+            <a:hlinkClick r:id="rId3" tooltip="" action="ppaction://hlinksldjump"/>
+          </p:cNvPr>
+          <p:cNvPicPr>
+            <a:picLocks noChangeAspect="1"/>
+          </p:cNvPicPr>
+          <p:nvPr/>
+        </p:nvPicPr>
+        <p:blipFill>
+          <a:blip r:embed="rId4"/>
+          <a:stretch>
+            <a:fillRect/>
+          </a:stretch>
+        </p:blipFill>
+        <p:spPr>
+          <a:xfrm>
+            <a:off x="10312400" y="6176010"/>
+            <a:ext cx="595630" cy="595630"/>
+          </a:xfrm>
+          <a:prstGeom prst="rect">
+            <a:avLst/>
+          </a:prstGeom>
+        </p:spPr>
+      </p:pic>
     </p:spTree>
   </p:cSld>
   <p:clrMapOvr>
@@ -33186,7 +28968,7 @@
                 <a:latin typeface="微软雅黑" panose="020B0503020204020204" charset="-122"/>
                 <a:ea typeface="微软雅黑" panose="020B0503020204020204" charset="-122"/>
               </a:rPr>
-              <a:t>Data access pattern</a:t>
+              <a:t>Data access frequency</a:t>
             </a:r>
             <a:endParaRPr lang="en-US" altLang="zh-CN">
               <a:solidFill>
@@ -33206,7 +28988,7 @@
                 <a:uFillTx/>
                 <a:latin typeface="等线" panose="02010600030101010101" charset="-122"/>
               </a:rPr>
-              <a:t> Fanout degree</a:t>
+              <a:t> Batch </a:t>
             </a:r>
             <a:r>
               <a:rPr lang="zh-CN" altLang="en-US">

--- a/meeting/Serverless数据分析应用特征的定性分析.pptx
+++ b/meeting/Serverless数据分析应用特征的定性分析.pptx
@@ -19,9 +19,9 @@
     <p:sldId id="516" r:id="rId12"/>
     <p:sldId id="521" r:id="rId13"/>
     <p:sldId id="522" r:id="rId14"/>
-    <p:sldId id="568" r:id="rId15"/>
-    <p:sldId id="582" r:id="rId16"/>
-    <p:sldId id="569" r:id="rId17"/>
+    <p:sldId id="582" r:id="rId15"/>
+    <p:sldId id="569" r:id="rId16"/>
+    <p:sldId id="568" r:id="rId17"/>
     <p:sldId id="546" r:id="rId18"/>
     <p:sldId id="549" r:id="rId19"/>
     <p:sldId id="547" r:id="rId20"/>
@@ -1041,7 +1041,84 @@
         <p:txBody>
           <a:bodyPr/>
           <a:p>
-            <a:endParaRPr>
+            <a:r>
+              <a:rPr lang="en-US">
+                <a:sym typeface="+mn-ea"/>
+              </a:rPr>
+              <a:t>* </a:t>
+            </a:r>
+            <a:r>
+              <a:rPr lang="zh-CN" altLang="en-US">
+                <a:sym typeface="+mn-ea"/>
+              </a:rPr>
+              <a:t>问题：调研的数据分析应用一个任务只由一个函数构成（至少应用感知的那篇</a:t>
+            </a:r>
+            <a:r>
+              <a:rPr lang="en-US" altLang="zh-CN">
+                <a:sym typeface="+mn-ea"/>
+              </a:rPr>
+              <a:t>paper</a:t>
+            </a:r>
+            <a:r>
+              <a:rPr lang="zh-CN" altLang="en-US">
+                <a:sym typeface="+mn-ea"/>
+              </a:rPr>
+              <a:t>中的三个应用都是这样的），而且一个</a:t>
+            </a:r>
+            <a:r>
+              <a:rPr lang="en-US" altLang="zh-CN">
+                <a:sym typeface="+mn-ea"/>
+              </a:rPr>
+              <a:t>stage</a:t>
+            </a:r>
+            <a:r>
+              <a:rPr lang="zh-CN" altLang="en-US">
+                <a:sym typeface="+mn-ea"/>
+              </a:rPr>
+              <a:t>内的任务都是并行的，这样一个</a:t>
+            </a:r>
+            <a:r>
+              <a:rPr lang="en-US" altLang="zh-CN">
+                <a:sym typeface="+mn-ea"/>
+              </a:rPr>
+              <a:t>stage</a:t>
+            </a:r>
+            <a:r>
+              <a:rPr lang="zh-CN" altLang="en-US">
+                <a:sym typeface="+mn-ea"/>
+              </a:rPr>
+              <a:t>内就不存在函数之间的通信。这样</a:t>
+            </a:r>
+            <a:r>
+              <a:rPr lang="en-US" altLang="zh-CN">
+                <a:sym typeface="+mn-ea"/>
+              </a:rPr>
+              <a:t>Sonic</a:t>
+            </a:r>
+            <a:r>
+              <a:rPr lang="zh-CN" altLang="en-US">
+                <a:sym typeface="+mn-ea"/>
+              </a:rPr>
+              <a:t>的应用感知方案虽然是以函数为粒度，但也可以理解为</a:t>
+            </a:r>
+            <a:r>
+              <a:rPr lang="en-US" altLang="zh-CN">
+                <a:sym typeface="+mn-ea"/>
+              </a:rPr>
+              <a:t>stage-</a:t>
+            </a:r>
+            <a:r>
+              <a:rPr lang="en-US" altLang="zh-CN">
+                <a:sym typeface="+mn-ea"/>
+              </a:rPr>
+              <a:t>aware</a:t>
+            </a:r>
+            <a:endParaRPr lang="en-US" altLang="zh-CN">
+              <a:sym typeface="+mn-ea"/>
+            </a:endParaRPr>
+          </a:p>
+          <a:p>
+            <a:endParaRPr lang="zh-CN" altLang="en-US">
               <a:sym typeface="+mn-ea"/>
             </a:endParaRPr>
           </a:p>
@@ -1088,7 +1165,7 @@
           <a:bodyPr/>
           <a:p>
             <a:r>
-              <a:rPr lang="en-US">
+              <a:rPr lang="en-US" altLang="zh-CN">
                 <a:sym typeface="+mn-ea"/>
               </a:rPr>
               <a:t>* </a:t>
@@ -1097,74 +1174,66 @@
               <a:rPr lang="zh-CN" altLang="en-US">
                 <a:sym typeface="+mn-ea"/>
               </a:rPr>
-              <a:t>问题：调研的数据分析应用一个任务只由一个函数构成（至少应用感知的那篇</a:t>
+              <a:t>想法：一种可能就是调研的任务太简单，复杂的应用可能会将一个任务解耦成多个函数；还有一种可能就是</a:t>
             </a:r>
             <a:r>
               <a:rPr lang="en-US" altLang="zh-CN">
                 <a:sym typeface="+mn-ea"/>
               </a:rPr>
-              <a:t>paper</a:t>
+              <a:t> one function per task</a:t>
             </a:r>
             <a:r>
               <a:rPr lang="zh-CN" altLang="en-US">
                 <a:sym typeface="+mn-ea"/>
               </a:rPr>
-              <a:t>中的三个应用都是这样的），而且一个</a:t>
+              <a:t>是通用的范式，但是这样</a:t>
             </a:r>
             <a:r>
               <a:rPr lang="en-US" altLang="zh-CN">
-                <a:sym typeface="+mn-ea"/>
-              </a:rPr>
-              <a:t>stage</a:t>
+                <a:uFillTx/>
+                <a:ea typeface="+mn-lt"/>
+                <a:sym typeface="+mn-ea"/>
+              </a:rPr>
+              <a:t>过于笨重，削弱了弹性，不便于调度 </a:t>
             </a:r>
             <a:r>
               <a:rPr lang="zh-CN" altLang="en-US">
-                <a:sym typeface="+mn-ea"/>
-              </a:rPr>
-              <a:t>内的任务都是并行的，这样一个</a:t>
+                <a:uFillTx/>
+                <a:ea typeface="宋体" panose="02010600030101010101" pitchFamily="2" charset="-122"/>
+                <a:sym typeface="+mn-ea"/>
+              </a:rPr>
+              <a:t>，可以把它</a:t>
             </a:r>
             <a:r>
               <a:rPr lang="en-US" altLang="zh-CN">
-                <a:sym typeface="+mn-ea"/>
-              </a:rPr>
-              <a:t>stage</a:t>
+                <a:uFillTx/>
+                <a:ea typeface="+mn-lt"/>
+                <a:sym typeface="+mn-ea"/>
+              </a:rPr>
+              <a:t> 解耦成函数链(通信开销和扩展性的trade-off) </a:t>
             </a:r>
             <a:r>
               <a:rPr lang="zh-CN" altLang="en-US">
-                <a:sym typeface="+mn-ea"/>
-              </a:rPr>
-              <a:t>内就不存在函数之间的通信。这样</a:t>
+                <a:uFillTx/>
+                <a:ea typeface="宋体" panose="02010600030101010101" pitchFamily="2" charset="-122"/>
+                <a:sym typeface="+mn-ea"/>
+              </a:rPr>
+              <a:t>，从而可以去做</a:t>
             </a:r>
             <a:r>
               <a:rPr lang="en-US" altLang="zh-CN">
-                <a:sym typeface="+mn-ea"/>
-              </a:rPr>
-              <a:t>Sonic</a:t>
-            </a:r>
-            <a:r>
-              <a:rPr lang="zh-CN" altLang="en-US">
-                <a:sym typeface="+mn-ea"/>
-              </a:rPr>
-              <a:t>的应用感知方案虽然是以函数为粒度，但也可以理解为</a:t>
-            </a:r>
-            <a:r>
-              <a:rPr lang="en-US" altLang="zh-CN">
-                <a:sym typeface="+mn-ea"/>
-              </a:rPr>
-              <a:t>stage-</a:t>
-            </a:r>
-            <a:r>
-              <a:rPr lang="en-US" altLang="zh-CN">
-                <a:sym typeface="+mn-ea"/>
-              </a:rPr>
-              <a:t>aware</a:t>
-            </a:r>
-            <a:endParaRPr lang="en-US" altLang="zh-CN">
+                <a:uFillTx/>
+                <a:ea typeface="+mn-lt"/>
+                <a:sym typeface="+mn-ea"/>
+              </a:rPr>
+              <a:t>stage-aware</a:t>
+            </a:r>
+            <a:endParaRPr lang="zh-CN" altLang="en-US">
               <a:sym typeface="+mn-ea"/>
             </a:endParaRPr>
           </a:p>
           <a:p>
-            <a:endParaRPr lang="zh-CN" altLang="en-US">
+            <a:endParaRPr>
               <a:sym typeface="+mn-ea"/>
             </a:endParaRPr>
           </a:p>
@@ -1210,75 +1279,6 @@
         <p:txBody>
           <a:bodyPr/>
           <a:p>
-            <a:r>
-              <a:rPr lang="en-US" altLang="zh-CN">
-                <a:sym typeface="+mn-ea"/>
-              </a:rPr>
-              <a:t>* </a:t>
-            </a:r>
-            <a:r>
-              <a:rPr lang="zh-CN" altLang="en-US">
-                <a:sym typeface="+mn-ea"/>
-              </a:rPr>
-              <a:t>想法：一种可能就是调研的任务太简单，复杂的应用可能会将一个任务解耦成多个函数；还有一种可能就是</a:t>
-            </a:r>
-            <a:r>
-              <a:rPr lang="en-US" altLang="zh-CN">
-                <a:sym typeface="+mn-ea"/>
-              </a:rPr>
-              <a:t> one function per task</a:t>
-            </a:r>
-            <a:r>
-              <a:rPr lang="zh-CN" altLang="en-US">
-                <a:sym typeface="+mn-ea"/>
-              </a:rPr>
-              <a:t>是通用的范式，但是这样</a:t>
-            </a:r>
-            <a:r>
-              <a:rPr lang="en-US" altLang="zh-CN">
-                <a:uFillTx/>
-                <a:ea typeface="+mn-lt"/>
-                <a:sym typeface="+mn-ea"/>
-              </a:rPr>
-              <a:t>过于笨重，削弱了弹性，不便于调度 </a:t>
-            </a:r>
-            <a:r>
-              <a:rPr lang="zh-CN" altLang="en-US">
-                <a:uFillTx/>
-                <a:ea typeface="宋体" panose="02010600030101010101" pitchFamily="2" charset="-122"/>
-                <a:sym typeface="+mn-ea"/>
-              </a:rPr>
-              <a:t>，可以把它</a:t>
-            </a:r>
-            <a:r>
-              <a:rPr lang="en-US" altLang="zh-CN">
-                <a:uFillTx/>
-                <a:ea typeface="+mn-lt"/>
-                <a:sym typeface="+mn-ea"/>
-              </a:rPr>
-              <a:t> 解耦成函数链(通信开销和扩展性的trade-off) </a:t>
-            </a:r>
-            <a:r>
-              <a:rPr lang="zh-CN" altLang="en-US">
-                <a:uFillTx/>
-                <a:ea typeface="宋体" panose="02010600030101010101" pitchFamily="2" charset="-122"/>
-                <a:sym typeface="+mn-ea"/>
-              </a:rPr>
-              <a:t>，从而可以去做</a:t>
-            </a:r>
-            <a:r>
-              <a:rPr lang="en-US" altLang="zh-CN">
-                <a:uFillTx/>
-                <a:ea typeface="+mn-lt"/>
-                <a:sym typeface="+mn-ea"/>
-              </a:rPr>
-              <a:t>stage-aware</a:t>
-            </a:r>
-            <a:endParaRPr lang="zh-CN" altLang="en-US">
-              <a:sym typeface="+mn-ea"/>
-            </a:endParaRPr>
-          </a:p>
-          <a:p>
             <a:endParaRPr>
               <a:sym typeface="+mn-ea"/>
             </a:endParaRPr>
@@ -1435,7 +1435,403 @@
         <p:txBody>
           <a:bodyPr/>
           <a:p>
-            <a:endParaRPr>
+            <a:r>
+              <a:rPr lang="en-US">
+                <a:sym typeface="+mn-ea"/>
+              </a:rPr>
+              <a:t>* </a:t>
+            </a:r>
+            <a:r>
+              <a:rPr lang="zh-CN" altLang="en-US">
+                <a:sym typeface="+mn-ea"/>
+              </a:rPr>
+              <a:t>传统的</a:t>
+            </a:r>
+            <a:r>
+              <a:rPr lang="en-US" altLang="zh-CN">
+                <a:sym typeface="+mn-ea"/>
+              </a:rPr>
+              <a:t>server-centirc</a:t>
+            </a:r>
+            <a:r>
+              <a:rPr lang="zh-CN" altLang="en-US">
+                <a:sym typeface="+mn-ea"/>
+              </a:rPr>
+              <a:t>和</a:t>
+            </a:r>
+            <a:r>
+              <a:rPr lang="en-US" altLang="zh-CN">
+                <a:sym typeface="+mn-ea"/>
+              </a:rPr>
+              <a:t>serverless</a:t>
+            </a:r>
+            <a:r>
+              <a:rPr lang="zh-CN" altLang="en-US">
+                <a:sym typeface="+mn-ea"/>
+              </a:rPr>
+              <a:t>框架具有不同的</a:t>
+            </a:r>
+            <a:r>
+              <a:rPr lang="zh-CN" altLang="en-US">
+                <a:sym typeface="+mn-ea"/>
+              </a:rPr>
+              <a:t>调度目标</a:t>
+            </a:r>
+            <a:endParaRPr lang="zh-CN" altLang="en-US">
+              <a:sym typeface="+mn-ea"/>
+            </a:endParaRPr>
+          </a:p>
+          <a:p>
+            <a:r>
+              <a:rPr lang="en-US" altLang="zh-CN">
+                <a:sym typeface="+mn-ea"/>
+              </a:rPr>
+              <a:t>** </a:t>
+            </a:r>
+            <a:r>
+              <a:rPr lang="zh-CN" altLang="en-US">
+                <a:sym typeface="+mn-ea"/>
+              </a:rPr>
+              <a:t>传统的架构会给任务分配固定的资源池，因此他调度的主要目标是最小化任务</a:t>
+            </a:r>
+            <a:r>
+              <a:rPr lang="zh-CN" altLang="en-US">
+                <a:sym typeface="+mn-ea"/>
+              </a:rPr>
+              <a:t>完成时间，最大化资源利用率，保证任务间的</a:t>
+            </a:r>
+            <a:r>
+              <a:rPr lang="zh-CN" altLang="en-US">
+                <a:sym typeface="+mn-ea"/>
+              </a:rPr>
+              <a:t>资源隔离性</a:t>
+            </a:r>
+            <a:endParaRPr lang="zh-CN" altLang="en-US">
+              <a:sym typeface="+mn-ea"/>
+            </a:endParaRPr>
+          </a:p>
+          <a:p>
+            <a:r>
+              <a:rPr lang="en-US" altLang="zh-CN">
+                <a:sym typeface="+mn-ea"/>
+              </a:rPr>
+              <a:t>** </a:t>
+            </a:r>
+            <a:r>
+              <a:rPr lang="zh-CN" altLang="en-US">
+                <a:sym typeface="+mn-ea"/>
+              </a:rPr>
+              <a:t>而对于</a:t>
+            </a:r>
+            <a:r>
+              <a:rPr lang="en-US" altLang="zh-CN">
+                <a:sym typeface="+mn-ea"/>
+              </a:rPr>
+              <a:t>serverless</a:t>
+            </a:r>
+            <a:r>
+              <a:rPr lang="zh-CN" altLang="en-US">
+                <a:sym typeface="+mn-ea"/>
+              </a:rPr>
+              <a:t>框架，后两个目标是由云服务提供商实现的，而且由于</a:t>
+            </a:r>
+            <a:r>
+              <a:rPr lang="en-US" altLang="zh-CN">
+                <a:sym typeface="+mn-ea"/>
+              </a:rPr>
+              <a:t>serverless</a:t>
+            </a:r>
+            <a:r>
+              <a:rPr lang="zh-CN" altLang="en-US">
+                <a:sym typeface="+mn-ea"/>
+              </a:rPr>
+              <a:t>高弹性和细粒度收费的特性，除了最小化任务的完成时间，最小化任务中各个部分的运行时间也成为调度的主要目标，而运行时间就和成本</a:t>
+            </a:r>
+            <a:r>
+              <a:rPr lang="zh-CN" altLang="en-US">
+                <a:sym typeface="+mn-ea"/>
+              </a:rPr>
+              <a:t>成正比</a:t>
+            </a:r>
+            <a:endParaRPr lang="zh-CN" altLang="en-US">
+              <a:sym typeface="+mn-ea"/>
+            </a:endParaRPr>
+          </a:p>
+          <a:p>
+            <a:endParaRPr lang="zh-CN" altLang="en-US">
+              <a:sym typeface="+mn-ea"/>
+            </a:endParaRPr>
+          </a:p>
+          <a:p>
+            <a:endParaRPr lang="zh-CN" altLang="en-US">
+              <a:sym typeface="+mn-ea"/>
+            </a:endParaRPr>
+          </a:p>
+          <a:p>
+            <a:r>
+              <a:rPr lang="en-US" altLang="zh-CN">
+                <a:sym typeface="+mn-ea"/>
+              </a:rPr>
+              <a:t>* </a:t>
+            </a:r>
+            <a:r>
+              <a:rPr lang="zh-CN" altLang="en-US">
+                <a:sym typeface="+mn-ea"/>
+              </a:rPr>
+              <a:t>而任务完成时间和成本之间存在一个</a:t>
+            </a:r>
+            <a:r>
+              <a:rPr lang="en-US" altLang="zh-CN">
+                <a:sym typeface="+mn-ea"/>
+              </a:rPr>
+              <a:t>trade off</a:t>
+            </a:r>
+            <a:endParaRPr lang="en-US" altLang="zh-CN">
+              <a:sym typeface="+mn-ea"/>
+            </a:endParaRPr>
+          </a:p>
+          <a:p>
+            <a:r>
+              <a:rPr lang="en-US" altLang="zh-CN">
+                <a:sym typeface="+mn-ea"/>
+              </a:rPr>
+              <a:t>* </a:t>
+            </a:r>
+            <a:r>
+              <a:rPr lang="zh-CN" altLang="en-US">
+                <a:sym typeface="+mn-ea"/>
+              </a:rPr>
+              <a:t>看下面这张图，展示的就是对于一个简单的</a:t>
+            </a:r>
+            <a:r>
+              <a:rPr lang="en-US" altLang="zh-CN">
+                <a:sym typeface="+mn-ea"/>
+              </a:rPr>
+              <a:t>mapreduc</a:t>
+            </a:r>
+            <a:r>
+              <a:rPr lang="zh-CN" altLang="en-US">
+                <a:sym typeface="+mn-ea"/>
+              </a:rPr>
+              <a:t>应用三种不同的调度方案，该任务包含三个</a:t>
+            </a:r>
+            <a:r>
+              <a:rPr lang="en-US" altLang="zh-CN">
+                <a:sym typeface="+mn-ea"/>
+              </a:rPr>
+              <a:t>map</a:t>
+            </a:r>
+            <a:r>
+              <a:rPr lang="zh-CN" altLang="en-US">
+                <a:sym typeface="+mn-ea"/>
+              </a:rPr>
+              <a:t>任务，三个</a:t>
+            </a:r>
+            <a:r>
+              <a:rPr lang="en-US" altLang="zh-CN">
+                <a:sym typeface="+mn-ea"/>
+              </a:rPr>
+              <a:t>reduce</a:t>
+            </a:r>
+            <a:r>
+              <a:rPr lang="zh-CN" altLang="en-US">
+                <a:sym typeface="+mn-ea"/>
+              </a:rPr>
+              <a:t>任务，橙色可流水化，黑色不可；前两种是传统框架最常见的</a:t>
+            </a:r>
+            <a:r>
+              <a:rPr lang="zh-CN" altLang="en-US">
+                <a:sym typeface="+mn-ea"/>
+              </a:rPr>
+              <a:t>两种调度方式，</a:t>
+            </a:r>
+            <a:endParaRPr lang="zh-CN" altLang="en-US">
+              <a:sym typeface="+mn-ea"/>
+            </a:endParaRPr>
+          </a:p>
+          <a:p>
+            <a:r>
+              <a:rPr lang="en-US" altLang="zh-CN">
+                <a:sym typeface="+mn-ea"/>
+              </a:rPr>
+              <a:t>* </a:t>
+            </a:r>
+            <a:r>
+              <a:rPr lang="zh-CN" altLang="en-US">
+                <a:sym typeface="+mn-ea"/>
+              </a:rPr>
+              <a:t>第一种采用</a:t>
+            </a:r>
+            <a:r>
+              <a:rPr lang="en-US" altLang="zh-CN">
+                <a:sym typeface="+mn-ea"/>
+              </a:rPr>
+              <a:t>lazy</a:t>
+            </a:r>
+            <a:r>
+              <a:rPr lang="zh-CN" altLang="en-US">
+                <a:sym typeface="+mn-ea"/>
+              </a:rPr>
+              <a:t>的方式，当</a:t>
+            </a:r>
+            <a:r>
+              <a:rPr lang="en-US" altLang="zh-CN">
+                <a:sym typeface="+mn-ea"/>
+              </a:rPr>
+              <a:t>map</a:t>
+            </a:r>
+            <a:r>
+              <a:rPr lang="zh-CN" altLang="en-US">
+                <a:sym typeface="+mn-ea"/>
+              </a:rPr>
+              <a:t>任务全都结束后才开始执行</a:t>
+            </a:r>
+            <a:r>
+              <a:rPr lang="en-US" altLang="zh-CN">
+                <a:sym typeface="+mn-ea"/>
+              </a:rPr>
+              <a:t>reduce</a:t>
+            </a:r>
+            <a:r>
+              <a:rPr lang="zh-CN" altLang="en-US">
+                <a:sym typeface="+mn-ea"/>
+              </a:rPr>
+              <a:t>任务；第二种采用</a:t>
+            </a:r>
+            <a:r>
+              <a:rPr lang="en-US" altLang="zh-CN">
+                <a:sym typeface="+mn-ea"/>
+              </a:rPr>
+              <a:t>eager</a:t>
+            </a:r>
+            <a:r>
+              <a:rPr lang="zh-CN" altLang="en-US">
+                <a:sym typeface="+mn-ea"/>
+              </a:rPr>
+              <a:t>的方式，将</a:t>
+            </a:r>
+            <a:r>
+              <a:rPr lang="en-US" altLang="zh-CN">
+                <a:sym typeface="+mn-ea"/>
+              </a:rPr>
+              <a:t>reduce</a:t>
+            </a:r>
+            <a:r>
+              <a:rPr lang="zh-CN" altLang="en-US">
+                <a:sym typeface="+mn-ea"/>
+              </a:rPr>
+              <a:t>任务可流水化的部分和</a:t>
+            </a:r>
+            <a:r>
+              <a:rPr lang="en-US" altLang="zh-CN">
+                <a:sym typeface="+mn-ea"/>
+              </a:rPr>
+              <a:t>map</a:t>
+            </a:r>
+            <a:r>
+              <a:rPr lang="zh-CN" altLang="en-US">
+                <a:sym typeface="+mn-ea"/>
+              </a:rPr>
+              <a:t>任务同时执行</a:t>
+            </a:r>
+            <a:endParaRPr lang="zh-CN" altLang="en-US">
+              <a:sym typeface="+mn-ea"/>
+            </a:endParaRPr>
+          </a:p>
+          <a:p>
+            <a:r>
+              <a:rPr lang="en-US" altLang="zh-CN">
+                <a:sym typeface="+mn-ea"/>
+              </a:rPr>
+              <a:t>* </a:t>
+            </a:r>
+            <a:r>
+              <a:rPr lang="zh-CN" altLang="en-US">
+                <a:sym typeface="+mn-ea"/>
+              </a:rPr>
+              <a:t>对比两种调度方式，第一种是成本最优的，以为没有任何资源浪费；第二种是任务完成时间最优的，以为充分利用了任务可流水</a:t>
+            </a:r>
+            <a:r>
+              <a:rPr lang="zh-CN" altLang="en-US">
+                <a:sym typeface="+mn-ea"/>
+              </a:rPr>
+              <a:t>性</a:t>
+            </a:r>
+            <a:endParaRPr lang="zh-CN" altLang="en-US">
+              <a:sym typeface="+mn-ea"/>
+            </a:endParaRPr>
+          </a:p>
+          <a:p>
+            <a:r>
+              <a:rPr lang="en-US" altLang="zh-CN">
+                <a:sym typeface="+mn-ea"/>
+              </a:rPr>
+              <a:t>* </a:t>
+            </a:r>
+            <a:r>
+              <a:rPr lang="zh-CN" altLang="en-US">
+                <a:sym typeface="+mn-ea"/>
+              </a:rPr>
+              <a:t>这篇</a:t>
+            </a:r>
+            <a:r>
+              <a:rPr lang="en-US" altLang="zh-CN">
+                <a:sym typeface="+mn-ea"/>
+              </a:rPr>
+              <a:t>paper</a:t>
+            </a:r>
+            <a:r>
+              <a:rPr lang="zh-CN" altLang="en-US">
+                <a:sym typeface="+mn-ea"/>
+              </a:rPr>
+              <a:t>做的就是这两种解决方案的</a:t>
+            </a:r>
+            <a:r>
+              <a:rPr lang="en-US" altLang="zh-CN">
+                <a:sym typeface="+mn-ea"/>
+              </a:rPr>
+              <a:t>trade-off</a:t>
+            </a:r>
+            <a:r>
+              <a:rPr lang="zh-CN" altLang="en-US">
+                <a:sym typeface="+mn-ea"/>
+              </a:rPr>
+              <a:t>，在最恰当的时机执行可流水化部分，同时降低</a:t>
+            </a:r>
+            <a:r>
+              <a:rPr lang="en-US" altLang="zh-CN">
+                <a:sym typeface="+mn-ea"/>
+              </a:rPr>
+              <a:t>JCT</a:t>
+            </a:r>
+            <a:r>
+              <a:rPr lang="zh-CN" altLang="en-US">
+                <a:sym typeface="+mn-ea"/>
+              </a:rPr>
+              <a:t>和</a:t>
+            </a:r>
+            <a:r>
+              <a:rPr lang="zh-CN" altLang="en-US">
+                <a:sym typeface="+mn-ea"/>
+              </a:rPr>
+              <a:t>成本</a:t>
+            </a:r>
+            <a:endParaRPr lang="zh-CN" altLang="en-US">
+              <a:sym typeface="+mn-ea"/>
+            </a:endParaRPr>
+          </a:p>
+          <a:p>
+            <a:endParaRPr lang="zh-CN" altLang="en-US">
+              <a:sym typeface="+mn-ea"/>
+            </a:endParaRPr>
+          </a:p>
+          <a:p>
+            <a:endParaRPr lang="zh-CN" altLang="en-US">
+              <a:sym typeface="+mn-ea"/>
+            </a:endParaRPr>
+          </a:p>
+          <a:p>
+            <a:endParaRPr lang="zh-CN" altLang="en-US">
               <a:sym typeface="+mn-ea"/>
             </a:endParaRPr>
           </a:p>
@@ -1481,7 +1877,67 @@
         <p:txBody>
           <a:bodyPr/>
           <a:p>
-            <a:endParaRPr>
+            <a:r>
+              <a:rPr lang="en-US">
+                <a:sym typeface="+mn-ea"/>
+              </a:rPr>
+              <a:t>* </a:t>
+            </a:r>
+            <a:r>
+              <a:rPr lang="zh-CN" altLang="en-US">
+                <a:sym typeface="+mn-ea"/>
+              </a:rPr>
+              <a:t>他的设计方案就是采用子任务粒度的调度，根据是否可以与上一个阶段流水化将各个阶段分成一个或多个</a:t>
+            </a:r>
+            <a:r>
+              <a:rPr lang="en-US" altLang="zh-CN">
+                <a:sym typeface="+mn-ea"/>
+              </a:rPr>
+              <a:t>step</a:t>
+            </a:r>
+            <a:r>
+              <a:rPr lang="zh-CN" altLang="en-US">
+                <a:sym typeface="+mn-ea"/>
+              </a:rPr>
+              <a:t>，然后进行</a:t>
+            </a:r>
+            <a:r>
+              <a:rPr lang="en-US" altLang="zh-CN">
+                <a:sym typeface="+mn-ea"/>
+              </a:rPr>
+              <a:t>step</a:t>
+            </a:r>
+            <a:r>
+              <a:rPr lang="zh-CN" altLang="en-US">
+                <a:sym typeface="+mn-ea"/>
+              </a:rPr>
+              <a:t>粒度的调度，实现</a:t>
+            </a:r>
+            <a:r>
+              <a:rPr lang="en-US" altLang="zh-CN">
+                <a:sym typeface="+mn-ea"/>
+              </a:rPr>
+              <a:t>JCT</a:t>
+            </a:r>
+            <a:r>
+              <a:rPr lang="zh-CN" altLang="en-US">
+                <a:sym typeface="+mn-ea"/>
+              </a:rPr>
+              <a:t>和成本t</a:t>
+            </a:r>
+            <a:r>
+              <a:rPr lang="en-US" altLang="zh-CN">
+                <a:sym typeface="+mn-ea"/>
+              </a:rPr>
+              <a:t>rade</a:t>
+            </a:r>
+            <a:r>
+              <a:rPr lang="en-US" altLang="zh-CN">
+                <a:sym typeface="+mn-ea"/>
+              </a:rPr>
+              <a:t>off</a:t>
+            </a:r>
+            <a:endParaRPr lang="en-US" altLang="zh-CN">
               <a:sym typeface="+mn-ea"/>
             </a:endParaRPr>
           </a:p>
@@ -2955,6 +3411,103 @@
                 <a:sym typeface="+mn-ea"/>
               </a:rPr>
               <a:t>* 读/写大对象的应用程序需要高吞吐量，而低延迟对于小对象访问很重要</a:t>
+            </a:r>
+            <a:endParaRPr lang="en-US" altLang="zh-CN">
+              <a:sym typeface="+mn-ea"/>
+            </a:endParaRPr>
+          </a:p>
+          <a:p>
+            <a:r>
+              <a:rPr lang="en-US" altLang="zh-CN">
+                <a:sym typeface="+mn-ea"/>
+              </a:rPr>
+              <a:t>* </a:t>
+            </a:r>
+            <a:r>
+              <a:rPr lang="en-US" altLang="zh-CN">
+                <a:uFillTx/>
+                <a:latin typeface="等线" panose="02010600030101010101" charset="-122"/>
+                <a:sym typeface="+mn-ea"/>
+              </a:rPr>
+              <a:t>Applications that read/write </a:t>
+            </a:r>
+            <a:r>
+              <a:rPr lang="en-US" altLang="zh-CN" b="1">
+                <a:uFillTx/>
+                <a:latin typeface="等线" panose="02010600030101010101" charset="-122"/>
+                <a:sym typeface="+mn-ea"/>
+              </a:rPr>
+              <a:t>large objects</a:t>
+            </a:r>
+            <a:r>
+              <a:rPr lang="en-US" altLang="zh-CN">
+                <a:uFillTx/>
+                <a:latin typeface="等线" panose="02010600030101010101" charset="-122"/>
+                <a:sym typeface="+mn-ea"/>
+              </a:rPr>
+              <a:t> demand </a:t>
+            </a:r>
+            <a:r>
+              <a:rPr lang="en-US" altLang="zh-CN" b="1">
+                <a:uFillTx/>
+                <a:latin typeface="等线" panose="02010600030101010101" charset="-122"/>
+                <a:sym typeface="+mn-ea"/>
+              </a:rPr>
+              <a:t>high throughput</a:t>
+            </a:r>
+            <a:r>
+              <a:rPr lang="en-US" altLang="zh-CN">
+                <a:uFillTx/>
+                <a:latin typeface="等线" panose="02010600030101010101" charset="-122"/>
+                <a:sym typeface="+mn-ea"/>
+              </a:rPr>
+              <a:t> while </a:t>
+            </a:r>
+            <a:r>
+              <a:rPr lang="en-US" altLang="zh-CN" b="1">
+                <a:solidFill>
+                  <a:srgbClr val="0070C0"/>
+                </a:solidFill>
+                <a:uFillTx/>
+                <a:latin typeface="等线" panose="02010600030101010101" charset="-122"/>
+                <a:sym typeface="+mn-ea"/>
+              </a:rPr>
+              <a:t>low latency</a:t>
+            </a:r>
+            <a:r>
+              <a:rPr lang="en-US" altLang="zh-CN">
+                <a:uFillTx/>
+                <a:latin typeface="等线" panose="02010600030101010101" charset="-122"/>
+                <a:sym typeface="+mn-ea"/>
+              </a:rPr>
+              <a:t> is important for </a:t>
+            </a:r>
+            <a:r>
+              <a:rPr lang="en-US" altLang="zh-CN" b="1">
+                <a:solidFill>
+                  <a:srgbClr val="0070C0"/>
+                </a:solidFill>
+                <a:uFillTx/>
+                <a:latin typeface="等线" panose="02010600030101010101" charset="-122"/>
+                <a:sym typeface="+mn-ea"/>
+              </a:rPr>
+              <a:t>small object</a:t>
+            </a:r>
+            <a:r>
+              <a:rPr lang="en-US" altLang="zh-CN">
+                <a:uFillTx/>
+                <a:latin typeface="等线" panose="02010600030101010101" charset="-122"/>
+                <a:sym typeface="+mn-ea"/>
+              </a:rPr>
+              <a:t> accesses</a:t>
+            </a:r>
+            <a:r>
+              <a:rPr lang="en-US" altLang="zh-CN" baseline="30000">
+                <a:uFillTx/>
+                <a:latin typeface="等线" panose="02010600030101010101" charset="-122"/>
+                <a:sym typeface="+mn-ea"/>
+              </a:rPr>
+              <a:t>[1]</a:t>
             </a:r>
             <a:endParaRPr lang="en-US" altLang="zh-CN">
               <a:sym typeface="+mn-ea"/>
@@ -7062,7 +7615,7 @@
       <p:pic>
         <p:nvPicPr>
           <p:cNvPr id="4" name="图片 3" descr="返回">
-            <a:hlinkClick r:id="rId2" tooltip="" action="ppaction://hlinksldjump"/>
+            <a:hlinkClick r:id="rId2" action="ppaction://hlinksldjump"/>
           </p:cNvPr>
           <p:cNvPicPr>
             <a:picLocks noChangeAspect="1"/>
@@ -7427,362 +7980,6 @@
 </file>
 
 <file path=ppt/slides/slide12.xml><?xml version="1.0" encoding="utf-8"?>
-<p:sld xmlns:a="http://schemas.openxmlformats.org/drawingml/2006/main" xmlns:r="http://schemas.openxmlformats.org/officeDocument/2006/relationships" xmlns:p="http://schemas.openxmlformats.org/presentationml/2006/main">
-  <p:cSld>
-    <p:spTree>
-      <p:nvGrpSpPr>
-        <p:cNvPr id="1" name=""/>
-        <p:cNvGrpSpPr/>
-        <p:nvPr/>
-      </p:nvGrpSpPr>
-      <p:grpSpPr/>
-      <p:sp>
-        <p:nvSpPr>
-          <p:cNvPr id="2" name="标题 1"/>
-          <p:cNvSpPr>
-            <a:spLocks noGrp="1"/>
-          </p:cNvSpPr>
-          <p:nvPr>
-            <p:ph type="title"/>
-          </p:nvPr>
-        </p:nvSpPr>
-        <p:spPr/>
-        <p:txBody>
-          <a:bodyPr/>
-          <a:p>
-            <a:r>
-              <a:rPr lang="zh-CN" altLang="en-US">
-                <a:sym typeface="+mn-ea"/>
-              </a:rPr>
-              <a:t>问题二：</a:t>
-            </a:r>
-            <a:r>
-              <a:rPr lang="en-US" altLang="zh-CN">
-                <a:sym typeface="+mn-ea"/>
-              </a:rPr>
-              <a:t>I/O size-aware</a:t>
-            </a:r>
-            <a:r>
-              <a:rPr lang="zh-CN" altLang="en-US">
-                <a:sym typeface="+mn-ea"/>
-              </a:rPr>
-              <a:t>的</a:t>
-            </a:r>
-            <a:r>
-              <a:rPr lang="zh-CN" altLang="en-US">
-                <a:sym typeface="+mn-ea"/>
-              </a:rPr>
-              <a:t>想法</a:t>
-            </a:r>
-            <a:endParaRPr lang="zh-CN" altLang="en-US">
-              <a:sym typeface="+mn-ea"/>
-            </a:endParaRPr>
-          </a:p>
-        </p:txBody>
-      </p:sp>
-      <p:sp>
-        <p:nvSpPr>
-          <p:cNvPr id="9" name="内容占位符 8"/>
-          <p:cNvSpPr>
-            <a:spLocks noGrp="1"/>
-          </p:cNvSpPr>
-          <p:nvPr>
-            <p:ph idx="1"/>
-          </p:nvPr>
-        </p:nvSpPr>
-        <p:spPr>
-          <a:xfrm>
-            <a:off x="838200" y="1383030"/>
-            <a:ext cx="10824845" cy="5300345"/>
-          </a:xfrm>
-        </p:spPr>
-        <p:txBody>
-          <a:bodyPr>
-            <a:normAutofit/>
-          </a:bodyPr>
-          <a:p>
-            <a:pPr marL="0" indent="0"/>
-            <a:r>
-              <a:rPr lang="en-US" altLang="zh-CN">
-                <a:solidFill>
-                  <a:schemeClr val="tx1"/>
-                </a:solidFill>
-                <a:uFillTx/>
-                <a:latin typeface="等线" panose="02010600030101010101" charset="-122"/>
-              </a:rPr>
-              <a:t> </a:t>
-            </a:r>
-            <a:r>
-              <a:rPr lang="en-US" altLang="zh-CN" b="1">
-                <a:solidFill>
-                  <a:schemeClr val="tx1"/>
-                </a:solidFill>
-                <a:uFillTx/>
-                <a:latin typeface="微软雅黑" panose="020B0503020204020204" charset="-122"/>
-                <a:ea typeface="微软雅黑" panose="020B0503020204020204" charset="-122"/>
-              </a:rPr>
-              <a:t>I/O size-</a:t>
-            </a:r>
-            <a:r>
-              <a:rPr lang="en-US" altLang="zh-CN" b="1">
-                <a:solidFill>
-                  <a:schemeClr val="tx1"/>
-                </a:solidFill>
-                <a:uFillTx/>
-                <a:latin typeface="微软雅黑" panose="020B0503020204020204" charset="-122"/>
-                <a:ea typeface="微软雅黑" panose="020B0503020204020204" charset="-122"/>
-              </a:rPr>
-              <a:t>aware</a:t>
-            </a:r>
-            <a:endParaRPr lang="en-US" altLang="zh-CN" b="1">
-              <a:solidFill>
-                <a:schemeClr val="tx1"/>
-              </a:solidFill>
-              <a:uFillTx/>
-              <a:latin typeface="微软雅黑" panose="020B0503020204020204" charset="-122"/>
-              <a:ea typeface="微软雅黑" panose="020B0503020204020204" charset="-122"/>
-            </a:endParaRPr>
-          </a:p>
-          <a:p>
-            <a:pPr marL="457200" lvl="1" indent="0"/>
-            <a:r>
-              <a:rPr lang="en-US" altLang="zh-CN">
-                <a:solidFill>
-                  <a:schemeClr val="tx1"/>
-                </a:solidFill>
-                <a:uFillTx/>
-                <a:latin typeface="等线" panose="02010600030101010101" charset="-122"/>
-              </a:rPr>
-              <a:t> Small objects -&gt; Latency-sensitive</a:t>
-            </a:r>
-            <a:r>
-              <a:rPr lang="zh-CN" altLang="en-US">
-                <a:solidFill>
-                  <a:schemeClr val="tx1"/>
-                </a:solidFill>
-                <a:uFillTx/>
-                <a:latin typeface="等线" panose="02010600030101010101" charset="-122"/>
-              </a:rPr>
-              <a:t>；</a:t>
-            </a:r>
-            <a:r>
-              <a:rPr lang="en-US" altLang="zh-CN">
-                <a:solidFill>
-                  <a:schemeClr val="tx1"/>
-                </a:solidFill>
-                <a:uFillTx/>
-                <a:latin typeface="等线" panose="02010600030101010101" charset="-122"/>
-              </a:rPr>
-              <a:t>Large </a:t>
-            </a:r>
-            <a:r>
-              <a:rPr lang="en-US" altLang="zh-CN">
-                <a:solidFill>
-                  <a:schemeClr val="tx1"/>
-                </a:solidFill>
-                <a:uFillTx/>
-                <a:latin typeface="等线" panose="02010600030101010101" charset="-122"/>
-              </a:rPr>
-              <a:t>objects -&gt; Throughtput-sensitive</a:t>
-            </a:r>
-            <a:endParaRPr lang="en-US" altLang="zh-CN">
-              <a:solidFill>
-                <a:schemeClr val="tx1"/>
-              </a:solidFill>
-              <a:uFillTx/>
-              <a:latin typeface="等线" panose="02010600030101010101" charset="-122"/>
-            </a:endParaRPr>
-          </a:p>
-          <a:p>
-            <a:pPr marL="457200" lvl="1" indent="0"/>
-            <a:r>
-              <a:rPr lang="en-US" altLang="zh-CN">
-                <a:solidFill>
-                  <a:schemeClr val="tx1"/>
-                </a:solidFill>
-                <a:uFillTx/>
-                <a:latin typeface="等线" panose="02010600030101010101" charset="-122"/>
-              </a:rPr>
-              <a:t> </a:t>
-            </a:r>
-            <a:r>
-              <a:rPr lang="zh-CN" altLang="en-US">
-                <a:solidFill>
-                  <a:schemeClr val="tx1"/>
-                </a:solidFill>
-                <a:uFillTx/>
-                <a:latin typeface="等线" panose="02010600030101010101" charset="-122"/>
-              </a:rPr>
-              <a:t>对不同大小的</a:t>
-            </a:r>
-            <a:r>
-              <a:rPr lang="en-US" altLang="zh-CN">
-                <a:solidFill>
-                  <a:schemeClr val="tx1"/>
-                </a:solidFill>
-                <a:uFillTx/>
-                <a:latin typeface="等线" panose="02010600030101010101" charset="-122"/>
-              </a:rPr>
-              <a:t>I/O size</a:t>
-            </a:r>
-            <a:r>
-              <a:rPr lang="zh-CN" altLang="en-US">
-                <a:solidFill>
-                  <a:schemeClr val="tx1"/>
-                </a:solidFill>
-                <a:uFillTx/>
-                <a:latin typeface="等线" panose="02010600030101010101" charset="-122"/>
-              </a:rPr>
-              <a:t>采用不同的数据传输方案</a:t>
-            </a:r>
-            <a:endParaRPr lang="en-US" altLang="zh-CN">
-              <a:solidFill>
-                <a:schemeClr val="tx1"/>
-              </a:solidFill>
-              <a:uFillTx/>
-              <a:latin typeface="等线" panose="02010600030101010101" charset="-122"/>
-            </a:endParaRPr>
-          </a:p>
-          <a:p>
-            <a:pPr marL="914400" lvl="2" indent="0">
-              <a:buNone/>
-            </a:pPr>
-            <a:endParaRPr lang="en-US" altLang="zh-CN">
-              <a:solidFill>
-                <a:schemeClr val="tx1"/>
-              </a:solidFill>
-              <a:uFillTx/>
-              <a:latin typeface="等线" panose="02010600030101010101" charset="-122"/>
-            </a:endParaRPr>
-          </a:p>
-        </p:txBody>
-      </p:sp>
-      <p:pic>
-        <p:nvPicPr>
-          <p:cNvPr id="10" name="图片 9"/>
-          <p:cNvPicPr>
-            <a:picLocks noChangeAspect="1"/>
-          </p:cNvPicPr>
-          <p:nvPr>
-            <p:custDataLst>
-              <p:tags r:id="rId1"/>
-            </p:custDataLst>
-          </p:nvPr>
-        </p:nvPicPr>
-        <p:blipFill>
-          <a:blip r:embed="rId2"/>
-          <a:stretch>
-            <a:fillRect/>
-          </a:stretch>
-        </p:blipFill>
-        <p:spPr>
-          <a:xfrm>
-            <a:off x="3255010" y="3180715"/>
-            <a:ext cx="5991860" cy="3041650"/>
-          </a:xfrm>
-          <a:prstGeom prst="rect">
-            <a:avLst/>
-          </a:prstGeom>
-        </p:spPr>
-      </p:pic>
-      <p:sp>
-        <p:nvSpPr>
-          <p:cNvPr id="11" name="文本框 10"/>
-          <p:cNvSpPr txBox="1"/>
-          <p:nvPr/>
-        </p:nvSpPr>
-        <p:spPr>
-          <a:xfrm>
-            <a:off x="3609975" y="6152515"/>
-            <a:ext cx="5695950" cy="368300"/>
-          </a:xfrm>
-          <a:prstGeom prst="rect">
-            <a:avLst/>
-          </a:prstGeom>
-          <a:noFill/>
-        </p:spPr>
-        <p:txBody>
-          <a:bodyPr wrap="square" rtlCol="0">
-            <a:spAutoFit/>
-          </a:bodyPr>
-          <a:p>
-            <a:r>
-              <a:rPr lang="zh-CN" altLang="en-US"/>
-              <a:t> </a:t>
-            </a:r>
-            <a:r>
-              <a:rPr lang="zh-CN" altLang="en-US" b="1">
-                <a:latin typeface="微软雅黑" panose="020B0503020204020204" charset="-122"/>
-                <a:ea typeface="微软雅黑" panose="020B0503020204020204" charset="-122"/>
-              </a:rPr>
-              <a:t>I/Os range from 100s of bytes to 100s of MBs</a:t>
-            </a:r>
-            <a:r>
-              <a:rPr lang="en-US" altLang="zh-CN" b="1" baseline="30000">
-                <a:latin typeface="微软雅黑" panose="020B0503020204020204" charset="-122"/>
-                <a:ea typeface="微软雅黑" panose="020B0503020204020204" charset="-122"/>
-              </a:rPr>
-              <a:t>[1]</a:t>
-            </a:r>
-            <a:endParaRPr lang="en-US" altLang="zh-CN" b="1" baseline="30000">
-              <a:latin typeface="微软雅黑" panose="020B0503020204020204" charset="-122"/>
-              <a:ea typeface="微软雅黑" panose="020B0503020204020204" charset="-122"/>
-            </a:endParaRPr>
-          </a:p>
-        </p:txBody>
-      </p:sp>
-      <p:sp>
-        <p:nvSpPr>
-          <p:cNvPr id="12" name="文本框 11"/>
-          <p:cNvSpPr txBox="1"/>
-          <p:nvPr/>
-        </p:nvSpPr>
-        <p:spPr>
-          <a:xfrm>
-            <a:off x="0" y="6520815"/>
-            <a:ext cx="11722735" cy="337185"/>
-          </a:xfrm>
-          <a:prstGeom prst="rect">
-            <a:avLst/>
-          </a:prstGeom>
-          <a:noFill/>
-        </p:spPr>
-        <p:txBody>
-          <a:bodyPr wrap="square" rtlCol="0">
-            <a:spAutoFit/>
-          </a:bodyPr>
-          <a:p>
-            <a:r>
-              <a:rPr lang="en-US" altLang="zh-CN" sz="1600">
-                <a:solidFill>
-                  <a:schemeClr val="bg2">
-                    <a:lumMod val="50000"/>
-                  </a:schemeClr>
-                </a:solidFill>
-                <a:sym typeface="+mn-ea"/>
-              </a:rPr>
-              <a:t>[1] Understanding Ephemeral Storage for Serverless Analytics  ATC’18</a:t>
-            </a:r>
-            <a:endParaRPr lang="en-US" altLang="zh-CN" sz="1600">
-              <a:solidFill>
-                <a:schemeClr val="bg2">
-                  <a:lumMod val="50000"/>
-                </a:schemeClr>
-              </a:solidFill>
-              <a:sym typeface="+mn-ea"/>
-            </a:endParaRPr>
-          </a:p>
-        </p:txBody>
-      </p:sp>
-    </p:spTree>
-  </p:cSld>
-  <p:clrMapOvr>
-    <a:masterClrMapping/>
-  </p:clrMapOvr>
-</p:sld>
-</file>
-
-<file path=ppt/slides/slide13.xml><?xml version="1.0" encoding="utf-8"?>
 <p:sld xmlns:a="http://schemas.openxmlformats.org/drawingml/2006/main" xmlns:r="http://schemas.openxmlformats.org/officeDocument/2006/relationships" xmlns:p="http://schemas.openxmlformats.org/presentationml/2006/main">
   <p:cSld>
     <p:spTree>
@@ -11023,7 +11220,7 @@
 </p:sld>
 </file>
 
-<file path=ppt/slides/slide14.xml><?xml version="1.0" encoding="utf-8"?>
+<file path=ppt/slides/slide13.xml><?xml version="1.0" encoding="utf-8"?>
 <p:sld xmlns:a="http://schemas.openxmlformats.org/drawingml/2006/main" xmlns:r="http://schemas.openxmlformats.org/officeDocument/2006/relationships" xmlns:p="http://schemas.openxmlformats.org/presentationml/2006/main">
   <p:cSld>
     <p:spTree>
@@ -14325,6 +14522,362 @@
           </a:prstGeom>
         </p:spPr>
       </p:pic>
+    </p:spTree>
+  </p:cSld>
+  <p:clrMapOvr>
+    <a:masterClrMapping/>
+  </p:clrMapOvr>
+</p:sld>
+</file>
+
+<file path=ppt/slides/slide14.xml><?xml version="1.0" encoding="utf-8"?>
+<p:sld xmlns:a="http://schemas.openxmlformats.org/drawingml/2006/main" xmlns:r="http://schemas.openxmlformats.org/officeDocument/2006/relationships" xmlns:p="http://schemas.openxmlformats.org/presentationml/2006/main">
+  <p:cSld>
+    <p:spTree>
+      <p:nvGrpSpPr>
+        <p:cNvPr id="1" name=""/>
+        <p:cNvGrpSpPr/>
+        <p:nvPr/>
+      </p:nvGrpSpPr>
+      <p:grpSpPr/>
+      <p:sp>
+        <p:nvSpPr>
+          <p:cNvPr id="2" name="标题 1"/>
+          <p:cNvSpPr>
+            <a:spLocks noGrp="1"/>
+          </p:cNvSpPr>
+          <p:nvPr>
+            <p:ph type="title"/>
+          </p:nvPr>
+        </p:nvSpPr>
+        <p:spPr/>
+        <p:txBody>
+          <a:bodyPr/>
+          <a:p>
+            <a:r>
+              <a:rPr lang="zh-CN" altLang="en-US">
+                <a:sym typeface="+mn-ea"/>
+              </a:rPr>
+              <a:t>问题二：</a:t>
+            </a:r>
+            <a:r>
+              <a:rPr lang="en-US" altLang="zh-CN">
+                <a:sym typeface="+mn-ea"/>
+              </a:rPr>
+              <a:t>I/O size-aware</a:t>
+            </a:r>
+            <a:r>
+              <a:rPr lang="zh-CN" altLang="en-US">
+                <a:sym typeface="+mn-ea"/>
+              </a:rPr>
+              <a:t>的</a:t>
+            </a:r>
+            <a:r>
+              <a:rPr lang="zh-CN" altLang="en-US">
+                <a:sym typeface="+mn-ea"/>
+              </a:rPr>
+              <a:t>想法</a:t>
+            </a:r>
+            <a:endParaRPr lang="zh-CN" altLang="en-US">
+              <a:sym typeface="+mn-ea"/>
+            </a:endParaRPr>
+          </a:p>
+        </p:txBody>
+      </p:sp>
+      <p:sp>
+        <p:nvSpPr>
+          <p:cNvPr id="9" name="内容占位符 8"/>
+          <p:cNvSpPr>
+            <a:spLocks noGrp="1"/>
+          </p:cNvSpPr>
+          <p:nvPr>
+            <p:ph idx="1"/>
+          </p:nvPr>
+        </p:nvSpPr>
+        <p:spPr>
+          <a:xfrm>
+            <a:off x="838200" y="1383030"/>
+            <a:ext cx="10824845" cy="5300345"/>
+          </a:xfrm>
+        </p:spPr>
+        <p:txBody>
+          <a:bodyPr>
+            <a:normAutofit/>
+          </a:bodyPr>
+          <a:p>
+            <a:pPr marL="0" indent="0"/>
+            <a:r>
+              <a:rPr lang="en-US" altLang="zh-CN">
+                <a:solidFill>
+                  <a:schemeClr val="tx1"/>
+                </a:solidFill>
+                <a:uFillTx/>
+                <a:latin typeface="等线" panose="02010600030101010101" charset="-122"/>
+              </a:rPr>
+              <a:t> </a:t>
+            </a:r>
+            <a:r>
+              <a:rPr lang="en-US" altLang="zh-CN" b="1">
+                <a:solidFill>
+                  <a:schemeClr val="tx1"/>
+                </a:solidFill>
+                <a:uFillTx/>
+                <a:latin typeface="微软雅黑" panose="020B0503020204020204" charset="-122"/>
+                <a:ea typeface="微软雅黑" panose="020B0503020204020204" charset="-122"/>
+              </a:rPr>
+              <a:t>I/O size-</a:t>
+            </a:r>
+            <a:r>
+              <a:rPr lang="en-US" altLang="zh-CN" b="1">
+                <a:solidFill>
+                  <a:schemeClr val="tx1"/>
+                </a:solidFill>
+                <a:uFillTx/>
+                <a:latin typeface="微软雅黑" panose="020B0503020204020204" charset="-122"/>
+                <a:ea typeface="微软雅黑" panose="020B0503020204020204" charset="-122"/>
+              </a:rPr>
+              <a:t>aware</a:t>
+            </a:r>
+            <a:endParaRPr lang="en-US" altLang="zh-CN" b="1">
+              <a:solidFill>
+                <a:schemeClr val="tx1"/>
+              </a:solidFill>
+              <a:uFillTx/>
+              <a:latin typeface="微软雅黑" panose="020B0503020204020204" charset="-122"/>
+              <a:ea typeface="微软雅黑" panose="020B0503020204020204" charset="-122"/>
+            </a:endParaRPr>
+          </a:p>
+          <a:p>
+            <a:pPr marL="457200" lvl="1" indent="0"/>
+            <a:r>
+              <a:rPr lang="en-US" altLang="zh-CN">
+                <a:solidFill>
+                  <a:schemeClr val="tx1"/>
+                </a:solidFill>
+                <a:uFillTx/>
+                <a:latin typeface="等线" panose="02010600030101010101" charset="-122"/>
+              </a:rPr>
+              <a:t> Small objects -&gt; Latency-sensitive</a:t>
+            </a:r>
+            <a:r>
+              <a:rPr lang="zh-CN" altLang="en-US">
+                <a:solidFill>
+                  <a:schemeClr val="tx1"/>
+                </a:solidFill>
+                <a:uFillTx/>
+                <a:latin typeface="等线" panose="02010600030101010101" charset="-122"/>
+              </a:rPr>
+              <a:t>；</a:t>
+            </a:r>
+            <a:r>
+              <a:rPr lang="en-US" altLang="zh-CN">
+                <a:solidFill>
+                  <a:schemeClr val="tx1"/>
+                </a:solidFill>
+                <a:uFillTx/>
+                <a:latin typeface="等线" panose="02010600030101010101" charset="-122"/>
+              </a:rPr>
+              <a:t>Large </a:t>
+            </a:r>
+            <a:r>
+              <a:rPr lang="en-US" altLang="zh-CN">
+                <a:solidFill>
+                  <a:schemeClr val="tx1"/>
+                </a:solidFill>
+                <a:uFillTx/>
+                <a:latin typeface="等线" panose="02010600030101010101" charset="-122"/>
+              </a:rPr>
+              <a:t>objects -&gt; Throughtput-sensitive</a:t>
+            </a:r>
+            <a:endParaRPr lang="en-US" altLang="zh-CN">
+              <a:solidFill>
+                <a:schemeClr val="tx1"/>
+              </a:solidFill>
+              <a:uFillTx/>
+              <a:latin typeface="等线" panose="02010600030101010101" charset="-122"/>
+            </a:endParaRPr>
+          </a:p>
+          <a:p>
+            <a:pPr marL="457200" lvl="1" indent="0"/>
+            <a:r>
+              <a:rPr lang="en-US" altLang="zh-CN">
+                <a:solidFill>
+                  <a:schemeClr val="tx1"/>
+                </a:solidFill>
+                <a:uFillTx/>
+                <a:latin typeface="等线" panose="02010600030101010101" charset="-122"/>
+              </a:rPr>
+              <a:t> </a:t>
+            </a:r>
+            <a:r>
+              <a:rPr lang="zh-CN" altLang="en-US">
+                <a:solidFill>
+                  <a:schemeClr val="tx1"/>
+                </a:solidFill>
+                <a:uFillTx/>
+                <a:latin typeface="等线" panose="02010600030101010101" charset="-122"/>
+              </a:rPr>
+              <a:t>对不同大小的</a:t>
+            </a:r>
+            <a:r>
+              <a:rPr lang="en-US" altLang="zh-CN">
+                <a:solidFill>
+                  <a:schemeClr val="tx1"/>
+                </a:solidFill>
+                <a:uFillTx/>
+                <a:latin typeface="等线" panose="02010600030101010101" charset="-122"/>
+              </a:rPr>
+              <a:t>I/O size</a:t>
+            </a:r>
+            <a:r>
+              <a:rPr lang="zh-CN" altLang="en-US">
+                <a:solidFill>
+                  <a:schemeClr val="tx1"/>
+                </a:solidFill>
+                <a:uFillTx/>
+                <a:latin typeface="等线" panose="02010600030101010101" charset="-122"/>
+              </a:rPr>
+              <a:t>采用不同的数据传输方案</a:t>
+            </a:r>
+            <a:endParaRPr lang="en-US" altLang="zh-CN">
+              <a:solidFill>
+                <a:schemeClr val="tx1"/>
+              </a:solidFill>
+              <a:uFillTx/>
+              <a:latin typeface="等线" panose="02010600030101010101" charset="-122"/>
+            </a:endParaRPr>
+          </a:p>
+          <a:p>
+            <a:pPr marL="914400" lvl="2" indent="0">
+              <a:buNone/>
+            </a:pPr>
+            <a:endParaRPr lang="en-US" altLang="zh-CN">
+              <a:solidFill>
+                <a:schemeClr val="tx1"/>
+              </a:solidFill>
+              <a:uFillTx/>
+              <a:latin typeface="等线" panose="02010600030101010101" charset="-122"/>
+            </a:endParaRPr>
+          </a:p>
+        </p:txBody>
+      </p:sp>
+      <p:pic>
+        <p:nvPicPr>
+          <p:cNvPr id="10" name="图片 9"/>
+          <p:cNvPicPr>
+            <a:picLocks noChangeAspect="1"/>
+          </p:cNvPicPr>
+          <p:nvPr>
+            <p:custDataLst>
+              <p:tags r:id="rId1"/>
+            </p:custDataLst>
+          </p:nvPr>
+        </p:nvPicPr>
+        <p:blipFill>
+          <a:blip r:embed="rId2"/>
+          <a:stretch>
+            <a:fillRect/>
+          </a:stretch>
+        </p:blipFill>
+        <p:spPr>
+          <a:xfrm>
+            <a:off x="3255010" y="3180715"/>
+            <a:ext cx="5991860" cy="3041650"/>
+          </a:xfrm>
+          <a:prstGeom prst="rect">
+            <a:avLst/>
+          </a:prstGeom>
+        </p:spPr>
+      </p:pic>
+      <p:sp>
+        <p:nvSpPr>
+          <p:cNvPr id="11" name="文本框 10"/>
+          <p:cNvSpPr txBox="1"/>
+          <p:nvPr/>
+        </p:nvSpPr>
+        <p:spPr>
+          <a:xfrm>
+            <a:off x="3609975" y="6152515"/>
+            <a:ext cx="5695950" cy="368300"/>
+          </a:xfrm>
+          <a:prstGeom prst="rect">
+            <a:avLst/>
+          </a:prstGeom>
+          <a:noFill/>
+        </p:spPr>
+        <p:txBody>
+          <a:bodyPr wrap="square" rtlCol="0">
+            <a:spAutoFit/>
+          </a:bodyPr>
+          <a:p>
+            <a:r>
+              <a:rPr lang="zh-CN" altLang="en-US"/>
+              <a:t> </a:t>
+            </a:r>
+            <a:r>
+              <a:rPr lang="zh-CN" altLang="en-US" b="1">
+                <a:latin typeface="微软雅黑" panose="020B0503020204020204" charset="-122"/>
+                <a:ea typeface="微软雅黑" panose="020B0503020204020204" charset="-122"/>
+              </a:rPr>
+              <a:t>I/Os range from 100s of bytes to 100s of MBs</a:t>
+            </a:r>
+            <a:r>
+              <a:rPr lang="en-US" altLang="zh-CN" b="1" baseline="30000">
+                <a:latin typeface="微软雅黑" panose="020B0503020204020204" charset="-122"/>
+                <a:ea typeface="微软雅黑" panose="020B0503020204020204" charset="-122"/>
+              </a:rPr>
+              <a:t>[1]</a:t>
+            </a:r>
+            <a:endParaRPr lang="en-US" altLang="zh-CN" b="1" baseline="30000">
+              <a:latin typeface="微软雅黑" panose="020B0503020204020204" charset="-122"/>
+              <a:ea typeface="微软雅黑" panose="020B0503020204020204" charset="-122"/>
+            </a:endParaRPr>
+          </a:p>
+        </p:txBody>
+      </p:sp>
+      <p:sp>
+        <p:nvSpPr>
+          <p:cNvPr id="12" name="文本框 11"/>
+          <p:cNvSpPr txBox="1"/>
+          <p:nvPr/>
+        </p:nvSpPr>
+        <p:spPr>
+          <a:xfrm>
+            <a:off x="0" y="6520815"/>
+            <a:ext cx="11722735" cy="337185"/>
+          </a:xfrm>
+          <a:prstGeom prst="rect">
+            <a:avLst/>
+          </a:prstGeom>
+          <a:noFill/>
+        </p:spPr>
+        <p:txBody>
+          <a:bodyPr wrap="square" rtlCol="0">
+            <a:spAutoFit/>
+          </a:bodyPr>
+          <a:p>
+            <a:r>
+              <a:rPr lang="en-US" altLang="zh-CN" sz="1600">
+                <a:solidFill>
+                  <a:schemeClr val="bg2">
+                    <a:lumMod val="50000"/>
+                  </a:schemeClr>
+                </a:solidFill>
+                <a:sym typeface="+mn-ea"/>
+              </a:rPr>
+              <a:t>[1] Understanding Ephemeral Storage for Serverless Analytics  ATC’18</a:t>
+            </a:r>
+            <a:endParaRPr lang="en-US" altLang="zh-CN" sz="1600">
+              <a:solidFill>
+                <a:schemeClr val="bg2">
+                  <a:lumMod val="50000"/>
+                </a:schemeClr>
+              </a:solidFill>
+              <a:sym typeface="+mn-ea"/>
+            </a:endParaRPr>
+          </a:p>
+        </p:txBody>
+      </p:sp>
     </p:spTree>
   </p:cSld>
   <p:clrMapOvr>
@@ -15957,7 +16510,25 @@
                 <a:uFillTx/>
                 <a:latin typeface="等线" panose="02010600030101010101" charset="-122"/>
               </a:rPr>
-              <a:t> job runtime, maximiz</a:t>
+              <a:t> job </a:t>
+            </a:r>
+            <a:r>
+              <a:rPr lang="en-US" altLang="zh-CN">
+                <a:uFillTx/>
+                <a:latin typeface="等线" panose="02010600030101010101" charset="-122"/>
+                <a:sym typeface="+mn-ea"/>
+              </a:rPr>
+              <a:t>completion time</a:t>
+            </a:r>
+            <a:r>
+              <a:rPr lang="zh-CN" altLang="en-US">
+                <a:solidFill>
+                  <a:schemeClr val="tx1"/>
+                </a:solidFill>
+                <a:uFillTx/>
+                <a:latin typeface="等线" panose="02010600030101010101" charset="-122"/>
+              </a:rPr>
+              <a:t>, maximiz</a:t>
             </a:r>
             <a:r>
               <a:rPr lang="en-US" altLang="zh-CN">
@@ -16007,7 +16578,7 @@
                 <a:uFillTx/>
                 <a:latin typeface="等线" panose="02010600030101010101" charset="-122"/>
               </a:rPr>
-              <a:t> isolation (or fairness) across jobs</a:t>
+              <a:t> isolation across jobs</a:t>
             </a:r>
             <a:endParaRPr lang="en-US" altLang="zh-CN">
               <a:solidFill>
@@ -16825,7 +17396,177 @@
                 <a:uFillTx/>
                 <a:latin typeface="等线" panose="02010600030101010101" charset="-122"/>
               </a:rPr>
-              <a:t> Pywren</a:t>
+              <a:t> </a:t>
+            </a:r>
+            <a:r>
+              <a:rPr lang="zh-CN" altLang="en-US">
+                <a:solidFill>
+                  <a:schemeClr val="tx1"/>
+                </a:solidFill>
+                <a:uFillTx/>
+                <a:latin typeface="等线" panose="02010600030101010101" charset="-122"/>
+              </a:rPr>
+              <a:t>定量实验</a:t>
+            </a:r>
+            <a:endParaRPr lang="zh-CN" altLang="en-US">
+              <a:solidFill>
+                <a:schemeClr val="tx1"/>
+              </a:solidFill>
+              <a:uFillTx/>
+              <a:latin typeface="等线" panose="02010600030101010101" charset="-122"/>
+            </a:endParaRPr>
+          </a:p>
+          <a:p>
+            <a:pPr lvl="1"/>
+            <a:r>
+              <a:rPr lang="en-US" altLang="zh-CN">
+                <a:solidFill>
+                  <a:schemeClr val="tx1"/>
+                </a:solidFill>
+                <a:uFillTx/>
+                <a:latin typeface="等线" panose="02010600030101010101" charset="-122"/>
+              </a:rPr>
+              <a:t> </a:t>
+            </a:r>
+            <a:r>
+              <a:rPr lang="zh-CN" altLang="en-US">
+                <a:solidFill>
+                  <a:schemeClr val="tx1"/>
+                </a:solidFill>
+                <a:uFillTx/>
+                <a:latin typeface="等线" panose="02010600030101010101" charset="-122"/>
+              </a:rPr>
+              <a:t>熟悉</a:t>
+            </a:r>
+            <a:r>
+              <a:rPr lang="en-US" altLang="zh-CN">
+                <a:solidFill>
+                  <a:schemeClr val="tx1"/>
+                </a:solidFill>
+                <a:uFillTx/>
+                <a:latin typeface="等线" panose="02010600030101010101" charset="-122"/>
+              </a:rPr>
+              <a:t>Serverless</a:t>
+            </a:r>
+            <a:r>
+              <a:rPr lang="zh-CN" altLang="en-US">
+                <a:solidFill>
+                  <a:schemeClr val="tx1"/>
+                </a:solidFill>
+                <a:uFillTx/>
+                <a:latin typeface="等线" panose="02010600030101010101" charset="-122"/>
+              </a:rPr>
+              <a:t>框架的更加完整更加细节的</a:t>
+            </a:r>
+            <a:r>
+              <a:rPr lang="en-US" altLang="zh-CN">
+                <a:solidFill>
+                  <a:schemeClr val="tx1"/>
+                </a:solidFill>
+                <a:uFillTx/>
+                <a:latin typeface="等线" panose="02010600030101010101" charset="-122"/>
+              </a:rPr>
+              <a:t>Work</a:t>
+            </a:r>
+            <a:r>
+              <a:rPr lang="en-US" altLang="zh-CN">
+                <a:solidFill>
+                  <a:schemeClr val="tx1"/>
+                </a:solidFill>
+                <a:uFillTx/>
+                <a:latin typeface="等线" panose="02010600030101010101" charset="-122"/>
+              </a:rPr>
+              <a:t>flow</a:t>
+            </a:r>
+            <a:endParaRPr lang="en-US" altLang="zh-CN">
+              <a:solidFill>
+                <a:schemeClr val="tx1"/>
+              </a:solidFill>
+              <a:uFillTx/>
+              <a:latin typeface="等线" panose="02010600030101010101" charset="-122"/>
+            </a:endParaRPr>
+          </a:p>
+          <a:p>
+            <a:pPr lvl="1"/>
+            <a:r>
+              <a:rPr lang="en-US" altLang="zh-CN">
+                <a:solidFill>
+                  <a:schemeClr val="tx1"/>
+                </a:solidFill>
+                <a:uFillTx/>
+                <a:latin typeface="等线" panose="02010600030101010101" charset="-122"/>
+              </a:rPr>
+              <a:t> </a:t>
+            </a:r>
+            <a:r>
+              <a:rPr lang="zh-CN" altLang="en-US">
+                <a:solidFill>
+                  <a:schemeClr val="tx1"/>
+                </a:solidFill>
+                <a:uFillTx/>
+                <a:latin typeface="等线" panose="02010600030101010101" charset="-122"/>
+              </a:rPr>
+              <a:t>复现</a:t>
+            </a:r>
+            <a:r>
+              <a:rPr lang="en-US" altLang="zh-CN">
+                <a:solidFill>
+                  <a:schemeClr val="tx1"/>
+                </a:solidFill>
+                <a:uFillTx/>
+                <a:latin typeface="等线" panose="02010600030101010101" charset="-122"/>
+              </a:rPr>
+              <a:t>paper</a:t>
+            </a:r>
+            <a:r>
+              <a:rPr lang="zh-CN" altLang="en-US">
+                <a:solidFill>
+                  <a:schemeClr val="tx1"/>
+                </a:solidFill>
+                <a:uFillTx/>
+                <a:latin typeface="等线" panose="02010600030101010101" charset="-122"/>
+              </a:rPr>
+              <a:t>中</a:t>
+            </a:r>
+            <a:r>
+              <a:rPr lang="en-US" altLang="zh-CN">
+                <a:solidFill>
+                  <a:schemeClr val="tx1"/>
+                </a:solidFill>
+                <a:uFillTx/>
+                <a:latin typeface="等线" panose="02010600030101010101" charset="-122"/>
+              </a:rPr>
+              <a:t>Serverless</a:t>
+            </a:r>
+            <a:r>
+              <a:rPr lang="zh-CN" altLang="en-US">
+                <a:solidFill>
+                  <a:schemeClr val="tx1"/>
+                </a:solidFill>
+                <a:uFillTx/>
+                <a:latin typeface="等线" panose="02010600030101010101" charset="-122"/>
+              </a:rPr>
+              <a:t>数据分析应用的访问特征</a:t>
+            </a:r>
+            <a:endParaRPr lang="en-US" altLang="zh-CN">
+              <a:solidFill>
+                <a:schemeClr val="tx1"/>
+              </a:solidFill>
+              <a:uFillTx/>
+              <a:latin typeface="等线" panose="02010600030101010101" charset="-122"/>
+            </a:endParaRPr>
+          </a:p>
+          <a:p>
+            <a:pPr lvl="1"/>
+            <a:r>
+              <a:rPr lang="en-US" altLang="zh-CN">
+                <a:solidFill>
+                  <a:schemeClr val="tx1"/>
+                </a:solidFill>
+                <a:uFillTx/>
+                <a:latin typeface="等线" panose="02010600030101010101" charset="-122"/>
+              </a:rPr>
+              <a:t>Pywren</a:t>
             </a:r>
             <a:r>
               <a:rPr lang="en-US" altLang="zh-CN" baseline="30000">
@@ -16846,7 +17587,7 @@
             </a:endParaRPr>
           </a:p>
           <a:p>
-            <a:pPr lvl="1"/>
+            <a:pPr lvl="2"/>
             <a:r>
               <a:rPr lang="en-US" altLang="zh-CN">
                 <a:solidFill>
@@ -16876,7 +17617,7 @@
             </a:endParaRPr>
           </a:p>
           <a:p>
-            <a:pPr lvl="1"/>
+            <a:pPr lvl="2"/>
             <a:endParaRPr lang="en-US" altLang="zh-CN">
               <a:solidFill>
                 <a:schemeClr val="tx1"/>
@@ -16895,18 +17636,83 @@
                 <a:uFillTx/>
                 <a:latin typeface="等线" panose="02010600030101010101" charset="-122"/>
               </a:rPr>
-              <a:t> W</a:t>
-            </a:r>
-            <a:r>
-              <a:rPr lang="en-US" altLang="zh-CN">
+              <a:t> Wukong</a:t>
+            </a:r>
+            <a:r>
+              <a:rPr lang="en-US" altLang="zh-CN" baseline="30000">
                 <a:solidFill>
                   <a:schemeClr val="tx1"/>
                 </a:solidFill>
                 <a:uFillTx/>
                 <a:latin typeface="等线" panose="02010600030101010101" charset="-122"/>
               </a:rPr>
-              <a:t>ukong</a:t>
-            </a:r>
+              <a:t>[2]</a:t>
+            </a:r>
+            <a:endParaRPr lang="en-US" altLang="zh-CN" baseline="30000">
+              <a:solidFill>
+                <a:schemeClr val="tx1"/>
+              </a:solidFill>
+              <a:uFillTx/>
+              <a:latin typeface="等线" panose="02010600030101010101" charset="-122"/>
+            </a:endParaRPr>
+          </a:p>
+          <a:p>
+            <a:pPr lvl="1">
+              <a:buFont typeface="Wingdings" panose="05000000000000000000" charset="0"/>
+              <a:buChar char="n"/>
+            </a:pPr>
+            <a:r>
+              <a:rPr lang="en-US" altLang="zh-CN" sz="2400">
+                <a:uFillTx/>
+                <a:latin typeface="+mn-lt"/>
+                <a:ea typeface="+mn-lt"/>
+                <a:sym typeface="+mn-ea"/>
+              </a:rPr>
+              <a:t> One function per task</a:t>
+            </a:r>
+            <a:r>
+              <a:rPr lang="zh-CN" altLang="en-US" sz="2400">
+                <a:uFillTx/>
+                <a:latin typeface="+mn-lt"/>
+                <a:ea typeface="+mn-lt"/>
+                <a:sym typeface="+mn-ea"/>
+              </a:rPr>
+              <a:t>是通用的设计范式？</a:t>
+            </a:r>
+            <a:endParaRPr lang="zh-CN" altLang="en-US" sz="2400">
+              <a:solidFill>
+                <a:schemeClr val="tx1"/>
+              </a:solidFill>
+              <a:uFillTx/>
+              <a:latin typeface="+mn-lt"/>
+              <a:ea typeface="+mn-lt"/>
+            </a:endParaRPr>
+          </a:p>
+          <a:p>
+            <a:pPr lvl="2">
+              <a:buFont typeface="Wingdings" panose="05000000000000000000" charset="0"/>
+              <a:buChar char="l"/>
+            </a:pPr>
+            <a:r>
+              <a:rPr lang="en-US" altLang="zh-CN" sz="2400">
+                <a:uFillTx/>
+                <a:latin typeface="+mn-lt"/>
+                <a:ea typeface="+mn-lt"/>
+                <a:sym typeface="+mn-ea"/>
+              </a:rPr>
+              <a:t> One function per task -&gt; 过于笨重，削弱了弹性，不便于调度 -&gt; 解耦成函数链(通信开销和扩展性的trade-off) -&gt; stage-aware ?</a:t>
+            </a:r>
+            <a:endParaRPr lang="en-US" altLang="zh-CN" sz="2400">
+              <a:solidFill>
+                <a:schemeClr val="tx1"/>
+              </a:solidFill>
+              <a:uFillTx/>
+              <a:latin typeface="+mn-lt"/>
+              <a:ea typeface="+mn-lt"/>
+            </a:endParaRPr>
+          </a:p>
+          <a:p>
+            <a:pPr lvl="0"/>
             <a:endParaRPr lang="en-US" altLang="zh-CN">
               <a:solidFill>
                 <a:schemeClr val="tx1"/>
@@ -16949,8 +17755,8 @@
         </p:nvSpPr>
         <p:spPr>
           <a:xfrm>
-            <a:off x="0" y="6520815"/>
-            <a:ext cx="11722735" cy="337185"/>
+            <a:off x="0" y="6274435"/>
+            <a:ext cx="11722735" cy="583565"/>
           </a:xfrm>
           <a:prstGeom prst="rect">
             <a:avLst/>
@@ -16983,6 +17789,27 @@
                 <a:sym typeface="+mn-ea"/>
               </a:rPr>
               <a:t>Occupy the Cloud: Distributed Computing for the 99%  SoCC’17</a:t>
+            </a:r>
+            <a:endParaRPr lang="en-US" altLang="zh-CN" sz="1600">
+              <a:solidFill>
+                <a:schemeClr val="bg2">
+                  <a:lumMod val="50000"/>
+                </a:schemeClr>
+              </a:solidFill>
+              <a:sym typeface="+mn-ea"/>
+            </a:endParaRPr>
+          </a:p>
+          <a:p>
+            <a:r>
+              <a:rPr lang="en-US" altLang="zh-CN" sz="1600">
+                <a:solidFill>
+                  <a:schemeClr val="bg2">
+                    <a:lumMod val="50000"/>
+                  </a:schemeClr>
+                </a:solidFill>
+                <a:sym typeface="+mn-ea"/>
+              </a:rPr>
+              <a:t>[2] Wukong: A Scalable and Locality-Enhanced Framework for Serverless Parallel Computing  SoCC’20</a:t>
             </a:r>
             <a:endParaRPr lang="en-US" altLang="zh-CN" sz="1600">
               <a:solidFill>
@@ -23743,6 +24570,45 @@
           </a:p>
         </p:txBody>
       </p:sp>
+      <p:sp>
+        <p:nvSpPr>
+          <p:cNvPr id="23" name="文本框 22"/>
+          <p:cNvSpPr txBox="1"/>
+          <p:nvPr/>
+        </p:nvSpPr>
+        <p:spPr>
+          <a:xfrm>
+            <a:off x="8790940" y="2344420"/>
+            <a:ext cx="1309370" cy="368300"/>
+          </a:xfrm>
+          <a:prstGeom prst="rect">
+            <a:avLst/>
+          </a:prstGeom>
+          <a:noFill/>
+        </p:spPr>
+        <p:txBody>
+          <a:bodyPr wrap="square" rtlCol="0">
+            <a:spAutoFit/>
+          </a:bodyPr>
+          <a:p>
+            <a:r>
+              <a:rPr lang="en-US" altLang="zh-CN" b="1">
+                <a:ea typeface="+mn-lt"/>
+              </a:rPr>
+              <a:t>V</a:t>
+            </a:r>
+            <a:r>
+              <a:rPr lang="en-US" altLang="zh-CN" b="1">
+                <a:ea typeface="+mn-lt"/>
+              </a:rPr>
+              <a:t>ideo 6GB</a:t>
+            </a:r>
+            <a:endParaRPr lang="zh-CN" altLang="en-US" b="1">
+              <a:ea typeface="+mn-lt"/>
+            </a:endParaRPr>
+          </a:p>
+        </p:txBody>
+      </p:sp>
     </p:spTree>
   </p:cSld>
   <p:clrMapOvr>
@@ -23876,6 +24742,33 @@
                                   </p:childTnLst>
                                 </p:cTn>
                               </p:par>
+                              <p:par>
+                                <p:cTn id="13" presetID="1" presetClass="entr" presetSubtype="0" fill="hold" grpId="0" nodeType="withEffect">
+                                  <p:stCondLst>
+                                    <p:cond delay="0"/>
+                                  </p:stCondLst>
+                                  <p:childTnLst>
+                                    <p:set>
+                                      <p:cBhvr>
+                                        <p:cTn id="14" dur="1" fill="hold">
+                                          <p:stCondLst>
+                                            <p:cond delay="0"/>
+                                          </p:stCondLst>
+                                        </p:cTn>
+                                        <p:tgtEl>
+                                          <p:spTgt spid="23"/>
+                                        </p:tgtEl>
+                                        <p:attrNameLst>
+                                          <p:attrName>style.visibility</p:attrName>
+                                        </p:attrNameLst>
+                                      </p:cBhvr>
+                                      <p:to>
+                                        <p:strVal val="visible"/>
+                                      </p:to>
+                                    </p:set>
+                                  </p:childTnLst>
+                                </p:cTn>
+                              </p:par>
                             </p:childTnLst>
                           </p:cTn>
                         </p:par>
@@ -23908,6 +24801,7 @@
       <p:bldP spid="109" grpId="0"/>
       <p:bldP spid="110" grpId="0"/>
       <p:bldP spid="111" grpId="0"/>
+      <p:bldP spid="23" grpId="0"/>
     </p:bldLst>
   </p:timing>
 </p:sld>
@@ -28617,107 +29511,9 @@
             </a:endParaRPr>
           </a:p>
           <a:p>
-            <a:pPr marL="457200" lvl="1" indent="0"/>
-            <a:r>
-              <a:rPr lang="en-US" altLang="zh-CN">
-                <a:solidFill>
-                  <a:schemeClr val="tx1"/>
-                </a:solidFill>
-                <a:uFillTx/>
-                <a:latin typeface="等线" panose="02010600030101010101" charset="-122"/>
-              </a:rPr>
-              <a:t>  Applications that read/write </a:t>
-            </a:r>
-            <a:r>
-              <a:rPr lang="en-US" altLang="zh-CN" b="1">
-                <a:solidFill>
-                  <a:schemeClr val="tx1"/>
-                </a:solidFill>
-                <a:uFillTx/>
-                <a:latin typeface="等线" panose="02010600030101010101" charset="-122"/>
-              </a:rPr>
-              <a:t>large objects</a:t>
-            </a:r>
-            <a:r>
-              <a:rPr lang="en-US" altLang="zh-CN">
-                <a:solidFill>
-                  <a:schemeClr val="tx1"/>
-                </a:solidFill>
-                <a:uFillTx/>
-                <a:latin typeface="等线" panose="02010600030101010101" charset="-122"/>
-              </a:rPr>
-              <a:t> demand </a:t>
-            </a:r>
-            <a:r>
-              <a:rPr lang="en-US" altLang="zh-CN" b="1">
-                <a:solidFill>
-                  <a:schemeClr val="tx1"/>
-                </a:solidFill>
-                <a:uFillTx/>
-                <a:latin typeface="等线" panose="02010600030101010101" charset="-122"/>
-              </a:rPr>
-              <a:t>high throughput</a:t>
-            </a:r>
-            <a:r>
-              <a:rPr lang="en-US" altLang="zh-CN">
-                <a:solidFill>
-                  <a:schemeClr val="tx1"/>
-                </a:solidFill>
-                <a:uFillTx/>
-                <a:latin typeface="等线" panose="02010600030101010101" charset="-122"/>
-              </a:rPr>
-              <a:t> while </a:t>
-            </a:r>
-            <a:r>
-              <a:rPr lang="en-US" altLang="zh-CN" b="1">
-                <a:solidFill>
-                  <a:srgbClr val="0070C0"/>
-                </a:solidFill>
-                <a:uFillTx/>
-                <a:latin typeface="等线" panose="02010600030101010101" charset="-122"/>
-              </a:rPr>
-              <a:t>low latency</a:t>
-            </a:r>
-            <a:r>
-              <a:rPr lang="en-US" altLang="zh-CN">
-                <a:solidFill>
-                  <a:schemeClr val="tx1"/>
-                </a:solidFill>
-                <a:uFillTx/>
-                <a:latin typeface="等线" panose="02010600030101010101" charset="-122"/>
-              </a:rPr>
-              <a:t> is important for </a:t>
-            </a:r>
-            <a:r>
-              <a:rPr lang="en-US" altLang="zh-CN" b="1">
-                <a:solidFill>
-                  <a:srgbClr val="0070C0"/>
-                </a:solidFill>
-                <a:uFillTx/>
-                <a:latin typeface="等线" panose="02010600030101010101" charset="-122"/>
-              </a:rPr>
-              <a:t>small object</a:t>
-            </a:r>
-            <a:r>
-              <a:rPr lang="en-US" altLang="zh-CN">
-                <a:solidFill>
-                  <a:schemeClr val="tx1"/>
-                </a:solidFill>
-                <a:uFillTx/>
-                <a:latin typeface="等线" panose="02010600030101010101" charset="-122"/>
-              </a:rPr>
-              <a:t> accesses</a:t>
-            </a:r>
-            <a:r>
-              <a:rPr lang="en-US" altLang="zh-CN" baseline="30000">
-                <a:solidFill>
-                  <a:schemeClr val="tx1"/>
-                </a:solidFill>
-                <a:uFillTx/>
-                <a:latin typeface="等线" panose="02010600030101010101" charset="-122"/>
-              </a:rPr>
-              <a:t>[1]</a:t>
-            </a:r>
+            <a:pPr marL="457200" lvl="1" indent="0">
+              <a:buNone/>
+            </a:pPr>
             <a:endParaRPr lang="en-US" altLang="zh-CN">
               <a:solidFill>
                 <a:schemeClr val="tx1"/>
@@ -28760,7 +29556,7 @@
         </p:blipFill>
         <p:spPr>
           <a:xfrm>
-            <a:off x="3255010" y="3180715"/>
+            <a:off x="3255010" y="2816225"/>
             <a:ext cx="5991860" cy="3041650"/>
           </a:xfrm>
           <a:prstGeom prst="rect">
@@ -28776,7 +29572,7 @@
         </p:nvSpPr>
         <p:spPr>
           <a:xfrm>
-            <a:off x="3609975" y="6152515"/>
+            <a:off x="3550920" y="5857875"/>
             <a:ext cx="5695950" cy="368300"/>
           </a:xfrm>
           <a:prstGeom prst="rect">
@@ -28860,7 +29656,7 @@
       <p:pic>
         <p:nvPicPr>
           <p:cNvPr id="6" name="图片 5" descr="返回">
-            <a:hlinkClick r:id="rId3" tooltip="" action="ppaction://hlinksldjump"/>
+            <a:hlinkClick r:id="rId3" action="ppaction://hlinksldjump"/>
           </p:cNvPr>
           <p:cNvPicPr>
             <a:picLocks noChangeAspect="1"/>
